--- a/Counting Cards.pptx
+++ b/Counting Cards.pptx
@@ -6,10 +6,14 @@
   </p:sldMasterIdLst>
   <p:sldIdLst>
     <p:sldId id="256" r:id="rId2"/>
-    <p:sldId id="257" r:id="rId3"/>
-    <p:sldId id="258" r:id="rId4"/>
-    <p:sldId id="259" r:id="rId5"/>
-    <p:sldId id="260" r:id="rId6"/>
+    <p:sldId id="261" r:id="rId3"/>
+    <p:sldId id="257" r:id="rId4"/>
+    <p:sldId id="262" r:id="rId5"/>
+    <p:sldId id="258" r:id="rId6"/>
+    <p:sldId id="259" r:id="rId7"/>
+    <p:sldId id="260" r:id="rId8"/>
+    <p:sldId id="263" r:id="rId9"/>
+    <p:sldId id="264" r:id="rId10"/>
   </p:sldIdLst>
   <p:sldSz cx="12192000" cy="6858000"/>
   <p:notesSz cx="6858000" cy="9144000"/>
@@ -108,6 +112,11 @@
       </a:defRPr>
     </a:lvl9pPr>
   </p:defaultTextStyle>
+  <p:extLst>
+    <p:ext uri="{EFAFB233-063F-42B5-8137-9DF3F51BA10A}">
+      <p15:sldGuideLst xmlns:p15="http://schemas.microsoft.com/office/powerpoint/2012/main"/>
+    </p:ext>
+  </p:extLst>
 </p:presentation>
 </file>
 
@@ -294,7 +303,7 @@
           <a:p>
             <a:fld id="{4AAD347D-5ACD-4C99-B74B-A9C85AD731AF}" type="datetimeFigureOut">
               <a:rPr lang="en-US" dirty="0"/>
-              <a:t>3/19/2020</a:t>
+              <a:t>5/5/2020</a:t>
             </a:fld>
             <a:endParaRPr lang="en-US" dirty="0"/>
           </a:p>
@@ -564,7 +573,7 @@
           <a:p>
             <a:fld id="{4509A250-FF31-4206-8172-F9D3106AACB1}" type="datetimeFigureOut">
               <a:rPr lang="en-US" dirty="0"/>
-              <a:t>3/19/2020</a:t>
+              <a:t>5/5/2020</a:t>
             </a:fld>
             <a:endParaRPr lang="en-US" dirty="0"/>
           </a:p>
@@ -753,7 +762,7 @@
           <a:p>
             <a:fld id="{4509A250-FF31-4206-8172-F9D3106AACB1}" type="datetimeFigureOut">
               <a:rPr lang="en-US" dirty="0"/>
-              <a:t>3/19/2020</a:t>
+              <a:t>5/5/2020</a:t>
             </a:fld>
             <a:endParaRPr lang="en-US" dirty="0"/>
           </a:p>
@@ -1016,7 +1025,7 @@
           <a:p>
             <a:fld id="{4509A250-FF31-4206-8172-F9D3106AACB1}" type="datetimeFigureOut">
               <a:rPr lang="en-US" dirty="0"/>
-              <a:t>3/19/2020</a:t>
+              <a:t>5/5/2020</a:t>
             </a:fld>
             <a:endParaRPr lang="en-US" dirty="0"/>
           </a:p>
@@ -1343,7 +1352,7 @@
           <a:p>
             <a:fld id="{4509A250-FF31-4206-8172-F9D3106AACB1}" type="datetimeFigureOut">
               <a:rPr lang="en-US" dirty="0"/>
-              <a:t>3/19/2020</a:t>
+              <a:t>5/5/2020</a:t>
             </a:fld>
             <a:endParaRPr lang="en-US" dirty="0"/>
           </a:p>
@@ -1948,7 +1957,7 @@
           <a:p>
             <a:fld id="{4509A250-FF31-4206-8172-F9D3106AACB1}" type="datetimeFigureOut">
               <a:rPr lang="en-US" dirty="0"/>
-              <a:t>3/19/2020</a:t>
+              <a:t>5/5/2020</a:t>
             </a:fld>
             <a:endParaRPr lang="en-US" dirty="0"/>
           </a:p>
@@ -2790,7 +2799,7 @@
           <a:p>
             <a:fld id="{4509A250-FF31-4206-8172-F9D3106AACB1}" type="datetimeFigureOut">
               <a:rPr lang="en-US" dirty="0"/>
-              <a:t>3/19/2020</a:t>
+              <a:t>5/5/2020</a:t>
             </a:fld>
             <a:endParaRPr lang="en-US" dirty="0"/>
           </a:p>
@@ -2955,7 +2964,7 @@
           <a:p>
             <a:fld id="{4509A250-FF31-4206-8172-F9D3106AACB1}" type="datetimeFigureOut">
               <a:rPr lang="en-US" dirty="0"/>
-              <a:t>3/19/2020</a:t>
+              <a:t>5/5/2020</a:t>
             </a:fld>
             <a:endParaRPr lang="en-US" dirty="0"/>
           </a:p>
@@ -3130,7 +3139,7 @@
           <a:p>
             <a:fld id="{4509A250-FF31-4206-8172-F9D3106AACB1}" type="datetimeFigureOut">
               <a:rPr lang="en-US" dirty="0"/>
-              <a:t>3/19/2020</a:t>
+              <a:t>5/5/2020</a:t>
             </a:fld>
             <a:endParaRPr lang="en-US" dirty="0"/>
           </a:p>
@@ -3295,7 +3304,7 @@
           <a:p>
             <a:fld id="{4509A250-FF31-4206-8172-F9D3106AACB1}" type="datetimeFigureOut">
               <a:rPr lang="en-US" dirty="0"/>
-              <a:t>3/19/2020</a:t>
+              <a:t>5/5/2020</a:t>
             </a:fld>
             <a:endParaRPr lang="en-US" dirty="0"/>
           </a:p>
@@ -3534,7 +3543,7 @@
           <a:p>
             <a:fld id="{9796027F-7875-4030-9381-8BD8C4F21935}" type="datetimeFigureOut">
               <a:rPr lang="en-US" dirty="0"/>
-              <a:t>3/19/2020</a:t>
+              <a:t>5/5/2020</a:t>
             </a:fld>
             <a:endParaRPr lang="en-US" dirty="0"/>
           </a:p>
@@ -3821,7 +3830,7 @@
           <a:p>
             <a:fld id="{9796027F-7875-4030-9381-8BD8C4F21935}" type="datetimeFigureOut">
               <a:rPr lang="en-US" dirty="0"/>
-              <a:t>3/19/2020</a:t>
+              <a:t>5/5/2020</a:t>
             </a:fld>
             <a:endParaRPr lang="en-US" dirty="0"/>
           </a:p>
@@ -4254,7 +4263,7 @@
           <a:p>
             <a:fld id="{9796027F-7875-4030-9381-8BD8C4F21935}" type="datetimeFigureOut">
               <a:rPr lang="en-US" dirty="0"/>
-              <a:t>3/19/2020</a:t>
+              <a:t>5/5/2020</a:t>
             </a:fld>
             <a:endParaRPr lang="en-US" dirty="0"/>
           </a:p>
@@ -4367,7 +4376,7 @@
           <a:p>
             <a:fld id="{4509A250-FF31-4206-8172-F9D3106AACB1}" type="datetimeFigureOut">
               <a:rPr lang="en-US" dirty="0"/>
-              <a:t>3/19/2020</a:t>
+              <a:t>5/5/2020</a:t>
             </a:fld>
             <a:endParaRPr lang="en-US" dirty="0"/>
           </a:p>
@@ -4457,7 +4466,7 @@
           <a:p>
             <a:fld id="{4509A250-FF31-4206-8172-F9D3106AACB1}" type="datetimeFigureOut">
               <a:rPr lang="en-US" dirty="0"/>
-              <a:t>3/19/2020</a:t>
+              <a:t>5/5/2020</a:t>
             </a:fld>
             <a:endParaRPr lang="en-US" dirty="0"/>
           </a:p>
@@ -4731,7 +4740,7 @@
           <a:p>
             <a:fld id="{4509A250-FF31-4206-8172-F9D3106AACB1}" type="datetimeFigureOut">
               <a:rPr lang="en-US" dirty="0"/>
-              <a:t>3/19/2020</a:t>
+              <a:t>5/5/2020</a:t>
             </a:fld>
             <a:endParaRPr lang="en-US" dirty="0"/>
           </a:p>
@@ -5001,7 +5010,7 @@
           <a:p>
             <a:fld id="{4509A250-FF31-4206-8172-F9D3106AACB1}" type="datetimeFigureOut">
               <a:rPr lang="en-US" dirty="0"/>
-              <a:t>3/19/2020</a:t>
+              <a:t>5/5/2020</a:t>
             </a:fld>
             <a:endParaRPr lang="en-US" dirty="0"/>
           </a:p>
@@ -5425,7 +5434,7 @@
           <a:p>
             <a:fld id="{4AAD347D-5ACD-4C99-B74B-A9C85AD731AF}" type="datetimeFigureOut">
               <a:rPr lang="en-US" dirty="0"/>
-              <a:t>3/19/2020</a:t>
+              <a:t>5/5/2020</a:t>
             </a:fld>
             <a:endParaRPr lang="en-US" dirty="0"/>
           </a:p>
@@ -6013,7 +6022,7 @@
           <p:cNvPr id="2" name="Title 1">
             <a:extLst>
               <a:ext uri="{FF2B5EF4-FFF2-40B4-BE49-F238E27FC236}">
-                <a16:creationId xmlns:a16="http://schemas.microsoft.com/office/drawing/2014/main" id="{46A05D74-88D2-41B3-B833-472473529198}"/>
+                <a16:creationId xmlns:a16="http://schemas.microsoft.com/office/drawing/2014/main" id="{ACE6B2F8-ECE4-40E4-B001-3ED8E9A5BC9E}"/>
               </a:ext>
             </a:extLst>
           </p:cNvPr>
@@ -6030,9 +6039,10 @@
           <a:lstStyle/>
           <a:p>
             <a:r>
-              <a:rPr lang="en-US" dirty="0"/>
-              <a:t>The count</a:t>
-            </a:r>
+              <a:rPr lang="en-US" dirty="0" err="1"/>
+              <a:t>BlackJack</a:t>
+            </a:r>
+            <a:endParaRPr lang="en-US" dirty="0"/>
           </a:p>
         </p:txBody>
       </p:sp>
@@ -6041,7 +6051,7 @@
           <p:cNvPr id="3" name="Content Placeholder 2">
             <a:extLst>
               <a:ext uri="{FF2B5EF4-FFF2-40B4-BE49-F238E27FC236}">
-                <a16:creationId xmlns:a16="http://schemas.microsoft.com/office/drawing/2014/main" id="{DF86CF37-A341-4751-9575-9F6E0CF16D9F}"/>
+                <a16:creationId xmlns:a16="http://schemas.microsoft.com/office/drawing/2014/main" id="{AF6436B8-1F17-449E-92AC-52EFA77B7DB8}"/>
               </a:ext>
             </a:extLst>
           </p:cNvPr>
@@ -6059,25 +6069,25 @@
           <a:p>
             <a:r>
               <a:rPr lang="en-US" dirty="0"/>
-              <a:t>2-6: count +=1</a:t>
-            </a:r>
-          </a:p>
-          <a:p>
-            <a:r>
-              <a:rPr lang="en-US" dirty="0"/>
-              <a:t>7-9: no change</a:t>
-            </a:r>
-          </a:p>
-          <a:p>
-            <a:r>
-              <a:rPr lang="en-US" dirty="0"/>
-              <a:t>1 or 10: count -=1</a:t>
-            </a:r>
-          </a:p>
-          <a:p>
-            <a:r>
-              <a:rPr lang="en-US" dirty="0"/>
-              <a:t>The higher the count the greater the chance of a high card being dealt</a:t>
+              <a:t>You vs the dealer</a:t>
+            </a:r>
+          </a:p>
+          <a:p>
+            <a:r>
+              <a:rPr lang="en-US" dirty="0"/>
+              <a:t>You can hit or stand</a:t>
+            </a:r>
+          </a:p>
+          <a:p>
+            <a:r>
+              <a:rPr lang="en-US" dirty="0"/>
+              <a:t>Card total over 21 you bust</a:t>
+            </a:r>
+          </a:p>
+          <a:p>
+            <a:r>
+              <a:rPr lang="en-US" dirty="0"/>
+              <a:t>Card total is less then the dealer you lose</a:t>
             </a:r>
           </a:p>
         </p:txBody>
@@ -6085,7 +6095,7 @@
     </p:spTree>
     <p:extLst>
       <p:ext uri="{BB962C8B-B14F-4D97-AF65-F5344CB8AC3E}">
-        <p14:creationId xmlns:p14="http://schemas.microsoft.com/office/powerpoint/2010/main" val="491614043"/>
+        <p14:creationId xmlns:p14="http://schemas.microsoft.com/office/powerpoint/2010/main" val="3140664963"/>
       </p:ext>
     </p:extLst>
   </p:cSld>
@@ -6098,6 +6108,28 @@
 <file path=ppt/slides/slide3.xml><?xml version="1.0" encoding="utf-8"?>
 <p:sld xmlns:a="http://schemas.openxmlformats.org/drawingml/2006/main" xmlns:r="http://schemas.openxmlformats.org/officeDocument/2006/relationships" xmlns:p="http://schemas.openxmlformats.org/presentationml/2006/main">
   <p:cSld>
+    <p:bg>
+      <p:bgPr>
+        <a:blipFill rotWithShape="1">
+          <a:blip r:embed="rId2">
+            <a:duotone>
+              <a:schemeClr val="bg2">
+                <a:shade val="42000"/>
+                <a:hueMod val="42000"/>
+                <a:satMod val="124000"/>
+                <a:lumMod val="62000"/>
+              </a:schemeClr>
+              <a:schemeClr val="bg2">
+                <a:tint val="96000"/>
+                <a:satMod val="130000"/>
+              </a:schemeClr>
+            </a:duotone>
+          </a:blip>
+          <a:stretch/>
+        </a:blipFill>
+        <a:effectLst/>
+      </p:bgPr>
+    </p:bg>
     <p:spTree>
       <p:nvGrpSpPr>
         <p:cNvPr id="1" name=""/>
@@ -6117,7 +6149,7 @@
           <p:cNvPr id="2" name="Title 1">
             <a:extLst>
               <a:ext uri="{FF2B5EF4-FFF2-40B4-BE49-F238E27FC236}">
-                <a16:creationId xmlns:a16="http://schemas.microsoft.com/office/drawing/2014/main" id="{2758F142-51BA-4736-A473-9DDEC9DA0FCF}"/>
+                <a16:creationId xmlns:a16="http://schemas.microsoft.com/office/drawing/2014/main" id="{46A05D74-88D2-41B3-B833-472473529198}"/>
               </a:ext>
             </a:extLst>
           </p:cNvPr>
@@ -6128,24 +6160,136 @@
             <p:ph type="title"/>
           </p:nvPr>
         </p:nvSpPr>
-        <p:spPr/>
-        <p:txBody>
-          <a:bodyPr/>
-          <a:lstStyle/>
-          <a:p>
-            <a:r>
-              <a:rPr lang="en-US" dirty="0"/>
-              <a:t>Observation space</a:t>
-            </a:r>
-          </a:p>
-        </p:txBody>
+        <p:spPr>
+          <a:xfrm>
+            <a:off x="648929" y="629266"/>
+            <a:ext cx="6256423" cy="1641987"/>
+          </a:xfrm>
+        </p:spPr>
+        <p:txBody>
+          <a:bodyPr>
+            <a:normAutofit/>
+          </a:bodyPr>
+          <a:lstStyle/>
+          <a:p>
+            <a:r>
+              <a:rPr lang="en-US" dirty="0"/>
+              <a:t>The count</a:t>
+            </a:r>
+          </a:p>
+        </p:txBody>
+      </p:sp>
+      <p:pic>
+        <p:nvPicPr>
+          <p:cNvPr id="1026" name="Picture 2" descr="The father of card-counting, Edward Thorp">
+            <a:extLst>
+              <a:ext uri="{FF2B5EF4-FFF2-40B4-BE49-F238E27FC236}">
+                <a16:creationId xmlns:a16="http://schemas.microsoft.com/office/drawing/2014/main" id="{5C6CB1D8-6784-4E96-8DAC-B8FBF2925EBA}"/>
+              </a:ext>
+            </a:extLst>
+          </p:cNvPr>
+          <p:cNvPicPr>
+            <a:picLocks noChangeAspect="1" noChangeArrowheads="1"/>
+          </p:cNvPicPr>
+          <p:nvPr/>
+        </p:nvPicPr>
+        <p:blipFill rotWithShape="1">
+          <a:blip r:embed="rId3">
+            <a:extLst>
+              <a:ext uri="{28A0092B-C50C-407E-A947-70E740481C1C}">
+                <a14:useLocalDpi xmlns:a14="http://schemas.microsoft.com/office/drawing/2010/main" val="0"/>
+              </a:ext>
+            </a:extLst>
+          </a:blip>
+          <a:srcRect r="11547"/>
+          <a:stretch/>
+        </p:blipFill>
+        <p:spPr bwMode="auto">
+          <a:xfrm>
+            <a:off x="7554139" y="609601"/>
+            <a:ext cx="3990160" cy="5638797"/>
+          </a:xfrm>
+          <a:prstGeom prst="rect">
+            <a:avLst/>
+          </a:prstGeom>
+          <a:noFill/>
+          <a:effectLst>
+            <a:outerShdw blurRad="50800" dist="38100" dir="5400000" algn="t" rotWithShape="0">
+              <a:prstClr val="black">
+                <a:alpha val="43000"/>
+              </a:prstClr>
+            </a:outerShdw>
+          </a:effectLst>
+          <a:extLst>
+            <a:ext uri="{909E8E84-426E-40DD-AFC4-6F175D3DCCD1}">
+              <a14:hiddenFill xmlns:a14="http://schemas.microsoft.com/office/drawing/2010/main">
+                <a:solidFill>
+                  <a:srgbClr val="FFFFFF"/>
+                </a:solidFill>
+              </a14:hiddenFill>
+            </a:ext>
+          </a:extLst>
+        </p:spPr>
+      </p:pic>
+      <p:sp>
+        <p:nvSpPr>
+          <p:cNvPr id="71" name="Rectangle 70">
+            <a:extLst>
+              <a:ext uri="{FF2B5EF4-FFF2-40B4-BE49-F238E27FC236}">
+                <a16:creationId xmlns:a16="http://schemas.microsoft.com/office/drawing/2014/main" id="{FDCD76BE-EEDC-4FF5-A4BC-CBC2AD08FF7F}"/>
+              </a:ext>
+              <a:ext uri="{C183D7F6-B498-43B3-948B-1728B52AA6E4}">
+                <adec:decorative xmlns:adec="http://schemas.microsoft.com/office/drawing/2017/decorative" val="1"/>
+              </a:ext>
+            </a:extLst>
+          </p:cNvPr>
+          <p:cNvSpPr>
+            <a:spLocks noGrp="1" noRot="1" noChangeAspect="1" noMove="1" noResize="1" noEditPoints="1" noAdjustHandles="1" noChangeArrowheads="1" noChangeShapeType="1" noTextEdit="1"/>
+          </p:cNvSpPr>
+          <p:nvPr>
+            <p:extLst>
+              <p:ext uri="{386F3935-93C4-4BCD-93E2-E3B085C9AB24}">
+                <p16:designElem xmlns:p16="http://schemas.microsoft.com/office/powerpoint/2015/main" val="1"/>
+              </p:ext>
+            </p:extLst>
+          </p:nvPr>
+        </p:nvSpPr>
+        <p:spPr>
+          <a:xfrm>
+            <a:off x="10442448" y="0"/>
+            <a:ext cx="685800" cy="1143000"/>
+          </a:xfrm>
+          <a:prstGeom prst="rect">
+            <a:avLst/>
+          </a:prstGeom>
+          <a:solidFill>
+            <a:schemeClr val="accent1"/>
+          </a:solidFill>
+          <a:ln>
+            <a:noFill/>
+          </a:ln>
+        </p:spPr>
+        <p:style>
+          <a:lnRef idx="1">
+            <a:schemeClr val="accent1"/>
+          </a:lnRef>
+          <a:fillRef idx="3">
+            <a:schemeClr val="accent1"/>
+          </a:fillRef>
+          <a:effectRef idx="2">
+            <a:schemeClr val="accent1"/>
+          </a:effectRef>
+          <a:fontRef idx="minor">
+            <a:schemeClr val="lt1"/>
+          </a:fontRef>
+        </p:style>
       </p:sp>
       <p:sp>
         <p:nvSpPr>
           <p:cNvPr id="3" name="Content Placeholder 2">
             <a:extLst>
               <a:ext uri="{FF2B5EF4-FFF2-40B4-BE49-F238E27FC236}">
-                <a16:creationId xmlns:a16="http://schemas.microsoft.com/office/drawing/2014/main" id="{9E021957-B5F1-46AC-ACB9-351AAE2292D3}"/>
+                <a16:creationId xmlns:a16="http://schemas.microsoft.com/office/drawing/2014/main" id="{DF86CF37-A341-4751-9575-9F6E0CF16D9F}"/>
               </a:ext>
             </a:extLst>
           </p:cNvPr>
@@ -6156,122 +6300,57 @@
             <p:ph idx="1"/>
           </p:nvPr>
         </p:nvSpPr>
-        <p:spPr/>
-        <p:txBody>
-          <a:bodyPr/>
-          <a:lstStyle/>
-          <a:p>
-            <a:r>
-              <a:rPr lang="en-US" dirty="0" err="1"/>
-              <a:t>BlackJack.IPYNB</a:t>
-            </a:r>
-            <a:r>
-              <a:rPr lang="en-US" dirty="0"/>
-              <a:t>: </a:t>
-            </a:r>
-          </a:p>
-          <a:p>
-            <a:pPr lvl="1"/>
-            <a:r>
-              <a:rPr lang="en-US" dirty="0"/>
-              <a:t>(</a:t>
-            </a:r>
-            <a:r>
-              <a:rPr lang="en-US" dirty="0" err="1"/>
-              <a:t>sum_hand</a:t>
-            </a:r>
-            <a:r>
-              <a:rPr lang="en-US" dirty="0"/>
-              <a:t>(</a:t>
-            </a:r>
-            <a:r>
-              <a:rPr lang="en-US" dirty="0" err="1"/>
-              <a:t>self.player</a:t>
-            </a:r>
-            <a:r>
-              <a:rPr lang="en-US" dirty="0"/>
-              <a:t>), </a:t>
-            </a:r>
-            <a:r>
-              <a:rPr lang="en-US" dirty="0" err="1"/>
-              <a:t>self.dealer</a:t>
-            </a:r>
-            <a:r>
-              <a:rPr lang="en-US" dirty="0"/>
-              <a:t>[0], </a:t>
-            </a:r>
-            <a:r>
-              <a:rPr lang="en-US" dirty="0" err="1"/>
-              <a:t>usable_ace</a:t>
-            </a:r>
-            <a:r>
-              <a:rPr lang="en-US" dirty="0"/>
-              <a:t>(</a:t>
-            </a:r>
-            <a:r>
-              <a:rPr lang="en-US" dirty="0" err="1"/>
-              <a:t>self.player</a:t>
-            </a:r>
-            <a:r>
-              <a:rPr lang="en-US" dirty="0"/>
-              <a:t>))</a:t>
-            </a:r>
-          </a:p>
-          <a:p>
-            <a:r>
-              <a:rPr lang="en-US" dirty="0" err="1"/>
-              <a:t>CountBlackJack.IPYNB</a:t>
-            </a:r>
-            <a:r>
-              <a:rPr lang="en-US" dirty="0"/>
-              <a:t>:</a:t>
-            </a:r>
-          </a:p>
-          <a:p>
-            <a:pPr lvl="1"/>
-            <a:r>
-              <a:rPr lang="en-US" dirty="0"/>
-              <a:t>(</a:t>
-            </a:r>
-            <a:r>
-              <a:rPr lang="en-US" dirty="0" err="1"/>
-              <a:t>sum_hand</a:t>
-            </a:r>
-            <a:r>
-              <a:rPr lang="en-US" dirty="0"/>
-              <a:t>(</a:t>
-            </a:r>
-            <a:r>
-              <a:rPr lang="en-US" dirty="0" err="1"/>
-              <a:t>self.player</a:t>
-            </a:r>
-            <a:r>
-              <a:rPr lang="en-US" dirty="0"/>
-              <a:t>), </a:t>
-            </a:r>
-            <a:r>
-              <a:rPr lang="en-US" dirty="0" err="1"/>
-              <a:t>countn</a:t>
-            </a:r>
-            <a:r>
-              <a:rPr lang="en-US" dirty="0"/>
-              <a:t>, </a:t>
-            </a:r>
-            <a:r>
-              <a:rPr lang="en-US" dirty="0" err="1"/>
-              <a:t>usable_ace</a:t>
-            </a:r>
-            <a:r>
-              <a:rPr lang="en-US" dirty="0"/>
-              <a:t>(</a:t>
-            </a:r>
-            <a:r>
-              <a:rPr lang="en-US" dirty="0" err="1"/>
-              <a:t>self.player</a:t>
-            </a:r>
-            <a:r>
-              <a:rPr lang="en-US" dirty="0"/>
-              <a:t>))</a:t>
+        <p:spPr>
+          <a:xfrm>
+            <a:off x="647700" y="2438401"/>
+            <a:ext cx="6258737" cy="3809998"/>
+          </a:xfrm>
+        </p:spPr>
+        <p:txBody>
+          <a:bodyPr>
+            <a:normAutofit/>
+          </a:bodyPr>
+          <a:lstStyle/>
+          <a:p>
+            <a:r>
+              <a:rPr lang="en-US" dirty="0"/>
+              <a:t>Best odds 49%</a:t>
+            </a:r>
+          </a:p>
+          <a:p>
+            <a:r>
+              <a:rPr lang="en-US" dirty="0"/>
+              <a:t>Edward Thorp wrote “Beat the Dealer” published in 1962</a:t>
+            </a:r>
+          </a:p>
+          <a:p>
+            <a:r>
+              <a:rPr lang="en-US" dirty="0"/>
+              <a:t>2-6: count +=1</a:t>
+            </a:r>
+          </a:p>
+          <a:p>
+            <a:r>
+              <a:rPr lang="en-US" dirty="0"/>
+              <a:t>7-9: no change</a:t>
+            </a:r>
+          </a:p>
+          <a:p>
+            <a:r>
+              <a:rPr lang="en-US" dirty="0"/>
+              <a:t>1 or 10: count -=1</a:t>
+            </a:r>
+          </a:p>
+          <a:p>
+            <a:r>
+              <a:rPr lang="en-US" dirty="0"/>
+              <a:t>The higher the count the greater the chance of a high card being dealt</a:t>
+            </a:r>
+          </a:p>
+          <a:p>
+            <a:r>
+              <a:rPr lang="en-US" dirty="0"/>
+              <a:t>The higher the count the more you bet</a:t>
             </a:r>
           </a:p>
         </p:txBody>
@@ -6279,7 +6358,7 @@
     </p:spTree>
     <p:extLst>
       <p:ext uri="{BB962C8B-B14F-4D97-AF65-F5344CB8AC3E}">
-        <p14:creationId xmlns:p14="http://schemas.microsoft.com/office/powerpoint/2010/main" val="2086616049"/>
+        <p14:creationId xmlns:p14="http://schemas.microsoft.com/office/powerpoint/2010/main" val="491614043"/>
       </p:ext>
     </p:extLst>
   </p:cSld>
@@ -6292,6 +6371,28 @@
 <file path=ppt/slides/slide4.xml><?xml version="1.0" encoding="utf-8"?>
 <p:sld xmlns:a="http://schemas.openxmlformats.org/drawingml/2006/main" xmlns:r="http://schemas.openxmlformats.org/officeDocument/2006/relationships" xmlns:p="http://schemas.openxmlformats.org/presentationml/2006/main">
   <p:cSld>
+    <p:bg>
+      <p:bgPr>
+        <a:blipFill rotWithShape="1">
+          <a:blip r:embed="rId2">
+            <a:duotone>
+              <a:schemeClr val="bg2">
+                <a:shade val="42000"/>
+                <a:hueMod val="42000"/>
+                <a:satMod val="124000"/>
+                <a:lumMod val="62000"/>
+              </a:schemeClr>
+              <a:schemeClr val="bg2">
+                <a:tint val="96000"/>
+                <a:satMod val="130000"/>
+              </a:schemeClr>
+            </a:duotone>
+          </a:blip>
+          <a:stretch/>
+        </a:blipFill>
+        <a:effectLst/>
+      </p:bgPr>
+    </p:bg>
     <p:spTree>
       <p:nvGrpSpPr>
         <p:cNvPr id="1" name=""/>
@@ -6311,7 +6412,7 @@
           <p:cNvPr id="2" name="Title 1">
             <a:extLst>
               <a:ext uri="{FF2B5EF4-FFF2-40B4-BE49-F238E27FC236}">
-                <a16:creationId xmlns:a16="http://schemas.microsoft.com/office/drawing/2014/main" id="{CAE0DCE8-9F2F-458D-BBCF-9183D6E15B38}"/>
+                <a16:creationId xmlns:a16="http://schemas.microsoft.com/office/drawing/2014/main" id="{FE1AE22F-DC8E-4F83-9583-2A2AFB6A7F7D}"/>
               </a:ext>
             </a:extLst>
           </p:cNvPr>
@@ -6322,14 +6423,21 @@
             <p:ph type="title"/>
           </p:nvPr>
         </p:nvSpPr>
-        <p:spPr/>
-        <p:txBody>
-          <a:bodyPr/>
-          <a:lstStyle/>
-          <a:p>
-            <a:r>
-              <a:rPr lang="en-US" dirty="0"/>
-              <a:t>Limited deck</a:t>
+        <p:spPr>
+          <a:xfrm>
+            <a:off x="648930" y="629266"/>
+            <a:ext cx="9252154" cy="1223983"/>
+          </a:xfrm>
+        </p:spPr>
+        <p:txBody>
+          <a:bodyPr>
+            <a:normAutofit/>
+          </a:bodyPr>
+          <a:lstStyle/>
+          <a:p>
+            <a:r>
+              <a:rPr lang="en-US" dirty="0"/>
+              <a:t>Reinforcement learning</a:t>
             </a:r>
           </a:p>
         </p:txBody>
@@ -6339,7 +6447,7 @@
           <p:cNvPr id="3" name="Content Placeholder 2">
             <a:extLst>
               <a:ext uri="{FF2B5EF4-FFF2-40B4-BE49-F238E27FC236}">
-                <a16:creationId xmlns:a16="http://schemas.microsoft.com/office/drawing/2014/main" id="{2EA53333-690D-4B6B-A332-4E28D933FED0}"/>
+                <a16:creationId xmlns:a16="http://schemas.microsoft.com/office/drawing/2014/main" id="{A8CC9667-A725-4FFE-99AE-F107EFB82499}"/>
               </a:ext>
             </a:extLst>
           </p:cNvPr>
@@ -6350,28 +6458,90 @@
             <p:ph idx="1"/>
           </p:nvPr>
         </p:nvSpPr>
-        <p:spPr/>
-        <p:txBody>
-          <a:bodyPr/>
-          <a:lstStyle/>
-          <a:p>
-            <a:r>
-              <a:rPr lang="en-US" dirty="0"/>
-              <a:t>The count is updated as cards are dealt</a:t>
-            </a:r>
-          </a:p>
-          <a:p>
-            <a:r>
-              <a:rPr lang="en-US" dirty="0"/>
-              <a:t>If the deck is empty it is returned to a 52 card deck and the count is set back to 0</a:t>
-            </a:r>
-          </a:p>
-        </p:txBody>
-      </p:sp>
+        <p:spPr>
+          <a:xfrm>
+            <a:off x="1103311" y="2052214"/>
+            <a:ext cx="4338409" cy="4196185"/>
+          </a:xfrm>
+        </p:spPr>
+        <p:txBody>
+          <a:bodyPr>
+            <a:normAutofit/>
+          </a:bodyPr>
+          <a:lstStyle/>
+          <a:p>
+            <a:r>
+              <a:rPr lang="en-US" dirty="0"/>
+              <a:t>DQN agent</a:t>
+            </a:r>
+          </a:p>
+          <a:p>
+            <a:pPr lvl="1"/>
+            <a:r>
+              <a:rPr lang="en-US" dirty="0"/>
+              <a:t>Given an action and observation space</a:t>
+            </a:r>
+          </a:p>
+          <a:p>
+            <a:r>
+              <a:rPr lang="en-US" dirty="0"/>
+              <a:t>Trying to maximize a reward</a:t>
+            </a:r>
+          </a:p>
+          <a:p>
+            <a:r>
+              <a:rPr lang="en-US" dirty="0"/>
+              <a:t>Reward set to 1.0</a:t>
+            </a:r>
+          </a:p>
+          <a:p>
+            <a:r>
+              <a:rPr lang="en-US" dirty="0"/>
+              <a:t>Lambda callback to track rewards</a:t>
+            </a:r>
+          </a:p>
+        </p:txBody>
+      </p:sp>
+      <p:pic>
+        <p:nvPicPr>
+          <p:cNvPr id="4" name="Picture 3">
+            <a:extLst>
+              <a:ext uri="{FF2B5EF4-FFF2-40B4-BE49-F238E27FC236}">
+                <a16:creationId xmlns:a16="http://schemas.microsoft.com/office/drawing/2014/main" id="{CD2F39A3-51DD-42AC-83E4-3A8C7F42192E}"/>
+              </a:ext>
+            </a:extLst>
+          </p:cNvPr>
+          <p:cNvPicPr>
+            <a:picLocks noChangeAspect="1"/>
+          </p:cNvPicPr>
+          <p:nvPr/>
+        </p:nvPicPr>
+        <p:blipFill rotWithShape="1">
+          <a:blip r:embed="rId3"/>
+          <a:srcRect t="4133" b="6625"/>
+          <a:stretch/>
+        </p:blipFill>
+        <p:spPr>
+          <a:xfrm>
+            <a:off x="6091916" y="2052213"/>
+            <a:ext cx="5451627" cy="4196185"/>
+          </a:xfrm>
+          <a:prstGeom prst="rect">
+            <a:avLst/>
+          </a:prstGeom>
+          <a:effectLst>
+            <a:outerShdw blurRad="50800" dist="38100" dir="5400000" algn="t" rotWithShape="0">
+              <a:prstClr val="black">
+                <a:alpha val="43000"/>
+              </a:prstClr>
+            </a:outerShdw>
+          </a:effectLst>
+        </p:spPr>
+      </p:pic>
     </p:spTree>
     <p:extLst>
       <p:ext uri="{BB962C8B-B14F-4D97-AF65-F5344CB8AC3E}">
-        <p14:creationId xmlns:p14="http://schemas.microsoft.com/office/powerpoint/2010/main" val="3800082598"/>
+        <p14:creationId xmlns:p14="http://schemas.microsoft.com/office/powerpoint/2010/main" val="2680607850"/>
       </p:ext>
     </p:extLst>
   </p:cSld>
@@ -6403,6 +6573,274 @@
           <p:cNvPr id="2" name="Title 1">
             <a:extLst>
               <a:ext uri="{FF2B5EF4-FFF2-40B4-BE49-F238E27FC236}">
+                <a16:creationId xmlns:a16="http://schemas.microsoft.com/office/drawing/2014/main" id="{2758F142-51BA-4736-A473-9DDEC9DA0FCF}"/>
+              </a:ext>
+            </a:extLst>
+          </p:cNvPr>
+          <p:cNvSpPr>
+            <a:spLocks noGrp="1"/>
+          </p:cNvSpPr>
+          <p:nvPr>
+            <p:ph type="title"/>
+          </p:nvPr>
+        </p:nvSpPr>
+        <p:spPr/>
+        <p:txBody>
+          <a:bodyPr/>
+          <a:lstStyle/>
+          <a:p>
+            <a:r>
+              <a:rPr lang="en-US" dirty="0"/>
+              <a:t>Observation space</a:t>
+            </a:r>
+          </a:p>
+        </p:txBody>
+      </p:sp>
+      <p:sp>
+        <p:nvSpPr>
+          <p:cNvPr id="3" name="Content Placeholder 2">
+            <a:extLst>
+              <a:ext uri="{FF2B5EF4-FFF2-40B4-BE49-F238E27FC236}">
+                <a16:creationId xmlns:a16="http://schemas.microsoft.com/office/drawing/2014/main" id="{9E021957-B5F1-46AC-ACB9-351AAE2292D3}"/>
+              </a:ext>
+            </a:extLst>
+          </p:cNvPr>
+          <p:cNvSpPr>
+            <a:spLocks noGrp="1"/>
+          </p:cNvSpPr>
+          <p:nvPr>
+            <p:ph idx="1"/>
+          </p:nvPr>
+        </p:nvSpPr>
+        <p:spPr/>
+        <p:txBody>
+          <a:bodyPr/>
+          <a:lstStyle/>
+          <a:p>
+            <a:r>
+              <a:rPr lang="en-US" dirty="0"/>
+              <a:t>Regular notebook</a:t>
+            </a:r>
+          </a:p>
+          <a:p>
+            <a:pPr lvl="1"/>
+            <a:r>
+              <a:rPr lang="en-US" dirty="0"/>
+              <a:t>Sum hand</a:t>
+            </a:r>
+          </a:p>
+          <a:p>
+            <a:pPr lvl="1"/>
+            <a:r>
+              <a:rPr lang="en-US" dirty="0"/>
+              <a:t>Dealers face card</a:t>
+            </a:r>
+          </a:p>
+          <a:p>
+            <a:pPr lvl="1"/>
+            <a:r>
+              <a:rPr lang="en-US" dirty="0"/>
+              <a:t>Useable ace</a:t>
+            </a:r>
+          </a:p>
+          <a:p>
+            <a:r>
+              <a:rPr lang="en-US" dirty="0"/>
+              <a:t>Counting cards notebook</a:t>
+            </a:r>
+          </a:p>
+          <a:p>
+            <a:pPr lvl="1"/>
+            <a:r>
+              <a:rPr lang="en-US" dirty="0"/>
+              <a:t>Sum hand</a:t>
+            </a:r>
+          </a:p>
+          <a:p>
+            <a:pPr lvl="1"/>
+            <a:r>
+              <a:rPr lang="en-US" dirty="0"/>
+              <a:t>Dealers face card</a:t>
+            </a:r>
+          </a:p>
+          <a:p>
+            <a:pPr lvl="1"/>
+            <a:r>
+              <a:rPr lang="en-US" dirty="0"/>
+              <a:t>Useable ace</a:t>
+            </a:r>
+          </a:p>
+          <a:p>
+            <a:pPr lvl="1"/>
+            <a:r>
+              <a:rPr lang="en-US" dirty="0"/>
+              <a:t>The count</a:t>
+            </a:r>
+          </a:p>
+          <a:p>
+            <a:pPr lvl="1"/>
+            <a:r>
+              <a:rPr lang="en-US" dirty="0"/>
+              <a:t>Length of the deck</a:t>
+            </a:r>
+          </a:p>
+        </p:txBody>
+      </p:sp>
+    </p:spTree>
+    <p:extLst>
+      <p:ext uri="{BB962C8B-B14F-4D97-AF65-F5344CB8AC3E}">
+        <p14:creationId xmlns:p14="http://schemas.microsoft.com/office/powerpoint/2010/main" val="2086616049"/>
+      </p:ext>
+    </p:extLst>
+  </p:cSld>
+  <p:clrMapOvr>
+    <a:masterClrMapping/>
+  </p:clrMapOvr>
+</p:sld>
+</file>
+
+<file path=ppt/slides/slide6.xml><?xml version="1.0" encoding="utf-8"?>
+<p:sld xmlns:a="http://schemas.openxmlformats.org/drawingml/2006/main" xmlns:r="http://schemas.openxmlformats.org/officeDocument/2006/relationships" xmlns:p="http://schemas.openxmlformats.org/presentationml/2006/main">
+  <p:cSld>
+    <p:spTree>
+      <p:nvGrpSpPr>
+        <p:cNvPr id="1" name=""/>
+        <p:cNvGrpSpPr/>
+        <p:nvPr/>
+      </p:nvGrpSpPr>
+      <p:grpSpPr>
+        <a:xfrm>
+          <a:off x="0" y="0"/>
+          <a:ext cx="0" cy="0"/>
+          <a:chOff x="0" y="0"/>
+          <a:chExt cx="0" cy="0"/>
+        </a:xfrm>
+      </p:grpSpPr>
+      <p:sp>
+        <p:nvSpPr>
+          <p:cNvPr id="2" name="Title 1">
+            <a:extLst>
+              <a:ext uri="{FF2B5EF4-FFF2-40B4-BE49-F238E27FC236}">
+                <a16:creationId xmlns:a16="http://schemas.microsoft.com/office/drawing/2014/main" id="{CAE0DCE8-9F2F-458D-BBCF-9183D6E15B38}"/>
+              </a:ext>
+            </a:extLst>
+          </p:cNvPr>
+          <p:cNvSpPr>
+            <a:spLocks noGrp="1"/>
+          </p:cNvSpPr>
+          <p:nvPr>
+            <p:ph type="title"/>
+          </p:nvPr>
+        </p:nvSpPr>
+        <p:spPr/>
+        <p:txBody>
+          <a:bodyPr/>
+          <a:lstStyle/>
+          <a:p>
+            <a:r>
+              <a:rPr lang="en-US" dirty="0"/>
+              <a:t>Limited deck</a:t>
+            </a:r>
+          </a:p>
+        </p:txBody>
+      </p:sp>
+      <p:sp>
+        <p:nvSpPr>
+          <p:cNvPr id="3" name="Content Placeholder 2">
+            <a:extLst>
+              <a:ext uri="{FF2B5EF4-FFF2-40B4-BE49-F238E27FC236}">
+                <a16:creationId xmlns:a16="http://schemas.microsoft.com/office/drawing/2014/main" id="{2EA53333-690D-4B6B-A332-4E28D933FED0}"/>
+              </a:ext>
+            </a:extLst>
+          </p:cNvPr>
+          <p:cNvSpPr>
+            <a:spLocks noGrp="1"/>
+          </p:cNvSpPr>
+          <p:nvPr>
+            <p:ph idx="1"/>
+          </p:nvPr>
+        </p:nvSpPr>
+        <p:spPr/>
+        <p:txBody>
+          <a:bodyPr/>
+          <a:lstStyle/>
+          <a:p>
+            <a:r>
+              <a:rPr lang="en-US" dirty="0"/>
+              <a:t>The count is updated as cards are dealt</a:t>
+            </a:r>
+          </a:p>
+          <a:p>
+            <a:r>
+              <a:rPr lang="en-US" dirty="0"/>
+              <a:t>If the deck is empty it is returned to a 52 card deck and the count is set back to 0</a:t>
+            </a:r>
+          </a:p>
+          <a:p>
+            <a:r>
+              <a:rPr lang="en-US" dirty="0"/>
+              <a:t>Target model update</a:t>
+            </a:r>
+          </a:p>
+        </p:txBody>
+      </p:sp>
+    </p:spTree>
+    <p:extLst>
+      <p:ext uri="{BB962C8B-B14F-4D97-AF65-F5344CB8AC3E}">
+        <p14:creationId xmlns:p14="http://schemas.microsoft.com/office/powerpoint/2010/main" val="3800082598"/>
+      </p:ext>
+    </p:extLst>
+  </p:cSld>
+  <p:clrMapOvr>
+    <a:masterClrMapping/>
+  </p:clrMapOvr>
+</p:sld>
+</file>
+
+<file path=ppt/slides/slide7.xml><?xml version="1.0" encoding="utf-8"?>
+<p:sld xmlns:a="http://schemas.openxmlformats.org/drawingml/2006/main" xmlns:r="http://schemas.openxmlformats.org/officeDocument/2006/relationships" xmlns:p="http://schemas.openxmlformats.org/presentationml/2006/main">
+  <p:cSld>
+    <p:bg>
+      <p:bgPr>
+        <a:blipFill rotWithShape="1">
+          <a:blip r:embed="rId2">
+            <a:duotone>
+              <a:schemeClr val="bg2">
+                <a:shade val="42000"/>
+                <a:hueMod val="42000"/>
+                <a:satMod val="124000"/>
+                <a:lumMod val="62000"/>
+              </a:schemeClr>
+              <a:schemeClr val="bg2">
+                <a:tint val="96000"/>
+                <a:satMod val="130000"/>
+              </a:schemeClr>
+            </a:duotone>
+          </a:blip>
+          <a:stretch/>
+        </a:blipFill>
+        <a:effectLst/>
+      </p:bgPr>
+    </p:bg>
+    <p:spTree>
+      <p:nvGrpSpPr>
+        <p:cNvPr id="1" name=""/>
+        <p:cNvGrpSpPr/>
+        <p:nvPr/>
+      </p:nvGrpSpPr>
+      <p:grpSpPr>
+        <a:xfrm>
+          <a:off x="0" y="0"/>
+          <a:ext cx="0" cy="0"/>
+          <a:chOff x="0" y="0"/>
+          <a:chExt cx="0" cy="0"/>
+        </a:xfrm>
+      </p:grpSpPr>
+      <p:sp>
+        <p:nvSpPr>
+          <p:cNvPr id="2" name="Title 1">
+            <a:extLst>
+              <a:ext uri="{FF2B5EF4-FFF2-40B4-BE49-F238E27FC236}">
                 <a16:creationId xmlns:a16="http://schemas.microsoft.com/office/drawing/2014/main" id="{CFF89B62-C40B-4299-88A0-7C33E516005F}"/>
               </a:ext>
             </a:extLst>
@@ -6414,9 +6852,16 @@
             <p:ph type="title"/>
           </p:nvPr>
         </p:nvSpPr>
-        <p:spPr/>
-        <p:txBody>
-          <a:bodyPr/>
+        <p:spPr>
+          <a:xfrm>
+            <a:off x="646111" y="609601"/>
+            <a:ext cx="6246093" cy="1675975"/>
+          </a:xfrm>
+        </p:spPr>
+        <p:txBody>
+          <a:bodyPr>
+            <a:normAutofit/>
+          </a:bodyPr>
           <a:lstStyle/>
           <a:p>
             <a:r>
@@ -6425,6 +6870,95 @@
             </a:r>
           </a:p>
         </p:txBody>
+      </p:sp>
+      <p:pic>
+        <p:nvPicPr>
+          <p:cNvPr id="4" name="Picture 3">
+            <a:extLst>
+              <a:ext uri="{FF2B5EF4-FFF2-40B4-BE49-F238E27FC236}">
+                <a16:creationId xmlns:a16="http://schemas.microsoft.com/office/drawing/2014/main" id="{BC00A7FC-0481-4057-B4B1-A06FDB34F0D2}"/>
+              </a:ext>
+            </a:extLst>
+          </p:cNvPr>
+          <p:cNvPicPr>
+            <a:picLocks noChangeAspect="1"/>
+          </p:cNvPicPr>
+          <p:nvPr/>
+        </p:nvPicPr>
+        <p:blipFill rotWithShape="1">
+          <a:blip r:embed="rId3"/>
+          <a:srcRect r="8044" b="-2"/>
+          <a:stretch/>
+        </p:blipFill>
+        <p:spPr>
+          <a:xfrm>
+            <a:off x="7554138" y="609137"/>
+            <a:ext cx="3990161" cy="2766290"/>
+          </a:xfrm>
+          <a:prstGeom prst="rect">
+            <a:avLst/>
+          </a:prstGeom>
+          <a:effectLst>
+            <a:outerShdw blurRad="50800" dist="38100" dir="5400000" algn="t" rotWithShape="0">
+              <a:prstClr val="black">
+                <a:alpha val="43000"/>
+              </a:prstClr>
+            </a:outerShdw>
+          </a:effectLst>
+        </p:spPr>
+      </p:pic>
+      <p:sp>
+        <p:nvSpPr>
+          <p:cNvPr id="10" name="Rectangle 9">
+            <a:extLst>
+              <a:ext uri="{FF2B5EF4-FFF2-40B4-BE49-F238E27FC236}">
+                <a16:creationId xmlns:a16="http://schemas.microsoft.com/office/drawing/2014/main" id="{100D082B-181C-4757-BCC0-CFA271637819}"/>
+              </a:ext>
+              <a:ext uri="{C183D7F6-B498-43B3-948B-1728B52AA6E4}">
+                <adec:decorative xmlns:adec="http://schemas.microsoft.com/office/drawing/2017/decorative" val="1"/>
+              </a:ext>
+            </a:extLst>
+          </p:cNvPr>
+          <p:cNvSpPr>
+            <a:spLocks noGrp="1" noRot="1" noChangeAspect="1" noMove="1" noResize="1" noEditPoints="1" noAdjustHandles="1" noChangeArrowheads="1" noChangeShapeType="1" noTextEdit="1"/>
+          </p:cNvSpPr>
+          <p:nvPr>
+            <p:extLst>
+              <p:ext uri="{386F3935-93C4-4BCD-93E2-E3B085C9AB24}">
+                <p16:designElem xmlns:p16="http://schemas.microsoft.com/office/powerpoint/2015/main" val="1"/>
+              </p:ext>
+            </p:extLst>
+          </p:nvPr>
+        </p:nvSpPr>
+        <p:spPr>
+          <a:xfrm>
+            <a:off x="10437812" y="0"/>
+            <a:ext cx="685800" cy="1143000"/>
+          </a:xfrm>
+          <a:prstGeom prst="rect">
+            <a:avLst/>
+          </a:prstGeom>
+          <a:solidFill>
+            <a:schemeClr val="accent1"/>
+          </a:solidFill>
+          <a:ln>
+            <a:noFill/>
+          </a:ln>
+        </p:spPr>
+        <p:style>
+          <a:lnRef idx="1">
+            <a:schemeClr val="accent1"/>
+          </a:lnRef>
+          <a:fillRef idx="3">
+            <a:schemeClr val="accent1"/>
+          </a:fillRef>
+          <a:effectRef idx="2">
+            <a:schemeClr val="accent1"/>
+          </a:effectRef>
+          <a:fontRef idx="minor">
+            <a:schemeClr val="lt1"/>
+          </a:fontRef>
+        </p:style>
       </p:sp>
       <p:sp>
         <p:nvSpPr>
@@ -6442,14 +6976,27 @@
             <p:ph idx="1"/>
           </p:nvPr>
         </p:nvSpPr>
-        <p:spPr/>
-        <p:txBody>
-          <a:bodyPr/>
-          <a:lstStyle/>
-          <a:p>
-            <a:r>
-              <a:rPr lang="en-US" dirty="0"/>
-              <a:t>100 games</a:t>
+        <p:spPr>
+          <a:xfrm>
+            <a:off x="642175" y="2484544"/>
+            <a:ext cx="6253484" cy="3763855"/>
+          </a:xfrm>
+        </p:spPr>
+        <p:txBody>
+          <a:bodyPr>
+            <a:normAutofit/>
+          </a:bodyPr>
+          <a:lstStyle/>
+          <a:p>
+            <a:r>
+              <a:rPr lang="en-US" dirty="0"/>
+              <a:t>If we treat the reward like betting a single dollar every game:</a:t>
+            </a:r>
+          </a:p>
+          <a:p>
+            <a:r>
+              <a:rPr lang="en-US" dirty="0"/>
+              <a:t>20,000 games</a:t>
             </a:r>
           </a:p>
           <a:p>
@@ -6466,61 +7013,326 @@
             <a:pPr lvl="1"/>
             <a:r>
               <a:rPr lang="en-US" dirty="0"/>
-              <a:t>Lost 58</a:t>
+              <a:t>-95</a:t>
+            </a:r>
+          </a:p>
+          <a:p>
+            <a:r>
+              <a:rPr lang="en-US" dirty="0"/>
+              <a:t>Regular:</a:t>
             </a:r>
           </a:p>
           <a:p>
             <a:pPr lvl="1"/>
             <a:r>
               <a:rPr lang="en-US" dirty="0"/>
-              <a:t>Tied 9</a:t>
-            </a:r>
-          </a:p>
-          <a:p>
-            <a:pPr lvl="1"/>
-            <a:r>
-              <a:rPr lang="en-US" dirty="0"/>
-              <a:t>Won 33</a:t>
-            </a:r>
-          </a:p>
-          <a:p>
-            <a:r>
-              <a:rPr lang="en-US" dirty="0" err="1"/>
-              <a:t>CountBlackJack</a:t>
-            </a:r>
-            <a:r>
-              <a:rPr lang="en-US" dirty="0"/>
-              <a:t>:</a:t>
-            </a:r>
-          </a:p>
-          <a:p>
-            <a:pPr lvl="1"/>
-            <a:r>
-              <a:rPr lang="en-US" dirty="0"/>
-              <a:t>Lost 46</a:t>
-            </a:r>
-          </a:p>
-          <a:p>
-            <a:pPr lvl="1"/>
-            <a:r>
-              <a:rPr lang="en-US" dirty="0"/>
-              <a:t>Tied 9</a:t>
-            </a:r>
-          </a:p>
-          <a:p>
-            <a:pPr lvl="1"/>
-            <a:r>
-              <a:rPr lang="en-US"/>
-              <a:t>Won 45</a:t>
-            </a:r>
-            <a:endParaRPr lang="en-US" dirty="0"/>
-          </a:p>
-        </p:txBody>
-      </p:sp>
+              <a:t>- 339</a:t>
+            </a:r>
+          </a:p>
+        </p:txBody>
+      </p:sp>
+      <p:pic>
+        <p:nvPicPr>
+          <p:cNvPr id="5" name="Picture 4">
+            <a:extLst>
+              <a:ext uri="{FF2B5EF4-FFF2-40B4-BE49-F238E27FC236}">
+                <a16:creationId xmlns:a16="http://schemas.microsoft.com/office/drawing/2014/main" id="{4DECD417-63EA-4D7E-AE2F-F4002F08C601}"/>
+              </a:ext>
+            </a:extLst>
+          </p:cNvPr>
+          <p:cNvPicPr>
+            <a:picLocks noChangeAspect="1"/>
+          </p:cNvPicPr>
+          <p:nvPr/>
+        </p:nvPicPr>
+        <p:blipFill rotWithShape="1">
+          <a:blip r:embed="rId4"/>
+          <a:srcRect r="2641" b="5"/>
+          <a:stretch/>
+        </p:blipFill>
+        <p:spPr>
+          <a:xfrm>
+            <a:off x="7554138" y="3482108"/>
+            <a:ext cx="3990161" cy="2766290"/>
+          </a:xfrm>
+          <a:prstGeom prst="rect">
+            <a:avLst/>
+          </a:prstGeom>
+          <a:effectLst>
+            <a:outerShdw blurRad="50800" dist="38100" dir="5400000" algn="t" rotWithShape="0">
+              <a:prstClr val="black">
+                <a:alpha val="43000"/>
+              </a:prstClr>
+            </a:outerShdw>
+          </a:effectLst>
+        </p:spPr>
+      </p:pic>
     </p:spTree>
     <p:extLst>
       <p:ext uri="{BB962C8B-B14F-4D97-AF65-F5344CB8AC3E}">
         <p14:creationId xmlns:p14="http://schemas.microsoft.com/office/powerpoint/2010/main" val="2949897048"/>
+      </p:ext>
+    </p:extLst>
+  </p:cSld>
+  <p:clrMapOvr>
+    <a:masterClrMapping/>
+  </p:clrMapOvr>
+</p:sld>
+</file>
+
+<file path=ppt/slides/slide8.xml><?xml version="1.0" encoding="utf-8"?>
+<p:sld xmlns:a="http://schemas.openxmlformats.org/drawingml/2006/main" xmlns:r="http://schemas.openxmlformats.org/officeDocument/2006/relationships" xmlns:p="http://schemas.openxmlformats.org/presentationml/2006/main">
+  <p:cSld>
+    <p:spTree>
+      <p:nvGrpSpPr>
+        <p:cNvPr id="1" name=""/>
+        <p:cNvGrpSpPr/>
+        <p:nvPr/>
+      </p:nvGrpSpPr>
+      <p:grpSpPr>
+        <a:xfrm>
+          <a:off x="0" y="0"/>
+          <a:ext cx="0" cy="0"/>
+          <a:chOff x="0" y="0"/>
+          <a:chExt cx="0" cy="0"/>
+        </a:xfrm>
+      </p:grpSpPr>
+      <p:sp>
+        <p:nvSpPr>
+          <p:cNvPr id="2" name="Title 1">
+            <a:extLst>
+              <a:ext uri="{FF2B5EF4-FFF2-40B4-BE49-F238E27FC236}">
+                <a16:creationId xmlns:a16="http://schemas.microsoft.com/office/drawing/2014/main" id="{84313259-83A0-498C-8C13-57C7AA0029EE}"/>
+              </a:ext>
+            </a:extLst>
+          </p:cNvPr>
+          <p:cNvSpPr>
+            <a:spLocks noGrp="1"/>
+          </p:cNvSpPr>
+          <p:nvPr>
+            <p:ph type="title"/>
+          </p:nvPr>
+        </p:nvSpPr>
+        <p:spPr/>
+        <p:txBody>
+          <a:bodyPr/>
+          <a:lstStyle/>
+          <a:p>
+            <a:r>
+              <a:rPr lang="en-US" dirty="0"/>
+              <a:t>Modern day game play</a:t>
+            </a:r>
+          </a:p>
+        </p:txBody>
+      </p:sp>
+      <p:sp>
+        <p:nvSpPr>
+          <p:cNvPr id="3" name="Content Placeholder 2">
+            <a:extLst>
+              <a:ext uri="{FF2B5EF4-FFF2-40B4-BE49-F238E27FC236}">
+                <a16:creationId xmlns:a16="http://schemas.microsoft.com/office/drawing/2014/main" id="{E02384E4-F4C2-4EC7-B7BF-BD51E9FE5369}"/>
+              </a:ext>
+            </a:extLst>
+          </p:cNvPr>
+          <p:cNvSpPr>
+            <a:spLocks noGrp="1"/>
+          </p:cNvSpPr>
+          <p:nvPr>
+            <p:ph idx="1"/>
+          </p:nvPr>
+        </p:nvSpPr>
+        <p:spPr/>
+        <p:txBody>
+          <a:bodyPr/>
+          <a:lstStyle/>
+          <a:p>
+            <a:r>
+              <a:rPr lang="en-US" dirty="0"/>
+              <a:t>Casinos play with multiple deck</a:t>
+            </a:r>
+          </a:p>
+          <a:p>
+            <a:r>
+              <a:rPr lang="en-US" dirty="0"/>
+              <a:t>Count can still be kept</a:t>
+            </a:r>
+          </a:p>
+          <a:p>
+            <a:r>
+              <a:rPr lang="en-US" dirty="0"/>
+              <a:t>Running count = true count / number of decks left</a:t>
+            </a:r>
+          </a:p>
+        </p:txBody>
+      </p:sp>
+    </p:spTree>
+    <p:extLst>
+      <p:ext uri="{BB962C8B-B14F-4D97-AF65-F5344CB8AC3E}">
+        <p14:creationId xmlns:p14="http://schemas.microsoft.com/office/powerpoint/2010/main" val="1335478864"/>
+      </p:ext>
+    </p:extLst>
+  </p:cSld>
+  <p:clrMapOvr>
+    <a:masterClrMapping/>
+  </p:clrMapOvr>
+</p:sld>
+</file>
+
+<file path=ppt/slides/slide9.xml><?xml version="1.0" encoding="utf-8"?>
+<p:sld xmlns:a="http://schemas.openxmlformats.org/drawingml/2006/main" xmlns:r="http://schemas.openxmlformats.org/officeDocument/2006/relationships" xmlns:p="http://schemas.openxmlformats.org/presentationml/2006/main">
+  <p:cSld>
+    <p:bg>
+      <p:bgPr>
+        <a:blipFill rotWithShape="1">
+          <a:blip r:embed="rId2">
+            <a:duotone>
+              <a:schemeClr val="bg2">
+                <a:shade val="42000"/>
+                <a:hueMod val="42000"/>
+                <a:satMod val="124000"/>
+                <a:lumMod val="62000"/>
+              </a:schemeClr>
+              <a:schemeClr val="bg2">
+                <a:tint val="96000"/>
+                <a:satMod val="130000"/>
+              </a:schemeClr>
+            </a:duotone>
+          </a:blip>
+          <a:stretch/>
+        </a:blipFill>
+        <a:effectLst/>
+      </p:bgPr>
+    </p:bg>
+    <p:spTree>
+      <p:nvGrpSpPr>
+        <p:cNvPr id="1" name=""/>
+        <p:cNvGrpSpPr/>
+        <p:nvPr/>
+      </p:nvGrpSpPr>
+      <p:grpSpPr>
+        <a:xfrm>
+          <a:off x="0" y="0"/>
+          <a:ext cx="0" cy="0"/>
+          <a:chOff x="0" y="0"/>
+          <a:chExt cx="0" cy="0"/>
+        </a:xfrm>
+      </p:grpSpPr>
+      <p:sp>
+        <p:nvSpPr>
+          <p:cNvPr id="2" name="Title 1">
+            <a:extLst>
+              <a:ext uri="{FF2B5EF4-FFF2-40B4-BE49-F238E27FC236}">
+                <a16:creationId xmlns:a16="http://schemas.microsoft.com/office/drawing/2014/main" id="{DEC971A3-B285-435D-B0B8-34C89ABFD9D5}"/>
+              </a:ext>
+            </a:extLst>
+          </p:cNvPr>
+          <p:cNvSpPr>
+            <a:spLocks noGrp="1"/>
+          </p:cNvSpPr>
+          <p:nvPr>
+            <p:ph type="title"/>
+          </p:nvPr>
+        </p:nvSpPr>
+        <p:spPr>
+          <a:xfrm>
+            <a:off x="648930" y="629266"/>
+            <a:ext cx="9252154" cy="1223983"/>
+          </a:xfrm>
+        </p:spPr>
+        <p:txBody>
+          <a:bodyPr>
+            <a:normAutofit/>
+          </a:bodyPr>
+          <a:lstStyle/>
+          <a:p>
+            <a:r>
+              <a:rPr lang="en-US" dirty="0"/>
+              <a:t>New model</a:t>
+            </a:r>
+          </a:p>
+        </p:txBody>
+      </p:sp>
+      <p:sp>
+        <p:nvSpPr>
+          <p:cNvPr id="3" name="Content Placeholder 2">
+            <a:extLst>
+              <a:ext uri="{FF2B5EF4-FFF2-40B4-BE49-F238E27FC236}">
+                <a16:creationId xmlns:a16="http://schemas.microsoft.com/office/drawing/2014/main" id="{A44812F4-9BEF-4141-BC11-91D3AD2C4011}"/>
+              </a:ext>
+            </a:extLst>
+          </p:cNvPr>
+          <p:cNvSpPr>
+            <a:spLocks noGrp="1"/>
+          </p:cNvSpPr>
+          <p:nvPr>
+            <p:ph idx="1"/>
+          </p:nvPr>
+        </p:nvSpPr>
+        <p:spPr>
+          <a:xfrm>
+            <a:off x="1103311" y="2052214"/>
+            <a:ext cx="4338409" cy="4196185"/>
+          </a:xfrm>
+        </p:spPr>
+        <p:txBody>
+          <a:bodyPr>
+            <a:normAutofit/>
+          </a:bodyPr>
+          <a:lstStyle/>
+          <a:p>
+            <a:r>
+              <a:rPr lang="en-US" dirty="0"/>
+              <a:t>6 decks</a:t>
+            </a:r>
+          </a:p>
+          <a:p>
+            <a:r>
+              <a:rPr lang="en-US" dirty="0"/>
+              <a:t>Running count</a:t>
+            </a:r>
+          </a:p>
+          <a:p>
+            <a:r>
+              <a:rPr lang="en-US" dirty="0"/>
+              <a:t>-836</a:t>
+            </a:r>
+          </a:p>
+        </p:txBody>
+      </p:sp>
+      <p:pic>
+        <p:nvPicPr>
+          <p:cNvPr id="6" name="Picture 5">
+            <a:extLst>
+              <a:ext uri="{FF2B5EF4-FFF2-40B4-BE49-F238E27FC236}">
+                <a16:creationId xmlns:a16="http://schemas.microsoft.com/office/drawing/2014/main" id="{A76FBA94-F55E-4118-8BEB-7BFE3A730549}"/>
+              </a:ext>
+            </a:extLst>
+          </p:cNvPr>
+          <p:cNvPicPr>
+            <a:picLocks noChangeAspect="1"/>
+          </p:cNvPicPr>
+          <p:nvPr/>
+        </p:nvPicPr>
+        <p:blipFill>
+          <a:blip r:embed="rId3"/>
+          <a:stretch>
+            <a:fillRect/>
+          </a:stretch>
+        </p:blipFill>
+        <p:spPr>
+          <a:xfrm>
+            <a:off x="5238409" y="1947227"/>
+            <a:ext cx="5772150" cy="3552825"/>
+          </a:xfrm>
+          <a:prstGeom prst="rect">
+            <a:avLst/>
+          </a:prstGeom>
+        </p:spPr>
+      </p:pic>
+    </p:spTree>
+    <p:extLst>
+      <p:ext uri="{BB962C8B-B14F-4D97-AF65-F5344CB8AC3E}">
+        <p14:creationId xmlns:p14="http://schemas.microsoft.com/office/powerpoint/2010/main" val="2133696504"/>
       </p:ext>
     </p:extLst>
   </p:cSld>

--- a/Counting Cards.pptx
+++ b/Counting Cards.pptx
@@ -7,13 +7,22 @@
   <p:sldIdLst>
     <p:sldId id="256" r:id="rId2"/>
     <p:sldId id="261" r:id="rId3"/>
-    <p:sldId id="257" r:id="rId4"/>
-    <p:sldId id="262" r:id="rId5"/>
-    <p:sldId id="258" r:id="rId6"/>
-    <p:sldId id="259" r:id="rId7"/>
-    <p:sldId id="260" r:id="rId8"/>
-    <p:sldId id="263" r:id="rId9"/>
-    <p:sldId id="264" r:id="rId10"/>
+    <p:sldId id="265" r:id="rId4"/>
+    <p:sldId id="266" r:id="rId5"/>
+    <p:sldId id="257" r:id="rId6"/>
+    <p:sldId id="267" r:id="rId7"/>
+    <p:sldId id="268" r:id="rId8"/>
+    <p:sldId id="262" r:id="rId9"/>
+    <p:sldId id="269" r:id="rId10"/>
+    <p:sldId id="270" r:id="rId11"/>
+    <p:sldId id="271" r:id="rId12"/>
+    <p:sldId id="259" r:id="rId13"/>
+    <p:sldId id="260" r:id="rId14"/>
+    <p:sldId id="273" r:id="rId15"/>
+    <p:sldId id="274" r:id="rId16"/>
+    <p:sldId id="275" r:id="rId17"/>
+    <p:sldId id="263" r:id="rId18"/>
+    <p:sldId id="264" r:id="rId19"/>
   </p:sldIdLst>
   <p:sldSz cx="12192000" cy="6858000"/>
   <p:notesSz cx="6858000" cy="9144000"/>
@@ -303,7 +312,7 @@
           <a:p>
             <a:fld id="{4AAD347D-5ACD-4C99-B74B-A9C85AD731AF}" type="datetimeFigureOut">
               <a:rPr lang="en-US" dirty="0"/>
-              <a:t>5/5/2020</a:t>
+              <a:t>5/13/2020</a:t>
             </a:fld>
             <a:endParaRPr lang="en-US" dirty="0"/>
           </a:p>
@@ -573,7 +582,7 @@
           <a:p>
             <a:fld id="{4509A250-FF31-4206-8172-F9D3106AACB1}" type="datetimeFigureOut">
               <a:rPr lang="en-US" dirty="0"/>
-              <a:t>5/5/2020</a:t>
+              <a:t>5/13/2020</a:t>
             </a:fld>
             <a:endParaRPr lang="en-US" dirty="0"/>
           </a:p>
@@ -762,7 +771,7 @@
           <a:p>
             <a:fld id="{4509A250-FF31-4206-8172-F9D3106AACB1}" type="datetimeFigureOut">
               <a:rPr lang="en-US" dirty="0"/>
-              <a:t>5/5/2020</a:t>
+              <a:t>5/13/2020</a:t>
             </a:fld>
             <a:endParaRPr lang="en-US" dirty="0"/>
           </a:p>
@@ -1025,7 +1034,7 @@
           <a:p>
             <a:fld id="{4509A250-FF31-4206-8172-F9D3106AACB1}" type="datetimeFigureOut">
               <a:rPr lang="en-US" dirty="0"/>
-              <a:t>5/5/2020</a:t>
+              <a:t>5/13/2020</a:t>
             </a:fld>
             <a:endParaRPr lang="en-US" dirty="0"/>
           </a:p>
@@ -1352,7 +1361,7 @@
           <a:p>
             <a:fld id="{4509A250-FF31-4206-8172-F9D3106AACB1}" type="datetimeFigureOut">
               <a:rPr lang="en-US" dirty="0"/>
-              <a:t>5/5/2020</a:t>
+              <a:t>5/13/2020</a:t>
             </a:fld>
             <a:endParaRPr lang="en-US" dirty="0"/>
           </a:p>
@@ -1957,7 +1966,7 @@
           <a:p>
             <a:fld id="{4509A250-FF31-4206-8172-F9D3106AACB1}" type="datetimeFigureOut">
               <a:rPr lang="en-US" dirty="0"/>
-              <a:t>5/5/2020</a:t>
+              <a:t>5/13/2020</a:t>
             </a:fld>
             <a:endParaRPr lang="en-US" dirty="0"/>
           </a:p>
@@ -2799,7 +2808,7 @@
           <a:p>
             <a:fld id="{4509A250-FF31-4206-8172-F9D3106AACB1}" type="datetimeFigureOut">
               <a:rPr lang="en-US" dirty="0"/>
-              <a:t>5/5/2020</a:t>
+              <a:t>5/13/2020</a:t>
             </a:fld>
             <a:endParaRPr lang="en-US" dirty="0"/>
           </a:p>
@@ -2964,7 +2973,7 @@
           <a:p>
             <a:fld id="{4509A250-FF31-4206-8172-F9D3106AACB1}" type="datetimeFigureOut">
               <a:rPr lang="en-US" dirty="0"/>
-              <a:t>5/5/2020</a:t>
+              <a:t>5/13/2020</a:t>
             </a:fld>
             <a:endParaRPr lang="en-US" dirty="0"/>
           </a:p>
@@ -3139,7 +3148,7 @@
           <a:p>
             <a:fld id="{4509A250-FF31-4206-8172-F9D3106AACB1}" type="datetimeFigureOut">
               <a:rPr lang="en-US" dirty="0"/>
-              <a:t>5/5/2020</a:t>
+              <a:t>5/13/2020</a:t>
             </a:fld>
             <a:endParaRPr lang="en-US" dirty="0"/>
           </a:p>
@@ -3304,7 +3313,7 @@
           <a:p>
             <a:fld id="{4509A250-FF31-4206-8172-F9D3106AACB1}" type="datetimeFigureOut">
               <a:rPr lang="en-US" dirty="0"/>
-              <a:t>5/5/2020</a:t>
+              <a:t>5/13/2020</a:t>
             </a:fld>
             <a:endParaRPr lang="en-US" dirty="0"/>
           </a:p>
@@ -3543,7 +3552,7 @@
           <a:p>
             <a:fld id="{9796027F-7875-4030-9381-8BD8C4F21935}" type="datetimeFigureOut">
               <a:rPr lang="en-US" dirty="0"/>
-              <a:t>5/5/2020</a:t>
+              <a:t>5/13/2020</a:t>
             </a:fld>
             <a:endParaRPr lang="en-US" dirty="0"/>
           </a:p>
@@ -3830,7 +3839,7 @@
           <a:p>
             <a:fld id="{9796027F-7875-4030-9381-8BD8C4F21935}" type="datetimeFigureOut">
               <a:rPr lang="en-US" dirty="0"/>
-              <a:t>5/5/2020</a:t>
+              <a:t>5/13/2020</a:t>
             </a:fld>
             <a:endParaRPr lang="en-US" dirty="0"/>
           </a:p>
@@ -4263,7 +4272,7 @@
           <a:p>
             <a:fld id="{9796027F-7875-4030-9381-8BD8C4F21935}" type="datetimeFigureOut">
               <a:rPr lang="en-US" dirty="0"/>
-              <a:t>5/5/2020</a:t>
+              <a:t>5/13/2020</a:t>
             </a:fld>
             <a:endParaRPr lang="en-US" dirty="0"/>
           </a:p>
@@ -4376,7 +4385,7 @@
           <a:p>
             <a:fld id="{4509A250-FF31-4206-8172-F9D3106AACB1}" type="datetimeFigureOut">
               <a:rPr lang="en-US" dirty="0"/>
-              <a:t>5/5/2020</a:t>
+              <a:t>5/13/2020</a:t>
             </a:fld>
             <a:endParaRPr lang="en-US" dirty="0"/>
           </a:p>
@@ -4466,7 +4475,7 @@
           <a:p>
             <a:fld id="{4509A250-FF31-4206-8172-F9D3106AACB1}" type="datetimeFigureOut">
               <a:rPr lang="en-US" dirty="0"/>
-              <a:t>5/5/2020</a:t>
+              <a:t>5/13/2020</a:t>
             </a:fld>
             <a:endParaRPr lang="en-US" dirty="0"/>
           </a:p>
@@ -4740,7 +4749,7 @@
           <a:p>
             <a:fld id="{4509A250-FF31-4206-8172-F9D3106AACB1}" type="datetimeFigureOut">
               <a:rPr lang="en-US" dirty="0"/>
-              <a:t>5/5/2020</a:t>
+              <a:t>5/13/2020</a:t>
             </a:fld>
             <a:endParaRPr lang="en-US" dirty="0"/>
           </a:p>
@@ -5010,7 +5019,7 @@
           <a:p>
             <a:fld id="{4509A250-FF31-4206-8172-F9D3106AACB1}" type="datetimeFigureOut">
               <a:rPr lang="en-US" dirty="0"/>
-              <a:t>5/5/2020</a:t>
+              <a:t>5/13/2020</a:t>
             </a:fld>
             <a:endParaRPr lang="en-US" dirty="0"/>
           </a:p>
@@ -5434,7 +5443,7 @@
           <a:p>
             <a:fld id="{4AAD347D-5ACD-4C99-B74B-A9C85AD731AF}" type="datetimeFigureOut">
               <a:rPr lang="en-US" dirty="0"/>
-              <a:t>5/5/2020</a:t>
+              <a:t>5/13/2020</a:t>
             </a:fld>
             <a:endParaRPr lang="en-US" dirty="0"/>
           </a:p>
@@ -6000,6 +6009,4389 @@
 </p:sld>
 </file>
 
+<file path=ppt/slides/slide10.xml><?xml version="1.0" encoding="utf-8"?>
+<p:sld xmlns:a="http://schemas.openxmlformats.org/drawingml/2006/main" xmlns:r="http://schemas.openxmlformats.org/officeDocument/2006/relationships" xmlns:p="http://schemas.openxmlformats.org/presentationml/2006/main">
+  <p:cSld>
+    <p:spTree>
+      <p:nvGrpSpPr>
+        <p:cNvPr id="1" name=""/>
+        <p:cNvGrpSpPr/>
+        <p:nvPr/>
+      </p:nvGrpSpPr>
+      <p:grpSpPr>
+        <a:xfrm>
+          <a:off x="0" y="0"/>
+          <a:ext cx="0" cy="0"/>
+          <a:chOff x="0" y="0"/>
+          <a:chExt cx="0" cy="0"/>
+        </a:xfrm>
+      </p:grpSpPr>
+      <p:sp>
+        <p:nvSpPr>
+          <p:cNvPr id="2" name="Title 1">
+            <a:extLst>
+              <a:ext uri="{FF2B5EF4-FFF2-40B4-BE49-F238E27FC236}">
+                <a16:creationId xmlns:a16="http://schemas.microsoft.com/office/drawing/2014/main" id="{0ED09AC5-E4F0-42CD-95F3-93FBF1B7A566}"/>
+              </a:ext>
+            </a:extLst>
+          </p:cNvPr>
+          <p:cNvSpPr>
+            <a:spLocks noGrp="1"/>
+          </p:cNvSpPr>
+          <p:nvPr>
+            <p:ph type="title"/>
+          </p:nvPr>
+        </p:nvSpPr>
+        <p:spPr/>
+        <p:txBody>
+          <a:bodyPr/>
+          <a:lstStyle/>
+          <a:p>
+            <a:r>
+              <a:rPr lang="en-US" sz="3600" dirty="0"/>
+              <a:t>Action Space – Regular notebook</a:t>
+            </a:r>
+          </a:p>
+        </p:txBody>
+      </p:sp>
+      <p:pic>
+        <p:nvPicPr>
+          <p:cNvPr id="4" name="Picture 2" descr="Seven of hearts meaning in cartomancy – Latin.cards">
+            <a:extLst>
+              <a:ext uri="{FF2B5EF4-FFF2-40B4-BE49-F238E27FC236}">
+                <a16:creationId xmlns:a16="http://schemas.microsoft.com/office/drawing/2014/main" id="{D212265A-896E-4806-8B82-A203E24F72FE}"/>
+              </a:ext>
+            </a:extLst>
+          </p:cNvPr>
+          <p:cNvPicPr>
+            <a:picLocks noChangeAspect="1" noChangeArrowheads="1"/>
+          </p:cNvPicPr>
+          <p:nvPr/>
+        </p:nvPicPr>
+        <p:blipFill>
+          <a:blip r:embed="rId2">
+            <a:extLst>
+              <a:ext uri="{28A0092B-C50C-407E-A947-70E740481C1C}">
+                <a14:useLocalDpi xmlns:a14="http://schemas.microsoft.com/office/drawing/2010/main" val="0"/>
+              </a:ext>
+            </a:extLst>
+          </a:blip>
+          <a:srcRect/>
+          <a:stretch>
+            <a:fillRect/>
+          </a:stretch>
+        </p:blipFill>
+        <p:spPr bwMode="auto">
+          <a:xfrm>
+            <a:off x="1148311" y="4185602"/>
+            <a:ext cx="1651692" cy="2400300"/>
+          </a:xfrm>
+          <a:prstGeom prst="rect">
+            <a:avLst/>
+          </a:prstGeom>
+          <a:noFill/>
+          <a:extLst>
+            <a:ext uri="{909E8E84-426E-40DD-AFC4-6F175D3DCCD1}">
+              <a14:hiddenFill xmlns:a14="http://schemas.microsoft.com/office/drawing/2010/main">
+                <a:solidFill>
+                  <a:srgbClr val="FFFFFF"/>
+                </a:solidFill>
+              </a14:hiddenFill>
+            </a:ext>
+          </a:extLst>
+        </p:spPr>
+      </p:pic>
+      <p:pic>
+        <p:nvPicPr>
+          <p:cNvPr id="5122" name="Picture 2" descr="Amazon.com: Ace of Diamonds - Poker Night Giant Cardboard Cutout ...">
+            <a:extLst>
+              <a:ext uri="{FF2B5EF4-FFF2-40B4-BE49-F238E27FC236}">
+                <a16:creationId xmlns:a16="http://schemas.microsoft.com/office/drawing/2014/main" id="{59AE9089-6479-42A6-A363-A57B3DF575A6}"/>
+              </a:ext>
+            </a:extLst>
+          </p:cNvPr>
+          <p:cNvPicPr>
+            <a:picLocks noChangeAspect="1" noChangeArrowheads="1"/>
+          </p:cNvPicPr>
+          <p:nvPr/>
+        </p:nvPicPr>
+        <p:blipFill>
+          <a:blip r:embed="rId3">
+            <a:extLst>
+              <a:ext uri="{28A0092B-C50C-407E-A947-70E740481C1C}">
+                <a14:useLocalDpi xmlns:a14="http://schemas.microsoft.com/office/drawing/2010/main" val="0"/>
+              </a:ext>
+            </a:extLst>
+          </a:blip>
+          <a:srcRect/>
+          <a:stretch>
+            <a:fillRect/>
+          </a:stretch>
+        </p:blipFill>
+        <p:spPr bwMode="auto">
+          <a:xfrm>
+            <a:off x="3440950" y="4261130"/>
+            <a:ext cx="1658695" cy="2272067"/>
+          </a:xfrm>
+          <a:prstGeom prst="rect">
+            <a:avLst/>
+          </a:prstGeom>
+          <a:noFill/>
+          <a:extLst>
+            <a:ext uri="{909E8E84-426E-40DD-AFC4-6F175D3DCCD1}">
+              <a14:hiddenFill xmlns:a14="http://schemas.microsoft.com/office/drawing/2010/main">
+                <a:solidFill>
+                  <a:srgbClr val="FFFFFF"/>
+                </a:solidFill>
+              </a14:hiddenFill>
+            </a:ext>
+          </a:extLst>
+        </p:spPr>
+      </p:pic>
+      <p:pic>
+        <p:nvPicPr>
+          <p:cNvPr id="6" name="Picture 6" descr="Playing Card Back - Red Art Print by slothuus | Society6">
+            <a:extLst>
+              <a:ext uri="{FF2B5EF4-FFF2-40B4-BE49-F238E27FC236}">
+                <a16:creationId xmlns:a16="http://schemas.microsoft.com/office/drawing/2014/main" id="{E059A0B6-DEB2-45DB-9837-EE5B4A4A7E69}"/>
+              </a:ext>
+            </a:extLst>
+          </p:cNvPr>
+          <p:cNvPicPr>
+            <a:picLocks noChangeAspect="1" noChangeArrowheads="1"/>
+          </p:cNvPicPr>
+          <p:nvPr/>
+        </p:nvPicPr>
+        <p:blipFill>
+          <a:blip r:embed="rId4">
+            <a:extLst>
+              <a:ext uri="{28A0092B-C50C-407E-A947-70E740481C1C}">
+                <a14:useLocalDpi xmlns:a14="http://schemas.microsoft.com/office/drawing/2010/main" val="0"/>
+              </a:ext>
+            </a:extLst>
+          </a:blip>
+          <a:srcRect/>
+          <a:stretch>
+            <a:fillRect/>
+          </a:stretch>
+        </p:blipFill>
+        <p:spPr bwMode="auto">
+          <a:xfrm>
+            <a:off x="2377440" y="1458395"/>
+            <a:ext cx="2432685" cy="2432685"/>
+          </a:xfrm>
+          <a:prstGeom prst="rect">
+            <a:avLst/>
+          </a:prstGeom>
+          <a:noFill/>
+          <a:extLst>
+            <a:ext uri="{909E8E84-426E-40DD-AFC4-6F175D3DCCD1}">
+              <a14:hiddenFill xmlns:a14="http://schemas.microsoft.com/office/drawing/2010/main">
+                <a:solidFill>
+                  <a:srgbClr val="FFFFFF"/>
+                </a:solidFill>
+              </a14:hiddenFill>
+            </a:ext>
+          </a:extLst>
+        </p:spPr>
+      </p:pic>
+      <p:pic>
+        <p:nvPicPr>
+          <p:cNvPr id="7" name="Picture 2">
+            <a:extLst>
+              <a:ext uri="{FF2B5EF4-FFF2-40B4-BE49-F238E27FC236}">
+                <a16:creationId xmlns:a16="http://schemas.microsoft.com/office/drawing/2014/main" id="{F61ECA6E-F149-446C-90DB-074E8DFD7E0C}"/>
+              </a:ext>
+            </a:extLst>
+          </p:cNvPr>
+          <p:cNvPicPr>
+            <a:picLocks noChangeAspect="1" noChangeArrowheads="1"/>
+          </p:cNvPicPr>
+          <p:nvPr/>
+        </p:nvPicPr>
+        <p:blipFill>
+          <a:blip r:embed="rId5">
+            <a:extLst>
+              <a:ext uri="{28A0092B-C50C-407E-A947-70E740481C1C}">
+                <a14:useLocalDpi xmlns:a14="http://schemas.microsoft.com/office/drawing/2010/main" val="0"/>
+              </a:ext>
+            </a:extLst>
+          </a:blip>
+          <a:srcRect/>
+          <a:stretch>
+            <a:fillRect/>
+          </a:stretch>
+        </p:blipFill>
+        <p:spPr bwMode="auto">
+          <a:xfrm>
+            <a:off x="5768366" y="1380527"/>
+            <a:ext cx="1670659" cy="2510553"/>
+          </a:xfrm>
+          <a:prstGeom prst="rect">
+            <a:avLst/>
+          </a:prstGeom>
+          <a:noFill/>
+          <a:extLst>
+            <a:ext uri="{909E8E84-426E-40DD-AFC4-6F175D3DCCD1}">
+              <a14:hiddenFill xmlns:a14="http://schemas.microsoft.com/office/drawing/2010/main">
+                <a:solidFill>
+                  <a:srgbClr val="FFFFFF"/>
+                </a:solidFill>
+              </a14:hiddenFill>
+            </a:ext>
+          </a:extLst>
+        </p:spPr>
+      </p:pic>
+      <p:sp>
+        <p:nvSpPr>
+          <p:cNvPr id="5" name="TextBox 4">
+            <a:extLst>
+              <a:ext uri="{FF2B5EF4-FFF2-40B4-BE49-F238E27FC236}">
+                <a16:creationId xmlns:a16="http://schemas.microsoft.com/office/drawing/2014/main" id="{2754DB1E-14A7-49BD-A56F-ADB7975A672E}"/>
+              </a:ext>
+            </a:extLst>
+          </p:cNvPr>
+          <p:cNvSpPr txBox="1"/>
+          <p:nvPr/>
+        </p:nvSpPr>
+        <p:spPr>
+          <a:xfrm>
+            <a:off x="8115300" y="2047875"/>
+            <a:ext cx="3286125" cy="923330"/>
+          </a:xfrm>
+          <a:prstGeom prst="rect">
+            <a:avLst/>
+          </a:prstGeom>
+          <a:noFill/>
+        </p:spPr>
+        <p:txBody>
+          <a:bodyPr wrap="square" rtlCol="0">
+            <a:spAutoFit/>
+          </a:bodyPr>
+          <a:lstStyle/>
+          <a:p>
+            <a:pPr marL="285750" indent="-285750">
+              <a:buFont typeface="Arial" panose="020B0604020202020204" pitchFamily="34" charset="0"/>
+              <a:buChar char="•"/>
+            </a:pPr>
+            <a:r>
+              <a:rPr lang="en-US" dirty="0"/>
+              <a:t>Usable Ace == True</a:t>
+            </a:r>
+          </a:p>
+          <a:p>
+            <a:pPr marL="285750" indent="-285750">
+              <a:buFont typeface="Arial" panose="020B0604020202020204" pitchFamily="34" charset="0"/>
+              <a:buChar char="•"/>
+            </a:pPr>
+            <a:r>
+              <a:rPr lang="en-US" dirty="0"/>
+              <a:t>Sum or its hand == 18 or 8</a:t>
+            </a:r>
+          </a:p>
+          <a:p>
+            <a:pPr marL="285750" indent="-285750">
+              <a:buFont typeface="Arial" panose="020B0604020202020204" pitchFamily="34" charset="0"/>
+              <a:buChar char="•"/>
+            </a:pPr>
+            <a:r>
+              <a:rPr lang="en-US" dirty="0"/>
+              <a:t>Dealers face card == 3</a:t>
+            </a:r>
+          </a:p>
+        </p:txBody>
+      </p:sp>
+      <p:sp>
+        <p:nvSpPr>
+          <p:cNvPr id="3" name="TextBox 2">
+            <a:extLst>
+              <a:ext uri="{FF2B5EF4-FFF2-40B4-BE49-F238E27FC236}">
+                <a16:creationId xmlns:a16="http://schemas.microsoft.com/office/drawing/2014/main" id="{9E1C59A3-65DE-453D-A719-66EACAEB0510}"/>
+              </a:ext>
+            </a:extLst>
+          </p:cNvPr>
+          <p:cNvSpPr txBox="1"/>
+          <p:nvPr/>
+        </p:nvSpPr>
+        <p:spPr>
+          <a:xfrm>
+            <a:off x="6848475" y="4705350"/>
+            <a:ext cx="4552950" cy="830997"/>
+          </a:xfrm>
+          <a:prstGeom prst="rect">
+            <a:avLst/>
+          </a:prstGeom>
+          <a:noFill/>
+        </p:spPr>
+        <p:txBody>
+          <a:bodyPr wrap="square" rtlCol="0">
+            <a:spAutoFit/>
+          </a:bodyPr>
+          <a:lstStyle/>
+          <a:p>
+            <a:r>
+              <a:rPr lang="en-US" sz="4800" dirty="0"/>
+              <a:t>Hit or Stand</a:t>
+            </a:r>
+          </a:p>
+        </p:txBody>
+      </p:sp>
+    </p:spTree>
+    <p:extLst>
+      <p:ext uri="{BB962C8B-B14F-4D97-AF65-F5344CB8AC3E}">
+        <p14:creationId xmlns:p14="http://schemas.microsoft.com/office/powerpoint/2010/main" val="2483330357"/>
+      </p:ext>
+    </p:extLst>
+  </p:cSld>
+  <p:clrMapOvr>
+    <a:masterClrMapping/>
+  </p:clrMapOvr>
+  <p:timing>
+    <p:tnLst>
+      <p:par>
+        <p:cTn id="1" dur="indefinite" restart="never" nodeType="tmRoot">
+          <p:childTnLst>
+            <p:seq concurrent="1" nextAc="seek">
+              <p:cTn id="2" dur="indefinite" nodeType="mainSeq">
+                <p:childTnLst>
+                  <p:par>
+                    <p:cTn id="3" fill="hold">
+                      <p:stCondLst>
+                        <p:cond delay="indefinite"/>
+                      </p:stCondLst>
+                      <p:childTnLst>
+                        <p:par>
+                          <p:cTn id="4" fill="hold">
+                            <p:stCondLst>
+                              <p:cond delay="0"/>
+                            </p:stCondLst>
+                            <p:childTnLst>
+                              <p:par>
+                                <p:cTn id="5" presetID="1" presetClass="entr" presetSubtype="0" fill="hold" nodeType="clickEffect">
+                                  <p:stCondLst>
+                                    <p:cond delay="0"/>
+                                  </p:stCondLst>
+                                  <p:childTnLst>
+                                    <p:set>
+                                      <p:cBhvr>
+                                        <p:cTn id="6" dur="1" fill="hold">
+                                          <p:stCondLst>
+                                            <p:cond delay="0"/>
+                                          </p:stCondLst>
+                                        </p:cTn>
+                                        <p:tgtEl>
+                                          <p:spTgt spid="4"/>
+                                        </p:tgtEl>
+                                        <p:attrNameLst>
+                                          <p:attrName>style.visibility</p:attrName>
+                                        </p:attrNameLst>
+                                      </p:cBhvr>
+                                      <p:to>
+                                        <p:strVal val="visible"/>
+                                      </p:to>
+                                    </p:set>
+                                  </p:childTnLst>
+                                </p:cTn>
+                              </p:par>
+                            </p:childTnLst>
+                          </p:cTn>
+                        </p:par>
+                      </p:childTnLst>
+                    </p:cTn>
+                  </p:par>
+                  <p:par>
+                    <p:cTn id="7" fill="hold">
+                      <p:stCondLst>
+                        <p:cond delay="indefinite"/>
+                      </p:stCondLst>
+                      <p:childTnLst>
+                        <p:par>
+                          <p:cTn id="8" fill="hold">
+                            <p:stCondLst>
+                              <p:cond delay="0"/>
+                            </p:stCondLst>
+                            <p:childTnLst>
+                              <p:par>
+                                <p:cTn id="9" presetID="1" presetClass="entr" presetSubtype="0" fill="hold" nodeType="clickEffect">
+                                  <p:stCondLst>
+                                    <p:cond delay="0"/>
+                                  </p:stCondLst>
+                                  <p:childTnLst>
+                                    <p:set>
+                                      <p:cBhvr>
+                                        <p:cTn id="10" dur="1" fill="hold">
+                                          <p:stCondLst>
+                                            <p:cond delay="0"/>
+                                          </p:stCondLst>
+                                        </p:cTn>
+                                        <p:tgtEl>
+                                          <p:spTgt spid="6"/>
+                                        </p:tgtEl>
+                                        <p:attrNameLst>
+                                          <p:attrName>style.visibility</p:attrName>
+                                        </p:attrNameLst>
+                                      </p:cBhvr>
+                                      <p:to>
+                                        <p:strVal val="visible"/>
+                                      </p:to>
+                                    </p:set>
+                                  </p:childTnLst>
+                                </p:cTn>
+                              </p:par>
+                            </p:childTnLst>
+                          </p:cTn>
+                        </p:par>
+                      </p:childTnLst>
+                    </p:cTn>
+                  </p:par>
+                  <p:par>
+                    <p:cTn id="11" fill="hold">
+                      <p:stCondLst>
+                        <p:cond delay="indefinite"/>
+                      </p:stCondLst>
+                      <p:childTnLst>
+                        <p:par>
+                          <p:cTn id="12" fill="hold">
+                            <p:stCondLst>
+                              <p:cond delay="0"/>
+                            </p:stCondLst>
+                            <p:childTnLst>
+                              <p:par>
+                                <p:cTn id="13" presetID="1" presetClass="entr" presetSubtype="0" fill="hold" nodeType="clickEffect">
+                                  <p:stCondLst>
+                                    <p:cond delay="0"/>
+                                  </p:stCondLst>
+                                  <p:childTnLst>
+                                    <p:set>
+                                      <p:cBhvr>
+                                        <p:cTn id="14" dur="1" fill="hold">
+                                          <p:stCondLst>
+                                            <p:cond delay="0"/>
+                                          </p:stCondLst>
+                                        </p:cTn>
+                                        <p:tgtEl>
+                                          <p:spTgt spid="7"/>
+                                        </p:tgtEl>
+                                        <p:attrNameLst>
+                                          <p:attrName>style.visibility</p:attrName>
+                                        </p:attrNameLst>
+                                      </p:cBhvr>
+                                      <p:to>
+                                        <p:strVal val="visible"/>
+                                      </p:to>
+                                    </p:set>
+                                  </p:childTnLst>
+                                </p:cTn>
+                              </p:par>
+                            </p:childTnLst>
+                          </p:cTn>
+                        </p:par>
+                      </p:childTnLst>
+                    </p:cTn>
+                  </p:par>
+                </p:childTnLst>
+              </p:cTn>
+              <p:prevCondLst>
+                <p:cond evt="onPrev" delay="0">
+                  <p:tgtEl>
+                    <p:sldTgt/>
+                  </p:tgtEl>
+                </p:cond>
+              </p:prevCondLst>
+              <p:nextCondLst>
+                <p:cond evt="onNext" delay="0">
+                  <p:tgtEl>
+                    <p:sldTgt/>
+                  </p:tgtEl>
+                </p:cond>
+              </p:nextCondLst>
+            </p:seq>
+          </p:childTnLst>
+        </p:cTn>
+      </p:par>
+    </p:tnLst>
+  </p:timing>
+</p:sld>
+</file>
+
+<file path=ppt/slides/slide11.xml><?xml version="1.0" encoding="utf-8"?>
+<p:sld xmlns:a="http://schemas.openxmlformats.org/drawingml/2006/main" xmlns:r="http://schemas.openxmlformats.org/officeDocument/2006/relationships" xmlns:p="http://schemas.openxmlformats.org/presentationml/2006/main">
+  <p:cSld>
+    <p:spTree>
+      <p:nvGrpSpPr>
+        <p:cNvPr id="1" name=""/>
+        <p:cNvGrpSpPr/>
+        <p:nvPr/>
+      </p:nvGrpSpPr>
+      <p:grpSpPr>
+        <a:xfrm>
+          <a:off x="0" y="0"/>
+          <a:ext cx="0" cy="0"/>
+          <a:chOff x="0" y="0"/>
+          <a:chExt cx="0" cy="0"/>
+        </a:xfrm>
+      </p:grpSpPr>
+      <p:sp>
+        <p:nvSpPr>
+          <p:cNvPr id="2" name="Title 1">
+            <a:extLst>
+              <a:ext uri="{FF2B5EF4-FFF2-40B4-BE49-F238E27FC236}">
+                <a16:creationId xmlns:a16="http://schemas.microsoft.com/office/drawing/2014/main" id="{DE003C4B-72D2-4731-A74C-01A6A4B98E70}"/>
+              </a:ext>
+            </a:extLst>
+          </p:cNvPr>
+          <p:cNvSpPr>
+            <a:spLocks noGrp="1"/>
+          </p:cNvSpPr>
+          <p:nvPr>
+            <p:ph type="title"/>
+          </p:nvPr>
+        </p:nvSpPr>
+        <p:spPr/>
+        <p:txBody>
+          <a:bodyPr/>
+          <a:lstStyle/>
+          <a:p>
+            <a:r>
+              <a:rPr lang="en-US" dirty="0"/>
+              <a:t>Observation and action space for counting cards</a:t>
+            </a:r>
+          </a:p>
+        </p:txBody>
+      </p:sp>
+      <p:sp>
+        <p:nvSpPr>
+          <p:cNvPr id="3" name="Content Placeholder 2">
+            <a:extLst>
+              <a:ext uri="{FF2B5EF4-FFF2-40B4-BE49-F238E27FC236}">
+                <a16:creationId xmlns:a16="http://schemas.microsoft.com/office/drawing/2014/main" id="{22E0FCB8-1744-4326-B67E-3A01209ECEC7}"/>
+              </a:ext>
+            </a:extLst>
+          </p:cNvPr>
+          <p:cNvSpPr>
+            <a:spLocks noGrp="1"/>
+          </p:cNvSpPr>
+          <p:nvPr>
+            <p:ph idx="1"/>
+          </p:nvPr>
+        </p:nvSpPr>
+        <p:spPr/>
+        <p:txBody>
+          <a:bodyPr/>
+          <a:lstStyle/>
+          <a:p>
+            <a:r>
+              <a:rPr lang="en-US" dirty="0"/>
+              <a:t>Observation space</a:t>
+            </a:r>
+          </a:p>
+          <a:p>
+            <a:pPr lvl="1"/>
+            <a:r>
+              <a:rPr lang="en-US" dirty="0"/>
+              <a:t>Count of the cards (ex: +4)</a:t>
+            </a:r>
+          </a:p>
+          <a:p>
+            <a:pPr lvl="1"/>
+            <a:r>
+              <a:rPr lang="en-US" dirty="0"/>
+              <a:t>Length of the deck (ex: 72 cards left in the deck)</a:t>
+            </a:r>
+          </a:p>
+          <a:p>
+            <a:r>
+              <a:rPr lang="en-US" dirty="0"/>
+              <a:t>Action space</a:t>
+            </a:r>
+          </a:p>
+          <a:p>
+            <a:pPr lvl="1"/>
+            <a:r>
+              <a:rPr lang="en-US" dirty="0"/>
+              <a:t>Amount to bet Chosen before cards are dealt</a:t>
+            </a:r>
+          </a:p>
+          <a:p>
+            <a:pPr lvl="1"/>
+            <a:r>
+              <a:rPr lang="en-US" dirty="0"/>
+              <a:t>Minimum bet == 5</a:t>
+            </a:r>
+          </a:p>
+          <a:p>
+            <a:pPr lvl="1"/>
+            <a:r>
+              <a:rPr lang="en-US" dirty="0"/>
+              <a:t>Max bet == 500</a:t>
+            </a:r>
+          </a:p>
+        </p:txBody>
+      </p:sp>
+    </p:spTree>
+    <p:extLst>
+      <p:ext uri="{BB962C8B-B14F-4D97-AF65-F5344CB8AC3E}">
+        <p14:creationId xmlns:p14="http://schemas.microsoft.com/office/powerpoint/2010/main" val="1065835039"/>
+      </p:ext>
+    </p:extLst>
+  </p:cSld>
+  <p:clrMapOvr>
+    <a:masterClrMapping/>
+  </p:clrMapOvr>
+</p:sld>
+</file>
+
+<file path=ppt/slides/slide12.xml><?xml version="1.0" encoding="utf-8"?>
+<p:sld xmlns:a="http://schemas.openxmlformats.org/drawingml/2006/main" xmlns:r="http://schemas.openxmlformats.org/officeDocument/2006/relationships" xmlns:p="http://schemas.openxmlformats.org/presentationml/2006/main">
+  <p:cSld>
+    <p:spTree>
+      <p:nvGrpSpPr>
+        <p:cNvPr id="1" name=""/>
+        <p:cNvGrpSpPr/>
+        <p:nvPr/>
+      </p:nvGrpSpPr>
+      <p:grpSpPr>
+        <a:xfrm>
+          <a:off x="0" y="0"/>
+          <a:ext cx="0" cy="0"/>
+          <a:chOff x="0" y="0"/>
+          <a:chExt cx="0" cy="0"/>
+        </a:xfrm>
+      </p:grpSpPr>
+      <p:sp>
+        <p:nvSpPr>
+          <p:cNvPr id="2" name="Title 1">
+            <a:extLst>
+              <a:ext uri="{FF2B5EF4-FFF2-40B4-BE49-F238E27FC236}">
+                <a16:creationId xmlns:a16="http://schemas.microsoft.com/office/drawing/2014/main" id="{CAE0DCE8-9F2F-458D-BBCF-9183D6E15B38}"/>
+              </a:ext>
+            </a:extLst>
+          </p:cNvPr>
+          <p:cNvSpPr>
+            <a:spLocks noGrp="1"/>
+          </p:cNvSpPr>
+          <p:nvPr>
+            <p:ph type="title"/>
+          </p:nvPr>
+        </p:nvSpPr>
+        <p:spPr/>
+        <p:txBody>
+          <a:bodyPr/>
+          <a:lstStyle/>
+          <a:p>
+            <a:r>
+              <a:rPr lang="en-US" dirty="0"/>
+              <a:t>Limited deck</a:t>
+            </a:r>
+          </a:p>
+        </p:txBody>
+      </p:sp>
+      <p:sp>
+        <p:nvSpPr>
+          <p:cNvPr id="3" name="Content Placeholder 2">
+            <a:extLst>
+              <a:ext uri="{FF2B5EF4-FFF2-40B4-BE49-F238E27FC236}">
+                <a16:creationId xmlns:a16="http://schemas.microsoft.com/office/drawing/2014/main" id="{2EA53333-690D-4B6B-A332-4E28D933FED0}"/>
+              </a:ext>
+            </a:extLst>
+          </p:cNvPr>
+          <p:cNvSpPr>
+            <a:spLocks noGrp="1"/>
+          </p:cNvSpPr>
+          <p:nvPr>
+            <p:ph idx="1"/>
+          </p:nvPr>
+        </p:nvSpPr>
+        <p:spPr/>
+        <p:txBody>
+          <a:bodyPr/>
+          <a:lstStyle/>
+          <a:p>
+            <a:r>
+              <a:rPr lang="en-US" dirty="0"/>
+              <a:t>The count is updated as cards are dealt</a:t>
+            </a:r>
+          </a:p>
+          <a:p>
+            <a:r>
+              <a:rPr lang="en-US" dirty="0"/>
+              <a:t>If the deck is empty it is returned to a 52 card deck and the count is set back to 0</a:t>
+            </a:r>
+          </a:p>
+          <a:p>
+            <a:r>
+              <a:rPr lang="en-US" dirty="0"/>
+              <a:t>Target model update</a:t>
+            </a:r>
+          </a:p>
+        </p:txBody>
+      </p:sp>
+    </p:spTree>
+    <p:extLst>
+      <p:ext uri="{BB962C8B-B14F-4D97-AF65-F5344CB8AC3E}">
+        <p14:creationId xmlns:p14="http://schemas.microsoft.com/office/powerpoint/2010/main" val="3800082598"/>
+      </p:ext>
+    </p:extLst>
+  </p:cSld>
+  <p:clrMapOvr>
+    <a:masterClrMapping/>
+  </p:clrMapOvr>
+</p:sld>
+</file>
+
+<file path=ppt/slides/slide13.xml><?xml version="1.0" encoding="utf-8"?>
+<p:sld xmlns:a="http://schemas.openxmlformats.org/drawingml/2006/main" xmlns:r="http://schemas.openxmlformats.org/officeDocument/2006/relationships" xmlns:p="http://schemas.openxmlformats.org/presentationml/2006/main">
+  <p:cSld>
+    <p:bg>
+      <p:bgPr>
+        <a:blipFill rotWithShape="1">
+          <a:blip r:embed="rId2">
+            <a:duotone>
+              <a:schemeClr val="bg2">
+                <a:shade val="42000"/>
+                <a:hueMod val="42000"/>
+                <a:satMod val="124000"/>
+                <a:lumMod val="62000"/>
+              </a:schemeClr>
+              <a:schemeClr val="bg2">
+                <a:tint val="96000"/>
+                <a:satMod val="130000"/>
+              </a:schemeClr>
+            </a:duotone>
+          </a:blip>
+          <a:stretch/>
+        </a:blipFill>
+        <a:effectLst/>
+      </p:bgPr>
+    </p:bg>
+    <p:spTree>
+      <p:nvGrpSpPr>
+        <p:cNvPr id="1" name=""/>
+        <p:cNvGrpSpPr/>
+        <p:nvPr/>
+      </p:nvGrpSpPr>
+      <p:grpSpPr>
+        <a:xfrm>
+          <a:off x="0" y="0"/>
+          <a:ext cx="0" cy="0"/>
+          <a:chOff x="0" y="0"/>
+          <a:chExt cx="0" cy="0"/>
+        </a:xfrm>
+      </p:grpSpPr>
+      <p:sp>
+        <p:nvSpPr>
+          <p:cNvPr id="2" name="Title 1">
+            <a:extLst>
+              <a:ext uri="{FF2B5EF4-FFF2-40B4-BE49-F238E27FC236}">
+                <a16:creationId xmlns:a16="http://schemas.microsoft.com/office/drawing/2014/main" id="{CFF89B62-C40B-4299-88A0-7C33E516005F}"/>
+              </a:ext>
+            </a:extLst>
+          </p:cNvPr>
+          <p:cNvSpPr>
+            <a:spLocks noGrp="1"/>
+          </p:cNvSpPr>
+          <p:nvPr>
+            <p:ph type="title"/>
+          </p:nvPr>
+        </p:nvSpPr>
+        <p:spPr>
+          <a:xfrm>
+            <a:off x="646111" y="609601"/>
+            <a:ext cx="6246093" cy="1675975"/>
+          </a:xfrm>
+        </p:spPr>
+        <p:txBody>
+          <a:bodyPr>
+            <a:normAutofit/>
+          </a:bodyPr>
+          <a:lstStyle/>
+          <a:p>
+            <a:r>
+              <a:rPr lang="en-US" dirty="0"/>
+              <a:t>Results – Regular Agent</a:t>
+            </a:r>
+          </a:p>
+        </p:txBody>
+      </p:sp>
+      <p:sp>
+        <p:nvSpPr>
+          <p:cNvPr id="10" name="Rectangle 9">
+            <a:extLst>
+              <a:ext uri="{FF2B5EF4-FFF2-40B4-BE49-F238E27FC236}">
+                <a16:creationId xmlns:a16="http://schemas.microsoft.com/office/drawing/2014/main" id="{100D082B-181C-4757-BCC0-CFA271637819}"/>
+              </a:ext>
+              <a:ext uri="{C183D7F6-B498-43B3-948B-1728B52AA6E4}">
+                <adec:decorative xmlns:adec="http://schemas.microsoft.com/office/drawing/2017/decorative" val="1"/>
+              </a:ext>
+            </a:extLst>
+          </p:cNvPr>
+          <p:cNvSpPr>
+            <a:spLocks noGrp="1" noRot="1" noChangeAspect="1" noMove="1" noResize="1" noEditPoints="1" noAdjustHandles="1" noChangeArrowheads="1" noChangeShapeType="1" noTextEdit="1"/>
+          </p:cNvSpPr>
+          <p:nvPr>
+            <p:extLst>
+              <p:ext uri="{386F3935-93C4-4BCD-93E2-E3B085C9AB24}">
+                <p16:designElem xmlns:p16="http://schemas.microsoft.com/office/powerpoint/2015/main" val="1"/>
+              </p:ext>
+            </p:extLst>
+          </p:nvPr>
+        </p:nvSpPr>
+        <p:spPr>
+          <a:xfrm>
+            <a:off x="10437812" y="0"/>
+            <a:ext cx="685800" cy="1143000"/>
+          </a:xfrm>
+          <a:prstGeom prst="rect">
+            <a:avLst/>
+          </a:prstGeom>
+          <a:solidFill>
+            <a:schemeClr val="accent1"/>
+          </a:solidFill>
+          <a:ln>
+            <a:noFill/>
+          </a:ln>
+        </p:spPr>
+        <p:style>
+          <a:lnRef idx="1">
+            <a:schemeClr val="accent1"/>
+          </a:lnRef>
+          <a:fillRef idx="3">
+            <a:schemeClr val="accent1"/>
+          </a:fillRef>
+          <a:effectRef idx="2">
+            <a:schemeClr val="accent1"/>
+          </a:effectRef>
+          <a:fontRef idx="minor">
+            <a:schemeClr val="lt1"/>
+          </a:fontRef>
+        </p:style>
+      </p:sp>
+      <p:sp>
+        <p:nvSpPr>
+          <p:cNvPr id="3" name="Content Placeholder 2">
+            <a:extLst>
+              <a:ext uri="{FF2B5EF4-FFF2-40B4-BE49-F238E27FC236}">
+                <a16:creationId xmlns:a16="http://schemas.microsoft.com/office/drawing/2014/main" id="{A8E74109-6D55-4C1C-98E2-71698872B11E}"/>
+              </a:ext>
+            </a:extLst>
+          </p:cNvPr>
+          <p:cNvSpPr>
+            <a:spLocks noGrp="1"/>
+          </p:cNvSpPr>
+          <p:nvPr>
+            <p:ph idx="1"/>
+          </p:nvPr>
+        </p:nvSpPr>
+        <p:spPr>
+          <a:xfrm>
+            <a:off x="642175" y="2484544"/>
+            <a:ext cx="6253484" cy="3763855"/>
+          </a:xfrm>
+        </p:spPr>
+        <p:txBody>
+          <a:bodyPr>
+            <a:normAutofit/>
+          </a:bodyPr>
+          <a:lstStyle/>
+          <a:p>
+            <a:r>
+              <a:rPr lang="en-US" dirty="0"/>
+              <a:t>If we treat the reward like betting a single dollar every game:</a:t>
+            </a:r>
+          </a:p>
+          <a:p>
+            <a:r>
+              <a:rPr lang="en-US" dirty="0"/>
+              <a:t>20,000 games</a:t>
+            </a:r>
+          </a:p>
+          <a:p>
+            <a:r>
+              <a:rPr lang="en-US" dirty="0"/>
+              <a:t>Regular:</a:t>
+            </a:r>
+          </a:p>
+          <a:p>
+            <a:pPr lvl="1"/>
+            <a:r>
+              <a:rPr lang="en-US" dirty="0"/>
+              <a:t>- 339</a:t>
+            </a:r>
+          </a:p>
+        </p:txBody>
+      </p:sp>
+      <p:pic>
+        <p:nvPicPr>
+          <p:cNvPr id="5" name="Picture 4">
+            <a:extLst>
+              <a:ext uri="{FF2B5EF4-FFF2-40B4-BE49-F238E27FC236}">
+                <a16:creationId xmlns:a16="http://schemas.microsoft.com/office/drawing/2014/main" id="{4DECD417-63EA-4D7E-AE2F-F4002F08C601}"/>
+              </a:ext>
+            </a:extLst>
+          </p:cNvPr>
+          <p:cNvPicPr>
+            <a:picLocks noChangeAspect="1"/>
+          </p:cNvPicPr>
+          <p:nvPr/>
+        </p:nvPicPr>
+        <p:blipFill rotWithShape="1">
+          <a:blip r:embed="rId3"/>
+          <a:srcRect r="2641" b="5"/>
+          <a:stretch/>
+        </p:blipFill>
+        <p:spPr>
+          <a:xfrm>
+            <a:off x="7554138" y="3482108"/>
+            <a:ext cx="3990161" cy="2766290"/>
+          </a:xfrm>
+          <a:prstGeom prst="rect">
+            <a:avLst/>
+          </a:prstGeom>
+          <a:effectLst>
+            <a:outerShdw blurRad="50800" dist="38100" dir="5400000" algn="t" rotWithShape="0">
+              <a:prstClr val="black">
+                <a:alpha val="43000"/>
+              </a:prstClr>
+            </a:outerShdw>
+          </a:effectLst>
+        </p:spPr>
+      </p:pic>
+    </p:spTree>
+    <p:extLst>
+      <p:ext uri="{BB962C8B-B14F-4D97-AF65-F5344CB8AC3E}">
+        <p14:creationId xmlns:p14="http://schemas.microsoft.com/office/powerpoint/2010/main" val="2949897048"/>
+      </p:ext>
+    </p:extLst>
+  </p:cSld>
+  <p:clrMapOvr>
+    <a:masterClrMapping/>
+  </p:clrMapOvr>
+</p:sld>
+</file>
+
+<file path=ppt/slides/slide14.xml><?xml version="1.0" encoding="utf-8"?>
+<p:sld xmlns:a="http://schemas.openxmlformats.org/drawingml/2006/main" xmlns:r="http://schemas.openxmlformats.org/officeDocument/2006/relationships" xmlns:p="http://schemas.openxmlformats.org/presentationml/2006/main">
+  <p:cSld>
+    <p:bg>
+      <p:bgPr>
+        <a:blipFill rotWithShape="1">
+          <a:blip r:embed="rId2">
+            <a:duotone>
+              <a:schemeClr val="bg2">
+                <a:shade val="42000"/>
+                <a:hueMod val="42000"/>
+                <a:satMod val="124000"/>
+                <a:lumMod val="62000"/>
+              </a:schemeClr>
+              <a:schemeClr val="bg2">
+                <a:tint val="96000"/>
+                <a:satMod val="130000"/>
+              </a:schemeClr>
+            </a:duotone>
+          </a:blip>
+          <a:stretch/>
+        </a:blipFill>
+        <a:effectLst/>
+      </p:bgPr>
+    </p:bg>
+    <p:spTree>
+      <p:nvGrpSpPr>
+        <p:cNvPr id="1" name=""/>
+        <p:cNvGrpSpPr/>
+        <p:nvPr/>
+      </p:nvGrpSpPr>
+      <p:grpSpPr>
+        <a:xfrm>
+          <a:off x="0" y="0"/>
+          <a:ext cx="0" cy="0"/>
+          <a:chOff x="0" y="0"/>
+          <a:chExt cx="0" cy="0"/>
+        </a:xfrm>
+      </p:grpSpPr>
+      <p:sp>
+        <p:nvSpPr>
+          <p:cNvPr id="2" name="Title 1">
+            <a:extLst>
+              <a:ext uri="{FF2B5EF4-FFF2-40B4-BE49-F238E27FC236}">
+                <a16:creationId xmlns:a16="http://schemas.microsoft.com/office/drawing/2014/main" id="{CFF89B62-C40B-4299-88A0-7C33E516005F}"/>
+              </a:ext>
+            </a:extLst>
+          </p:cNvPr>
+          <p:cNvSpPr>
+            <a:spLocks noGrp="1"/>
+          </p:cNvSpPr>
+          <p:nvPr>
+            <p:ph type="title"/>
+          </p:nvPr>
+        </p:nvSpPr>
+        <p:spPr>
+          <a:xfrm>
+            <a:off x="648931" y="629266"/>
+            <a:ext cx="4166510" cy="1622321"/>
+          </a:xfrm>
+        </p:spPr>
+        <p:txBody>
+          <a:bodyPr>
+            <a:normAutofit/>
+          </a:bodyPr>
+          <a:lstStyle/>
+          <a:p>
+            <a:r>
+              <a:rPr lang="en-US" sz="3900"/>
+              <a:t>Results – Counting Agent</a:t>
+            </a:r>
+          </a:p>
+        </p:txBody>
+      </p:sp>
+      <p:sp>
+        <p:nvSpPr>
+          <p:cNvPr id="3" name="Content Placeholder 2">
+            <a:extLst>
+              <a:ext uri="{FF2B5EF4-FFF2-40B4-BE49-F238E27FC236}">
+                <a16:creationId xmlns:a16="http://schemas.microsoft.com/office/drawing/2014/main" id="{A8E74109-6D55-4C1C-98E2-71698872B11E}"/>
+              </a:ext>
+            </a:extLst>
+          </p:cNvPr>
+          <p:cNvSpPr>
+            <a:spLocks noGrp="1"/>
+          </p:cNvSpPr>
+          <p:nvPr>
+            <p:ph idx="1"/>
+          </p:nvPr>
+        </p:nvSpPr>
+        <p:spPr>
+          <a:xfrm>
+            <a:off x="648931" y="2438400"/>
+            <a:ext cx="4166509" cy="3785419"/>
+          </a:xfrm>
+        </p:spPr>
+        <p:txBody>
+          <a:bodyPr>
+            <a:normAutofit/>
+          </a:bodyPr>
+          <a:lstStyle/>
+          <a:p>
+            <a:r>
+              <a:rPr lang="en-US" dirty="0"/>
+              <a:t>Agent Choses bet:</a:t>
+            </a:r>
+          </a:p>
+          <a:p>
+            <a:r>
+              <a:rPr lang="en-US" dirty="0"/>
+              <a:t>20,000 games</a:t>
+            </a:r>
+          </a:p>
+          <a:p>
+            <a:r>
+              <a:rPr lang="en-US" dirty="0"/>
+              <a:t>Regular:</a:t>
+            </a:r>
+          </a:p>
+          <a:p>
+            <a:pPr lvl="1"/>
+            <a:r>
+              <a:rPr lang="en-US" dirty="0"/>
+              <a:t>113,115 dollars made</a:t>
+            </a:r>
+          </a:p>
+        </p:txBody>
+      </p:sp>
+      <p:sp>
+        <p:nvSpPr>
+          <p:cNvPr id="37" name="Freeform 31">
+            <a:extLst>
+              <a:ext uri="{FF2B5EF4-FFF2-40B4-BE49-F238E27FC236}">
+                <a16:creationId xmlns:a16="http://schemas.microsoft.com/office/drawing/2014/main" id="{8DB9BC10-DABC-48C4-BF24-E621264B0A19}"/>
+              </a:ext>
+              <a:ext uri="{C183D7F6-B498-43B3-948B-1728B52AA6E4}">
+                <adec:decorative xmlns:adec="http://schemas.microsoft.com/office/drawing/2017/decorative" val="1"/>
+              </a:ext>
+            </a:extLst>
+          </p:cNvPr>
+          <p:cNvSpPr>
+            <a:spLocks noGrp="1" noRot="1" noChangeAspect="1" noMove="1" noResize="1" noEditPoints="1" noAdjustHandles="1" noChangeArrowheads="1" noChangeShapeType="1" noTextEdit="1"/>
+          </p:cNvSpPr>
+          <p:nvPr>
+            <p:extLst>
+              <p:ext uri="{386F3935-93C4-4BCD-93E2-E3B085C9AB24}">
+                <p16:designElem xmlns:p16="http://schemas.microsoft.com/office/powerpoint/2015/main" val="1"/>
+              </p:ext>
+            </p:extLst>
+          </p:nvPr>
+        </p:nvSpPr>
+        <p:spPr>
+          <a:xfrm>
+            <a:off x="4994020" y="-1"/>
+            <a:ext cx="559472" cy="3709642"/>
+          </a:xfrm>
+          <a:custGeom>
+            <a:avLst/>
+            <a:gdLst>
+              <a:gd name="connsiteX0" fmla="*/ 0 w 559472"/>
+              <a:gd name="connsiteY0" fmla="*/ 0 h 3709642"/>
+              <a:gd name="connsiteX1" fmla="*/ 473952 w 559472"/>
+              <a:gd name="connsiteY1" fmla="*/ 0 h 3709642"/>
+              <a:gd name="connsiteX2" fmla="*/ 485840 w 559472"/>
+              <a:gd name="connsiteY2" fmla="*/ 161194 h 3709642"/>
+              <a:gd name="connsiteX3" fmla="*/ 523949 w 559472"/>
+              <a:gd name="connsiteY3" fmla="*/ 3672197 h 3709642"/>
+              <a:gd name="connsiteX4" fmla="*/ 454748 w 559472"/>
+              <a:gd name="connsiteY4" fmla="*/ 3709642 h 3709642"/>
+              <a:gd name="connsiteX5" fmla="*/ 448224 w 559472"/>
+              <a:gd name="connsiteY5" fmla="*/ 3510471 h 3709642"/>
+              <a:gd name="connsiteX6" fmla="*/ 443564 w 559472"/>
+              <a:gd name="connsiteY6" fmla="*/ 3408563 h 3709642"/>
+              <a:gd name="connsiteX7" fmla="*/ 438902 w 559472"/>
+              <a:gd name="connsiteY7" fmla="*/ 3304407 h 3709642"/>
+              <a:gd name="connsiteX8" fmla="*/ 433941 w 559472"/>
+              <a:gd name="connsiteY8" fmla="*/ 3198777 h 3709642"/>
+              <a:gd name="connsiteX9" fmla="*/ 427584 w 559472"/>
+              <a:gd name="connsiteY9" fmla="*/ 3092510 h 3709642"/>
+              <a:gd name="connsiteX10" fmla="*/ 420988 w 559472"/>
+              <a:gd name="connsiteY10" fmla="*/ 2984390 h 3709642"/>
+              <a:gd name="connsiteX11" fmla="*/ 414330 w 559472"/>
+              <a:gd name="connsiteY11" fmla="*/ 2874401 h 3709642"/>
+              <a:gd name="connsiteX12" fmla="*/ 406840 w 559472"/>
+              <a:gd name="connsiteY12" fmla="*/ 2762980 h 3709642"/>
+              <a:gd name="connsiteX13" fmla="*/ 397745 w 559472"/>
+              <a:gd name="connsiteY13" fmla="*/ 2650566 h 3709642"/>
+              <a:gd name="connsiteX14" fmla="*/ 389154 w 559472"/>
+              <a:gd name="connsiteY14" fmla="*/ 2536612 h 3709642"/>
+              <a:gd name="connsiteX15" fmla="*/ 379225 w 559472"/>
+              <a:gd name="connsiteY15" fmla="*/ 2421642 h 3709642"/>
+              <a:gd name="connsiteX16" fmla="*/ 368316 w 559472"/>
+              <a:gd name="connsiteY16" fmla="*/ 2305627 h 3709642"/>
+              <a:gd name="connsiteX17" fmla="*/ 357466 w 559472"/>
+              <a:gd name="connsiteY17" fmla="*/ 2189233 h 3709642"/>
+              <a:gd name="connsiteX18" fmla="*/ 344982 w 559472"/>
+              <a:gd name="connsiteY18" fmla="*/ 2071473 h 3709642"/>
+              <a:gd name="connsiteX19" fmla="*/ 332466 w 559472"/>
+              <a:gd name="connsiteY19" fmla="*/ 1952216 h 3709642"/>
+              <a:gd name="connsiteX20" fmla="*/ 319121 w 559472"/>
+              <a:gd name="connsiteY20" fmla="*/ 1833776 h 3709642"/>
+              <a:gd name="connsiteX21" fmla="*/ 304408 w 559472"/>
+              <a:gd name="connsiteY21" fmla="*/ 1713948 h 3709642"/>
+              <a:gd name="connsiteX22" fmla="*/ 288685 w 559472"/>
+              <a:gd name="connsiteY22" fmla="*/ 1592703 h 3709642"/>
+              <a:gd name="connsiteX23" fmla="*/ 273050 w 559472"/>
+              <a:gd name="connsiteY23" fmla="*/ 1471451 h 3709642"/>
+              <a:gd name="connsiteX24" fmla="*/ 255813 w 559472"/>
+              <a:gd name="connsiteY24" fmla="*/ 1350328 h 3709642"/>
+              <a:gd name="connsiteX25" fmla="*/ 237060 w 559472"/>
+              <a:gd name="connsiteY25" fmla="*/ 1227080 h 3709642"/>
+              <a:gd name="connsiteX26" fmla="*/ 218488 w 559472"/>
+              <a:gd name="connsiteY26" fmla="*/ 1106065 h 3709642"/>
+              <a:gd name="connsiteX27" fmla="*/ 198221 w 559472"/>
+              <a:gd name="connsiteY27" fmla="*/ 982940 h 3709642"/>
+              <a:gd name="connsiteX28" fmla="*/ 177152 w 559472"/>
+              <a:gd name="connsiteY28" fmla="*/ 858755 h 3709642"/>
+              <a:gd name="connsiteX29" fmla="*/ 155551 w 559472"/>
+              <a:gd name="connsiteY29" fmla="*/ 736861 h 3709642"/>
+              <a:gd name="connsiteX30" fmla="*/ 131782 w 559472"/>
+              <a:gd name="connsiteY30" fmla="*/ 613645 h 3709642"/>
+              <a:gd name="connsiteX31" fmla="*/ 107123 w 559472"/>
+              <a:gd name="connsiteY31" fmla="*/ 490500 h 3709642"/>
+              <a:gd name="connsiteX32" fmla="*/ 82552 w 559472"/>
+              <a:gd name="connsiteY32" fmla="*/ 367348 h 3709642"/>
+              <a:gd name="connsiteX33" fmla="*/ 55608 w 559472"/>
+              <a:gd name="connsiteY33" fmla="*/ 244762 h 3709642"/>
+              <a:gd name="connsiteX34" fmla="*/ 28130 w 559472"/>
+              <a:gd name="connsiteY34" fmla="*/ 122220 h 3709642"/>
+              <a:gd name="connsiteX35" fmla="*/ 0 w 559472"/>
+              <a:gd name="connsiteY35" fmla="*/ 0 h 3709642"/>
+            </a:gdLst>
+            <a:ahLst/>
+            <a:cxnLst>
+              <a:cxn ang="0">
+                <a:pos x="connsiteX0" y="connsiteY0"/>
+              </a:cxn>
+              <a:cxn ang="0">
+                <a:pos x="connsiteX1" y="connsiteY1"/>
+              </a:cxn>
+              <a:cxn ang="0">
+                <a:pos x="connsiteX2" y="connsiteY2"/>
+              </a:cxn>
+              <a:cxn ang="0">
+                <a:pos x="connsiteX3" y="connsiteY3"/>
+              </a:cxn>
+              <a:cxn ang="0">
+                <a:pos x="connsiteX4" y="connsiteY4"/>
+              </a:cxn>
+              <a:cxn ang="0">
+                <a:pos x="connsiteX5" y="connsiteY5"/>
+              </a:cxn>
+              <a:cxn ang="0">
+                <a:pos x="connsiteX6" y="connsiteY6"/>
+              </a:cxn>
+              <a:cxn ang="0">
+                <a:pos x="connsiteX7" y="connsiteY7"/>
+              </a:cxn>
+              <a:cxn ang="0">
+                <a:pos x="connsiteX8" y="connsiteY8"/>
+              </a:cxn>
+              <a:cxn ang="0">
+                <a:pos x="connsiteX9" y="connsiteY9"/>
+              </a:cxn>
+              <a:cxn ang="0">
+                <a:pos x="connsiteX10" y="connsiteY10"/>
+              </a:cxn>
+              <a:cxn ang="0">
+                <a:pos x="connsiteX11" y="connsiteY11"/>
+              </a:cxn>
+              <a:cxn ang="0">
+                <a:pos x="connsiteX12" y="connsiteY12"/>
+              </a:cxn>
+              <a:cxn ang="0">
+                <a:pos x="connsiteX13" y="connsiteY13"/>
+              </a:cxn>
+              <a:cxn ang="0">
+                <a:pos x="connsiteX14" y="connsiteY14"/>
+              </a:cxn>
+              <a:cxn ang="0">
+                <a:pos x="connsiteX15" y="connsiteY15"/>
+              </a:cxn>
+              <a:cxn ang="0">
+                <a:pos x="connsiteX16" y="connsiteY16"/>
+              </a:cxn>
+              <a:cxn ang="0">
+                <a:pos x="connsiteX17" y="connsiteY17"/>
+              </a:cxn>
+              <a:cxn ang="0">
+                <a:pos x="connsiteX18" y="connsiteY18"/>
+              </a:cxn>
+              <a:cxn ang="0">
+                <a:pos x="connsiteX19" y="connsiteY19"/>
+              </a:cxn>
+              <a:cxn ang="0">
+                <a:pos x="connsiteX20" y="connsiteY20"/>
+              </a:cxn>
+              <a:cxn ang="0">
+                <a:pos x="connsiteX21" y="connsiteY21"/>
+              </a:cxn>
+              <a:cxn ang="0">
+                <a:pos x="connsiteX22" y="connsiteY22"/>
+              </a:cxn>
+              <a:cxn ang="0">
+                <a:pos x="connsiteX23" y="connsiteY23"/>
+              </a:cxn>
+              <a:cxn ang="0">
+                <a:pos x="connsiteX24" y="connsiteY24"/>
+              </a:cxn>
+              <a:cxn ang="0">
+                <a:pos x="connsiteX25" y="connsiteY25"/>
+              </a:cxn>
+              <a:cxn ang="0">
+                <a:pos x="connsiteX26" y="connsiteY26"/>
+              </a:cxn>
+              <a:cxn ang="0">
+                <a:pos x="connsiteX27" y="connsiteY27"/>
+              </a:cxn>
+              <a:cxn ang="0">
+                <a:pos x="connsiteX28" y="connsiteY28"/>
+              </a:cxn>
+              <a:cxn ang="0">
+                <a:pos x="connsiteX29" y="connsiteY29"/>
+              </a:cxn>
+              <a:cxn ang="0">
+                <a:pos x="connsiteX30" y="connsiteY30"/>
+              </a:cxn>
+              <a:cxn ang="0">
+                <a:pos x="connsiteX31" y="connsiteY31"/>
+              </a:cxn>
+              <a:cxn ang="0">
+                <a:pos x="connsiteX32" y="connsiteY32"/>
+              </a:cxn>
+              <a:cxn ang="0">
+                <a:pos x="connsiteX33" y="connsiteY33"/>
+              </a:cxn>
+              <a:cxn ang="0">
+                <a:pos x="connsiteX34" y="connsiteY34"/>
+              </a:cxn>
+              <a:cxn ang="0">
+                <a:pos x="connsiteX35" y="connsiteY35"/>
+              </a:cxn>
+            </a:cxnLst>
+            <a:rect l="l" t="t" r="r" b="b"/>
+            <a:pathLst>
+              <a:path w="559472" h="3709642">
+                <a:moveTo>
+                  <a:pt x="0" y="0"/>
+                </a:moveTo>
+                <a:lnTo>
+                  <a:pt x="473952" y="0"/>
+                </a:lnTo>
+                <a:lnTo>
+                  <a:pt x="485840" y="161194"/>
+                </a:lnTo>
+                <a:cubicBezTo>
+                  <a:pt x="552063" y="1147770"/>
+                  <a:pt x="592441" y="3086737"/>
+                  <a:pt x="523949" y="3672197"/>
+                </a:cubicBezTo>
+                <a:cubicBezTo>
+                  <a:pt x="500842" y="3684557"/>
+                  <a:pt x="477855" y="3697282"/>
+                  <a:pt x="454748" y="3709642"/>
+                </a:cubicBezTo>
+                <a:lnTo>
+                  <a:pt x="448224" y="3510471"/>
+                </a:lnTo>
+                <a:lnTo>
+                  <a:pt x="443564" y="3408563"/>
+                </a:lnTo>
+                <a:lnTo>
+                  <a:pt x="438902" y="3304407"/>
+                </a:lnTo>
+                <a:lnTo>
+                  <a:pt x="433941" y="3198777"/>
+                </a:lnTo>
+                <a:lnTo>
+                  <a:pt x="427584" y="3092510"/>
+                </a:lnTo>
+                <a:lnTo>
+                  <a:pt x="420988" y="2984390"/>
+                </a:lnTo>
+                <a:lnTo>
+                  <a:pt x="414330" y="2874401"/>
+                </a:lnTo>
+                <a:lnTo>
+                  <a:pt x="406840" y="2762980"/>
+                </a:lnTo>
+                <a:lnTo>
+                  <a:pt x="397745" y="2650566"/>
+                </a:lnTo>
+                <a:lnTo>
+                  <a:pt x="389154" y="2536612"/>
+                </a:lnTo>
+                <a:lnTo>
+                  <a:pt x="379225" y="2421642"/>
+                </a:lnTo>
+                <a:lnTo>
+                  <a:pt x="368316" y="2305627"/>
+                </a:lnTo>
+                <a:lnTo>
+                  <a:pt x="357466" y="2189233"/>
+                </a:lnTo>
+                <a:lnTo>
+                  <a:pt x="344982" y="2071473"/>
+                </a:lnTo>
+                <a:lnTo>
+                  <a:pt x="332466" y="1952216"/>
+                </a:lnTo>
+                <a:lnTo>
+                  <a:pt x="319121" y="1833776"/>
+                </a:lnTo>
+                <a:lnTo>
+                  <a:pt x="304408" y="1713948"/>
+                </a:lnTo>
+                <a:lnTo>
+                  <a:pt x="288685" y="1592703"/>
+                </a:lnTo>
+                <a:lnTo>
+                  <a:pt x="273050" y="1471451"/>
+                </a:lnTo>
+                <a:lnTo>
+                  <a:pt x="255813" y="1350328"/>
+                </a:lnTo>
+                <a:lnTo>
+                  <a:pt x="237060" y="1227080"/>
+                </a:lnTo>
+                <a:lnTo>
+                  <a:pt x="218488" y="1106065"/>
+                </a:lnTo>
+                <a:lnTo>
+                  <a:pt x="198221" y="982940"/>
+                </a:lnTo>
+                <a:lnTo>
+                  <a:pt x="177152" y="858755"/>
+                </a:lnTo>
+                <a:lnTo>
+                  <a:pt x="155551" y="736861"/>
+                </a:lnTo>
+                <a:lnTo>
+                  <a:pt x="131782" y="613645"/>
+                </a:lnTo>
+                <a:lnTo>
+                  <a:pt x="107123" y="490500"/>
+                </a:lnTo>
+                <a:lnTo>
+                  <a:pt x="82552" y="367348"/>
+                </a:lnTo>
+                <a:lnTo>
+                  <a:pt x="55608" y="244762"/>
+                </a:lnTo>
+                <a:lnTo>
+                  <a:pt x="28130" y="122220"/>
+                </a:lnTo>
+                <a:lnTo>
+                  <a:pt x="0" y="0"/>
+                </a:lnTo>
+                <a:close/>
+              </a:path>
+            </a:pathLst>
+          </a:custGeom>
+          <a:solidFill>
+            <a:schemeClr val="tx1">
+              <a:alpha val="20000"/>
+            </a:schemeClr>
+          </a:solidFill>
+          <a:ln>
+            <a:noFill/>
+          </a:ln>
+        </p:spPr>
+        <p:txBody>
+          <a:bodyPr rtlCol="0" anchor="ctr"/>
+          <a:lstStyle/>
+          <a:p>
+            <a:pPr algn="ctr"/>
+            <a:endParaRPr lang="en-US"/>
+          </a:p>
+        </p:txBody>
+      </p:sp>
+      <p:sp>
+        <p:nvSpPr>
+          <p:cNvPr id="39" name="Rectangle 38">
+            <a:extLst>
+              <a:ext uri="{FF2B5EF4-FFF2-40B4-BE49-F238E27FC236}">
+                <a16:creationId xmlns:a16="http://schemas.microsoft.com/office/drawing/2014/main" id="{38348FA2-1392-4EC3-AF8B-6A64B797C7A9}"/>
+              </a:ext>
+              <a:ext uri="{C183D7F6-B498-43B3-948B-1728B52AA6E4}">
+                <adec:decorative xmlns:adec="http://schemas.microsoft.com/office/drawing/2017/decorative" val="1"/>
+              </a:ext>
+            </a:extLst>
+          </p:cNvPr>
+          <p:cNvSpPr>
+            <a:spLocks noGrp="1" noRot="1" noChangeAspect="1" noMove="1" noResize="1" noEditPoints="1" noAdjustHandles="1" noChangeArrowheads="1" noChangeShapeType="1" noTextEdit="1"/>
+          </p:cNvSpPr>
+          <p:nvPr>
+            <p:extLst>
+              <p:ext uri="{386F3935-93C4-4BCD-93E2-E3B085C9AB24}">
+                <p16:designElem xmlns:p16="http://schemas.microsoft.com/office/powerpoint/2015/main" val="1"/>
+              </p:ext>
+            </p:extLst>
+          </p:nvPr>
+        </p:nvSpPr>
+        <p:spPr>
+          <a:xfrm>
+            <a:off x="6093992" y="0"/>
+            <a:ext cx="6098427" cy="6858000"/>
+          </a:xfrm>
+          <a:prstGeom prst="rect">
+            <a:avLst/>
+          </a:prstGeom>
+          <a:solidFill>
+            <a:srgbClr val="FFFFFF"/>
+          </a:solidFill>
+          <a:ln>
+            <a:noFill/>
+          </a:ln>
+        </p:spPr>
+        <p:style>
+          <a:lnRef idx="2">
+            <a:schemeClr val="accent1">
+              <a:shade val="50000"/>
+            </a:schemeClr>
+          </a:lnRef>
+          <a:fillRef idx="1">
+            <a:schemeClr val="accent1"/>
+          </a:fillRef>
+          <a:effectRef idx="0">
+            <a:schemeClr val="accent1"/>
+          </a:effectRef>
+          <a:fontRef idx="minor">
+            <a:schemeClr val="lt1"/>
+          </a:fontRef>
+        </p:style>
+        <p:txBody>
+          <a:bodyPr rtlCol="0" anchor="ctr"/>
+          <a:lstStyle/>
+          <a:p>
+            <a:pPr algn="ctr"/>
+            <a:endParaRPr lang="en-US"/>
+          </a:p>
+        </p:txBody>
+      </p:sp>
+      <p:sp>
+        <p:nvSpPr>
+          <p:cNvPr id="41" name="Freeform 5">
+            <a:extLst>
+              <a:ext uri="{FF2B5EF4-FFF2-40B4-BE49-F238E27FC236}">
+                <a16:creationId xmlns:a16="http://schemas.microsoft.com/office/drawing/2014/main" id="{93CB2C36-347C-4705-BC75-94EAB8FF83B9}"/>
+              </a:ext>
+              <a:ext uri="{C183D7F6-B498-43B3-948B-1728B52AA6E4}">
+                <adec:decorative xmlns:adec="http://schemas.microsoft.com/office/drawing/2017/decorative" val="1"/>
+              </a:ext>
+            </a:extLst>
+          </p:cNvPr>
+          <p:cNvSpPr>
+            <a:spLocks noGrp="1" noRot="1" noChangeAspect="1" noMove="1" noResize="1" noEditPoints="1" noAdjustHandles="1" noChangeArrowheads="1" noChangeShapeType="1" noTextEdit="1"/>
+          </p:cNvSpPr>
+          <p:nvPr>
+            <p:extLst>
+              <p:ext uri="{386F3935-93C4-4BCD-93E2-E3B085C9AB24}">
+                <p16:designElem xmlns:p16="http://schemas.microsoft.com/office/powerpoint/2015/main" val="1"/>
+              </p:ext>
+            </p:extLst>
+          </p:nvPr>
+        </p:nvSpPr>
+        <p:spPr bwMode="gray">
+          <a:xfrm rot="16200000">
+            <a:off x="2450577" y="2756642"/>
+            <a:ext cx="6858000" cy="1344715"/>
+          </a:xfrm>
+          <a:custGeom>
+            <a:avLst/>
+            <a:gdLst/>
+            <a:ahLst/>
+            <a:cxnLst/>
+            <a:rect l="l" t="t" r="r" b="b"/>
+            <a:pathLst>
+              <a:path w="10000" h="8000">
+                <a:moveTo>
+                  <a:pt x="0" y="0"/>
+                </a:moveTo>
+                <a:lnTo>
+                  <a:pt x="0" y="7970"/>
+                </a:lnTo>
+                <a:lnTo>
+                  <a:pt x="10000" y="8000"/>
+                </a:lnTo>
+                <a:lnTo>
+                  <a:pt x="10000" y="7"/>
+                </a:lnTo>
+                <a:lnTo>
+                  <a:pt x="10000" y="7"/>
+                </a:lnTo>
+                <a:lnTo>
+                  <a:pt x="9773" y="156"/>
+                </a:lnTo>
+                <a:lnTo>
+                  <a:pt x="9547" y="298"/>
+                </a:lnTo>
+                <a:lnTo>
+                  <a:pt x="9320" y="437"/>
+                </a:lnTo>
+                <a:lnTo>
+                  <a:pt x="9092" y="556"/>
+                </a:lnTo>
+                <a:lnTo>
+                  <a:pt x="8865" y="676"/>
+                </a:lnTo>
+                <a:lnTo>
+                  <a:pt x="8637" y="788"/>
+                </a:lnTo>
+                <a:lnTo>
+                  <a:pt x="8412" y="884"/>
+                </a:lnTo>
+                <a:lnTo>
+                  <a:pt x="8184" y="975"/>
+                </a:lnTo>
+                <a:lnTo>
+                  <a:pt x="7957" y="1058"/>
+                </a:lnTo>
+                <a:lnTo>
+                  <a:pt x="7734" y="1130"/>
+                </a:lnTo>
+                <a:lnTo>
+                  <a:pt x="7508" y="1202"/>
+                </a:lnTo>
+                <a:lnTo>
+                  <a:pt x="7285" y="1262"/>
+                </a:lnTo>
+                <a:lnTo>
+                  <a:pt x="7062" y="1309"/>
+                </a:lnTo>
+                <a:lnTo>
+                  <a:pt x="6840" y="1358"/>
+                </a:lnTo>
+                <a:lnTo>
+                  <a:pt x="6620" y="1399"/>
+                </a:lnTo>
+                <a:lnTo>
+                  <a:pt x="6402" y="1428"/>
+                </a:lnTo>
+                <a:lnTo>
+                  <a:pt x="6184" y="1453"/>
+                </a:lnTo>
+                <a:lnTo>
+                  <a:pt x="5968" y="1477"/>
+                </a:lnTo>
+                <a:lnTo>
+                  <a:pt x="5755" y="1488"/>
+                </a:lnTo>
+                <a:lnTo>
+                  <a:pt x="5542" y="1500"/>
+                </a:lnTo>
+                <a:lnTo>
+                  <a:pt x="5332" y="1506"/>
+                </a:lnTo>
+                <a:lnTo>
+                  <a:pt x="5124" y="1500"/>
+                </a:lnTo>
+                <a:lnTo>
+                  <a:pt x="4918" y="1500"/>
+                </a:lnTo>
+                <a:lnTo>
+                  <a:pt x="4714" y="1488"/>
+                </a:lnTo>
+                <a:lnTo>
+                  <a:pt x="4514" y="1470"/>
+                </a:lnTo>
+                <a:lnTo>
+                  <a:pt x="4316" y="1453"/>
+                </a:lnTo>
+                <a:lnTo>
+                  <a:pt x="4122" y="1434"/>
+                </a:lnTo>
+                <a:lnTo>
+                  <a:pt x="3929" y="1405"/>
+                </a:lnTo>
+                <a:lnTo>
+                  <a:pt x="3739" y="1374"/>
+                </a:lnTo>
+                <a:lnTo>
+                  <a:pt x="3553" y="1346"/>
+                </a:lnTo>
+                <a:lnTo>
+                  <a:pt x="3190" y="1267"/>
+                </a:lnTo>
+                <a:lnTo>
+                  <a:pt x="2842" y="1183"/>
+                </a:lnTo>
+                <a:lnTo>
+                  <a:pt x="2508" y="1095"/>
+                </a:lnTo>
+                <a:lnTo>
+                  <a:pt x="2192" y="998"/>
+                </a:lnTo>
+                <a:lnTo>
+                  <a:pt x="1890" y="897"/>
+                </a:lnTo>
+                <a:lnTo>
+                  <a:pt x="1610" y="788"/>
+                </a:lnTo>
+                <a:lnTo>
+                  <a:pt x="1347" y="681"/>
+                </a:lnTo>
+                <a:lnTo>
+                  <a:pt x="1105" y="574"/>
+                </a:lnTo>
+                <a:lnTo>
+                  <a:pt x="883" y="473"/>
+                </a:lnTo>
+                <a:lnTo>
+                  <a:pt x="686" y="377"/>
+                </a:lnTo>
+                <a:lnTo>
+                  <a:pt x="508" y="286"/>
+                </a:lnTo>
+                <a:lnTo>
+                  <a:pt x="358" y="210"/>
+                </a:lnTo>
+                <a:lnTo>
+                  <a:pt x="232" y="138"/>
+                </a:lnTo>
+                <a:lnTo>
+                  <a:pt x="59" y="35"/>
+                </a:lnTo>
+                <a:lnTo>
+                  <a:pt x="0" y="0"/>
+                </a:lnTo>
+                <a:lnTo>
+                  <a:pt x="0" y="0"/>
+                </a:lnTo>
+                <a:close/>
+              </a:path>
+            </a:pathLst>
+          </a:custGeom>
+          <a:solidFill>
+            <a:srgbClr val="FFFFFF"/>
+          </a:solidFill>
+          <a:ln>
+            <a:noFill/>
+          </a:ln>
+        </p:spPr>
+      </p:sp>
+      <p:pic>
+        <p:nvPicPr>
+          <p:cNvPr id="7" name="Picture 6">
+            <a:extLst>
+              <a:ext uri="{FF2B5EF4-FFF2-40B4-BE49-F238E27FC236}">
+                <a16:creationId xmlns:a16="http://schemas.microsoft.com/office/drawing/2014/main" id="{9F62C909-CC59-42EA-A77C-C07DF64331F4}"/>
+              </a:ext>
+            </a:extLst>
+          </p:cNvPr>
+          <p:cNvPicPr>
+            <a:picLocks noChangeAspect="1"/>
+          </p:cNvPicPr>
+          <p:nvPr/>
+        </p:nvPicPr>
+        <p:blipFill>
+          <a:blip r:embed="rId3"/>
+          <a:stretch>
+            <a:fillRect/>
+          </a:stretch>
+        </p:blipFill>
+        <p:spPr>
+          <a:xfrm>
+            <a:off x="6093992" y="1794032"/>
+            <a:ext cx="5449889" cy="3269933"/>
+          </a:xfrm>
+          <a:prstGeom prst="rect">
+            <a:avLst/>
+          </a:prstGeom>
+          <a:effectLst/>
+        </p:spPr>
+      </p:pic>
+      <p:sp>
+        <p:nvSpPr>
+          <p:cNvPr id="43" name="Rectangle 42">
+            <a:extLst>
+              <a:ext uri="{FF2B5EF4-FFF2-40B4-BE49-F238E27FC236}">
+                <a16:creationId xmlns:a16="http://schemas.microsoft.com/office/drawing/2014/main" id="{4437D23E-7DA0-4020-B991-9734AB977433}"/>
+              </a:ext>
+              <a:ext uri="{C183D7F6-B498-43B3-948B-1728B52AA6E4}">
+                <adec:decorative xmlns:adec="http://schemas.microsoft.com/office/drawing/2017/decorative" val="1"/>
+              </a:ext>
+            </a:extLst>
+          </p:cNvPr>
+          <p:cNvSpPr>
+            <a:spLocks noGrp="1" noRot="1" noChangeAspect="1" noMove="1" noResize="1" noEditPoints="1" noAdjustHandles="1" noChangeArrowheads="1" noChangeShapeType="1" noTextEdit="1"/>
+          </p:cNvSpPr>
+          <p:nvPr>
+            <p:extLst>
+              <p:ext uri="{386F3935-93C4-4BCD-93E2-E3B085C9AB24}">
+                <p16:designElem xmlns:p16="http://schemas.microsoft.com/office/powerpoint/2015/main" val="1"/>
+              </p:ext>
+            </p:extLst>
+          </p:nvPr>
+        </p:nvSpPr>
+        <p:spPr>
+          <a:xfrm>
+            <a:off x="10442448" y="0"/>
+            <a:ext cx="685800" cy="1143000"/>
+          </a:xfrm>
+          <a:prstGeom prst="rect">
+            <a:avLst/>
+          </a:prstGeom>
+          <a:solidFill>
+            <a:schemeClr val="accent1"/>
+          </a:solidFill>
+          <a:ln>
+            <a:noFill/>
+          </a:ln>
+        </p:spPr>
+        <p:style>
+          <a:lnRef idx="1">
+            <a:schemeClr val="accent1"/>
+          </a:lnRef>
+          <a:fillRef idx="3">
+            <a:schemeClr val="accent1"/>
+          </a:fillRef>
+          <a:effectRef idx="2">
+            <a:schemeClr val="accent1"/>
+          </a:effectRef>
+          <a:fontRef idx="minor">
+            <a:schemeClr val="lt1"/>
+          </a:fontRef>
+        </p:style>
+      </p:sp>
+    </p:spTree>
+    <p:extLst>
+      <p:ext uri="{BB962C8B-B14F-4D97-AF65-F5344CB8AC3E}">
+        <p14:creationId xmlns:p14="http://schemas.microsoft.com/office/powerpoint/2010/main" val="2900670379"/>
+      </p:ext>
+    </p:extLst>
+  </p:cSld>
+  <p:clrMapOvr>
+    <a:masterClrMapping/>
+  </p:clrMapOvr>
+</p:sld>
+</file>
+
+<file path=ppt/slides/slide15.xml><?xml version="1.0" encoding="utf-8"?>
+<p:sld xmlns:a="http://schemas.openxmlformats.org/drawingml/2006/main" xmlns:r="http://schemas.openxmlformats.org/officeDocument/2006/relationships" xmlns:p="http://schemas.openxmlformats.org/presentationml/2006/main">
+  <p:cSld>
+    <p:bg>
+      <p:bgPr>
+        <a:blipFill rotWithShape="1">
+          <a:blip r:embed="rId2">
+            <a:duotone>
+              <a:schemeClr val="bg2">
+                <a:shade val="42000"/>
+                <a:hueMod val="42000"/>
+                <a:satMod val="124000"/>
+                <a:lumMod val="62000"/>
+              </a:schemeClr>
+              <a:schemeClr val="bg2">
+                <a:tint val="96000"/>
+                <a:satMod val="130000"/>
+              </a:schemeClr>
+            </a:duotone>
+          </a:blip>
+          <a:stretch/>
+        </a:blipFill>
+        <a:effectLst/>
+      </p:bgPr>
+    </p:bg>
+    <p:spTree>
+      <p:nvGrpSpPr>
+        <p:cNvPr id="1" name=""/>
+        <p:cNvGrpSpPr/>
+        <p:nvPr/>
+      </p:nvGrpSpPr>
+      <p:grpSpPr>
+        <a:xfrm>
+          <a:off x="0" y="0"/>
+          <a:ext cx="0" cy="0"/>
+          <a:chOff x="0" y="0"/>
+          <a:chExt cx="0" cy="0"/>
+        </a:xfrm>
+      </p:grpSpPr>
+      <p:sp>
+        <p:nvSpPr>
+          <p:cNvPr id="2" name="Title 1">
+            <a:extLst>
+              <a:ext uri="{FF2B5EF4-FFF2-40B4-BE49-F238E27FC236}">
+                <a16:creationId xmlns:a16="http://schemas.microsoft.com/office/drawing/2014/main" id="{34F33719-BDEC-4483-BD84-070D34018F04}"/>
+              </a:ext>
+            </a:extLst>
+          </p:cNvPr>
+          <p:cNvSpPr>
+            <a:spLocks noGrp="1"/>
+          </p:cNvSpPr>
+          <p:nvPr>
+            <p:ph type="title"/>
+          </p:nvPr>
+        </p:nvSpPr>
+        <p:spPr>
+          <a:xfrm>
+            <a:off x="648931" y="629266"/>
+            <a:ext cx="4166510" cy="1622321"/>
+          </a:xfrm>
+        </p:spPr>
+        <p:txBody>
+          <a:bodyPr>
+            <a:normAutofit/>
+          </a:bodyPr>
+          <a:lstStyle/>
+          <a:p>
+            <a:r>
+              <a:rPr lang="en-US" dirty="0"/>
+              <a:t>Average bet</a:t>
+            </a:r>
+          </a:p>
+        </p:txBody>
+      </p:sp>
+      <p:sp>
+        <p:nvSpPr>
+          <p:cNvPr id="8" name="Content Placeholder 7">
+            <a:extLst>
+              <a:ext uri="{FF2B5EF4-FFF2-40B4-BE49-F238E27FC236}">
+                <a16:creationId xmlns:a16="http://schemas.microsoft.com/office/drawing/2014/main" id="{E99A8EB0-B166-400D-A696-78AB91B3FA88}"/>
+              </a:ext>
+            </a:extLst>
+          </p:cNvPr>
+          <p:cNvSpPr>
+            <a:spLocks noGrp="1"/>
+          </p:cNvSpPr>
+          <p:nvPr>
+            <p:ph idx="1"/>
+          </p:nvPr>
+        </p:nvSpPr>
+        <p:spPr>
+          <a:xfrm>
+            <a:off x="648931" y="2438400"/>
+            <a:ext cx="4166509" cy="3785419"/>
+          </a:xfrm>
+        </p:spPr>
+        <p:txBody>
+          <a:bodyPr>
+            <a:normAutofit/>
+          </a:bodyPr>
+          <a:lstStyle/>
+          <a:p>
+            <a:r>
+              <a:rPr lang="en-US" dirty="0"/>
+              <a:t>Bet rose with count</a:t>
+            </a:r>
+          </a:p>
+          <a:p>
+            <a:r>
+              <a:rPr lang="en-US" dirty="0"/>
+              <a:t>Agent never shied away from a bet at any count</a:t>
+            </a:r>
+          </a:p>
+        </p:txBody>
+      </p:sp>
+      <p:sp>
+        <p:nvSpPr>
+          <p:cNvPr id="11" name="Freeform 31">
+            <a:extLst>
+              <a:ext uri="{FF2B5EF4-FFF2-40B4-BE49-F238E27FC236}">
+                <a16:creationId xmlns:a16="http://schemas.microsoft.com/office/drawing/2014/main" id="{8DB9BC10-DABC-48C4-BF24-E621264B0A19}"/>
+              </a:ext>
+              <a:ext uri="{C183D7F6-B498-43B3-948B-1728B52AA6E4}">
+                <adec:decorative xmlns:adec="http://schemas.microsoft.com/office/drawing/2017/decorative" val="1"/>
+              </a:ext>
+            </a:extLst>
+          </p:cNvPr>
+          <p:cNvSpPr>
+            <a:spLocks noGrp="1" noRot="1" noChangeAspect="1" noMove="1" noResize="1" noEditPoints="1" noAdjustHandles="1" noChangeArrowheads="1" noChangeShapeType="1" noTextEdit="1"/>
+          </p:cNvSpPr>
+          <p:nvPr>
+            <p:extLst>
+              <p:ext uri="{386F3935-93C4-4BCD-93E2-E3B085C9AB24}">
+                <p16:designElem xmlns:p16="http://schemas.microsoft.com/office/powerpoint/2015/main" val="1"/>
+              </p:ext>
+            </p:extLst>
+          </p:nvPr>
+        </p:nvSpPr>
+        <p:spPr>
+          <a:xfrm>
+            <a:off x="4994020" y="-1"/>
+            <a:ext cx="559472" cy="3709642"/>
+          </a:xfrm>
+          <a:custGeom>
+            <a:avLst/>
+            <a:gdLst>
+              <a:gd name="connsiteX0" fmla="*/ 0 w 559472"/>
+              <a:gd name="connsiteY0" fmla="*/ 0 h 3709642"/>
+              <a:gd name="connsiteX1" fmla="*/ 473952 w 559472"/>
+              <a:gd name="connsiteY1" fmla="*/ 0 h 3709642"/>
+              <a:gd name="connsiteX2" fmla="*/ 485840 w 559472"/>
+              <a:gd name="connsiteY2" fmla="*/ 161194 h 3709642"/>
+              <a:gd name="connsiteX3" fmla="*/ 523949 w 559472"/>
+              <a:gd name="connsiteY3" fmla="*/ 3672197 h 3709642"/>
+              <a:gd name="connsiteX4" fmla="*/ 454748 w 559472"/>
+              <a:gd name="connsiteY4" fmla="*/ 3709642 h 3709642"/>
+              <a:gd name="connsiteX5" fmla="*/ 448224 w 559472"/>
+              <a:gd name="connsiteY5" fmla="*/ 3510471 h 3709642"/>
+              <a:gd name="connsiteX6" fmla="*/ 443564 w 559472"/>
+              <a:gd name="connsiteY6" fmla="*/ 3408563 h 3709642"/>
+              <a:gd name="connsiteX7" fmla="*/ 438902 w 559472"/>
+              <a:gd name="connsiteY7" fmla="*/ 3304407 h 3709642"/>
+              <a:gd name="connsiteX8" fmla="*/ 433941 w 559472"/>
+              <a:gd name="connsiteY8" fmla="*/ 3198777 h 3709642"/>
+              <a:gd name="connsiteX9" fmla="*/ 427584 w 559472"/>
+              <a:gd name="connsiteY9" fmla="*/ 3092510 h 3709642"/>
+              <a:gd name="connsiteX10" fmla="*/ 420988 w 559472"/>
+              <a:gd name="connsiteY10" fmla="*/ 2984390 h 3709642"/>
+              <a:gd name="connsiteX11" fmla="*/ 414330 w 559472"/>
+              <a:gd name="connsiteY11" fmla="*/ 2874401 h 3709642"/>
+              <a:gd name="connsiteX12" fmla="*/ 406840 w 559472"/>
+              <a:gd name="connsiteY12" fmla="*/ 2762980 h 3709642"/>
+              <a:gd name="connsiteX13" fmla="*/ 397745 w 559472"/>
+              <a:gd name="connsiteY13" fmla="*/ 2650566 h 3709642"/>
+              <a:gd name="connsiteX14" fmla="*/ 389154 w 559472"/>
+              <a:gd name="connsiteY14" fmla="*/ 2536612 h 3709642"/>
+              <a:gd name="connsiteX15" fmla="*/ 379225 w 559472"/>
+              <a:gd name="connsiteY15" fmla="*/ 2421642 h 3709642"/>
+              <a:gd name="connsiteX16" fmla="*/ 368316 w 559472"/>
+              <a:gd name="connsiteY16" fmla="*/ 2305627 h 3709642"/>
+              <a:gd name="connsiteX17" fmla="*/ 357466 w 559472"/>
+              <a:gd name="connsiteY17" fmla="*/ 2189233 h 3709642"/>
+              <a:gd name="connsiteX18" fmla="*/ 344982 w 559472"/>
+              <a:gd name="connsiteY18" fmla="*/ 2071473 h 3709642"/>
+              <a:gd name="connsiteX19" fmla="*/ 332466 w 559472"/>
+              <a:gd name="connsiteY19" fmla="*/ 1952216 h 3709642"/>
+              <a:gd name="connsiteX20" fmla="*/ 319121 w 559472"/>
+              <a:gd name="connsiteY20" fmla="*/ 1833776 h 3709642"/>
+              <a:gd name="connsiteX21" fmla="*/ 304408 w 559472"/>
+              <a:gd name="connsiteY21" fmla="*/ 1713948 h 3709642"/>
+              <a:gd name="connsiteX22" fmla="*/ 288685 w 559472"/>
+              <a:gd name="connsiteY22" fmla="*/ 1592703 h 3709642"/>
+              <a:gd name="connsiteX23" fmla="*/ 273050 w 559472"/>
+              <a:gd name="connsiteY23" fmla="*/ 1471451 h 3709642"/>
+              <a:gd name="connsiteX24" fmla="*/ 255813 w 559472"/>
+              <a:gd name="connsiteY24" fmla="*/ 1350328 h 3709642"/>
+              <a:gd name="connsiteX25" fmla="*/ 237060 w 559472"/>
+              <a:gd name="connsiteY25" fmla="*/ 1227080 h 3709642"/>
+              <a:gd name="connsiteX26" fmla="*/ 218488 w 559472"/>
+              <a:gd name="connsiteY26" fmla="*/ 1106065 h 3709642"/>
+              <a:gd name="connsiteX27" fmla="*/ 198221 w 559472"/>
+              <a:gd name="connsiteY27" fmla="*/ 982940 h 3709642"/>
+              <a:gd name="connsiteX28" fmla="*/ 177152 w 559472"/>
+              <a:gd name="connsiteY28" fmla="*/ 858755 h 3709642"/>
+              <a:gd name="connsiteX29" fmla="*/ 155551 w 559472"/>
+              <a:gd name="connsiteY29" fmla="*/ 736861 h 3709642"/>
+              <a:gd name="connsiteX30" fmla="*/ 131782 w 559472"/>
+              <a:gd name="connsiteY30" fmla="*/ 613645 h 3709642"/>
+              <a:gd name="connsiteX31" fmla="*/ 107123 w 559472"/>
+              <a:gd name="connsiteY31" fmla="*/ 490500 h 3709642"/>
+              <a:gd name="connsiteX32" fmla="*/ 82552 w 559472"/>
+              <a:gd name="connsiteY32" fmla="*/ 367348 h 3709642"/>
+              <a:gd name="connsiteX33" fmla="*/ 55608 w 559472"/>
+              <a:gd name="connsiteY33" fmla="*/ 244762 h 3709642"/>
+              <a:gd name="connsiteX34" fmla="*/ 28130 w 559472"/>
+              <a:gd name="connsiteY34" fmla="*/ 122220 h 3709642"/>
+              <a:gd name="connsiteX35" fmla="*/ 0 w 559472"/>
+              <a:gd name="connsiteY35" fmla="*/ 0 h 3709642"/>
+            </a:gdLst>
+            <a:ahLst/>
+            <a:cxnLst>
+              <a:cxn ang="0">
+                <a:pos x="connsiteX0" y="connsiteY0"/>
+              </a:cxn>
+              <a:cxn ang="0">
+                <a:pos x="connsiteX1" y="connsiteY1"/>
+              </a:cxn>
+              <a:cxn ang="0">
+                <a:pos x="connsiteX2" y="connsiteY2"/>
+              </a:cxn>
+              <a:cxn ang="0">
+                <a:pos x="connsiteX3" y="connsiteY3"/>
+              </a:cxn>
+              <a:cxn ang="0">
+                <a:pos x="connsiteX4" y="connsiteY4"/>
+              </a:cxn>
+              <a:cxn ang="0">
+                <a:pos x="connsiteX5" y="connsiteY5"/>
+              </a:cxn>
+              <a:cxn ang="0">
+                <a:pos x="connsiteX6" y="connsiteY6"/>
+              </a:cxn>
+              <a:cxn ang="0">
+                <a:pos x="connsiteX7" y="connsiteY7"/>
+              </a:cxn>
+              <a:cxn ang="0">
+                <a:pos x="connsiteX8" y="connsiteY8"/>
+              </a:cxn>
+              <a:cxn ang="0">
+                <a:pos x="connsiteX9" y="connsiteY9"/>
+              </a:cxn>
+              <a:cxn ang="0">
+                <a:pos x="connsiteX10" y="connsiteY10"/>
+              </a:cxn>
+              <a:cxn ang="0">
+                <a:pos x="connsiteX11" y="connsiteY11"/>
+              </a:cxn>
+              <a:cxn ang="0">
+                <a:pos x="connsiteX12" y="connsiteY12"/>
+              </a:cxn>
+              <a:cxn ang="0">
+                <a:pos x="connsiteX13" y="connsiteY13"/>
+              </a:cxn>
+              <a:cxn ang="0">
+                <a:pos x="connsiteX14" y="connsiteY14"/>
+              </a:cxn>
+              <a:cxn ang="0">
+                <a:pos x="connsiteX15" y="connsiteY15"/>
+              </a:cxn>
+              <a:cxn ang="0">
+                <a:pos x="connsiteX16" y="connsiteY16"/>
+              </a:cxn>
+              <a:cxn ang="0">
+                <a:pos x="connsiteX17" y="connsiteY17"/>
+              </a:cxn>
+              <a:cxn ang="0">
+                <a:pos x="connsiteX18" y="connsiteY18"/>
+              </a:cxn>
+              <a:cxn ang="0">
+                <a:pos x="connsiteX19" y="connsiteY19"/>
+              </a:cxn>
+              <a:cxn ang="0">
+                <a:pos x="connsiteX20" y="connsiteY20"/>
+              </a:cxn>
+              <a:cxn ang="0">
+                <a:pos x="connsiteX21" y="connsiteY21"/>
+              </a:cxn>
+              <a:cxn ang="0">
+                <a:pos x="connsiteX22" y="connsiteY22"/>
+              </a:cxn>
+              <a:cxn ang="0">
+                <a:pos x="connsiteX23" y="connsiteY23"/>
+              </a:cxn>
+              <a:cxn ang="0">
+                <a:pos x="connsiteX24" y="connsiteY24"/>
+              </a:cxn>
+              <a:cxn ang="0">
+                <a:pos x="connsiteX25" y="connsiteY25"/>
+              </a:cxn>
+              <a:cxn ang="0">
+                <a:pos x="connsiteX26" y="connsiteY26"/>
+              </a:cxn>
+              <a:cxn ang="0">
+                <a:pos x="connsiteX27" y="connsiteY27"/>
+              </a:cxn>
+              <a:cxn ang="0">
+                <a:pos x="connsiteX28" y="connsiteY28"/>
+              </a:cxn>
+              <a:cxn ang="0">
+                <a:pos x="connsiteX29" y="connsiteY29"/>
+              </a:cxn>
+              <a:cxn ang="0">
+                <a:pos x="connsiteX30" y="connsiteY30"/>
+              </a:cxn>
+              <a:cxn ang="0">
+                <a:pos x="connsiteX31" y="connsiteY31"/>
+              </a:cxn>
+              <a:cxn ang="0">
+                <a:pos x="connsiteX32" y="connsiteY32"/>
+              </a:cxn>
+              <a:cxn ang="0">
+                <a:pos x="connsiteX33" y="connsiteY33"/>
+              </a:cxn>
+              <a:cxn ang="0">
+                <a:pos x="connsiteX34" y="connsiteY34"/>
+              </a:cxn>
+              <a:cxn ang="0">
+                <a:pos x="connsiteX35" y="connsiteY35"/>
+              </a:cxn>
+            </a:cxnLst>
+            <a:rect l="l" t="t" r="r" b="b"/>
+            <a:pathLst>
+              <a:path w="559472" h="3709642">
+                <a:moveTo>
+                  <a:pt x="0" y="0"/>
+                </a:moveTo>
+                <a:lnTo>
+                  <a:pt x="473952" y="0"/>
+                </a:lnTo>
+                <a:lnTo>
+                  <a:pt x="485840" y="161194"/>
+                </a:lnTo>
+                <a:cubicBezTo>
+                  <a:pt x="552063" y="1147770"/>
+                  <a:pt x="592441" y="3086737"/>
+                  <a:pt x="523949" y="3672197"/>
+                </a:cubicBezTo>
+                <a:cubicBezTo>
+                  <a:pt x="500842" y="3684557"/>
+                  <a:pt x="477855" y="3697282"/>
+                  <a:pt x="454748" y="3709642"/>
+                </a:cubicBezTo>
+                <a:lnTo>
+                  <a:pt x="448224" y="3510471"/>
+                </a:lnTo>
+                <a:lnTo>
+                  <a:pt x="443564" y="3408563"/>
+                </a:lnTo>
+                <a:lnTo>
+                  <a:pt x="438902" y="3304407"/>
+                </a:lnTo>
+                <a:lnTo>
+                  <a:pt x="433941" y="3198777"/>
+                </a:lnTo>
+                <a:lnTo>
+                  <a:pt x="427584" y="3092510"/>
+                </a:lnTo>
+                <a:lnTo>
+                  <a:pt x="420988" y="2984390"/>
+                </a:lnTo>
+                <a:lnTo>
+                  <a:pt x="414330" y="2874401"/>
+                </a:lnTo>
+                <a:lnTo>
+                  <a:pt x="406840" y="2762980"/>
+                </a:lnTo>
+                <a:lnTo>
+                  <a:pt x="397745" y="2650566"/>
+                </a:lnTo>
+                <a:lnTo>
+                  <a:pt x="389154" y="2536612"/>
+                </a:lnTo>
+                <a:lnTo>
+                  <a:pt x="379225" y="2421642"/>
+                </a:lnTo>
+                <a:lnTo>
+                  <a:pt x="368316" y="2305627"/>
+                </a:lnTo>
+                <a:lnTo>
+                  <a:pt x="357466" y="2189233"/>
+                </a:lnTo>
+                <a:lnTo>
+                  <a:pt x="344982" y="2071473"/>
+                </a:lnTo>
+                <a:lnTo>
+                  <a:pt x="332466" y="1952216"/>
+                </a:lnTo>
+                <a:lnTo>
+                  <a:pt x="319121" y="1833776"/>
+                </a:lnTo>
+                <a:lnTo>
+                  <a:pt x="304408" y="1713948"/>
+                </a:lnTo>
+                <a:lnTo>
+                  <a:pt x="288685" y="1592703"/>
+                </a:lnTo>
+                <a:lnTo>
+                  <a:pt x="273050" y="1471451"/>
+                </a:lnTo>
+                <a:lnTo>
+                  <a:pt x="255813" y="1350328"/>
+                </a:lnTo>
+                <a:lnTo>
+                  <a:pt x="237060" y="1227080"/>
+                </a:lnTo>
+                <a:lnTo>
+                  <a:pt x="218488" y="1106065"/>
+                </a:lnTo>
+                <a:lnTo>
+                  <a:pt x="198221" y="982940"/>
+                </a:lnTo>
+                <a:lnTo>
+                  <a:pt x="177152" y="858755"/>
+                </a:lnTo>
+                <a:lnTo>
+                  <a:pt x="155551" y="736861"/>
+                </a:lnTo>
+                <a:lnTo>
+                  <a:pt x="131782" y="613645"/>
+                </a:lnTo>
+                <a:lnTo>
+                  <a:pt x="107123" y="490500"/>
+                </a:lnTo>
+                <a:lnTo>
+                  <a:pt x="82552" y="367348"/>
+                </a:lnTo>
+                <a:lnTo>
+                  <a:pt x="55608" y="244762"/>
+                </a:lnTo>
+                <a:lnTo>
+                  <a:pt x="28130" y="122220"/>
+                </a:lnTo>
+                <a:lnTo>
+                  <a:pt x="0" y="0"/>
+                </a:lnTo>
+                <a:close/>
+              </a:path>
+            </a:pathLst>
+          </a:custGeom>
+          <a:solidFill>
+            <a:schemeClr val="tx1">
+              <a:alpha val="20000"/>
+            </a:schemeClr>
+          </a:solidFill>
+          <a:ln>
+            <a:noFill/>
+          </a:ln>
+        </p:spPr>
+        <p:txBody>
+          <a:bodyPr rtlCol="0" anchor="ctr"/>
+          <a:lstStyle/>
+          <a:p>
+            <a:pPr algn="ctr"/>
+            <a:endParaRPr lang="en-US"/>
+          </a:p>
+        </p:txBody>
+      </p:sp>
+      <p:sp>
+        <p:nvSpPr>
+          <p:cNvPr id="13" name="Rectangle 12">
+            <a:extLst>
+              <a:ext uri="{FF2B5EF4-FFF2-40B4-BE49-F238E27FC236}">
+                <a16:creationId xmlns:a16="http://schemas.microsoft.com/office/drawing/2014/main" id="{38348FA2-1392-4EC3-AF8B-6A64B797C7A9}"/>
+              </a:ext>
+              <a:ext uri="{C183D7F6-B498-43B3-948B-1728B52AA6E4}">
+                <adec:decorative xmlns:adec="http://schemas.microsoft.com/office/drawing/2017/decorative" val="1"/>
+              </a:ext>
+            </a:extLst>
+          </p:cNvPr>
+          <p:cNvSpPr>
+            <a:spLocks noGrp="1" noRot="1" noChangeAspect="1" noMove="1" noResize="1" noEditPoints="1" noAdjustHandles="1" noChangeArrowheads="1" noChangeShapeType="1" noTextEdit="1"/>
+          </p:cNvSpPr>
+          <p:nvPr>
+            <p:extLst>
+              <p:ext uri="{386F3935-93C4-4BCD-93E2-E3B085C9AB24}">
+                <p16:designElem xmlns:p16="http://schemas.microsoft.com/office/powerpoint/2015/main" val="1"/>
+              </p:ext>
+            </p:extLst>
+          </p:nvPr>
+        </p:nvSpPr>
+        <p:spPr>
+          <a:xfrm>
+            <a:off x="6093992" y="0"/>
+            <a:ext cx="6098427" cy="6858000"/>
+          </a:xfrm>
+          <a:prstGeom prst="rect">
+            <a:avLst/>
+          </a:prstGeom>
+          <a:solidFill>
+            <a:srgbClr val="FFFFFF"/>
+          </a:solidFill>
+          <a:ln>
+            <a:noFill/>
+          </a:ln>
+        </p:spPr>
+        <p:style>
+          <a:lnRef idx="2">
+            <a:schemeClr val="accent1">
+              <a:shade val="50000"/>
+            </a:schemeClr>
+          </a:lnRef>
+          <a:fillRef idx="1">
+            <a:schemeClr val="accent1"/>
+          </a:fillRef>
+          <a:effectRef idx="0">
+            <a:schemeClr val="accent1"/>
+          </a:effectRef>
+          <a:fontRef idx="minor">
+            <a:schemeClr val="lt1"/>
+          </a:fontRef>
+        </p:style>
+        <p:txBody>
+          <a:bodyPr rtlCol="0" anchor="ctr"/>
+          <a:lstStyle/>
+          <a:p>
+            <a:pPr algn="ctr"/>
+            <a:endParaRPr lang="en-US"/>
+          </a:p>
+        </p:txBody>
+      </p:sp>
+      <p:sp>
+        <p:nvSpPr>
+          <p:cNvPr id="15" name="Freeform 5">
+            <a:extLst>
+              <a:ext uri="{FF2B5EF4-FFF2-40B4-BE49-F238E27FC236}">
+                <a16:creationId xmlns:a16="http://schemas.microsoft.com/office/drawing/2014/main" id="{93CB2C36-347C-4705-BC75-94EAB8FF83B9}"/>
+              </a:ext>
+              <a:ext uri="{C183D7F6-B498-43B3-948B-1728B52AA6E4}">
+                <adec:decorative xmlns:adec="http://schemas.microsoft.com/office/drawing/2017/decorative" val="1"/>
+              </a:ext>
+            </a:extLst>
+          </p:cNvPr>
+          <p:cNvSpPr>
+            <a:spLocks noGrp="1" noRot="1" noChangeAspect="1" noMove="1" noResize="1" noEditPoints="1" noAdjustHandles="1" noChangeArrowheads="1" noChangeShapeType="1" noTextEdit="1"/>
+          </p:cNvSpPr>
+          <p:nvPr>
+            <p:extLst>
+              <p:ext uri="{386F3935-93C4-4BCD-93E2-E3B085C9AB24}">
+                <p16:designElem xmlns:p16="http://schemas.microsoft.com/office/powerpoint/2015/main" val="1"/>
+              </p:ext>
+            </p:extLst>
+          </p:nvPr>
+        </p:nvSpPr>
+        <p:spPr bwMode="gray">
+          <a:xfrm rot="16200000">
+            <a:off x="2450577" y="2756642"/>
+            <a:ext cx="6858000" cy="1344715"/>
+          </a:xfrm>
+          <a:custGeom>
+            <a:avLst/>
+            <a:gdLst/>
+            <a:ahLst/>
+            <a:cxnLst/>
+            <a:rect l="l" t="t" r="r" b="b"/>
+            <a:pathLst>
+              <a:path w="10000" h="8000">
+                <a:moveTo>
+                  <a:pt x="0" y="0"/>
+                </a:moveTo>
+                <a:lnTo>
+                  <a:pt x="0" y="7970"/>
+                </a:lnTo>
+                <a:lnTo>
+                  <a:pt x="10000" y="8000"/>
+                </a:lnTo>
+                <a:lnTo>
+                  <a:pt x="10000" y="7"/>
+                </a:lnTo>
+                <a:lnTo>
+                  <a:pt x="10000" y="7"/>
+                </a:lnTo>
+                <a:lnTo>
+                  <a:pt x="9773" y="156"/>
+                </a:lnTo>
+                <a:lnTo>
+                  <a:pt x="9547" y="298"/>
+                </a:lnTo>
+                <a:lnTo>
+                  <a:pt x="9320" y="437"/>
+                </a:lnTo>
+                <a:lnTo>
+                  <a:pt x="9092" y="556"/>
+                </a:lnTo>
+                <a:lnTo>
+                  <a:pt x="8865" y="676"/>
+                </a:lnTo>
+                <a:lnTo>
+                  <a:pt x="8637" y="788"/>
+                </a:lnTo>
+                <a:lnTo>
+                  <a:pt x="8412" y="884"/>
+                </a:lnTo>
+                <a:lnTo>
+                  <a:pt x="8184" y="975"/>
+                </a:lnTo>
+                <a:lnTo>
+                  <a:pt x="7957" y="1058"/>
+                </a:lnTo>
+                <a:lnTo>
+                  <a:pt x="7734" y="1130"/>
+                </a:lnTo>
+                <a:lnTo>
+                  <a:pt x="7508" y="1202"/>
+                </a:lnTo>
+                <a:lnTo>
+                  <a:pt x="7285" y="1262"/>
+                </a:lnTo>
+                <a:lnTo>
+                  <a:pt x="7062" y="1309"/>
+                </a:lnTo>
+                <a:lnTo>
+                  <a:pt x="6840" y="1358"/>
+                </a:lnTo>
+                <a:lnTo>
+                  <a:pt x="6620" y="1399"/>
+                </a:lnTo>
+                <a:lnTo>
+                  <a:pt x="6402" y="1428"/>
+                </a:lnTo>
+                <a:lnTo>
+                  <a:pt x="6184" y="1453"/>
+                </a:lnTo>
+                <a:lnTo>
+                  <a:pt x="5968" y="1477"/>
+                </a:lnTo>
+                <a:lnTo>
+                  <a:pt x="5755" y="1488"/>
+                </a:lnTo>
+                <a:lnTo>
+                  <a:pt x="5542" y="1500"/>
+                </a:lnTo>
+                <a:lnTo>
+                  <a:pt x="5332" y="1506"/>
+                </a:lnTo>
+                <a:lnTo>
+                  <a:pt x="5124" y="1500"/>
+                </a:lnTo>
+                <a:lnTo>
+                  <a:pt x="4918" y="1500"/>
+                </a:lnTo>
+                <a:lnTo>
+                  <a:pt x="4714" y="1488"/>
+                </a:lnTo>
+                <a:lnTo>
+                  <a:pt x="4514" y="1470"/>
+                </a:lnTo>
+                <a:lnTo>
+                  <a:pt x="4316" y="1453"/>
+                </a:lnTo>
+                <a:lnTo>
+                  <a:pt x="4122" y="1434"/>
+                </a:lnTo>
+                <a:lnTo>
+                  <a:pt x="3929" y="1405"/>
+                </a:lnTo>
+                <a:lnTo>
+                  <a:pt x="3739" y="1374"/>
+                </a:lnTo>
+                <a:lnTo>
+                  <a:pt x="3553" y="1346"/>
+                </a:lnTo>
+                <a:lnTo>
+                  <a:pt x="3190" y="1267"/>
+                </a:lnTo>
+                <a:lnTo>
+                  <a:pt x="2842" y="1183"/>
+                </a:lnTo>
+                <a:lnTo>
+                  <a:pt x="2508" y="1095"/>
+                </a:lnTo>
+                <a:lnTo>
+                  <a:pt x="2192" y="998"/>
+                </a:lnTo>
+                <a:lnTo>
+                  <a:pt x="1890" y="897"/>
+                </a:lnTo>
+                <a:lnTo>
+                  <a:pt x="1610" y="788"/>
+                </a:lnTo>
+                <a:lnTo>
+                  <a:pt x="1347" y="681"/>
+                </a:lnTo>
+                <a:lnTo>
+                  <a:pt x="1105" y="574"/>
+                </a:lnTo>
+                <a:lnTo>
+                  <a:pt x="883" y="473"/>
+                </a:lnTo>
+                <a:lnTo>
+                  <a:pt x="686" y="377"/>
+                </a:lnTo>
+                <a:lnTo>
+                  <a:pt x="508" y="286"/>
+                </a:lnTo>
+                <a:lnTo>
+                  <a:pt x="358" y="210"/>
+                </a:lnTo>
+                <a:lnTo>
+                  <a:pt x="232" y="138"/>
+                </a:lnTo>
+                <a:lnTo>
+                  <a:pt x="59" y="35"/>
+                </a:lnTo>
+                <a:lnTo>
+                  <a:pt x="0" y="0"/>
+                </a:lnTo>
+                <a:lnTo>
+                  <a:pt x="0" y="0"/>
+                </a:lnTo>
+                <a:close/>
+              </a:path>
+            </a:pathLst>
+          </a:custGeom>
+          <a:solidFill>
+            <a:srgbClr val="FFFFFF"/>
+          </a:solidFill>
+          <a:ln>
+            <a:noFill/>
+          </a:ln>
+        </p:spPr>
+      </p:sp>
+      <p:pic>
+        <p:nvPicPr>
+          <p:cNvPr id="4" name="Content Placeholder 3">
+            <a:extLst>
+              <a:ext uri="{FF2B5EF4-FFF2-40B4-BE49-F238E27FC236}">
+                <a16:creationId xmlns:a16="http://schemas.microsoft.com/office/drawing/2014/main" id="{9DCD4CE5-D40A-41C0-954F-BCC326859569}"/>
+              </a:ext>
+            </a:extLst>
+          </p:cNvPr>
+          <p:cNvPicPr>
+            <a:picLocks noChangeAspect="1"/>
+          </p:cNvPicPr>
+          <p:nvPr/>
+        </p:nvPicPr>
+        <p:blipFill>
+          <a:blip r:embed="rId3"/>
+          <a:stretch>
+            <a:fillRect/>
+          </a:stretch>
+        </p:blipFill>
+        <p:spPr>
+          <a:xfrm>
+            <a:off x="6093992" y="1603286"/>
+            <a:ext cx="5449889" cy="3651425"/>
+          </a:xfrm>
+          <a:prstGeom prst="rect">
+            <a:avLst/>
+          </a:prstGeom>
+          <a:effectLst/>
+        </p:spPr>
+      </p:pic>
+      <p:sp>
+        <p:nvSpPr>
+          <p:cNvPr id="17" name="Rectangle 16">
+            <a:extLst>
+              <a:ext uri="{FF2B5EF4-FFF2-40B4-BE49-F238E27FC236}">
+                <a16:creationId xmlns:a16="http://schemas.microsoft.com/office/drawing/2014/main" id="{4437D23E-7DA0-4020-B991-9734AB977433}"/>
+              </a:ext>
+              <a:ext uri="{C183D7F6-B498-43B3-948B-1728B52AA6E4}">
+                <adec:decorative xmlns:adec="http://schemas.microsoft.com/office/drawing/2017/decorative" val="1"/>
+              </a:ext>
+            </a:extLst>
+          </p:cNvPr>
+          <p:cNvSpPr>
+            <a:spLocks noGrp="1" noRot="1" noChangeAspect="1" noMove="1" noResize="1" noEditPoints="1" noAdjustHandles="1" noChangeArrowheads="1" noChangeShapeType="1" noTextEdit="1"/>
+          </p:cNvSpPr>
+          <p:nvPr>
+            <p:extLst>
+              <p:ext uri="{386F3935-93C4-4BCD-93E2-E3B085C9AB24}">
+                <p16:designElem xmlns:p16="http://schemas.microsoft.com/office/powerpoint/2015/main" val="1"/>
+              </p:ext>
+            </p:extLst>
+          </p:nvPr>
+        </p:nvSpPr>
+        <p:spPr>
+          <a:xfrm>
+            <a:off x="10442448" y="0"/>
+            <a:ext cx="685800" cy="1143000"/>
+          </a:xfrm>
+          <a:prstGeom prst="rect">
+            <a:avLst/>
+          </a:prstGeom>
+          <a:solidFill>
+            <a:schemeClr val="accent1"/>
+          </a:solidFill>
+          <a:ln>
+            <a:noFill/>
+          </a:ln>
+        </p:spPr>
+        <p:style>
+          <a:lnRef idx="1">
+            <a:schemeClr val="accent1"/>
+          </a:lnRef>
+          <a:fillRef idx="3">
+            <a:schemeClr val="accent1"/>
+          </a:fillRef>
+          <a:effectRef idx="2">
+            <a:schemeClr val="accent1"/>
+          </a:effectRef>
+          <a:fontRef idx="minor">
+            <a:schemeClr val="lt1"/>
+          </a:fontRef>
+        </p:style>
+      </p:sp>
+    </p:spTree>
+    <p:extLst>
+      <p:ext uri="{BB962C8B-B14F-4D97-AF65-F5344CB8AC3E}">
+        <p14:creationId xmlns:p14="http://schemas.microsoft.com/office/powerpoint/2010/main" val="624848334"/>
+      </p:ext>
+    </p:extLst>
+  </p:cSld>
+  <p:clrMapOvr>
+    <a:masterClrMapping/>
+  </p:clrMapOvr>
+</p:sld>
+</file>
+
+<file path=ppt/slides/slide16.xml><?xml version="1.0" encoding="utf-8"?>
+<p:sld xmlns:a="http://schemas.openxmlformats.org/drawingml/2006/main" xmlns:r="http://schemas.openxmlformats.org/officeDocument/2006/relationships" xmlns:p="http://schemas.openxmlformats.org/presentationml/2006/main">
+  <p:cSld>
+    <p:bg>
+      <p:bgPr>
+        <a:blipFill rotWithShape="1">
+          <a:blip r:embed="rId2">
+            <a:duotone>
+              <a:schemeClr val="bg2">
+                <a:shade val="42000"/>
+                <a:hueMod val="42000"/>
+                <a:satMod val="124000"/>
+                <a:lumMod val="62000"/>
+              </a:schemeClr>
+              <a:schemeClr val="bg2">
+                <a:tint val="96000"/>
+                <a:satMod val="130000"/>
+              </a:schemeClr>
+            </a:duotone>
+          </a:blip>
+          <a:stretch/>
+        </a:blipFill>
+        <a:effectLst/>
+      </p:bgPr>
+    </p:bg>
+    <p:spTree>
+      <p:nvGrpSpPr>
+        <p:cNvPr id="1" name=""/>
+        <p:cNvGrpSpPr/>
+        <p:nvPr/>
+      </p:nvGrpSpPr>
+      <p:grpSpPr>
+        <a:xfrm>
+          <a:off x="0" y="0"/>
+          <a:ext cx="0" cy="0"/>
+          <a:chOff x="0" y="0"/>
+          <a:chExt cx="0" cy="0"/>
+        </a:xfrm>
+      </p:grpSpPr>
+      <p:sp>
+        <p:nvSpPr>
+          <p:cNvPr id="2" name="Title 1">
+            <a:extLst>
+              <a:ext uri="{FF2B5EF4-FFF2-40B4-BE49-F238E27FC236}">
+                <a16:creationId xmlns:a16="http://schemas.microsoft.com/office/drawing/2014/main" id="{34F33719-BDEC-4483-BD84-070D34018F04}"/>
+              </a:ext>
+            </a:extLst>
+          </p:cNvPr>
+          <p:cNvSpPr>
+            <a:spLocks noGrp="1"/>
+          </p:cNvSpPr>
+          <p:nvPr>
+            <p:ph type="title"/>
+          </p:nvPr>
+        </p:nvSpPr>
+        <p:spPr>
+          <a:xfrm>
+            <a:off x="648931" y="629266"/>
+            <a:ext cx="4166510" cy="1622321"/>
+          </a:xfrm>
+        </p:spPr>
+        <p:txBody>
+          <a:bodyPr>
+            <a:normAutofit/>
+          </a:bodyPr>
+          <a:lstStyle/>
+          <a:p>
+            <a:r>
+              <a:rPr lang="en-US" dirty="0"/>
+              <a:t>Average bet</a:t>
+            </a:r>
+          </a:p>
+        </p:txBody>
+      </p:sp>
+      <p:sp>
+        <p:nvSpPr>
+          <p:cNvPr id="8" name="Content Placeholder 7">
+            <a:extLst>
+              <a:ext uri="{FF2B5EF4-FFF2-40B4-BE49-F238E27FC236}">
+                <a16:creationId xmlns:a16="http://schemas.microsoft.com/office/drawing/2014/main" id="{E99A8EB0-B166-400D-A696-78AB91B3FA88}"/>
+              </a:ext>
+            </a:extLst>
+          </p:cNvPr>
+          <p:cNvSpPr>
+            <a:spLocks noGrp="1"/>
+          </p:cNvSpPr>
+          <p:nvPr>
+            <p:ph idx="1"/>
+          </p:nvPr>
+        </p:nvSpPr>
+        <p:spPr>
+          <a:xfrm>
+            <a:off x="648931" y="2438400"/>
+            <a:ext cx="4166509" cy="3785419"/>
+          </a:xfrm>
+        </p:spPr>
+        <p:txBody>
+          <a:bodyPr>
+            <a:normAutofit/>
+          </a:bodyPr>
+          <a:lstStyle/>
+          <a:p>
+            <a:r>
+              <a:rPr lang="en-US" dirty="0"/>
+              <a:t>Huge bets when length of the deck was shorter</a:t>
+            </a:r>
+          </a:p>
+        </p:txBody>
+      </p:sp>
+      <p:sp>
+        <p:nvSpPr>
+          <p:cNvPr id="22" name="Freeform 31">
+            <a:extLst>
+              <a:ext uri="{FF2B5EF4-FFF2-40B4-BE49-F238E27FC236}">
+                <a16:creationId xmlns:a16="http://schemas.microsoft.com/office/drawing/2014/main" id="{8DB9BC10-DABC-48C4-BF24-E621264B0A19}"/>
+              </a:ext>
+              <a:ext uri="{C183D7F6-B498-43B3-948B-1728B52AA6E4}">
+                <adec:decorative xmlns:adec="http://schemas.microsoft.com/office/drawing/2017/decorative" val="1"/>
+              </a:ext>
+            </a:extLst>
+          </p:cNvPr>
+          <p:cNvSpPr>
+            <a:spLocks noGrp="1" noRot="1" noChangeAspect="1" noMove="1" noResize="1" noEditPoints="1" noAdjustHandles="1" noChangeArrowheads="1" noChangeShapeType="1" noTextEdit="1"/>
+          </p:cNvSpPr>
+          <p:nvPr>
+            <p:extLst>
+              <p:ext uri="{386F3935-93C4-4BCD-93E2-E3B085C9AB24}">
+                <p16:designElem xmlns:p16="http://schemas.microsoft.com/office/powerpoint/2015/main" val="1"/>
+              </p:ext>
+            </p:extLst>
+          </p:nvPr>
+        </p:nvSpPr>
+        <p:spPr>
+          <a:xfrm>
+            <a:off x="4994020" y="-1"/>
+            <a:ext cx="559472" cy="3709642"/>
+          </a:xfrm>
+          <a:custGeom>
+            <a:avLst/>
+            <a:gdLst>
+              <a:gd name="connsiteX0" fmla="*/ 0 w 559472"/>
+              <a:gd name="connsiteY0" fmla="*/ 0 h 3709642"/>
+              <a:gd name="connsiteX1" fmla="*/ 473952 w 559472"/>
+              <a:gd name="connsiteY1" fmla="*/ 0 h 3709642"/>
+              <a:gd name="connsiteX2" fmla="*/ 485840 w 559472"/>
+              <a:gd name="connsiteY2" fmla="*/ 161194 h 3709642"/>
+              <a:gd name="connsiteX3" fmla="*/ 523949 w 559472"/>
+              <a:gd name="connsiteY3" fmla="*/ 3672197 h 3709642"/>
+              <a:gd name="connsiteX4" fmla="*/ 454748 w 559472"/>
+              <a:gd name="connsiteY4" fmla="*/ 3709642 h 3709642"/>
+              <a:gd name="connsiteX5" fmla="*/ 448224 w 559472"/>
+              <a:gd name="connsiteY5" fmla="*/ 3510471 h 3709642"/>
+              <a:gd name="connsiteX6" fmla="*/ 443564 w 559472"/>
+              <a:gd name="connsiteY6" fmla="*/ 3408563 h 3709642"/>
+              <a:gd name="connsiteX7" fmla="*/ 438902 w 559472"/>
+              <a:gd name="connsiteY7" fmla="*/ 3304407 h 3709642"/>
+              <a:gd name="connsiteX8" fmla="*/ 433941 w 559472"/>
+              <a:gd name="connsiteY8" fmla="*/ 3198777 h 3709642"/>
+              <a:gd name="connsiteX9" fmla="*/ 427584 w 559472"/>
+              <a:gd name="connsiteY9" fmla="*/ 3092510 h 3709642"/>
+              <a:gd name="connsiteX10" fmla="*/ 420988 w 559472"/>
+              <a:gd name="connsiteY10" fmla="*/ 2984390 h 3709642"/>
+              <a:gd name="connsiteX11" fmla="*/ 414330 w 559472"/>
+              <a:gd name="connsiteY11" fmla="*/ 2874401 h 3709642"/>
+              <a:gd name="connsiteX12" fmla="*/ 406840 w 559472"/>
+              <a:gd name="connsiteY12" fmla="*/ 2762980 h 3709642"/>
+              <a:gd name="connsiteX13" fmla="*/ 397745 w 559472"/>
+              <a:gd name="connsiteY13" fmla="*/ 2650566 h 3709642"/>
+              <a:gd name="connsiteX14" fmla="*/ 389154 w 559472"/>
+              <a:gd name="connsiteY14" fmla="*/ 2536612 h 3709642"/>
+              <a:gd name="connsiteX15" fmla="*/ 379225 w 559472"/>
+              <a:gd name="connsiteY15" fmla="*/ 2421642 h 3709642"/>
+              <a:gd name="connsiteX16" fmla="*/ 368316 w 559472"/>
+              <a:gd name="connsiteY16" fmla="*/ 2305627 h 3709642"/>
+              <a:gd name="connsiteX17" fmla="*/ 357466 w 559472"/>
+              <a:gd name="connsiteY17" fmla="*/ 2189233 h 3709642"/>
+              <a:gd name="connsiteX18" fmla="*/ 344982 w 559472"/>
+              <a:gd name="connsiteY18" fmla="*/ 2071473 h 3709642"/>
+              <a:gd name="connsiteX19" fmla="*/ 332466 w 559472"/>
+              <a:gd name="connsiteY19" fmla="*/ 1952216 h 3709642"/>
+              <a:gd name="connsiteX20" fmla="*/ 319121 w 559472"/>
+              <a:gd name="connsiteY20" fmla="*/ 1833776 h 3709642"/>
+              <a:gd name="connsiteX21" fmla="*/ 304408 w 559472"/>
+              <a:gd name="connsiteY21" fmla="*/ 1713948 h 3709642"/>
+              <a:gd name="connsiteX22" fmla="*/ 288685 w 559472"/>
+              <a:gd name="connsiteY22" fmla="*/ 1592703 h 3709642"/>
+              <a:gd name="connsiteX23" fmla="*/ 273050 w 559472"/>
+              <a:gd name="connsiteY23" fmla="*/ 1471451 h 3709642"/>
+              <a:gd name="connsiteX24" fmla="*/ 255813 w 559472"/>
+              <a:gd name="connsiteY24" fmla="*/ 1350328 h 3709642"/>
+              <a:gd name="connsiteX25" fmla="*/ 237060 w 559472"/>
+              <a:gd name="connsiteY25" fmla="*/ 1227080 h 3709642"/>
+              <a:gd name="connsiteX26" fmla="*/ 218488 w 559472"/>
+              <a:gd name="connsiteY26" fmla="*/ 1106065 h 3709642"/>
+              <a:gd name="connsiteX27" fmla="*/ 198221 w 559472"/>
+              <a:gd name="connsiteY27" fmla="*/ 982940 h 3709642"/>
+              <a:gd name="connsiteX28" fmla="*/ 177152 w 559472"/>
+              <a:gd name="connsiteY28" fmla="*/ 858755 h 3709642"/>
+              <a:gd name="connsiteX29" fmla="*/ 155551 w 559472"/>
+              <a:gd name="connsiteY29" fmla="*/ 736861 h 3709642"/>
+              <a:gd name="connsiteX30" fmla="*/ 131782 w 559472"/>
+              <a:gd name="connsiteY30" fmla="*/ 613645 h 3709642"/>
+              <a:gd name="connsiteX31" fmla="*/ 107123 w 559472"/>
+              <a:gd name="connsiteY31" fmla="*/ 490500 h 3709642"/>
+              <a:gd name="connsiteX32" fmla="*/ 82552 w 559472"/>
+              <a:gd name="connsiteY32" fmla="*/ 367348 h 3709642"/>
+              <a:gd name="connsiteX33" fmla="*/ 55608 w 559472"/>
+              <a:gd name="connsiteY33" fmla="*/ 244762 h 3709642"/>
+              <a:gd name="connsiteX34" fmla="*/ 28130 w 559472"/>
+              <a:gd name="connsiteY34" fmla="*/ 122220 h 3709642"/>
+              <a:gd name="connsiteX35" fmla="*/ 0 w 559472"/>
+              <a:gd name="connsiteY35" fmla="*/ 0 h 3709642"/>
+            </a:gdLst>
+            <a:ahLst/>
+            <a:cxnLst>
+              <a:cxn ang="0">
+                <a:pos x="connsiteX0" y="connsiteY0"/>
+              </a:cxn>
+              <a:cxn ang="0">
+                <a:pos x="connsiteX1" y="connsiteY1"/>
+              </a:cxn>
+              <a:cxn ang="0">
+                <a:pos x="connsiteX2" y="connsiteY2"/>
+              </a:cxn>
+              <a:cxn ang="0">
+                <a:pos x="connsiteX3" y="connsiteY3"/>
+              </a:cxn>
+              <a:cxn ang="0">
+                <a:pos x="connsiteX4" y="connsiteY4"/>
+              </a:cxn>
+              <a:cxn ang="0">
+                <a:pos x="connsiteX5" y="connsiteY5"/>
+              </a:cxn>
+              <a:cxn ang="0">
+                <a:pos x="connsiteX6" y="connsiteY6"/>
+              </a:cxn>
+              <a:cxn ang="0">
+                <a:pos x="connsiteX7" y="connsiteY7"/>
+              </a:cxn>
+              <a:cxn ang="0">
+                <a:pos x="connsiteX8" y="connsiteY8"/>
+              </a:cxn>
+              <a:cxn ang="0">
+                <a:pos x="connsiteX9" y="connsiteY9"/>
+              </a:cxn>
+              <a:cxn ang="0">
+                <a:pos x="connsiteX10" y="connsiteY10"/>
+              </a:cxn>
+              <a:cxn ang="0">
+                <a:pos x="connsiteX11" y="connsiteY11"/>
+              </a:cxn>
+              <a:cxn ang="0">
+                <a:pos x="connsiteX12" y="connsiteY12"/>
+              </a:cxn>
+              <a:cxn ang="0">
+                <a:pos x="connsiteX13" y="connsiteY13"/>
+              </a:cxn>
+              <a:cxn ang="0">
+                <a:pos x="connsiteX14" y="connsiteY14"/>
+              </a:cxn>
+              <a:cxn ang="0">
+                <a:pos x="connsiteX15" y="connsiteY15"/>
+              </a:cxn>
+              <a:cxn ang="0">
+                <a:pos x="connsiteX16" y="connsiteY16"/>
+              </a:cxn>
+              <a:cxn ang="0">
+                <a:pos x="connsiteX17" y="connsiteY17"/>
+              </a:cxn>
+              <a:cxn ang="0">
+                <a:pos x="connsiteX18" y="connsiteY18"/>
+              </a:cxn>
+              <a:cxn ang="0">
+                <a:pos x="connsiteX19" y="connsiteY19"/>
+              </a:cxn>
+              <a:cxn ang="0">
+                <a:pos x="connsiteX20" y="connsiteY20"/>
+              </a:cxn>
+              <a:cxn ang="0">
+                <a:pos x="connsiteX21" y="connsiteY21"/>
+              </a:cxn>
+              <a:cxn ang="0">
+                <a:pos x="connsiteX22" y="connsiteY22"/>
+              </a:cxn>
+              <a:cxn ang="0">
+                <a:pos x="connsiteX23" y="connsiteY23"/>
+              </a:cxn>
+              <a:cxn ang="0">
+                <a:pos x="connsiteX24" y="connsiteY24"/>
+              </a:cxn>
+              <a:cxn ang="0">
+                <a:pos x="connsiteX25" y="connsiteY25"/>
+              </a:cxn>
+              <a:cxn ang="0">
+                <a:pos x="connsiteX26" y="connsiteY26"/>
+              </a:cxn>
+              <a:cxn ang="0">
+                <a:pos x="connsiteX27" y="connsiteY27"/>
+              </a:cxn>
+              <a:cxn ang="0">
+                <a:pos x="connsiteX28" y="connsiteY28"/>
+              </a:cxn>
+              <a:cxn ang="0">
+                <a:pos x="connsiteX29" y="connsiteY29"/>
+              </a:cxn>
+              <a:cxn ang="0">
+                <a:pos x="connsiteX30" y="connsiteY30"/>
+              </a:cxn>
+              <a:cxn ang="0">
+                <a:pos x="connsiteX31" y="connsiteY31"/>
+              </a:cxn>
+              <a:cxn ang="0">
+                <a:pos x="connsiteX32" y="connsiteY32"/>
+              </a:cxn>
+              <a:cxn ang="0">
+                <a:pos x="connsiteX33" y="connsiteY33"/>
+              </a:cxn>
+              <a:cxn ang="0">
+                <a:pos x="connsiteX34" y="connsiteY34"/>
+              </a:cxn>
+              <a:cxn ang="0">
+                <a:pos x="connsiteX35" y="connsiteY35"/>
+              </a:cxn>
+            </a:cxnLst>
+            <a:rect l="l" t="t" r="r" b="b"/>
+            <a:pathLst>
+              <a:path w="559472" h="3709642">
+                <a:moveTo>
+                  <a:pt x="0" y="0"/>
+                </a:moveTo>
+                <a:lnTo>
+                  <a:pt x="473952" y="0"/>
+                </a:lnTo>
+                <a:lnTo>
+                  <a:pt x="485840" y="161194"/>
+                </a:lnTo>
+                <a:cubicBezTo>
+                  <a:pt x="552063" y="1147770"/>
+                  <a:pt x="592441" y="3086737"/>
+                  <a:pt x="523949" y="3672197"/>
+                </a:cubicBezTo>
+                <a:cubicBezTo>
+                  <a:pt x="500842" y="3684557"/>
+                  <a:pt x="477855" y="3697282"/>
+                  <a:pt x="454748" y="3709642"/>
+                </a:cubicBezTo>
+                <a:lnTo>
+                  <a:pt x="448224" y="3510471"/>
+                </a:lnTo>
+                <a:lnTo>
+                  <a:pt x="443564" y="3408563"/>
+                </a:lnTo>
+                <a:lnTo>
+                  <a:pt x="438902" y="3304407"/>
+                </a:lnTo>
+                <a:lnTo>
+                  <a:pt x="433941" y="3198777"/>
+                </a:lnTo>
+                <a:lnTo>
+                  <a:pt x="427584" y="3092510"/>
+                </a:lnTo>
+                <a:lnTo>
+                  <a:pt x="420988" y="2984390"/>
+                </a:lnTo>
+                <a:lnTo>
+                  <a:pt x="414330" y="2874401"/>
+                </a:lnTo>
+                <a:lnTo>
+                  <a:pt x="406840" y="2762980"/>
+                </a:lnTo>
+                <a:lnTo>
+                  <a:pt x="397745" y="2650566"/>
+                </a:lnTo>
+                <a:lnTo>
+                  <a:pt x="389154" y="2536612"/>
+                </a:lnTo>
+                <a:lnTo>
+                  <a:pt x="379225" y="2421642"/>
+                </a:lnTo>
+                <a:lnTo>
+                  <a:pt x="368316" y="2305627"/>
+                </a:lnTo>
+                <a:lnTo>
+                  <a:pt x="357466" y="2189233"/>
+                </a:lnTo>
+                <a:lnTo>
+                  <a:pt x="344982" y="2071473"/>
+                </a:lnTo>
+                <a:lnTo>
+                  <a:pt x="332466" y="1952216"/>
+                </a:lnTo>
+                <a:lnTo>
+                  <a:pt x="319121" y="1833776"/>
+                </a:lnTo>
+                <a:lnTo>
+                  <a:pt x="304408" y="1713948"/>
+                </a:lnTo>
+                <a:lnTo>
+                  <a:pt x="288685" y="1592703"/>
+                </a:lnTo>
+                <a:lnTo>
+                  <a:pt x="273050" y="1471451"/>
+                </a:lnTo>
+                <a:lnTo>
+                  <a:pt x="255813" y="1350328"/>
+                </a:lnTo>
+                <a:lnTo>
+                  <a:pt x="237060" y="1227080"/>
+                </a:lnTo>
+                <a:lnTo>
+                  <a:pt x="218488" y="1106065"/>
+                </a:lnTo>
+                <a:lnTo>
+                  <a:pt x="198221" y="982940"/>
+                </a:lnTo>
+                <a:lnTo>
+                  <a:pt x="177152" y="858755"/>
+                </a:lnTo>
+                <a:lnTo>
+                  <a:pt x="155551" y="736861"/>
+                </a:lnTo>
+                <a:lnTo>
+                  <a:pt x="131782" y="613645"/>
+                </a:lnTo>
+                <a:lnTo>
+                  <a:pt x="107123" y="490500"/>
+                </a:lnTo>
+                <a:lnTo>
+                  <a:pt x="82552" y="367348"/>
+                </a:lnTo>
+                <a:lnTo>
+                  <a:pt x="55608" y="244762"/>
+                </a:lnTo>
+                <a:lnTo>
+                  <a:pt x="28130" y="122220"/>
+                </a:lnTo>
+                <a:lnTo>
+                  <a:pt x="0" y="0"/>
+                </a:lnTo>
+                <a:close/>
+              </a:path>
+            </a:pathLst>
+          </a:custGeom>
+          <a:solidFill>
+            <a:schemeClr val="tx1">
+              <a:alpha val="20000"/>
+            </a:schemeClr>
+          </a:solidFill>
+          <a:ln>
+            <a:noFill/>
+          </a:ln>
+        </p:spPr>
+        <p:txBody>
+          <a:bodyPr rtlCol="0" anchor="ctr"/>
+          <a:lstStyle/>
+          <a:p>
+            <a:pPr algn="ctr"/>
+            <a:endParaRPr lang="en-US"/>
+          </a:p>
+        </p:txBody>
+      </p:sp>
+      <p:sp>
+        <p:nvSpPr>
+          <p:cNvPr id="24" name="Rectangle 23">
+            <a:extLst>
+              <a:ext uri="{FF2B5EF4-FFF2-40B4-BE49-F238E27FC236}">
+                <a16:creationId xmlns:a16="http://schemas.microsoft.com/office/drawing/2014/main" id="{38348FA2-1392-4EC3-AF8B-6A64B797C7A9}"/>
+              </a:ext>
+              <a:ext uri="{C183D7F6-B498-43B3-948B-1728B52AA6E4}">
+                <adec:decorative xmlns:adec="http://schemas.microsoft.com/office/drawing/2017/decorative" val="1"/>
+              </a:ext>
+            </a:extLst>
+          </p:cNvPr>
+          <p:cNvSpPr>
+            <a:spLocks noGrp="1" noRot="1" noChangeAspect="1" noMove="1" noResize="1" noEditPoints="1" noAdjustHandles="1" noChangeArrowheads="1" noChangeShapeType="1" noTextEdit="1"/>
+          </p:cNvSpPr>
+          <p:nvPr>
+            <p:extLst>
+              <p:ext uri="{386F3935-93C4-4BCD-93E2-E3B085C9AB24}">
+                <p16:designElem xmlns:p16="http://schemas.microsoft.com/office/powerpoint/2015/main" val="1"/>
+              </p:ext>
+            </p:extLst>
+          </p:nvPr>
+        </p:nvSpPr>
+        <p:spPr>
+          <a:xfrm>
+            <a:off x="6093992" y="0"/>
+            <a:ext cx="6098427" cy="6858000"/>
+          </a:xfrm>
+          <a:prstGeom prst="rect">
+            <a:avLst/>
+          </a:prstGeom>
+          <a:solidFill>
+            <a:srgbClr val="FFFFFF"/>
+          </a:solidFill>
+          <a:ln>
+            <a:noFill/>
+          </a:ln>
+        </p:spPr>
+        <p:style>
+          <a:lnRef idx="2">
+            <a:schemeClr val="accent1">
+              <a:shade val="50000"/>
+            </a:schemeClr>
+          </a:lnRef>
+          <a:fillRef idx="1">
+            <a:schemeClr val="accent1"/>
+          </a:fillRef>
+          <a:effectRef idx="0">
+            <a:schemeClr val="accent1"/>
+          </a:effectRef>
+          <a:fontRef idx="minor">
+            <a:schemeClr val="lt1"/>
+          </a:fontRef>
+        </p:style>
+        <p:txBody>
+          <a:bodyPr rtlCol="0" anchor="ctr"/>
+          <a:lstStyle/>
+          <a:p>
+            <a:pPr algn="ctr"/>
+            <a:endParaRPr lang="en-US"/>
+          </a:p>
+        </p:txBody>
+      </p:sp>
+      <p:sp>
+        <p:nvSpPr>
+          <p:cNvPr id="26" name="Freeform 5">
+            <a:extLst>
+              <a:ext uri="{FF2B5EF4-FFF2-40B4-BE49-F238E27FC236}">
+                <a16:creationId xmlns:a16="http://schemas.microsoft.com/office/drawing/2014/main" id="{93CB2C36-347C-4705-BC75-94EAB8FF83B9}"/>
+              </a:ext>
+              <a:ext uri="{C183D7F6-B498-43B3-948B-1728B52AA6E4}">
+                <adec:decorative xmlns:adec="http://schemas.microsoft.com/office/drawing/2017/decorative" val="1"/>
+              </a:ext>
+            </a:extLst>
+          </p:cNvPr>
+          <p:cNvSpPr>
+            <a:spLocks noGrp="1" noRot="1" noChangeAspect="1" noMove="1" noResize="1" noEditPoints="1" noAdjustHandles="1" noChangeArrowheads="1" noChangeShapeType="1" noTextEdit="1"/>
+          </p:cNvSpPr>
+          <p:nvPr>
+            <p:extLst>
+              <p:ext uri="{386F3935-93C4-4BCD-93E2-E3B085C9AB24}">
+                <p16:designElem xmlns:p16="http://schemas.microsoft.com/office/powerpoint/2015/main" val="1"/>
+              </p:ext>
+            </p:extLst>
+          </p:nvPr>
+        </p:nvSpPr>
+        <p:spPr bwMode="gray">
+          <a:xfrm rot="16200000">
+            <a:off x="2450577" y="2756642"/>
+            <a:ext cx="6858000" cy="1344715"/>
+          </a:xfrm>
+          <a:custGeom>
+            <a:avLst/>
+            <a:gdLst/>
+            <a:ahLst/>
+            <a:cxnLst/>
+            <a:rect l="l" t="t" r="r" b="b"/>
+            <a:pathLst>
+              <a:path w="10000" h="8000">
+                <a:moveTo>
+                  <a:pt x="0" y="0"/>
+                </a:moveTo>
+                <a:lnTo>
+                  <a:pt x="0" y="7970"/>
+                </a:lnTo>
+                <a:lnTo>
+                  <a:pt x="10000" y="8000"/>
+                </a:lnTo>
+                <a:lnTo>
+                  <a:pt x="10000" y="7"/>
+                </a:lnTo>
+                <a:lnTo>
+                  <a:pt x="10000" y="7"/>
+                </a:lnTo>
+                <a:lnTo>
+                  <a:pt x="9773" y="156"/>
+                </a:lnTo>
+                <a:lnTo>
+                  <a:pt x="9547" y="298"/>
+                </a:lnTo>
+                <a:lnTo>
+                  <a:pt x="9320" y="437"/>
+                </a:lnTo>
+                <a:lnTo>
+                  <a:pt x="9092" y="556"/>
+                </a:lnTo>
+                <a:lnTo>
+                  <a:pt x="8865" y="676"/>
+                </a:lnTo>
+                <a:lnTo>
+                  <a:pt x="8637" y="788"/>
+                </a:lnTo>
+                <a:lnTo>
+                  <a:pt x="8412" y="884"/>
+                </a:lnTo>
+                <a:lnTo>
+                  <a:pt x="8184" y="975"/>
+                </a:lnTo>
+                <a:lnTo>
+                  <a:pt x="7957" y="1058"/>
+                </a:lnTo>
+                <a:lnTo>
+                  <a:pt x="7734" y="1130"/>
+                </a:lnTo>
+                <a:lnTo>
+                  <a:pt x="7508" y="1202"/>
+                </a:lnTo>
+                <a:lnTo>
+                  <a:pt x="7285" y="1262"/>
+                </a:lnTo>
+                <a:lnTo>
+                  <a:pt x="7062" y="1309"/>
+                </a:lnTo>
+                <a:lnTo>
+                  <a:pt x="6840" y="1358"/>
+                </a:lnTo>
+                <a:lnTo>
+                  <a:pt x="6620" y="1399"/>
+                </a:lnTo>
+                <a:lnTo>
+                  <a:pt x="6402" y="1428"/>
+                </a:lnTo>
+                <a:lnTo>
+                  <a:pt x="6184" y="1453"/>
+                </a:lnTo>
+                <a:lnTo>
+                  <a:pt x="5968" y="1477"/>
+                </a:lnTo>
+                <a:lnTo>
+                  <a:pt x="5755" y="1488"/>
+                </a:lnTo>
+                <a:lnTo>
+                  <a:pt x="5542" y="1500"/>
+                </a:lnTo>
+                <a:lnTo>
+                  <a:pt x="5332" y="1506"/>
+                </a:lnTo>
+                <a:lnTo>
+                  <a:pt x="5124" y="1500"/>
+                </a:lnTo>
+                <a:lnTo>
+                  <a:pt x="4918" y="1500"/>
+                </a:lnTo>
+                <a:lnTo>
+                  <a:pt x="4714" y="1488"/>
+                </a:lnTo>
+                <a:lnTo>
+                  <a:pt x="4514" y="1470"/>
+                </a:lnTo>
+                <a:lnTo>
+                  <a:pt x="4316" y="1453"/>
+                </a:lnTo>
+                <a:lnTo>
+                  <a:pt x="4122" y="1434"/>
+                </a:lnTo>
+                <a:lnTo>
+                  <a:pt x="3929" y="1405"/>
+                </a:lnTo>
+                <a:lnTo>
+                  <a:pt x="3739" y="1374"/>
+                </a:lnTo>
+                <a:lnTo>
+                  <a:pt x="3553" y="1346"/>
+                </a:lnTo>
+                <a:lnTo>
+                  <a:pt x="3190" y="1267"/>
+                </a:lnTo>
+                <a:lnTo>
+                  <a:pt x="2842" y="1183"/>
+                </a:lnTo>
+                <a:lnTo>
+                  <a:pt x="2508" y="1095"/>
+                </a:lnTo>
+                <a:lnTo>
+                  <a:pt x="2192" y="998"/>
+                </a:lnTo>
+                <a:lnTo>
+                  <a:pt x="1890" y="897"/>
+                </a:lnTo>
+                <a:lnTo>
+                  <a:pt x="1610" y="788"/>
+                </a:lnTo>
+                <a:lnTo>
+                  <a:pt x="1347" y="681"/>
+                </a:lnTo>
+                <a:lnTo>
+                  <a:pt x="1105" y="574"/>
+                </a:lnTo>
+                <a:lnTo>
+                  <a:pt x="883" y="473"/>
+                </a:lnTo>
+                <a:lnTo>
+                  <a:pt x="686" y="377"/>
+                </a:lnTo>
+                <a:lnTo>
+                  <a:pt x="508" y="286"/>
+                </a:lnTo>
+                <a:lnTo>
+                  <a:pt x="358" y="210"/>
+                </a:lnTo>
+                <a:lnTo>
+                  <a:pt x="232" y="138"/>
+                </a:lnTo>
+                <a:lnTo>
+                  <a:pt x="59" y="35"/>
+                </a:lnTo>
+                <a:lnTo>
+                  <a:pt x="0" y="0"/>
+                </a:lnTo>
+                <a:lnTo>
+                  <a:pt x="0" y="0"/>
+                </a:lnTo>
+                <a:close/>
+              </a:path>
+            </a:pathLst>
+          </a:custGeom>
+          <a:solidFill>
+            <a:srgbClr val="FFFFFF"/>
+          </a:solidFill>
+          <a:ln>
+            <a:noFill/>
+          </a:ln>
+        </p:spPr>
+      </p:sp>
+      <p:pic>
+        <p:nvPicPr>
+          <p:cNvPr id="3" name="Picture 2">
+            <a:extLst>
+              <a:ext uri="{FF2B5EF4-FFF2-40B4-BE49-F238E27FC236}">
+                <a16:creationId xmlns:a16="http://schemas.microsoft.com/office/drawing/2014/main" id="{55D6F161-FE18-4428-9783-3788C2329071}"/>
+              </a:ext>
+            </a:extLst>
+          </p:cNvPr>
+          <p:cNvPicPr>
+            <a:picLocks noChangeAspect="1"/>
+          </p:cNvPicPr>
+          <p:nvPr/>
+        </p:nvPicPr>
+        <p:blipFill>
+          <a:blip r:embed="rId3"/>
+          <a:stretch>
+            <a:fillRect/>
+          </a:stretch>
+        </p:blipFill>
+        <p:spPr>
+          <a:xfrm>
+            <a:off x="6093992" y="1739533"/>
+            <a:ext cx="5449889" cy="3378931"/>
+          </a:xfrm>
+          <a:prstGeom prst="rect">
+            <a:avLst/>
+          </a:prstGeom>
+          <a:effectLst/>
+        </p:spPr>
+      </p:pic>
+      <p:sp>
+        <p:nvSpPr>
+          <p:cNvPr id="28" name="Rectangle 27">
+            <a:extLst>
+              <a:ext uri="{FF2B5EF4-FFF2-40B4-BE49-F238E27FC236}">
+                <a16:creationId xmlns:a16="http://schemas.microsoft.com/office/drawing/2014/main" id="{4437D23E-7DA0-4020-B991-9734AB977433}"/>
+              </a:ext>
+              <a:ext uri="{C183D7F6-B498-43B3-948B-1728B52AA6E4}">
+                <adec:decorative xmlns:adec="http://schemas.microsoft.com/office/drawing/2017/decorative" val="1"/>
+              </a:ext>
+            </a:extLst>
+          </p:cNvPr>
+          <p:cNvSpPr>
+            <a:spLocks noGrp="1" noRot="1" noChangeAspect="1" noMove="1" noResize="1" noEditPoints="1" noAdjustHandles="1" noChangeArrowheads="1" noChangeShapeType="1" noTextEdit="1"/>
+          </p:cNvSpPr>
+          <p:nvPr>
+            <p:extLst>
+              <p:ext uri="{386F3935-93C4-4BCD-93E2-E3B085C9AB24}">
+                <p16:designElem xmlns:p16="http://schemas.microsoft.com/office/powerpoint/2015/main" val="1"/>
+              </p:ext>
+            </p:extLst>
+          </p:nvPr>
+        </p:nvSpPr>
+        <p:spPr>
+          <a:xfrm>
+            <a:off x="10442448" y="0"/>
+            <a:ext cx="685800" cy="1143000"/>
+          </a:xfrm>
+          <a:prstGeom prst="rect">
+            <a:avLst/>
+          </a:prstGeom>
+          <a:solidFill>
+            <a:schemeClr val="accent1"/>
+          </a:solidFill>
+          <a:ln>
+            <a:noFill/>
+          </a:ln>
+        </p:spPr>
+        <p:style>
+          <a:lnRef idx="1">
+            <a:schemeClr val="accent1"/>
+          </a:lnRef>
+          <a:fillRef idx="3">
+            <a:schemeClr val="accent1"/>
+          </a:fillRef>
+          <a:effectRef idx="2">
+            <a:schemeClr val="accent1"/>
+          </a:effectRef>
+          <a:fontRef idx="minor">
+            <a:schemeClr val="lt1"/>
+          </a:fontRef>
+        </p:style>
+      </p:sp>
+    </p:spTree>
+    <p:extLst>
+      <p:ext uri="{BB962C8B-B14F-4D97-AF65-F5344CB8AC3E}">
+        <p14:creationId xmlns:p14="http://schemas.microsoft.com/office/powerpoint/2010/main" val="1208144129"/>
+      </p:ext>
+    </p:extLst>
+  </p:cSld>
+  <p:clrMapOvr>
+    <a:masterClrMapping/>
+  </p:clrMapOvr>
+</p:sld>
+</file>
+
+<file path=ppt/slides/slide17.xml><?xml version="1.0" encoding="utf-8"?>
+<p:sld xmlns:a="http://schemas.openxmlformats.org/drawingml/2006/main" xmlns:r="http://schemas.openxmlformats.org/officeDocument/2006/relationships" xmlns:p="http://schemas.openxmlformats.org/presentationml/2006/main">
+  <p:cSld>
+    <p:spTree>
+      <p:nvGrpSpPr>
+        <p:cNvPr id="1" name=""/>
+        <p:cNvGrpSpPr/>
+        <p:nvPr/>
+      </p:nvGrpSpPr>
+      <p:grpSpPr>
+        <a:xfrm>
+          <a:off x="0" y="0"/>
+          <a:ext cx="0" cy="0"/>
+          <a:chOff x="0" y="0"/>
+          <a:chExt cx="0" cy="0"/>
+        </a:xfrm>
+      </p:grpSpPr>
+      <p:sp>
+        <p:nvSpPr>
+          <p:cNvPr id="2" name="Title 1">
+            <a:extLst>
+              <a:ext uri="{FF2B5EF4-FFF2-40B4-BE49-F238E27FC236}">
+                <a16:creationId xmlns:a16="http://schemas.microsoft.com/office/drawing/2014/main" id="{84313259-83A0-498C-8C13-57C7AA0029EE}"/>
+              </a:ext>
+            </a:extLst>
+          </p:cNvPr>
+          <p:cNvSpPr>
+            <a:spLocks noGrp="1"/>
+          </p:cNvSpPr>
+          <p:nvPr>
+            <p:ph type="title"/>
+          </p:nvPr>
+        </p:nvSpPr>
+        <p:spPr/>
+        <p:txBody>
+          <a:bodyPr/>
+          <a:lstStyle/>
+          <a:p>
+            <a:r>
+              <a:rPr lang="en-US" dirty="0"/>
+              <a:t>Modern day game play</a:t>
+            </a:r>
+          </a:p>
+        </p:txBody>
+      </p:sp>
+      <p:sp>
+        <p:nvSpPr>
+          <p:cNvPr id="3" name="Content Placeholder 2">
+            <a:extLst>
+              <a:ext uri="{FF2B5EF4-FFF2-40B4-BE49-F238E27FC236}">
+                <a16:creationId xmlns:a16="http://schemas.microsoft.com/office/drawing/2014/main" id="{E02384E4-F4C2-4EC7-B7BF-BD51E9FE5369}"/>
+              </a:ext>
+            </a:extLst>
+          </p:cNvPr>
+          <p:cNvSpPr>
+            <a:spLocks noGrp="1"/>
+          </p:cNvSpPr>
+          <p:nvPr>
+            <p:ph idx="1"/>
+          </p:nvPr>
+        </p:nvSpPr>
+        <p:spPr/>
+        <p:txBody>
+          <a:bodyPr/>
+          <a:lstStyle/>
+          <a:p>
+            <a:r>
+              <a:rPr lang="en-US" dirty="0"/>
+              <a:t>Casinos play with multiple deck</a:t>
+            </a:r>
+          </a:p>
+          <a:p>
+            <a:r>
+              <a:rPr lang="en-US" dirty="0"/>
+              <a:t>Count can still be kept</a:t>
+            </a:r>
+          </a:p>
+          <a:p>
+            <a:r>
+              <a:rPr lang="en-US" dirty="0"/>
+              <a:t>Running count = true count / number of decks left</a:t>
+            </a:r>
+          </a:p>
+        </p:txBody>
+      </p:sp>
+    </p:spTree>
+    <p:extLst>
+      <p:ext uri="{BB962C8B-B14F-4D97-AF65-F5344CB8AC3E}">
+        <p14:creationId xmlns:p14="http://schemas.microsoft.com/office/powerpoint/2010/main" val="1335478864"/>
+      </p:ext>
+    </p:extLst>
+  </p:cSld>
+  <p:clrMapOvr>
+    <a:masterClrMapping/>
+  </p:clrMapOvr>
+</p:sld>
+</file>
+
+<file path=ppt/slides/slide18.xml><?xml version="1.0" encoding="utf-8"?>
+<p:sld xmlns:a="http://schemas.openxmlformats.org/drawingml/2006/main" xmlns:r="http://schemas.openxmlformats.org/officeDocument/2006/relationships" xmlns:p="http://schemas.openxmlformats.org/presentationml/2006/main">
+  <p:cSld>
+    <p:bg>
+      <p:bgPr>
+        <a:blipFill rotWithShape="1">
+          <a:blip r:embed="rId2">
+            <a:duotone>
+              <a:schemeClr val="bg2">
+                <a:shade val="42000"/>
+                <a:hueMod val="42000"/>
+                <a:satMod val="124000"/>
+                <a:lumMod val="62000"/>
+              </a:schemeClr>
+              <a:schemeClr val="bg2">
+                <a:tint val="96000"/>
+                <a:satMod val="130000"/>
+              </a:schemeClr>
+            </a:duotone>
+          </a:blip>
+          <a:stretch/>
+        </a:blipFill>
+        <a:effectLst/>
+      </p:bgPr>
+    </p:bg>
+    <p:spTree>
+      <p:nvGrpSpPr>
+        <p:cNvPr id="1" name=""/>
+        <p:cNvGrpSpPr/>
+        <p:nvPr/>
+      </p:nvGrpSpPr>
+      <p:grpSpPr>
+        <a:xfrm>
+          <a:off x="0" y="0"/>
+          <a:ext cx="0" cy="0"/>
+          <a:chOff x="0" y="0"/>
+          <a:chExt cx="0" cy="0"/>
+        </a:xfrm>
+      </p:grpSpPr>
+      <p:sp>
+        <p:nvSpPr>
+          <p:cNvPr id="2" name="Title 1">
+            <a:extLst>
+              <a:ext uri="{FF2B5EF4-FFF2-40B4-BE49-F238E27FC236}">
+                <a16:creationId xmlns:a16="http://schemas.microsoft.com/office/drawing/2014/main" id="{DEC971A3-B285-435D-B0B8-34C89ABFD9D5}"/>
+              </a:ext>
+            </a:extLst>
+          </p:cNvPr>
+          <p:cNvSpPr>
+            <a:spLocks noGrp="1"/>
+          </p:cNvSpPr>
+          <p:nvPr>
+            <p:ph type="title"/>
+          </p:nvPr>
+        </p:nvSpPr>
+        <p:spPr>
+          <a:xfrm>
+            <a:off x="648931" y="629266"/>
+            <a:ext cx="4166510" cy="1622321"/>
+          </a:xfrm>
+        </p:spPr>
+        <p:txBody>
+          <a:bodyPr>
+            <a:normAutofit/>
+          </a:bodyPr>
+          <a:lstStyle/>
+          <a:p>
+            <a:r>
+              <a:rPr lang="en-US" dirty="0"/>
+              <a:t>New model</a:t>
+            </a:r>
+          </a:p>
+        </p:txBody>
+      </p:sp>
+      <p:sp>
+        <p:nvSpPr>
+          <p:cNvPr id="3" name="Content Placeholder 2">
+            <a:extLst>
+              <a:ext uri="{FF2B5EF4-FFF2-40B4-BE49-F238E27FC236}">
+                <a16:creationId xmlns:a16="http://schemas.microsoft.com/office/drawing/2014/main" id="{A44812F4-9BEF-4141-BC11-91D3AD2C4011}"/>
+              </a:ext>
+            </a:extLst>
+          </p:cNvPr>
+          <p:cNvSpPr>
+            <a:spLocks noGrp="1"/>
+          </p:cNvSpPr>
+          <p:nvPr>
+            <p:ph idx="1"/>
+          </p:nvPr>
+        </p:nvSpPr>
+        <p:spPr>
+          <a:xfrm>
+            <a:off x="648931" y="2438400"/>
+            <a:ext cx="4166509" cy="3785419"/>
+          </a:xfrm>
+        </p:spPr>
+        <p:txBody>
+          <a:bodyPr>
+            <a:normAutofit/>
+          </a:bodyPr>
+          <a:lstStyle/>
+          <a:p>
+            <a:r>
+              <a:rPr lang="en-US" dirty="0"/>
+              <a:t>6 decks</a:t>
+            </a:r>
+          </a:p>
+          <a:p>
+            <a:r>
+              <a:rPr lang="en-US" dirty="0"/>
+              <a:t>Running count</a:t>
+            </a:r>
+          </a:p>
+          <a:p>
+            <a:r>
+              <a:rPr lang="en-US" dirty="0"/>
+              <a:t>643461</a:t>
+            </a:r>
+          </a:p>
+        </p:txBody>
+      </p:sp>
+      <p:sp>
+        <p:nvSpPr>
+          <p:cNvPr id="9" name="Freeform 31">
+            <a:extLst>
+              <a:ext uri="{FF2B5EF4-FFF2-40B4-BE49-F238E27FC236}">
+                <a16:creationId xmlns:a16="http://schemas.microsoft.com/office/drawing/2014/main" id="{8DB9BC10-DABC-48C4-BF24-E621264B0A19}"/>
+              </a:ext>
+              <a:ext uri="{C183D7F6-B498-43B3-948B-1728B52AA6E4}">
+                <adec:decorative xmlns:adec="http://schemas.microsoft.com/office/drawing/2017/decorative" val="1"/>
+              </a:ext>
+            </a:extLst>
+          </p:cNvPr>
+          <p:cNvSpPr>
+            <a:spLocks noGrp="1" noRot="1" noChangeAspect="1" noMove="1" noResize="1" noEditPoints="1" noAdjustHandles="1" noChangeArrowheads="1" noChangeShapeType="1" noTextEdit="1"/>
+          </p:cNvSpPr>
+          <p:nvPr>
+            <p:extLst>
+              <p:ext uri="{386F3935-93C4-4BCD-93E2-E3B085C9AB24}">
+                <p16:designElem xmlns:p16="http://schemas.microsoft.com/office/powerpoint/2015/main" val="1"/>
+              </p:ext>
+            </p:extLst>
+          </p:nvPr>
+        </p:nvSpPr>
+        <p:spPr>
+          <a:xfrm>
+            <a:off x="4994020" y="-1"/>
+            <a:ext cx="559472" cy="3709642"/>
+          </a:xfrm>
+          <a:custGeom>
+            <a:avLst/>
+            <a:gdLst>
+              <a:gd name="connsiteX0" fmla="*/ 0 w 559472"/>
+              <a:gd name="connsiteY0" fmla="*/ 0 h 3709642"/>
+              <a:gd name="connsiteX1" fmla="*/ 473952 w 559472"/>
+              <a:gd name="connsiteY1" fmla="*/ 0 h 3709642"/>
+              <a:gd name="connsiteX2" fmla="*/ 485840 w 559472"/>
+              <a:gd name="connsiteY2" fmla="*/ 161194 h 3709642"/>
+              <a:gd name="connsiteX3" fmla="*/ 523949 w 559472"/>
+              <a:gd name="connsiteY3" fmla="*/ 3672197 h 3709642"/>
+              <a:gd name="connsiteX4" fmla="*/ 454748 w 559472"/>
+              <a:gd name="connsiteY4" fmla="*/ 3709642 h 3709642"/>
+              <a:gd name="connsiteX5" fmla="*/ 448224 w 559472"/>
+              <a:gd name="connsiteY5" fmla="*/ 3510471 h 3709642"/>
+              <a:gd name="connsiteX6" fmla="*/ 443564 w 559472"/>
+              <a:gd name="connsiteY6" fmla="*/ 3408563 h 3709642"/>
+              <a:gd name="connsiteX7" fmla="*/ 438902 w 559472"/>
+              <a:gd name="connsiteY7" fmla="*/ 3304407 h 3709642"/>
+              <a:gd name="connsiteX8" fmla="*/ 433941 w 559472"/>
+              <a:gd name="connsiteY8" fmla="*/ 3198777 h 3709642"/>
+              <a:gd name="connsiteX9" fmla="*/ 427584 w 559472"/>
+              <a:gd name="connsiteY9" fmla="*/ 3092510 h 3709642"/>
+              <a:gd name="connsiteX10" fmla="*/ 420988 w 559472"/>
+              <a:gd name="connsiteY10" fmla="*/ 2984390 h 3709642"/>
+              <a:gd name="connsiteX11" fmla="*/ 414330 w 559472"/>
+              <a:gd name="connsiteY11" fmla="*/ 2874401 h 3709642"/>
+              <a:gd name="connsiteX12" fmla="*/ 406840 w 559472"/>
+              <a:gd name="connsiteY12" fmla="*/ 2762980 h 3709642"/>
+              <a:gd name="connsiteX13" fmla="*/ 397745 w 559472"/>
+              <a:gd name="connsiteY13" fmla="*/ 2650566 h 3709642"/>
+              <a:gd name="connsiteX14" fmla="*/ 389154 w 559472"/>
+              <a:gd name="connsiteY14" fmla="*/ 2536612 h 3709642"/>
+              <a:gd name="connsiteX15" fmla="*/ 379225 w 559472"/>
+              <a:gd name="connsiteY15" fmla="*/ 2421642 h 3709642"/>
+              <a:gd name="connsiteX16" fmla="*/ 368316 w 559472"/>
+              <a:gd name="connsiteY16" fmla="*/ 2305627 h 3709642"/>
+              <a:gd name="connsiteX17" fmla="*/ 357466 w 559472"/>
+              <a:gd name="connsiteY17" fmla="*/ 2189233 h 3709642"/>
+              <a:gd name="connsiteX18" fmla="*/ 344982 w 559472"/>
+              <a:gd name="connsiteY18" fmla="*/ 2071473 h 3709642"/>
+              <a:gd name="connsiteX19" fmla="*/ 332466 w 559472"/>
+              <a:gd name="connsiteY19" fmla="*/ 1952216 h 3709642"/>
+              <a:gd name="connsiteX20" fmla="*/ 319121 w 559472"/>
+              <a:gd name="connsiteY20" fmla="*/ 1833776 h 3709642"/>
+              <a:gd name="connsiteX21" fmla="*/ 304408 w 559472"/>
+              <a:gd name="connsiteY21" fmla="*/ 1713948 h 3709642"/>
+              <a:gd name="connsiteX22" fmla="*/ 288685 w 559472"/>
+              <a:gd name="connsiteY22" fmla="*/ 1592703 h 3709642"/>
+              <a:gd name="connsiteX23" fmla="*/ 273050 w 559472"/>
+              <a:gd name="connsiteY23" fmla="*/ 1471451 h 3709642"/>
+              <a:gd name="connsiteX24" fmla="*/ 255813 w 559472"/>
+              <a:gd name="connsiteY24" fmla="*/ 1350328 h 3709642"/>
+              <a:gd name="connsiteX25" fmla="*/ 237060 w 559472"/>
+              <a:gd name="connsiteY25" fmla="*/ 1227080 h 3709642"/>
+              <a:gd name="connsiteX26" fmla="*/ 218488 w 559472"/>
+              <a:gd name="connsiteY26" fmla="*/ 1106065 h 3709642"/>
+              <a:gd name="connsiteX27" fmla="*/ 198221 w 559472"/>
+              <a:gd name="connsiteY27" fmla="*/ 982940 h 3709642"/>
+              <a:gd name="connsiteX28" fmla="*/ 177152 w 559472"/>
+              <a:gd name="connsiteY28" fmla="*/ 858755 h 3709642"/>
+              <a:gd name="connsiteX29" fmla="*/ 155551 w 559472"/>
+              <a:gd name="connsiteY29" fmla="*/ 736861 h 3709642"/>
+              <a:gd name="connsiteX30" fmla="*/ 131782 w 559472"/>
+              <a:gd name="connsiteY30" fmla="*/ 613645 h 3709642"/>
+              <a:gd name="connsiteX31" fmla="*/ 107123 w 559472"/>
+              <a:gd name="connsiteY31" fmla="*/ 490500 h 3709642"/>
+              <a:gd name="connsiteX32" fmla="*/ 82552 w 559472"/>
+              <a:gd name="connsiteY32" fmla="*/ 367348 h 3709642"/>
+              <a:gd name="connsiteX33" fmla="*/ 55608 w 559472"/>
+              <a:gd name="connsiteY33" fmla="*/ 244762 h 3709642"/>
+              <a:gd name="connsiteX34" fmla="*/ 28130 w 559472"/>
+              <a:gd name="connsiteY34" fmla="*/ 122220 h 3709642"/>
+              <a:gd name="connsiteX35" fmla="*/ 0 w 559472"/>
+              <a:gd name="connsiteY35" fmla="*/ 0 h 3709642"/>
+            </a:gdLst>
+            <a:ahLst/>
+            <a:cxnLst>
+              <a:cxn ang="0">
+                <a:pos x="connsiteX0" y="connsiteY0"/>
+              </a:cxn>
+              <a:cxn ang="0">
+                <a:pos x="connsiteX1" y="connsiteY1"/>
+              </a:cxn>
+              <a:cxn ang="0">
+                <a:pos x="connsiteX2" y="connsiteY2"/>
+              </a:cxn>
+              <a:cxn ang="0">
+                <a:pos x="connsiteX3" y="connsiteY3"/>
+              </a:cxn>
+              <a:cxn ang="0">
+                <a:pos x="connsiteX4" y="connsiteY4"/>
+              </a:cxn>
+              <a:cxn ang="0">
+                <a:pos x="connsiteX5" y="connsiteY5"/>
+              </a:cxn>
+              <a:cxn ang="0">
+                <a:pos x="connsiteX6" y="connsiteY6"/>
+              </a:cxn>
+              <a:cxn ang="0">
+                <a:pos x="connsiteX7" y="connsiteY7"/>
+              </a:cxn>
+              <a:cxn ang="0">
+                <a:pos x="connsiteX8" y="connsiteY8"/>
+              </a:cxn>
+              <a:cxn ang="0">
+                <a:pos x="connsiteX9" y="connsiteY9"/>
+              </a:cxn>
+              <a:cxn ang="0">
+                <a:pos x="connsiteX10" y="connsiteY10"/>
+              </a:cxn>
+              <a:cxn ang="0">
+                <a:pos x="connsiteX11" y="connsiteY11"/>
+              </a:cxn>
+              <a:cxn ang="0">
+                <a:pos x="connsiteX12" y="connsiteY12"/>
+              </a:cxn>
+              <a:cxn ang="0">
+                <a:pos x="connsiteX13" y="connsiteY13"/>
+              </a:cxn>
+              <a:cxn ang="0">
+                <a:pos x="connsiteX14" y="connsiteY14"/>
+              </a:cxn>
+              <a:cxn ang="0">
+                <a:pos x="connsiteX15" y="connsiteY15"/>
+              </a:cxn>
+              <a:cxn ang="0">
+                <a:pos x="connsiteX16" y="connsiteY16"/>
+              </a:cxn>
+              <a:cxn ang="0">
+                <a:pos x="connsiteX17" y="connsiteY17"/>
+              </a:cxn>
+              <a:cxn ang="0">
+                <a:pos x="connsiteX18" y="connsiteY18"/>
+              </a:cxn>
+              <a:cxn ang="0">
+                <a:pos x="connsiteX19" y="connsiteY19"/>
+              </a:cxn>
+              <a:cxn ang="0">
+                <a:pos x="connsiteX20" y="connsiteY20"/>
+              </a:cxn>
+              <a:cxn ang="0">
+                <a:pos x="connsiteX21" y="connsiteY21"/>
+              </a:cxn>
+              <a:cxn ang="0">
+                <a:pos x="connsiteX22" y="connsiteY22"/>
+              </a:cxn>
+              <a:cxn ang="0">
+                <a:pos x="connsiteX23" y="connsiteY23"/>
+              </a:cxn>
+              <a:cxn ang="0">
+                <a:pos x="connsiteX24" y="connsiteY24"/>
+              </a:cxn>
+              <a:cxn ang="0">
+                <a:pos x="connsiteX25" y="connsiteY25"/>
+              </a:cxn>
+              <a:cxn ang="0">
+                <a:pos x="connsiteX26" y="connsiteY26"/>
+              </a:cxn>
+              <a:cxn ang="0">
+                <a:pos x="connsiteX27" y="connsiteY27"/>
+              </a:cxn>
+              <a:cxn ang="0">
+                <a:pos x="connsiteX28" y="connsiteY28"/>
+              </a:cxn>
+              <a:cxn ang="0">
+                <a:pos x="connsiteX29" y="connsiteY29"/>
+              </a:cxn>
+              <a:cxn ang="0">
+                <a:pos x="connsiteX30" y="connsiteY30"/>
+              </a:cxn>
+              <a:cxn ang="0">
+                <a:pos x="connsiteX31" y="connsiteY31"/>
+              </a:cxn>
+              <a:cxn ang="0">
+                <a:pos x="connsiteX32" y="connsiteY32"/>
+              </a:cxn>
+              <a:cxn ang="0">
+                <a:pos x="connsiteX33" y="connsiteY33"/>
+              </a:cxn>
+              <a:cxn ang="0">
+                <a:pos x="connsiteX34" y="connsiteY34"/>
+              </a:cxn>
+              <a:cxn ang="0">
+                <a:pos x="connsiteX35" y="connsiteY35"/>
+              </a:cxn>
+            </a:cxnLst>
+            <a:rect l="l" t="t" r="r" b="b"/>
+            <a:pathLst>
+              <a:path w="559472" h="3709642">
+                <a:moveTo>
+                  <a:pt x="0" y="0"/>
+                </a:moveTo>
+                <a:lnTo>
+                  <a:pt x="473952" y="0"/>
+                </a:lnTo>
+                <a:lnTo>
+                  <a:pt x="485840" y="161194"/>
+                </a:lnTo>
+                <a:cubicBezTo>
+                  <a:pt x="552063" y="1147770"/>
+                  <a:pt x="592441" y="3086737"/>
+                  <a:pt x="523949" y="3672197"/>
+                </a:cubicBezTo>
+                <a:cubicBezTo>
+                  <a:pt x="500842" y="3684557"/>
+                  <a:pt x="477855" y="3697282"/>
+                  <a:pt x="454748" y="3709642"/>
+                </a:cubicBezTo>
+                <a:lnTo>
+                  <a:pt x="448224" y="3510471"/>
+                </a:lnTo>
+                <a:lnTo>
+                  <a:pt x="443564" y="3408563"/>
+                </a:lnTo>
+                <a:lnTo>
+                  <a:pt x="438902" y="3304407"/>
+                </a:lnTo>
+                <a:lnTo>
+                  <a:pt x="433941" y="3198777"/>
+                </a:lnTo>
+                <a:lnTo>
+                  <a:pt x="427584" y="3092510"/>
+                </a:lnTo>
+                <a:lnTo>
+                  <a:pt x="420988" y="2984390"/>
+                </a:lnTo>
+                <a:lnTo>
+                  <a:pt x="414330" y="2874401"/>
+                </a:lnTo>
+                <a:lnTo>
+                  <a:pt x="406840" y="2762980"/>
+                </a:lnTo>
+                <a:lnTo>
+                  <a:pt x="397745" y="2650566"/>
+                </a:lnTo>
+                <a:lnTo>
+                  <a:pt x="389154" y="2536612"/>
+                </a:lnTo>
+                <a:lnTo>
+                  <a:pt x="379225" y="2421642"/>
+                </a:lnTo>
+                <a:lnTo>
+                  <a:pt x="368316" y="2305627"/>
+                </a:lnTo>
+                <a:lnTo>
+                  <a:pt x="357466" y="2189233"/>
+                </a:lnTo>
+                <a:lnTo>
+                  <a:pt x="344982" y="2071473"/>
+                </a:lnTo>
+                <a:lnTo>
+                  <a:pt x="332466" y="1952216"/>
+                </a:lnTo>
+                <a:lnTo>
+                  <a:pt x="319121" y="1833776"/>
+                </a:lnTo>
+                <a:lnTo>
+                  <a:pt x="304408" y="1713948"/>
+                </a:lnTo>
+                <a:lnTo>
+                  <a:pt x="288685" y="1592703"/>
+                </a:lnTo>
+                <a:lnTo>
+                  <a:pt x="273050" y="1471451"/>
+                </a:lnTo>
+                <a:lnTo>
+                  <a:pt x="255813" y="1350328"/>
+                </a:lnTo>
+                <a:lnTo>
+                  <a:pt x="237060" y="1227080"/>
+                </a:lnTo>
+                <a:lnTo>
+                  <a:pt x="218488" y="1106065"/>
+                </a:lnTo>
+                <a:lnTo>
+                  <a:pt x="198221" y="982940"/>
+                </a:lnTo>
+                <a:lnTo>
+                  <a:pt x="177152" y="858755"/>
+                </a:lnTo>
+                <a:lnTo>
+                  <a:pt x="155551" y="736861"/>
+                </a:lnTo>
+                <a:lnTo>
+                  <a:pt x="131782" y="613645"/>
+                </a:lnTo>
+                <a:lnTo>
+                  <a:pt x="107123" y="490500"/>
+                </a:lnTo>
+                <a:lnTo>
+                  <a:pt x="82552" y="367348"/>
+                </a:lnTo>
+                <a:lnTo>
+                  <a:pt x="55608" y="244762"/>
+                </a:lnTo>
+                <a:lnTo>
+                  <a:pt x="28130" y="122220"/>
+                </a:lnTo>
+                <a:lnTo>
+                  <a:pt x="0" y="0"/>
+                </a:lnTo>
+                <a:close/>
+              </a:path>
+            </a:pathLst>
+          </a:custGeom>
+          <a:solidFill>
+            <a:schemeClr val="tx1">
+              <a:alpha val="20000"/>
+            </a:schemeClr>
+          </a:solidFill>
+          <a:ln>
+            <a:noFill/>
+          </a:ln>
+        </p:spPr>
+        <p:txBody>
+          <a:bodyPr rtlCol="0" anchor="ctr"/>
+          <a:lstStyle/>
+          <a:p>
+            <a:pPr algn="ctr"/>
+            <a:endParaRPr lang="en-US"/>
+          </a:p>
+        </p:txBody>
+      </p:sp>
+      <p:sp>
+        <p:nvSpPr>
+          <p:cNvPr id="11" name="Rectangle 10">
+            <a:extLst>
+              <a:ext uri="{FF2B5EF4-FFF2-40B4-BE49-F238E27FC236}">
+                <a16:creationId xmlns:a16="http://schemas.microsoft.com/office/drawing/2014/main" id="{38348FA2-1392-4EC3-AF8B-6A64B797C7A9}"/>
+              </a:ext>
+              <a:ext uri="{C183D7F6-B498-43B3-948B-1728B52AA6E4}">
+                <adec:decorative xmlns:adec="http://schemas.microsoft.com/office/drawing/2017/decorative" val="1"/>
+              </a:ext>
+            </a:extLst>
+          </p:cNvPr>
+          <p:cNvSpPr>
+            <a:spLocks noGrp="1" noRot="1" noChangeAspect="1" noMove="1" noResize="1" noEditPoints="1" noAdjustHandles="1" noChangeArrowheads="1" noChangeShapeType="1" noTextEdit="1"/>
+          </p:cNvSpPr>
+          <p:nvPr>
+            <p:extLst>
+              <p:ext uri="{386F3935-93C4-4BCD-93E2-E3B085C9AB24}">
+                <p16:designElem xmlns:p16="http://schemas.microsoft.com/office/powerpoint/2015/main" val="1"/>
+              </p:ext>
+            </p:extLst>
+          </p:nvPr>
+        </p:nvSpPr>
+        <p:spPr>
+          <a:xfrm>
+            <a:off x="6093992" y="0"/>
+            <a:ext cx="6098427" cy="6858000"/>
+          </a:xfrm>
+          <a:prstGeom prst="rect">
+            <a:avLst/>
+          </a:prstGeom>
+          <a:solidFill>
+            <a:srgbClr val="FFFFFF"/>
+          </a:solidFill>
+          <a:ln>
+            <a:noFill/>
+          </a:ln>
+        </p:spPr>
+        <p:style>
+          <a:lnRef idx="2">
+            <a:schemeClr val="accent1">
+              <a:shade val="50000"/>
+            </a:schemeClr>
+          </a:lnRef>
+          <a:fillRef idx="1">
+            <a:schemeClr val="accent1"/>
+          </a:fillRef>
+          <a:effectRef idx="0">
+            <a:schemeClr val="accent1"/>
+          </a:effectRef>
+          <a:fontRef idx="minor">
+            <a:schemeClr val="lt1"/>
+          </a:fontRef>
+        </p:style>
+        <p:txBody>
+          <a:bodyPr rtlCol="0" anchor="ctr"/>
+          <a:lstStyle/>
+          <a:p>
+            <a:pPr algn="ctr"/>
+            <a:endParaRPr lang="en-US"/>
+          </a:p>
+        </p:txBody>
+      </p:sp>
+      <p:sp>
+        <p:nvSpPr>
+          <p:cNvPr id="13" name="Freeform 5">
+            <a:extLst>
+              <a:ext uri="{FF2B5EF4-FFF2-40B4-BE49-F238E27FC236}">
+                <a16:creationId xmlns:a16="http://schemas.microsoft.com/office/drawing/2014/main" id="{93CB2C36-347C-4705-BC75-94EAB8FF83B9}"/>
+              </a:ext>
+              <a:ext uri="{C183D7F6-B498-43B3-948B-1728B52AA6E4}">
+                <adec:decorative xmlns:adec="http://schemas.microsoft.com/office/drawing/2017/decorative" val="1"/>
+              </a:ext>
+            </a:extLst>
+          </p:cNvPr>
+          <p:cNvSpPr>
+            <a:spLocks noGrp="1" noRot="1" noChangeAspect="1" noMove="1" noResize="1" noEditPoints="1" noAdjustHandles="1" noChangeArrowheads="1" noChangeShapeType="1" noTextEdit="1"/>
+          </p:cNvSpPr>
+          <p:nvPr>
+            <p:extLst>
+              <p:ext uri="{386F3935-93C4-4BCD-93E2-E3B085C9AB24}">
+                <p16:designElem xmlns:p16="http://schemas.microsoft.com/office/powerpoint/2015/main" val="1"/>
+              </p:ext>
+            </p:extLst>
+          </p:nvPr>
+        </p:nvSpPr>
+        <p:spPr bwMode="gray">
+          <a:xfrm rot="16200000">
+            <a:off x="2450577" y="2756642"/>
+            <a:ext cx="6858000" cy="1344715"/>
+          </a:xfrm>
+          <a:custGeom>
+            <a:avLst/>
+            <a:gdLst/>
+            <a:ahLst/>
+            <a:cxnLst/>
+            <a:rect l="l" t="t" r="r" b="b"/>
+            <a:pathLst>
+              <a:path w="10000" h="8000">
+                <a:moveTo>
+                  <a:pt x="0" y="0"/>
+                </a:moveTo>
+                <a:lnTo>
+                  <a:pt x="0" y="7970"/>
+                </a:lnTo>
+                <a:lnTo>
+                  <a:pt x="10000" y="8000"/>
+                </a:lnTo>
+                <a:lnTo>
+                  <a:pt x="10000" y="7"/>
+                </a:lnTo>
+                <a:lnTo>
+                  <a:pt x="10000" y="7"/>
+                </a:lnTo>
+                <a:lnTo>
+                  <a:pt x="9773" y="156"/>
+                </a:lnTo>
+                <a:lnTo>
+                  <a:pt x="9547" y="298"/>
+                </a:lnTo>
+                <a:lnTo>
+                  <a:pt x="9320" y="437"/>
+                </a:lnTo>
+                <a:lnTo>
+                  <a:pt x="9092" y="556"/>
+                </a:lnTo>
+                <a:lnTo>
+                  <a:pt x="8865" y="676"/>
+                </a:lnTo>
+                <a:lnTo>
+                  <a:pt x="8637" y="788"/>
+                </a:lnTo>
+                <a:lnTo>
+                  <a:pt x="8412" y="884"/>
+                </a:lnTo>
+                <a:lnTo>
+                  <a:pt x="8184" y="975"/>
+                </a:lnTo>
+                <a:lnTo>
+                  <a:pt x="7957" y="1058"/>
+                </a:lnTo>
+                <a:lnTo>
+                  <a:pt x="7734" y="1130"/>
+                </a:lnTo>
+                <a:lnTo>
+                  <a:pt x="7508" y="1202"/>
+                </a:lnTo>
+                <a:lnTo>
+                  <a:pt x="7285" y="1262"/>
+                </a:lnTo>
+                <a:lnTo>
+                  <a:pt x="7062" y="1309"/>
+                </a:lnTo>
+                <a:lnTo>
+                  <a:pt x="6840" y="1358"/>
+                </a:lnTo>
+                <a:lnTo>
+                  <a:pt x="6620" y="1399"/>
+                </a:lnTo>
+                <a:lnTo>
+                  <a:pt x="6402" y="1428"/>
+                </a:lnTo>
+                <a:lnTo>
+                  <a:pt x="6184" y="1453"/>
+                </a:lnTo>
+                <a:lnTo>
+                  <a:pt x="5968" y="1477"/>
+                </a:lnTo>
+                <a:lnTo>
+                  <a:pt x="5755" y="1488"/>
+                </a:lnTo>
+                <a:lnTo>
+                  <a:pt x="5542" y="1500"/>
+                </a:lnTo>
+                <a:lnTo>
+                  <a:pt x="5332" y="1506"/>
+                </a:lnTo>
+                <a:lnTo>
+                  <a:pt x="5124" y="1500"/>
+                </a:lnTo>
+                <a:lnTo>
+                  <a:pt x="4918" y="1500"/>
+                </a:lnTo>
+                <a:lnTo>
+                  <a:pt x="4714" y="1488"/>
+                </a:lnTo>
+                <a:lnTo>
+                  <a:pt x="4514" y="1470"/>
+                </a:lnTo>
+                <a:lnTo>
+                  <a:pt x="4316" y="1453"/>
+                </a:lnTo>
+                <a:lnTo>
+                  <a:pt x="4122" y="1434"/>
+                </a:lnTo>
+                <a:lnTo>
+                  <a:pt x="3929" y="1405"/>
+                </a:lnTo>
+                <a:lnTo>
+                  <a:pt x="3739" y="1374"/>
+                </a:lnTo>
+                <a:lnTo>
+                  <a:pt x="3553" y="1346"/>
+                </a:lnTo>
+                <a:lnTo>
+                  <a:pt x="3190" y="1267"/>
+                </a:lnTo>
+                <a:lnTo>
+                  <a:pt x="2842" y="1183"/>
+                </a:lnTo>
+                <a:lnTo>
+                  <a:pt x="2508" y="1095"/>
+                </a:lnTo>
+                <a:lnTo>
+                  <a:pt x="2192" y="998"/>
+                </a:lnTo>
+                <a:lnTo>
+                  <a:pt x="1890" y="897"/>
+                </a:lnTo>
+                <a:lnTo>
+                  <a:pt x="1610" y="788"/>
+                </a:lnTo>
+                <a:lnTo>
+                  <a:pt x="1347" y="681"/>
+                </a:lnTo>
+                <a:lnTo>
+                  <a:pt x="1105" y="574"/>
+                </a:lnTo>
+                <a:lnTo>
+                  <a:pt x="883" y="473"/>
+                </a:lnTo>
+                <a:lnTo>
+                  <a:pt x="686" y="377"/>
+                </a:lnTo>
+                <a:lnTo>
+                  <a:pt x="508" y="286"/>
+                </a:lnTo>
+                <a:lnTo>
+                  <a:pt x="358" y="210"/>
+                </a:lnTo>
+                <a:lnTo>
+                  <a:pt x="232" y="138"/>
+                </a:lnTo>
+                <a:lnTo>
+                  <a:pt x="59" y="35"/>
+                </a:lnTo>
+                <a:lnTo>
+                  <a:pt x="0" y="0"/>
+                </a:lnTo>
+                <a:lnTo>
+                  <a:pt x="0" y="0"/>
+                </a:lnTo>
+                <a:close/>
+              </a:path>
+            </a:pathLst>
+          </a:custGeom>
+          <a:solidFill>
+            <a:srgbClr val="FFFFFF"/>
+          </a:solidFill>
+          <a:ln>
+            <a:noFill/>
+          </a:ln>
+        </p:spPr>
+      </p:sp>
+      <p:pic>
+        <p:nvPicPr>
+          <p:cNvPr id="4" name="Picture 3">
+            <a:extLst>
+              <a:ext uri="{FF2B5EF4-FFF2-40B4-BE49-F238E27FC236}">
+                <a16:creationId xmlns:a16="http://schemas.microsoft.com/office/drawing/2014/main" id="{3EB729E4-DE52-4F87-840A-B8C5A4257CC0}"/>
+              </a:ext>
+            </a:extLst>
+          </p:cNvPr>
+          <p:cNvPicPr>
+            <a:picLocks noChangeAspect="1"/>
+          </p:cNvPicPr>
+          <p:nvPr/>
+        </p:nvPicPr>
+        <p:blipFill>
+          <a:blip r:embed="rId3"/>
+          <a:stretch>
+            <a:fillRect/>
+          </a:stretch>
+        </p:blipFill>
+        <p:spPr>
+          <a:xfrm>
+            <a:off x="6093992" y="1719096"/>
+            <a:ext cx="5449889" cy="3419805"/>
+          </a:xfrm>
+          <a:prstGeom prst="rect">
+            <a:avLst/>
+          </a:prstGeom>
+          <a:effectLst/>
+        </p:spPr>
+      </p:pic>
+      <p:sp>
+        <p:nvSpPr>
+          <p:cNvPr id="15" name="Rectangle 14">
+            <a:extLst>
+              <a:ext uri="{FF2B5EF4-FFF2-40B4-BE49-F238E27FC236}">
+                <a16:creationId xmlns:a16="http://schemas.microsoft.com/office/drawing/2014/main" id="{4437D23E-7DA0-4020-B991-9734AB977433}"/>
+              </a:ext>
+              <a:ext uri="{C183D7F6-B498-43B3-948B-1728B52AA6E4}">
+                <adec:decorative xmlns:adec="http://schemas.microsoft.com/office/drawing/2017/decorative" val="1"/>
+              </a:ext>
+            </a:extLst>
+          </p:cNvPr>
+          <p:cNvSpPr>
+            <a:spLocks noGrp="1" noRot="1" noChangeAspect="1" noMove="1" noResize="1" noEditPoints="1" noAdjustHandles="1" noChangeArrowheads="1" noChangeShapeType="1" noTextEdit="1"/>
+          </p:cNvSpPr>
+          <p:nvPr>
+            <p:extLst>
+              <p:ext uri="{386F3935-93C4-4BCD-93E2-E3B085C9AB24}">
+                <p16:designElem xmlns:p16="http://schemas.microsoft.com/office/powerpoint/2015/main" val="1"/>
+              </p:ext>
+            </p:extLst>
+          </p:nvPr>
+        </p:nvSpPr>
+        <p:spPr>
+          <a:xfrm>
+            <a:off x="10442448" y="0"/>
+            <a:ext cx="685800" cy="1143000"/>
+          </a:xfrm>
+          <a:prstGeom prst="rect">
+            <a:avLst/>
+          </a:prstGeom>
+          <a:solidFill>
+            <a:schemeClr val="accent1"/>
+          </a:solidFill>
+          <a:ln>
+            <a:noFill/>
+          </a:ln>
+        </p:spPr>
+        <p:style>
+          <a:lnRef idx="1">
+            <a:schemeClr val="accent1"/>
+          </a:lnRef>
+          <a:fillRef idx="3">
+            <a:schemeClr val="accent1"/>
+          </a:fillRef>
+          <a:effectRef idx="2">
+            <a:schemeClr val="accent1"/>
+          </a:effectRef>
+          <a:fontRef idx="minor">
+            <a:schemeClr val="lt1"/>
+          </a:fontRef>
+        </p:style>
+      </p:sp>
+    </p:spTree>
+    <p:extLst>
+      <p:ext uri="{BB962C8B-B14F-4D97-AF65-F5344CB8AC3E}">
+        <p14:creationId xmlns:p14="http://schemas.microsoft.com/office/powerpoint/2010/main" val="2133696504"/>
+      </p:ext>
+    </p:extLst>
+  </p:cSld>
+  <p:clrMapOvr>
+    <a:masterClrMapping/>
+  </p:clrMapOvr>
+</p:sld>
+</file>
+
 <file path=ppt/slides/slide2.xml><?xml version="1.0" encoding="utf-8"?>
 <p:sld xmlns:a="http://schemas.openxmlformats.org/drawingml/2006/main" xmlns:r="http://schemas.openxmlformats.org/officeDocument/2006/relationships" xmlns:p="http://schemas.openxmlformats.org/presentationml/2006/main">
   <p:cSld>
@@ -6062,7 +10454,12 @@
             <p:ph idx="1"/>
           </p:nvPr>
         </p:nvSpPr>
-        <p:spPr/>
+        <p:spPr>
+          <a:xfrm>
+            <a:off x="1104293" y="1530631"/>
+            <a:ext cx="8946541" cy="4195481"/>
+          </a:xfrm>
+        </p:spPr>
         <p:txBody>
           <a:bodyPr/>
           <a:lstStyle/>
@@ -6088,6 +10485,36 @@
             <a:r>
               <a:rPr lang="en-US" dirty="0"/>
               <a:t>Card total is less then the dealer you lose</a:t>
+            </a:r>
+          </a:p>
+          <a:p>
+            <a:r>
+              <a:rPr lang="en-US" dirty="0"/>
+              <a:t>You go first</a:t>
+            </a:r>
+          </a:p>
+          <a:p>
+            <a:r>
+              <a:rPr lang="en-US" dirty="0"/>
+              <a:t>Dealer will hit when the sum of their cards &lt; 17</a:t>
+            </a:r>
+          </a:p>
+          <a:p>
+            <a:r>
+              <a:rPr lang="en-US" dirty="0"/>
+              <a:t>You make your bet before The cards are dealt</a:t>
+            </a:r>
+          </a:p>
+          <a:p>
+            <a:r>
+              <a:rPr lang="en-US" dirty="0"/>
+              <a:t>Played with a deck or multiple decks of cards</a:t>
+            </a:r>
+          </a:p>
+          <a:p>
+            <a:r>
+              <a:rPr lang="en-US" dirty="0"/>
+              <a:t>Kings, queens, jacks are worth 10, aces are worth 1 or 11</a:t>
             </a:r>
           </a:p>
         </p:txBody>
@@ -6106,6 +10533,1813 @@
 </file>
 
 <file path=ppt/slides/slide3.xml><?xml version="1.0" encoding="utf-8"?>
+<p:sld xmlns:a="http://schemas.openxmlformats.org/drawingml/2006/main" xmlns:r="http://schemas.openxmlformats.org/officeDocument/2006/relationships" xmlns:p="http://schemas.openxmlformats.org/presentationml/2006/main">
+  <p:cSld>
+    <p:spTree>
+      <p:nvGrpSpPr>
+        <p:cNvPr id="1" name=""/>
+        <p:cNvGrpSpPr/>
+        <p:nvPr/>
+      </p:nvGrpSpPr>
+      <p:grpSpPr>
+        <a:xfrm>
+          <a:off x="0" y="0"/>
+          <a:ext cx="0" cy="0"/>
+          <a:chOff x="0" y="0"/>
+          <a:chExt cx="0" cy="0"/>
+        </a:xfrm>
+      </p:grpSpPr>
+      <p:pic>
+        <p:nvPicPr>
+          <p:cNvPr id="2" name="Picture 2" descr="Ten of spades meaning in cartomancy – Latin.cards">
+            <a:extLst>
+              <a:ext uri="{FF2B5EF4-FFF2-40B4-BE49-F238E27FC236}">
+                <a16:creationId xmlns:a16="http://schemas.microsoft.com/office/drawing/2014/main" id="{413A6115-0708-4DBA-87C5-DAB59F5157E1}"/>
+              </a:ext>
+            </a:extLst>
+          </p:cNvPr>
+          <p:cNvPicPr>
+            <a:picLocks noChangeAspect="1" noChangeArrowheads="1"/>
+          </p:cNvPicPr>
+          <p:nvPr/>
+        </p:nvPicPr>
+        <p:blipFill>
+          <a:blip r:embed="rId2">
+            <a:extLst>
+              <a:ext uri="{28A0092B-C50C-407E-A947-70E740481C1C}">
+                <a14:useLocalDpi xmlns:a14="http://schemas.microsoft.com/office/drawing/2010/main" val="0"/>
+              </a:ext>
+            </a:extLst>
+          </a:blip>
+          <a:srcRect/>
+          <a:stretch>
+            <a:fillRect/>
+          </a:stretch>
+        </p:blipFill>
+        <p:spPr bwMode="auto">
+          <a:xfrm>
+            <a:off x="1093182" y="3521822"/>
+            <a:ext cx="1764348" cy="2564017"/>
+          </a:xfrm>
+          <a:prstGeom prst="rect">
+            <a:avLst/>
+          </a:prstGeom>
+          <a:noFill/>
+          <a:extLst>
+            <a:ext uri="{909E8E84-426E-40DD-AFC4-6F175D3DCCD1}">
+              <a14:hiddenFill xmlns:a14="http://schemas.microsoft.com/office/drawing/2010/main">
+                <a:solidFill>
+                  <a:srgbClr val="FFFFFF"/>
+                </a:solidFill>
+              </a14:hiddenFill>
+            </a:ext>
+          </a:extLst>
+        </p:spPr>
+      </p:pic>
+      <p:pic>
+        <p:nvPicPr>
+          <p:cNvPr id="2052" name="Picture 4">
+            <a:extLst>
+              <a:ext uri="{FF2B5EF4-FFF2-40B4-BE49-F238E27FC236}">
+                <a16:creationId xmlns:a16="http://schemas.microsoft.com/office/drawing/2014/main" id="{651B318D-B649-4448-AE24-379F5E929AB4}"/>
+              </a:ext>
+            </a:extLst>
+          </p:cNvPr>
+          <p:cNvPicPr>
+            <a:picLocks noChangeAspect="1" noChangeArrowheads="1"/>
+          </p:cNvPicPr>
+          <p:nvPr/>
+        </p:nvPicPr>
+        <p:blipFill>
+          <a:blip r:embed="rId3">
+            <a:extLst>
+              <a:ext uri="{28A0092B-C50C-407E-A947-70E740481C1C}">
+                <a14:useLocalDpi xmlns:a14="http://schemas.microsoft.com/office/drawing/2010/main" val="0"/>
+              </a:ext>
+            </a:extLst>
+          </a:blip>
+          <a:srcRect/>
+          <a:stretch>
+            <a:fillRect/>
+          </a:stretch>
+        </p:blipFill>
+        <p:spPr bwMode="auto">
+          <a:xfrm>
+            <a:off x="3779520" y="3527268"/>
+            <a:ext cx="1764348" cy="2558571"/>
+          </a:xfrm>
+          <a:prstGeom prst="rect">
+            <a:avLst/>
+          </a:prstGeom>
+          <a:noFill/>
+          <a:extLst>
+            <a:ext uri="{909E8E84-426E-40DD-AFC4-6F175D3DCCD1}">
+              <a14:hiddenFill xmlns:a14="http://schemas.microsoft.com/office/drawing/2010/main">
+                <a:solidFill>
+                  <a:srgbClr val="FFFFFF"/>
+                </a:solidFill>
+              </a14:hiddenFill>
+            </a:ext>
+          </a:extLst>
+        </p:spPr>
+      </p:pic>
+      <p:pic>
+        <p:nvPicPr>
+          <p:cNvPr id="2054" name="Picture 6" descr="Playing Card Back - Red Art Print by slothuus | Society6">
+            <a:extLst>
+              <a:ext uri="{FF2B5EF4-FFF2-40B4-BE49-F238E27FC236}">
+                <a16:creationId xmlns:a16="http://schemas.microsoft.com/office/drawing/2014/main" id="{DADF9C92-C8D9-4E23-AD18-4E8CA50CBFC4}"/>
+              </a:ext>
+            </a:extLst>
+          </p:cNvPr>
+          <p:cNvPicPr>
+            <a:picLocks noChangeAspect="1" noChangeArrowheads="1"/>
+          </p:cNvPicPr>
+          <p:nvPr/>
+        </p:nvPicPr>
+        <p:blipFill>
+          <a:blip r:embed="rId4">
+            <a:extLst>
+              <a:ext uri="{28A0092B-C50C-407E-A947-70E740481C1C}">
+                <a14:useLocalDpi xmlns:a14="http://schemas.microsoft.com/office/drawing/2010/main" val="0"/>
+              </a:ext>
+            </a:extLst>
+          </a:blip>
+          <a:srcRect/>
+          <a:stretch>
+            <a:fillRect/>
+          </a:stretch>
+        </p:blipFill>
+        <p:spPr bwMode="auto">
+          <a:xfrm>
+            <a:off x="2453640" y="325120"/>
+            <a:ext cx="2651760" cy="2651760"/>
+          </a:xfrm>
+          <a:prstGeom prst="rect">
+            <a:avLst/>
+          </a:prstGeom>
+          <a:noFill/>
+          <a:extLst>
+            <a:ext uri="{909E8E84-426E-40DD-AFC4-6F175D3DCCD1}">
+              <a14:hiddenFill xmlns:a14="http://schemas.microsoft.com/office/drawing/2010/main">
+                <a:solidFill>
+                  <a:srgbClr val="FFFFFF"/>
+                </a:solidFill>
+              </a14:hiddenFill>
+            </a:ext>
+          </a:extLst>
+        </p:spPr>
+      </p:pic>
+      <p:pic>
+        <p:nvPicPr>
+          <p:cNvPr id="2056" name="Picture 8">
+            <a:extLst>
+              <a:ext uri="{FF2B5EF4-FFF2-40B4-BE49-F238E27FC236}">
+                <a16:creationId xmlns:a16="http://schemas.microsoft.com/office/drawing/2014/main" id="{EB229D13-48D8-4C3F-97AE-6935E49AFE20}"/>
+              </a:ext>
+            </a:extLst>
+          </p:cNvPr>
+          <p:cNvPicPr>
+            <a:picLocks noChangeAspect="1" noChangeArrowheads="1"/>
+          </p:cNvPicPr>
+          <p:nvPr/>
+        </p:nvPicPr>
+        <p:blipFill>
+          <a:blip r:embed="rId5">
+            <a:extLst>
+              <a:ext uri="{28A0092B-C50C-407E-A947-70E740481C1C}">
+                <a14:useLocalDpi xmlns:a14="http://schemas.microsoft.com/office/drawing/2010/main" val="0"/>
+              </a:ext>
+            </a:extLst>
+          </a:blip>
+          <a:srcRect/>
+          <a:stretch>
+            <a:fillRect/>
+          </a:stretch>
+        </p:blipFill>
+        <p:spPr bwMode="auto">
+          <a:xfrm>
+            <a:off x="5738495" y="405130"/>
+            <a:ext cx="1771650" cy="2571750"/>
+          </a:xfrm>
+          <a:prstGeom prst="rect">
+            <a:avLst/>
+          </a:prstGeom>
+          <a:noFill/>
+          <a:extLst>
+            <a:ext uri="{909E8E84-426E-40DD-AFC4-6F175D3DCCD1}">
+              <a14:hiddenFill xmlns:a14="http://schemas.microsoft.com/office/drawing/2010/main">
+                <a:solidFill>
+                  <a:srgbClr val="FFFFFF"/>
+                </a:solidFill>
+              </a14:hiddenFill>
+            </a:ext>
+          </a:extLst>
+        </p:spPr>
+      </p:pic>
+      <p:sp>
+        <p:nvSpPr>
+          <p:cNvPr id="3" name="TextBox 2">
+            <a:extLst>
+              <a:ext uri="{FF2B5EF4-FFF2-40B4-BE49-F238E27FC236}">
+                <a16:creationId xmlns:a16="http://schemas.microsoft.com/office/drawing/2014/main" id="{FD8F976D-0AF8-43FF-825A-341B781318D9}"/>
+              </a:ext>
+            </a:extLst>
+          </p:cNvPr>
+          <p:cNvSpPr txBox="1"/>
+          <p:nvPr/>
+        </p:nvSpPr>
+        <p:spPr>
+          <a:xfrm>
+            <a:off x="8477249" y="3521822"/>
+            <a:ext cx="3819525" cy="369332"/>
+          </a:xfrm>
+          <a:prstGeom prst="rect">
+            <a:avLst/>
+          </a:prstGeom>
+          <a:noFill/>
+        </p:spPr>
+        <p:txBody>
+          <a:bodyPr wrap="square" rtlCol="0">
+            <a:spAutoFit/>
+          </a:bodyPr>
+          <a:lstStyle/>
+          <a:p>
+            <a:pPr marL="285750" indent="-285750">
+              <a:buFont typeface="Arial" panose="020B0604020202020204" pitchFamily="34" charset="0"/>
+              <a:buChar char="•"/>
+            </a:pPr>
+            <a:r>
+              <a:rPr lang="en-US" dirty="0"/>
+              <a:t>Sum of Cards = 14</a:t>
+            </a:r>
+          </a:p>
+        </p:txBody>
+      </p:sp>
+      <p:sp>
+        <p:nvSpPr>
+          <p:cNvPr id="4" name="TextBox 3">
+            <a:extLst>
+              <a:ext uri="{FF2B5EF4-FFF2-40B4-BE49-F238E27FC236}">
+                <a16:creationId xmlns:a16="http://schemas.microsoft.com/office/drawing/2014/main" id="{B71ED044-B1C3-4D45-8828-17933E742082}"/>
+              </a:ext>
+            </a:extLst>
+          </p:cNvPr>
+          <p:cNvSpPr txBox="1"/>
+          <p:nvPr/>
+        </p:nvSpPr>
+        <p:spPr>
+          <a:xfrm>
+            <a:off x="8477249" y="4133850"/>
+            <a:ext cx="2488218" cy="923330"/>
+          </a:xfrm>
+          <a:prstGeom prst="rect">
+            <a:avLst/>
+          </a:prstGeom>
+          <a:noFill/>
+        </p:spPr>
+        <p:txBody>
+          <a:bodyPr wrap="square" rtlCol="0">
+            <a:spAutoFit/>
+          </a:bodyPr>
+          <a:lstStyle/>
+          <a:p>
+            <a:pPr marL="285750" indent="-285750">
+              <a:buFont typeface="Arial" panose="020B0604020202020204" pitchFamily="34" charset="0"/>
+              <a:buChar char="•"/>
+            </a:pPr>
+            <a:r>
+              <a:rPr lang="en-US" dirty="0"/>
+              <a:t>Hit or stand at 14</a:t>
+            </a:r>
+          </a:p>
+          <a:p>
+            <a:pPr marL="285750" indent="-285750">
+              <a:buFont typeface="Arial" panose="020B0604020202020204" pitchFamily="34" charset="0"/>
+              <a:buChar char="•"/>
+            </a:pPr>
+            <a:r>
+              <a:rPr lang="en-US" dirty="0"/>
+              <a:t>58% chance total is under 22</a:t>
+            </a:r>
+          </a:p>
+        </p:txBody>
+      </p:sp>
+      <p:pic>
+        <p:nvPicPr>
+          <p:cNvPr id="2058" name="Picture 10" descr="There's An Optical Illusion In The 8 Of Diamonds Making People ...">
+            <a:extLst>
+              <a:ext uri="{FF2B5EF4-FFF2-40B4-BE49-F238E27FC236}">
+                <a16:creationId xmlns:a16="http://schemas.microsoft.com/office/drawing/2014/main" id="{32F94519-6866-4663-A85D-DD0CD5F91AE2}"/>
+              </a:ext>
+            </a:extLst>
+          </p:cNvPr>
+          <p:cNvPicPr>
+            <a:picLocks noChangeAspect="1" noChangeArrowheads="1"/>
+          </p:cNvPicPr>
+          <p:nvPr/>
+        </p:nvPicPr>
+        <p:blipFill>
+          <a:blip r:embed="rId6">
+            <a:extLst>
+              <a:ext uri="{28A0092B-C50C-407E-A947-70E740481C1C}">
+                <a14:useLocalDpi xmlns:a14="http://schemas.microsoft.com/office/drawing/2010/main" val="0"/>
+              </a:ext>
+            </a:extLst>
+          </a:blip>
+          <a:srcRect/>
+          <a:stretch>
+            <a:fillRect/>
+          </a:stretch>
+        </p:blipFill>
+        <p:spPr bwMode="auto">
+          <a:xfrm>
+            <a:off x="6359555" y="3570333"/>
+            <a:ext cx="1764348" cy="2515506"/>
+          </a:xfrm>
+          <a:prstGeom prst="rect">
+            <a:avLst/>
+          </a:prstGeom>
+          <a:noFill/>
+          <a:extLst>
+            <a:ext uri="{909E8E84-426E-40DD-AFC4-6F175D3DCCD1}">
+              <a14:hiddenFill xmlns:a14="http://schemas.microsoft.com/office/drawing/2010/main">
+                <a:solidFill>
+                  <a:srgbClr val="FFFFFF"/>
+                </a:solidFill>
+              </a14:hiddenFill>
+            </a:ext>
+          </a:extLst>
+        </p:spPr>
+      </p:pic>
+      <p:sp>
+        <p:nvSpPr>
+          <p:cNvPr id="5" name="TextBox 4">
+            <a:extLst>
+              <a:ext uri="{FF2B5EF4-FFF2-40B4-BE49-F238E27FC236}">
+                <a16:creationId xmlns:a16="http://schemas.microsoft.com/office/drawing/2014/main" id="{393212BE-6EAE-4844-BF56-B14C88F3D35D}"/>
+              </a:ext>
+            </a:extLst>
+          </p:cNvPr>
+          <p:cNvSpPr txBox="1"/>
+          <p:nvPr/>
+        </p:nvSpPr>
+        <p:spPr>
+          <a:xfrm>
+            <a:off x="4078922" y="2550207"/>
+            <a:ext cx="2686051" cy="1323439"/>
+          </a:xfrm>
+          <a:prstGeom prst="rect">
+            <a:avLst/>
+          </a:prstGeom>
+          <a:noFill/>
+        </p:spPr>
+        <p:txBody>
+          <a:bodyPr wrap="square" rtlCol="0">
+            <a:spAutoFit/>
+          </a:bodyPr>
+          <a:lstStyle/>
+          <a:p>
+            <a:r>
+              <a:rPr lang="en-US" sz="8000" dirty="0">
+                <a:solidFill>
+                  <a:schemeClr val="bg1"/>
+                </a:solidFill>
+              </a:rPr>
+              <a:t>BUST</a:t>
+            </a:r>
+          </a:p>
+        </p:txBody>
+      </p:sp>
+      <p:sp>
+        <p:nvSpPr>
+          <p:cNvPr id="6" name="TextBox 5">
+            <a:extLst>
+              <a:ext uri="{FF2B5EF4-FFF2-40B4-BE49-F238E27FC236}">
+                <a16:creationId xmlns:a16="http://schemas.microsoft.com/office/drawing/2014/main" id="{2A56025F-6D82-4930-8A89-F65406BAB3DE}"/>
+              </a:ext>
+            </a:extLst>
+          </p:cNvPr>
+          <p:cNvSpPr txBox="1"/>
+          <p:nvPr/>
+        </p:nvSpPr>
+        <p:spPr>
+          <a:xfrm>
+            <a:off x="8477249" y="5115210"/>
+            <a:ext cx="2600325" cy="369332"/>
+          </a:xfrm>
+          <a:prstGeom prst="rect">
+            <a:avLst/>
+          </a:prstGeom>
+          <a:noFill/>
+        </p:spPr>
+        <p:txBody>
+          <a:bodyPr wrap="square" rtlCol="0">
+            <a:spAutoFit/>
+          </a:bodyPr>
+          <a:lstStyle/>
+          <a:p>
+            <a:pPr marL="285750" indent="-285750">
+              <a:buFont typeface="Arial" panose="020B0604020202020204" pitchFamily="34" charset="0"/>
+              <a:buChar char="•"/>
+            </a:pPr>
+            <a:r>
+              <a:rPr lang="en-US" dirty="0"/>
+              <a:t>Sum of Cards = 22</a:t>
+            </a:r>
+          </a:p>
+        </p:txBody>
+      </p:sp>
+    </p:spTree>
+    <p:extLst>
+      <p:ext uri="{BB962C8B-B14F-4D97-AF65-F5344CB8AC3E}">
+        <p14:creationId xmlns:p14="http://schemas.microsoft.com/office/powerpoint/2010/main" val="60367131"/>
+      </p:ext>
+    </p:extLst>
+  </p:cSld>
+  <p:clrMapOvr>
+    <a:masterClrMapping/>
+  </p:clrMapOvr>
+  <p:timing>
+    <p:tnLst>
+      <p:par>
+        <p:cTn id="1" dur="indefinite" restart="never" nodeType="tmRoot">
+          <p:childTnLst>
+            <p:seq concurrent="1" nextAc="seek">
+              <p:cTn id="2" dur="indefinite" nodeType="mainSeq">
+                <p:childTnLst>
+                  <p:par>
+                    <p:cTn id="3" fill="hold">
+                      <p:stCondLst>
+                        <p:cond delay="indefinite"/>
+                      </p:stCondLst>
+                      <p:childTnLst>
+                        <p:par>
+                          <p:cTn id="4" fill="hold">
+                            <p:stCondLst>
+                              <p:cond delay="0"/>
+                            </p:stCondLst>
+                            <p:childTnLst>
+                              <p:par>
+                                <p:cTn id="5" presetID="1" presetClass="entr" presetSubtype="0" fill="hold" nodeType="clickEffect">
+                                  <p:stCondLst>
+                                    <p:cond delay="0"/>
+                                  </p:stCondLst>
+                                  <p:childTnLst>
+                                    <p:set>
+                                      <p:cBhvr>
+                                        <p:cTn id="6" dur="1" fill="hold">
+                                          <p:stCondLst>
+                                            <p:cond delay="0"/>
+                                          </p:stCondLst>
+                                        </p:cTn>
+                                        <p:tgtEl>
+                                          <p:spTgt spid="2"/>
+                                        </p:tgtEl>
+                                        <p:attrNameLst>
+                                          <p:attrName>style.visibility</p:attrName>
+                                        </p:attrNameLst>
+                                      </p:cBhvr>
+                                      <p:to>
+                                        <p:strVal val="visible"/>
+                                      </p:to>
+                                    </p:set>
+                                  </p:childTnLst>
+                                </p:cTn>
+                              </p:par>
+                            </p:childTnLst>
+                          </p:cTn>
+                        </p:par>
+                      </p:childTnLst>
+                    </p:cTn>
+                  </p:par>
+                  <p:par>
+                    <p:cTn id="7" fill="hold">
+                      <p:stCondLst>
+                        <p:cond delay="indefinite"/>
+                      </p:stCondLst>
+                      <p:childTnLst>
+                        <p:par>
+                          <p:cTn id="8" fill="hold">
+                            <p:stCondLst>
+                              <p:cond delay="0"/>
+                            </p:stCondLst>
+                            <p:childTnLst>
+                              <p:par>
+                                <p:cTn id="9" presetID="1" presetClass="entr" presetSubtype="0" fill="hold" nodeType="clickEffect">
+                                  <p:stCondLst>
+                                    <p:cond delay="0"/>
+                                  </p:stCondLst>
+                                  <p:childTnLst>
+                                    <p:set>
+                                      <p:cBhvr>
+                                        <p:cTn id="10" dur="1" fill="hold">
+                                          <p:stCondLst>
+                                            <p:cond delay="0"/>
+                                          </p:stCondLst>
+                                        </p:cTn>
+                                        <p:tgtEl>
+                                          <p:spTgt spid="2052"/>
+                                        </p:tgtEl>
+                                        <p:attrNameLst>
+                                          <p:attrName>style.visibility</p:attrName>
+                                        </p:attrNameLst>
+                                      </p:cBhvr>
+                                      <p:to>
+                                        <p:strVal val="visible"/>
+                                      </p:to>
+                                    </p:set>
+                                  </p:childTnLst>
+                                </p:cTn>
+                              </p:par>
+                            </p:childTnLst>
+                          </p:cTn>
+                        </p:par>
+                      </p:childTnLst>
+                    </p:cTn>
+                  </p:par>
+                  <p:par>
+                    <p:cTn id="11" fill="hold">
+                      <p:stCondLst>
+                        <p:cond delay="indefinite"/>
+                      </p:stCondLst>
+                      <p:childTnLst>
+                        <p:par>
+                          <p:cTn id="12" fill="hold">
+                            <p:stCondLst>
+                              <p:cond delay="0"/>
+                            </p:stCondLst>
+                            <p:childTnLst>
+                              <p:par>
+                                <p:cTn id="13" presetID="1" presetClass="entr" presetSubtype="0" fill="hold" grpId="0" nodeType="clickEffect">
+                                  <p:stCondLst>
+                                    <p:cond delay="0"/>
+                                  </p:stCondLst>
+                                  <p:childTnLst>
+                                    <p:set>
+                                      <p:cBhvr>
+                                        <p:cTn id="14" dur="1" fill="hold">
+                                          <p:stCondLst>
+                                            <p:cond delay="0"/>
+                                          </p:stCondLst>
+                                        </p:cTn>
+                                        <p:tgtEl>
+                                          <p:spTgt spid="3"/>
+                                        </p:tgtEl>
+                                        <p:attrNameLst>
+                                          <p:attrName>style.visibility</p:attrName>
+                                        </p:attrNameLst>
+                                      </p:cBhvr>
+                                      <p:to>
+                                        <p:strVal val="visible"/>
+                                      </p:to>
+                                    </p:set>
+                                  </p:childTnLst>
+                                </p:cTn>
+                              </p:par>
+                            </p:childTnLst>
+                          </p:cTn>
+                        </p:par>
+                      </p:childTnLst>
+                    </p:cTn>
+                  </p:par>
+                  <p:par>
+                    <p:cTn id="15" fill="hold">
+                      <p:stCondLst>
+                        <p:cond delay="indefinite"/>
+                      </p:stCondLst>
+                      <p:childTnLst>
+                        <p:par>
+                          <p:cTn id="16" fill="hold">
+                            <p:stCondLst>
+                              <p:cond delay="0"/>
+                            </p:stCondLst>
+                            <p:childTnLst>
+                              <p:par>
+                                <p:cTn id="17" presetID="1" presetClass="entr" presetSubtype="0" fill="hold" nodeType="clickEffect">
+                                  <p:stCondLst>
+                                    <p:cond delay="0"/>
+                                  </p:stCondLst>
+                                  <p:childTnLst>
+                                    <p:set>
+                                      <p:cBhvr>
+                                        <p:cTn id="18" dur="1" fill="hold">
+                                          <p:stCondLst>
+                                            <p:cond delay="0"/>
+                                          </p:stCondLst>
+                                        </p:cTn>
+                                        <p:tgtEl>
+                                          <p:spTgt spid="2054"/>
+                                        </p:tgtEl>
+                                        <p:attrNameLst>
+                                          <p:attrName>style.visibility</p:attrName>
+                                        </p:attrNameLst>
+                                      </p:cBhvr>
+                                      <p:to>
+                                        <p:strVal val="visible"/>
+                                      </p:to>
+                                    </p:set>
+                                  </p:childTnLst>
+                                </p:cTn>
+                              </p:par>
+                            </p:childTnLst>
+                          </p:cTn>
+                        </p:par>
+                      </p:childTnLst>
+                    </p:cTn>
+                  </p:par>
+                  <p:par>
+                    <p:cTn id="19" fill="hold">
+                      <p:stCondLst>
+                        <p:cond delay="indefinite"/>
+                      </p:stCondLst>
+                      <p:childTnLst>
+                        <p:par>
+                          <p:cTn id="20" fill="hold">
+                            <p:stCondLst>
+                              <p:cond delay="0"/>
+                            </p:stCondLst>
+                            <p:childTnLst>
+                              <p:par>
+                                <p:cTn id="21" presetID="1" presetClass="entr" presetSubtype="0" fill="hold" nodeType="clickEffect">
+                                  <p:stCondLst>
+                                    <p:cond delay="0"/>
+                                  </p:stCondLst>
+                                  <p:childTnLst>
+                                    <p:set>
+                                      <p:cBhvr>
+                                        <p:cTn id="22" dur="1" fill="hold">
+                                          <p:stCondLst>
+                                            <p:cond delay="0"/>
+                                          </p:stCondLst>
+                                        </p:cTn>
+                                        <p:tgtEl>
+                                          <p:spTgt spid="2056"/>
+                                        </p:tgtEl>
+                                        <p:attrNameLst>
+                                          <p:attrName>style.visibility</p:attrName>
+                                        </p:attrNameLst>
+                                      </p:cBhvr>
+                                      <p:to>
+                                        <p:strVal val="visible"/>
+                                      </p:to>
+                                    </p:set>
+                                  </p:childTnLst>
+                                </p:cTn>
+                              </p:par>
+                            </p:childTnLst>
+                          </p:cTn>
+                        </p:par>
+                      </p:childTnLst>
+                    </p:cTn>
+                  </p:par>
+                  <p:par>
+                    <p:cTn id="23" fill="hold">
+                      <p:stCondLst>
+                        <p:cond delay="indefinite"/>
+                      </p:stCondLst>
+                      <p:childTnLst>
+                        <p:par>
+                          <p:cTn id="24" fill="hold">
+                            <p:stCondLst>
+                              <p:cond delay="0"/>
+                            </p:stCondLst>
+                            <p:childTnLst>
+                              <p:par>
+                                <p:cTn id="25" presetID="1" presetClass="entr" presetSubtype="0" fill="hold" grpId="0" nodeType="clickEffect">
+                                  <p:stCondLst>
+                                    <p:cond delay="0"/>
+                                  </p:stCondLst>
+                                  <p:childTnLst>
+                                    <p:set>
+                                      <p:cBhvr>
+                                        <p:cTn id="26" dur="1" fill="hold">
+                                          <p:stCondLst>
+                                            <p:cond delay="0"/>
+                                          </p:stCondLst>
+                                        </p:cTn>
+                                        <p:tgtEl>
+                                          <p:spTgt spid="4"/>
+                                        </p:tgtEl>
+                                        <p:attrNameLst>
+                                          <p:attrName>style.visibility</p:attrName>
+                                        </p:attrNameLst>
+                                      </p:cBhvr>
+                                      <p:to>
+                                        <p:strVal val="visible"/>
+                                      </p:to>
+                                    </p:set>
+                                  </p:childTnLst>
+                                </p:cTn>
+                              </p:par>
+                            </p:childTnLst>
+                          </p:cTn>
+                        </p:par>
+                      </p:childTnLst>
+                    </p:cTn>
+                  </p:par>
+                  <p:par>
+                    <p:cTn id="27" fill="hold">
+                      <p:stCondLst>
+                        <p:cond delay="indefinite"/>
+                      </p:stCondLst>
+                      <p:childTnLst>
+                        <p:par>
+                          <p:cTn id="28" fill="hold">
+                            <p:stCondLst>
+                              <p:cond delay="0"/>
+                            </p:stCondLst>
+                            <p:childTnLst>
+                              <p:par>
+                                <p:cTn id="29" presetID="1" presetClass="entr" presetSubtype="0" fill="hold" nodeType="clickEffect">
+                                  <p:stCondLst>
+                                    <p:cond delay="0"/>
+                                  </p:stCondLst>
+                                  <p:childTnLst>
+                                    <p:set>
+                                      <p:cBhvr>
+                                        <p:cTn id="30" dur="1" fill="hold">
+                                          <p:stCondLst>
+                                            <p:cond delay="0"/>
+                                          </p:stCondLst>
+                                        </p:cTn>
+                                        <p:tgtEl>
+                                          <p:spTgt spid="2058"/>
+                                        </p:tgtEl>
+                                        <p:attrNameLst>
+                                          <p:attrName>style.visibility</p:attrName>
+                                        </p:attrNameLst>
+                                      </p:cBhvr>
+                                      <p:to>
+                                        <p:strVal val="visible"/>
+                                      </p:to>
+                                    </p:set>
+                                  </p:childTnLst>
+                                </p:cTn>
+                              </p:par>
+                            </p:childTnLst>
+                          </p:cTn>
+                        </p:par>
+                      </p:childTnLst>
+                    </p:cTn>
+                  </p:par>
+                  <p:par>
+                    <p:cTn id="31" fill="hold">
+                      <p:stCondLst>
+                        <p:cond delay="indefinite"/>
+                      </p:stCondLst>
+                      <p:childTnLst>
+                        <p:par>
+                          <p:cTn id="32" fill="hold">
+                            <p:stCondLst>
+                              <p:cond delay="0"/>
+                            </p:stCondLst>
+                            <p:childTnLst>
+                              <p:par>
+                                <p:cTn id="33" presetID="1" presetClass="entr" presetSubtype="0" fill="hold" grpId="0" nodeType="clickEffect">
+                                  <p:stCondLst>
+                                    <p:cond delay="0"/>
+                                  </p:stCondLst>
+                                  <p:childTnLst>
+                                    <p:set>
+                                      <p:cBhvr>
+                                        <p:cTn id="34" dur="1" fill="hold">
+                                          <p:stCondLst>
+                                            <p:cond delay="0"/>
+                                          </p:stCondLst>
+                                        </p:cTn>
+                                        <p:tgtEl>
+                                          <p:spTgt spid="5"/>
+                                        </p:tgtEl>
+                                        <p:attrNameLst>
+                                          <p:attrName>style.visibility</p:attrName>
+                                        </p:attrNameLst>
+                                      </p:cBhvr>
+                                      <p:to>
+                                        <p:strVal val="visible"/>
+                                      </p:to>
+                                    </p:set>
+                                  </p:childTnLst>
+                                </p:cTn>
+                              </p:par>
+                            </p:childTnLst>
+                          </p:cTn>
+                        </p:par>
+                      </p:childTnLst>
+                    </p:cTn>
+                  </p:par>
+                  <p:par>
+                    <p:cTn id="35" fill="hold">
+                      <p:stCondLst>
+                        <p:cond delay="indefinite"/>
+                      </p:stCondLst>
+                      <p:childTnLst>
+                        <p:par>
+                          <p:cTn id="36" fill="hold">
+                            <p:stCondLst>
+                              <p:cond delay="0"/>
+                            </p:stCondLst>
+                            <p:childTnLst>
+                              <p:par>
+                                <p:cTn id="37" presetID="1" presetClass="entr" presetSubtype="0" fill="hold" grpId="0" nodeType="clickEffect">
+                                  <p:stCondLst>
+                                    <p:cond delay="0"/>
+                                  </p:stCondLst>
+                                  <p:childTnLst>
+                                    <p:set>
+                                      <p:cBhvr>
+                                        <p:cTn id="38" dur="1" fill="hold">
+                                          <p:stCondLst>
+                                            <p:cond delay="0"/>
+                                          </p:stCondLst>
+                                        </p:cTn>
+                                        <p:tgtEl>
+                                          <p:spTgt spid="6"/>
+                                        </p:tgtEl>
+                                        <p:attrNameLst>
+                                          <p:attrName>style.visibility</p:attrName>
+                                        </p:attrNameLst>
+                                      </p:cBhvr>
+                                      <p:to>
+                                        <p:strVal val="visible"/>
+                                      </p:to>
+                                    </p:set>
+                                  </p:childTnLst>
+                                </p:cTn>
+                              </p:par>
+                            </p:childTnLst>
+                          </p:cTn>
+                        </p:par>
+                      </p:childTnLst>
+                    </p:cTn>
+                  </p:par>
+                </p:childTnLst>
+              </p:cTn>
+              <p:prevCondLst>
+                <p:cond evt="onPrev" delay="0">
+                  <p:tgtEl>
+                    <p:sldTgt/>
+                  </p:tgtEl>
+                </p:cond>
+              </p:prevCondLst>
+              <p:nextCondLst>
+                <p:cond evt="onNext" delay="0">
+                  <p:tgtEl>
+                    <p:sldTgt/>
+                  </p:tgtEl>
+                </p:cond>
+              </p:nextCondLst>
+            </p:seq>
+          </p:childTnLst>
+        </p:cTn>
+      </p:par>
+    </p:tnLst>
+    <p:bldLst>
+      <p:bldP spid="3" grpId="0"/>
+      <p:bldP spid="4" grpId="0"/>
+      <p:bldP spid="5" grpId="0"/>
+      <p:bldP spid="6" grpId="0"/>
+    </p:bldLst>
+  </p:timing>
+</p:sld>
+</file>
+
+<file path=ppt/slides/slide4.xml><?xml version="1.0" encoding="utf-8"?>
+<p:sld xmlns:a="http://schemas.openxmlformats.org/drawingml/2006/main" xmlns:r="http://schemas.openxmlformats.org/officeDocument/2006/relationships" xmlns:p="http://schemas.openxmlformats.org/presentationml/2006/main">
+  <p:cSld>
+    <p:spTree>
+      <p:nvGrpSpPr>
+        <p:cNvPr id="1" name=""/>
+        <p:cNvGrpSpPr/>
+        <p:nvPr/>
+      </p:nvGrpSpPr>
+      <p:grpSpPr>
+        <a:xfrm>
+          <a:off x="0" y="0"/>
+          <a:ext cx="0" cy="0"/>
+          <a:chOff x="0" y="0"/>
+          <a:chExt cx="0" cy="0"/>
+        </a:xfrm>
+      </p:grpSpPr>
+      <p:pic>
+        <p:nvPicPr>
+          <p:cNvPr id="2" name="Picture 2" descr="Ten of spades meaning in cartomancy – Latin.cards">
+            <a:extLst>
+              <a:ext uri="{FF2B5EF4-FFF2-40B4-BE49-F238E27FC236}">
+                <a16:creationId xmlns:a16="http://schemas.microsoft.com/office/drawing/2014/main" id="{AED47448-C288-44AD-890E-305040DAA16E}"/>
+              </a:ext>
+            </a:extLst>
+          </p:cNvPr>
+          <p:cNvPicPr>
+            <a:picLocks noChangeAspect="1" noChangeArrowheads="1"/>
+          </p:cNvPicPr>
+          <p:nvPr/>
+        </p:nvPicPr>
+        <p:blipFill>
+          <a:blip r:embed="rId2">
+            <a:extLst>
+              <a:ext uri="{28A0092B-C50C-407E-A947-70E740481C1C}">
+                <a14:useLocalDpi xmlns:a14="http://schemas.microsoft.com/office/drawing/2010/main" val="0"/>
+              </a:ext>
+            </a:extLst>
+          </a:blip>
+          <a:srcRect/>
+          <a:stretch>
+            <a:fillRect/>
+          </a:stretch>
+        </p:blipFill>
+        <p:spPr bwMode="auto">
+          <a:xfrm>
+            <a:off x="1093182" y="3521822"/>
+            <a:ext cx="1764348" cy="2564017"/>
+          </a:xfrm>
+          <a:prstGeom prst="rect">
+            <a:avLst/>
+          </a:prstGeom>
+          <a:noFill/>
+          <a:extLst>
+            <a:ext uri="{909E8E84-426E-40DD-AFC4-6F175D3DCCD1}">
+              <a14:hiddenFill xmlns:a14="http://schemas.microsoft.com/office/drawing/2010/main">
+                <a:solidFill>
+                  <a:srgbClr val="FFFFFF"/>
+                </a:solidFill>
+              </a14:hiddenFill>
+            </a:ext>
+          </a:extLst>
+        </p:spPr>
+      </p:pic>
+      <p:pic>
+        <p:nvPicPr>
+          <p:cNvPr id="3" name="Picture 10" descr="There's An Optical Illusion In The 8 Of Diamonds Making People ...">
+            <a:extLst>
+              <a:ext uri="{FF2B5EF4-FFF2-40B4-BE49-F238E27FC236}">
+                <a16:creationId xmlns:a16="http://schemas.microsoft.com/office/drawing/2014/main" id="{10F4494F-9220-4487-AA33-DAC0517266C0}"/>
+              </a:ext>
+            </a:extLst>
+          </p:cNvPr>
+          <p:cNvPicPr>
+            <a:picLocks noChangeAspect="1" noChangeArrowheads="1"/>
+          </p:cNvPicPr>
+          <p:nvPr/>
+        </p:nvPicPr>
+        <p:blipFill>
+          <a:blip r:embed="rId3">
+            <a:extLst>
+              <a:ext uri="{28A0092B-C50C-407E-A947-70E740481C1C}">
+                <a14:useLocalDpi xmlns:a14="http://schemas.microsoft.com/office/drawing/2010/main" val="0"/>
+              </a:ext>
+            </a:extLst>
+          </a:blip>
+          <a:srcRect/>
+          <a:stretch>
+            <a:fillRect/>
+          </a:stretch>
+        </p:blipFill>
+        <p:spPr bwMode="auto">
+          <a:xfrm>
+            <a:off x="3717955" y="3570333"/>
+            <a:ext cx="1764348" cy="2515506"/>
+          </a:xfrm>
+          <a:prstGeom prst="rect">
+            <a:avLst/>
+          </a:prstGeom>
+          <a:noFill/>
+          <a:extLst>
+            <a:ext uri="{909E8E84-426E-40DD-AFC4-6F175D3DCCD1}">
+              <a14:hiddenFill xmlns:a14="http://schemas.microsoft.com/office/drawing/2010/main">
+                <a:solidFill>
+                  <a:srgbClr val="FFFFFF"/>
+                </a:solidFill>
+              </a14:hiddenFill>
+            </a:ext>
+          </a:extLst>
+        </p:spPr>
+      </p:pic>
+      <p:sp>
+        <p:nvSpPr>
+          <p:cNvPr id="4" name="TextBox 3">
+            <a:extLst>
+              <a:ext uri="{FF2B5EF4-FFF2-40B4-BE49-F238E27FC236}">
+                <a16:creationId xmlns:a16="http://schemas.microsoft.com/office/drawing/2014/main" id="{C7670968-F9D7-45B3-92C1-82532812CCFD}"/>
+              </a:ext>
+            </a:extLst>
+          </p:cNvPr>
+          <p:cNvSpPr txBox="1"/>
+          <p:nvPr/>
+        </p:nvSpPr>
+        <p:spPr>
+          <a:xfrm>
+            <a:off x="8477249" y="3521822"/>
+            <a:ext cx="3819525" cy="369332"/>
+          </a:xfrm>
+          <a:prstGeom prst="rect">
+            <a:avLst/>
+          </a:prstGeom>
+          <a:noFill/>
+        </p:spPr>
+        <p:txBody>
+          <a:bodyPr wrap="square" rtlCol="0">
+            <a:spAutoFit/>
+          </a:bodyPr>
+          <a:lstStyle/>
+          <a:p>
+            <a:pPr marL="285750" indent="-285750">
+              <a:buFont typeface="Arial" panose="020B0604020202020204" pitchFamily="34" charset="0"/>
+              <a:buChar char="•"/>
+            </a:pPr>
+            <a:r>
+              <a:rPr lang="en-US" dirty="0"/>
+              <a:t>Sum of Cards = 18</a:t>
+            </a:r>
+          </a:p>
+        </p:txBody>
+      </p:sp>
+      <p:pic>
+        <p:nvPicPr>
+          <p:cNvPr id="5" name="Picture 6" descr="Playing Card Back - Red Art Print by slothuus | Society6">
+            <a:extLst>
+              <a:ext uri="{FF2B5EF4-FFF2-40B4-BE49-F238E27FC236}">
+                <a16:creationId xmlns:a16="http://schemas.microsoft.com/office/drawing/2014/main" id="{6CB79634-2297-489E-A208-92A60509C468}"/>
+              </a:ext>
+            </a:extLst>
+          </p:cNvPr>
+          <p:cNvPicPr>
+            <a:picLocks noChangeAspect="1" noChangeArrowheads="1"/>
+          </p:cNvPicPr>
+          <p:nvPr/>
+        </p:nvPicPr>
+        <p:blipFill>
+          <a:blip r:embed="rId4">
+            <a:extLst>
+              <a:ext uri="{28A0092B-C50C-407E-A947-70E740481C1C}">
+                <a14:useLocalDpi xmlns:a14="http://schemas.microsoft.com/office/drawing/2010/main" val="0"/>
+              </a:ext>
+            </a:extLst>
+          </a:blip>
+          <a:srcRect/>
+          <a:stretch>
+            <a:fillRect/>
+          </a:stretch>
+        </p:blipFill>
+        <p:spPr bwMode="auto">
+          <a:xfrm>
+            <a:off x="2453640" y="325120"/>
+            <a:ext cx="2651760" cy="2651760"/>
+          </a:xfrm>
+          <a:prstGeom prst="rect">
+            <a:avLst/>
+          </a:prstGeom>
+          <a:noFill/>
+          <a:extLst>
+            <a:ext uri="{909E8E84-426E-40DD-AFC4-6F175D3DCCD1}">
+              <a14:hiddenFill xmlns:a14="http://schemas.microsoft.com/office/drawing/2010/main">
+                <a:solidFill>
+                  <a:srgbClr val="FFFFFF"/>
+                </a:solidFill>
+              </a14:hiddenFill>
+            </a:ext>
+          </a:extLst>
+        </p:spPr>
+      </p:pic>
+      <p:pic>
+        <p:nvPicPr>
+          <p:cNvPr id="6" name="Picture 8">
+            <a:extLst>
+              <a:ext uri="{FF2B5EF4-FFF2-40B4-BE49-F238E27FC236}">
+                <a16:creationId xmlns:a16="http://schemas.microsoft.com/office/drawing/2014/main" id="{77494C9A-52DF-4A2A-B6BB-EE3D8284652C}"/>
+              </a:ext>
+            </a:extLst>
+          </p:cNvPr>
+          <p:cNvPicPr>
+            <a:picLocks noChangeAspect="1" noChangeArrowheads="1"/>
+          </p:cNvPicPr>
+          <p:nvPr/>
+        </p:nvPicPr>
+        <p:blipFill>
+          <a:blip r:embed="rId5">
+            <a:extLst>
+              <a:ext uri="{28A0092B-C50C-407E-A947-70E740481C1C}">
+                <a14:useLocalDpi xmlns:a14="http://schemas.microsoft.com/office/drawing/2010/main" val="0"/>
+              </a:ext>
+            </a:extLst>
+          </a:blip>
+          <a:srcRect/>
+          <a:stretch>
+            <a:fillRect/>
+          </a:stretch>
+        </p:blipFill>
+        <p:spPr bwMode="auto">
+          <a:xfrm>
+            <a:off x="5738495" y="405130"/>
+            <a:ext cx="1771650" cy="2571750"/>
+          </a:xfrm>
+          <a:prstGeom prst="rect">
+            <a:avLst/>
+          </a:prstGeom>
+          <a:noFill/>
+          <a:extLst>
+            <a:ext uri="{909E8E84-426E-40DD-AFC4-6F175D3DCCD1}">
+              <a14:hiddenFill xmlns:a14="http://schemas.microsoft.com/office/drawing/2010/main">
+                <a:solidFill>
+                  <a:srgbClr val="FFFFFF"/>
+                </a:solidFill>
+              </a14:hiddenFill>
+            </a:ext>
+          </a:extLst>
+        </p:spPr>
+      </p:pic>
+      <p:sp>
+        <p:nvSpPr>
+          <p:cNvPr id="7" name="TextBox 6">
+            <a:extLst>
+              <a:ext uri="{FF2B5EF4-FFF2-40B4-BE49-F238E27FC236}">
+                <a16:creationId xmlns:a16="http://schemas.microsoft.com/office/drawing/2014/main" id="{14146D62-F6A2-490E-BA67-513E7124C94D}"/>
+              </a:ext>
+            </a:extLst>
+          </p:cNvPr>
+          <p:cNvSpPr txBox="1"/>
+          <p:nvPr/>
+        </p:nvSpPr>
+        <p:spPr>
+          <a:xfrm>
+            <a:off x="8477249" y="4133850"/>
+            <a:ext cx="2488218" cy="1200329"/>
+          </a:xfrm>
+          <a:prstGeom prst="rect">
+            <a:avLst/>
+          </a:prstGeom>
+          <a:noFill/>
+        </p:spPr>
+        <p:txBody>
+          <a:bodyPr wrap="square" rtlCol="0">
+            <a:spAutoFit/>
+          </a:bodyPr>
+          <a:lstStyle/>
+          <a:p>
+            <a:pPr marL="285750" indent="-285750">
+              <a:buFont typeface="Arial" panose="020B0604020202020204" pitchFamily="34" charset="0"/>
+              <a:buChar char="•"/>
+            </a:pPr>
+            <a:r>
+              <a:rPr lang="en-US" dirty="0"/>
+              <a:t>Hit or stand at 18</a:t>
+            </a:r>
+          </a:p>
+          <a:p>
+            <a:pPr marL="285750" indent="-285750">
+              <a:buFont typeface="Arial" panose="020B0604020202020204" pitchFamily="34" charset="0"/>
+              <a:buChar char="•"/>
+            </a:pPr>
+            <a:r>
+              <a:rPr lang="en-US" dirty="0"/>
+              <a:t>25% chance total is under 22</a:t>
+            </a:r>
+          </a:p>
+          <a:p>
+            <a:pPr marL="285750" indent="-285750">
+              <a:buFont typeface="Arial" panose="020B0604020202020204" pitchFamily="34" charset="0"/>
+              <a:buChar char="•"/>
+            </a:pPr>
+            <a:r>
+              <a:rPr lang="en-US" dirty="0"/>
+              <a:t>I will stand</a:t>
+            </a:r>
+          </a:p>
+        </p:txBody>
+      </p:sp>
+      <p:pic>
+        <p:nvPicPr>
+          <p:cNvPr id="3074" name="Picture 2" descr="Seven of hearts meaning in cartomancy – Latin.cards">
+            <a:extLst>
+              <a:ext uri="{FF2B5EF4-FFF2-40B4-BE49-F238E27FC236}">
+                <a16:creationId xmlns:a16="http://schemas.microsoft.com/office/drawing/2014/main" id="{AE6306C8-0B86-45E3-98C5-675AFF371DA8}"/>
+              </a:ext>
+            </a:extLst>
+          </p:cNvPr>
+          <p:cNvPicPr>
+            <a:picLocks noChangeAspect="1" noChangeArrowheads="1"/>
+          </p:cNvPicPr>
+          <p:nvPr/>
+        </p:nvPicPr>
+        <p:blipFill>
+          <a:blip r:embed="rId6">
+            <a:extLst>
+              <a:ext uri="{28A0092B-C50C-407E-A947-70E740481C1C}">
+                <a14:useLocalDpi xmlns:a14="http://schemas.microsoft.com/office/drawing/2010/main" val="0"/>
+              </a:ext>
+            </a:extLst>
+          </a:blip>
+          <a:srcRect/>
+          <a:stretch>
+            <a:fillRect/>
+          </a:stretch>
+        </p:blipFill>
+        <p:spPr bwMode="auto">
+          <a:xfrm>
+            <a:off x="2958061" y="490855"/>
+            <a:ext cx="1651692" cy="2400300"/>
+          </a:xfrm>
+          <a:prstGeom prst="rect">
+            <a:avLst/>
+          </a:prstGeom>
+          <a:noFill/>
+          <a:extLst>
+            <a:ext uri="{909E8E84-426E-40DD-AFC4-6F175D3DCCD1}">
+              <a14:hiddenFill xmlns:a14="http://schemas.microsoft.com/office/drawing/2010/main">
+                <a:solidFill>
+                  <a:srgbClr val="FFFFFF"/>
+                </a:solidFill>
+              </a14:hiddenFill>
+            </a:ext>
+          </a:extLst>
+        </p:spPr>
+      </p:pic>
+      <p:sp>
+        <p:nvSpPr>
+          <p:cNvPr id="8" name="TextBox 7">
+            <a:extLst>
+              <a:ext uri="{FF2B5EF4-FFF2-40B4-BE49-F238E27FC236}">
+                <a16:creationId xmlns:a16="http://schemas.microsoft.com/office/drawing/2014/main" id="{20144979-7154-489B-A849-21ABA755099A}"/>
+              </a:ext>
+            </a:extLst>
+          </p:cNvPr>
+          <p:cNvSpPr txBox="1"/>
+          <p:nvPr/>
+        </p:nvSpPr>
+        <p:spPr>
+          <a:xfrm>
+            <a:off x="8591550" y="5610225"/>
+            <a:ext cx="2488218" cy="646331"/>
+          </a:xfrm>
+          <a:prstGeom prst="rect">
+            <a:avLst/>
+          </a:prstGeom>
+          <a:noFill/>
+        </p:spPr>
+        <p:txBody>
+          <a:bodyPr wrap="square" rtlCol="0">
+            <a:spAutoFit/>
+          </a:bodyPr>
+          <a:lstStyle/>
+          <a:p>
+            <a:pPr marL="285750" indent="-285750">
+              <a:buFont typeface="Arial" panose="020B0604020202020204" pitchFamily="34" charset="0"/>
+              <a:buChar char="•"/>
+            </a:pPr>
+            <a:r>
+              <a:rPr lang="en-US" dirty="0"/>
+              <a:t>Dealer will stand at 17</a:t>
+            </a:r>
+          </a:p>
+        </p:txBody>
+      </p:sp>
+      <p:sp>
+        <p:nvSpPr>
+          <p:cNvPr id="9" name="TextBox 8">
+            <a:extLst>
+              <a:ext uri="{FF2B5EF4-FFF2-40B4-BE49-F238E27FC236}">
+                <a16:creationId xmlns:a16="http://schemas.microsoft.com/office/drawing/2014/main" id="{79BA56A7-B1FA-444D-80C0-F4E2C3C01DFB}"/>
+              </a:ext>
+            </a:extLst>
+          </p:cNvPr>
+          <p:cNvSpPr txBox="1"/>
+          <p:nvPr/>
+        </p:nvSpPr>
+        <p:spPr>
+          <a:xfrm>
+            <a:off x="3528608" y="2480895"/>
+            <a:ext cx="4162425" cy="1323439"/>
+          </a:xfrm>
+          <a:prstGeom prst="rect">
+            <a:avLst/>
+          </a:prstGeom>
+          <a:noFill/>
+        </p:spPr>
+        <p:txBody>
+          <a:bodyPr wrap="square" rtlCol="0">
+            <a:spAutoFit/>
+          </a:bodyPr>
+          <a:lstStyle/>
+          <a:p>
+            <a:r>
+              <a:rPr lang="en-US" sz="8000" dirty="0">
+                <a:solidFill>
+                  <a:schemeClr val="bg1"/>
+                </a:solidFill>
+              </a:rPr>
+              <a:t>You Win</a:t>
+            </a:r>
+          </a:p>
+        </p:txBody>
+      </p:sp>
+    </p:spTree>
+    <p:extLst>
+      <p:ext uri="{BB962C8B-B14F-4D97-AF65-F5344CB8AC3E}">
+        <p14:creationId xmlns:p14="http://schemas.microsoft.com/office/powerpoint/2010/main" val="3059736325"/>
+      </p:ext>
+    </p:extLst>
+  </p:cSld>
+  <p:clrMapOvr>
+    <a:masterClrMapping/>
+  </p:clrMapOvr>
+  <p:timing>
+    <p:tnLst>
+      <p:par>
+        <p:cTn id="1" dur="indefinite" restart="never" nodeType="tmRoot">
+          <p:childTnLst>
+            <p:seq concurrent="1" nextAc="seek">
+              <p:cTn id="2" dur="indefinite" nodeType="mainSeq">
+                <p:childTnLst>
+                  <p:par>
+                    <p:cTn id="3" fill="hold">
+                      <p:stCondLst>
+                        <p:cond delay="indefinite"/>
+                      </p:stCondLst>
+                      <p:childTnLst>
+                        <p:par>
+                          <p:cTn id="4" fill="hold">
+                            <p:stCondLst>
+                              <p:cond delay="0"/>
+                            </p:stCondLst>
+                            <p:childTnLst>
+                              <p:par>
+                                <p:cTn id="5" presetID="1" presetClass="entr" presetSubtype="0" fill="hold" nodeType="clickEffect">
+                                  <p:stCondLst>
+                                    <p:cond delay="0"/>
+                                  </p:stCondLst>
+                                  <p:childTnLst>
+                                    <p:set>
+                                      <p:cBhvr>
+                                        <p:cTn id="6" dur="1" fill="hold">
+                                          <p:stCondLst>
+                                            <p:cond delay="0"/>
+                                          </p:stCondLst>
+                                        </p:cTn>
+                                        <p:tgtEl>
+                                          <p:spTgt spid="2"/>
+                                        </p:tgtEl>
+                                        <p:attrNameLst>
+                                          <p:attrName>style.visibility</p:attrName>
+                                        </p:attrNameLst>
+                                      </p:cBhvr>
+                                      <p:to>
+                                        <p:strVal val="visible"/>
+                                      </p:to>
+                                    </p:set>
+                                  </p:childTnLst>
+                                </p:cTn>
+                              </p:par>
+                            </p:childTnLst>
+                          </p:cTn>
+                        </p:par>
+                      </p:childTnLst>
+                    </p:cTn>
+                  </p:par>
+                  <p:par>
+                    <p:cTn id="7" fill="hold">
+                      <p:stCondLst>
+                        <p:cond delay="indefinite"/>
+                      </p:stCondLst>
+                      <p:childTnLst>
+                        <p:par>
+                          <p:cTn id="8" fill="hold">
+                            <p:stCondLst>
+                              <p:cond delay="0"/>
+                            </p:stCondLst>
+                            <p:childTnLst>
+                              <p:par>
+                                <p:cTn id="9" presetID="1" presetClass="entr" presetSubtype="0" fill="hold" nodeType="clickEffect">
+                                  <p:stCondLst>
+                                    <p:cond delay="0"/>
+                                  </p:stCondLst>
+                                  <p:childTnLst>
+                                    <p:set>
+                                      <p:cBhvr>
+                                        <p:cTn id="10" dur="1" fill="hold">
+                                          <p:stCondLst>
+                                            <p:cond delay="0"/>
+                                          </p:stCondLst>
+                                        </p:cTn>
+                                        <p:tgtEl>
+                                          <p:spTgt spid="3"/>
+                                        </p:tgtEl>
+                                        <p:attrNameLst>
+                                          <p:attrName>style.visibility</p:attrName>
+                                        </p:attrNameLst>
+                                      </p:cBhvr>
+                                      <p:to>
+                                        <p:strVal val="visible"/>
+                                      </p:to>
+                                    </p:set>
+                                  </p:childTnLst>
+                                </p:cTn>
+                              </p:par>
+                            </p:childTnLst>
+                          </p:cTn>
+                        </p:par>
+                      </p:childTnLst>
+                    </p:cTn>
+                  </p:par>
+                  <p:par>
+                    <p:cTn id="11" fill="hold">
+                      <p:stCondLst>
+                        <p:cond delay="indefinite"/>
+                      </p:stCondLst>
+                      <p:childTnLst>
+                        <p:par>
+                          <p:cTn id="12" fill="hold">
+                            <p:stCondLst>
+                              <p:cond delay="0"/>
+                            </p:stCondLst>
+                            <p:childTnLst>
+                              <p:par>
+                                <p:cTn id="13" presetID="1" presetClass="entr" presetSubtype="0" fill="hold" grpId="0" nodeType="clickEffect">
+                                  <p:stCondLst>
+                                    <p:cond delay="0"/>
+                                  </p:stCondLst>
+                                  <p:childTnLst>
+                                    <p:set>
+                                      <p:cBhvr>
+                                        <p:cTn id="14" dur="1" fill="hold">
+                                          <p:stCondLst>
+                                            <p:cond delay="0"/>
+                                          </p:stCondLst>
+                                        </p:cTn>
+                                        <p:tgtEl>
+                                          <p:spTgt spid="4"/>
+                                        </p:tgtEl>
+                                        <p:attrNameLst>
+                                          <p:attrName>style.visibility</p:attrName>
+                                        </p:attrNameLst>
+                                      </p:cBhvr>
+                                      <p:to>
+                                        <p:strVal val="visible"/>
+                                      </p:to>
+                                    </p:set>
+                                  </p:childTnLst>
+                                </p:cTn>
+                              </p:par>
+                            </p:childTnLst>
+                          </p:cTn>
+                        </p:par>
+                      </p:childTnLst>
+                    </p:cTn>
+                  </p:par>
+                  <p:par>
+                    <p:cTn id="15" fill="hold">
+                      <p:stCondLst>
+                        <p:cond delay="indefinite"/>
+                      </p:stCondLst>
+                      <p:childTnLst>
+                        <p:par>
+                          <p:cTn id="16" fill="hold">
+                            <p:stCondLst>
+                              <p:cond delay="0"/>
+                            </p:stCondLst>
+                            <p:childTnLst>
+                              <p:par>
+                                <p:cTn id="17" presetID="1" presetClass="entr" presetSubtype="0" fill="hold" nodeType="clickEffect">
+                                  <p:stCondLst>
+                                    <p:cond delay="0"/>
+                                  </p:stCondLst>
+                                  <p:childTnLst>
+                                    <p:set>
+                                      <p:cBhvr>
+                                        <p:cTn id="18" dur="1" fill="hold">
+                                          <p:stCondLst>
+                                            <p:cond delay="0"/>
+                                          </p:stCondLst>
+                                        </p:cTn>
+                                        <p:tgtEl>
+                                          <p:spTgt spid="5"/>
+                                        </p:tgtEl>
+                                        <p:attrNameLst>
+                                          <p:attrName>style.visibility</p:attrName>
+                                        </p:attrNameLst>
+                                      </p:cBhvr>
+                                      <p:to>
+                                        <p:strVal val="visible"/>
+                                      </p:to>
+                                    </p:set>
+                                  </p:childTnLst>
+                                </p:cTn>
+                              </p:par>
+                            </p:childTnLst>
+                          </p:cTn>
+                        </p:par>
+                      </p:childTnLst>
+                    </p:cTn>
+                  </p:par>
+                  <p:par>
+                    <p:cTn id="19" fill="hold">
+                      <p:stCondLst>
+                        <p:cond delay="indefinite"/>
+                      </p:stCondLst>
+                      <p:childTnLst>
+                        <p:par>
+                          <p:cTn id="20" fill="hold">
+                            <p:stCondLst>
+                              <p:cond delay="0"/>
+                            </p:stCondLst>
+                            <p:childTnLst>
+                              <p:par>
+                                <p:cTn id="21" presetID="1" presetClass="entr" presetSubtype="0" fill="hold" nodeType="clickEffect">
+                                  <p:stCondLst>
+                                    <p:cond delay="0"/>
+                                  </p:stCondLst>
+                                  <p:childTnLst>
+                                    <p:set>
+                                      <p:cBhvr>
+                                        <p:cTn id="22" dur="1" fill="hold">
+                                          <p:stCondLst>
+                                            <p:cond delay="0"/>
+                                          </p:stCondLst>
+                                        </p:cTn>
+                                        <p:tgtEl>
+                                          <p:spTgt spid="6"/>
+                                        </p:tgtEl>
+                                        <p:attrNameLst>
+                                          <p:attrName>style.visibility</p:attrName>
+                                        </p:attrNameLst>
+                                      </p:cBhvr>
+                                      <p:to>
+                                        <p:strVal val="visible"/>
+                                      </p:to>
+                                    </p:set>
+                                  </p:childTnLst>
+                                </p:cTn>
+                              </p:par>
+                            </p:childTnLst>
+                          </p:cTn>
+                        </p:par>
+                      </p:childTnLst>
+                    </p:cTn>
+                  </p:par>
+                  <p:par>
+                    <p:cTn id="23" fill="hold">
+                      <p:stCondLst>
+                        <p:cond delay="indefinite"/>
+                      </p:stCondLst>
+                      <p:childTnLst>
+                        <p:par>
+                          <p:cTn id="24" fill="hold">
+                            <p:stCondLst>
+                              <p:cond delay="0"/>
+                            </p:stCondLst>
+                            <p:childTnLst>
+                              <p:par>
+                                <p:cTn id="25" presetID="1" presetClass="entr" presetSubtype="0" fill="hold" grpId="0" nodeType="clickEffect">
+                                  <p:stCondLst>
+                                    <p:cond delay="0"/>
+                                  </p:stCondLst>
+                                  <p:childTnLst>
+                                    <p:set>
+                                      <p:cBhvr>
+                                        <p:cTn id="26" dur="1" fill="hold">
+                                          <p:stCondLst>
+                                            <p:cond delay="0"/>
+                                          </p:stCondLst>
+                                        </p:cTn>
+                                        <p:tgtEl>
+                                          <p:spTgt spid="7"/>
+                                        </p:tgtEl>
+                                        <p:attrNameLst>
+                                          <p:attrName>style.visibility</p:attrName>
+                                        </p:attrNameLst>
+                                      </p:cBhvr>
+                                      <p:to>
+                                        <p:strVal val="visible"/>
+                                      </p:to>
+                                    </p:set>
+                                  </p:childTnLst>
+                                </p:cTn>
+                              </p:par>
+                            </p:childTnLst>
+                          </p:cTn>
+                        </p:par>
+                      </p:childTnLst>
+                    </p:cTn>
+                  </p:par>
+                  <p:par>
+                    <p:cTn id="27" fill="hold">
+                      <p:stCondLst>
+                        <p:cond delay="indefinite"/>
+                      </p:stCondLst>
+                      <p:childTnLst>
+                        <p:par>
+                          <p:cTn id="28" fill="hold">
+                            <p:stCondLst>
+                              <p:cond delay="0"/>
+                            </p:stCondLst>
+                            <p:childTnLst>
+                              <p:par>
+                                <p:cTn id="29" presetID="10" presetClass="entr" presetSubtype="0" fill="hold" nodeType="clickEffect">
+                                  <p:stCondLst>
+                                    <p:cond delay="0"/>
+                                  </p:stCondLst>
+                                  <p:childTnLst>
+                                    <p:set>
+                                      <p:cBhvr>
+                                        <p:cTn id="30" dur="1" fill="hold">
+                                          <p:stCondLst>
+                                            <p:cond delay="0"/>
+                                          </p:stCondLst>
+                                        </p:cTn>
+                                        <p:tgtEl>
+                                          <p:spTgt spid="5"/>
+                                        </p:tgtEl>
+                                        <p:attrNameLst>
+                                          <p:attrName>style.visibility</p:attrName>
+                                        </p:attrNameLst>
+                                      </p:cBhvr>
+                                      <p:to>
+                                        <p:strVal val="visible"/>
+                                      </p:to>
+                                    </p:set>
+                                    <p:animEffect transition="in" filter="fade">
+                                      <p:cBhvr>
+                                        <p:cTn id="31" dur="500"/>
+                                        <p:tgtEl>
+                                          <p:spTgt spid="5"/>
+                                        </p:tgtEl>
+                                      </p:cBhvr>
+                                    </p:animEffect>
+                                  </p:childTnLst>
+                                </p:cTn>
+                              </p:par>
+                            </p:childTnLst>
+                          </p:cTn>
+                        </p:par>
+                      </p:childTnLst>
+                    </p:cTn>
+                  </p:par>
+                  <p:par>
+                    <p:cTn id="32" fill="hold">
+                      <p:stCondLst>
+                        <p:cond delay="indefinite"/>
+                      </p:stCondLst>
+                      <p:childTnLst>
+                        <p:par>
+                          <p:cTn id="33" fill="hold">
+                            <p:stCondLst>
+                              <p:cond delay="0"/>
+                            </p:stCondLst>
+                            <p:childTnLst>
+                              <p:par>
+                                <p:cTn id="34" presetID="1" presetClass="entr" presetSubtype="0" fill="hold" nodeType="clickEffect">
+                                  <p:stCondLst>
+                                    <p:cond delay="0"/>
+                                  </p:stCondLst>
+                                  <p:childTnLst>
+                                    <p:set>
+                                      <p:cBhvr>
+                                        <p:cTn id="35" dur="1" fill="hold">
+                                          <p:stCondLst>
+                                            <p:cond delay="0"/>
+                                          </p:stCondLst>
+                                        </p:cTn>
+                                        <p:tgtEl>
+                                          <p:spTgt spid="3074"/>
+                                        </p:tgtEl>
+                                        <p:attrNameLst>
+                                          <p:attrName>style.visibility</p:attrName>
+                                        </p:attrNameLst>
+                                      </p:cBhvr>
+                                      <p:to>
+                                        <p:strVal val="visible"/>
+                                      </p:to>
+                                    </p:set>
+                                  </p:childTnLst>
+                                </p:cTn>
+                              </p:par>
+                            </p:childTnLst>
+                          </p:cTn>
+                        </p:par>
+                      </p:childTnLst>
+                    </p:cTn>
+                  </p:par>
+                  <p:par>
+                    <p:cTn id="36" fill="hold">
+                      <p:stCondLst>
+                        <p:cond delay="indefinite"/>
+                      </p:stCondLst>
+                      <p:childTnLst>
+                        <p:par>
+                          <p:cTn id="37" fill="hold">
+                            <p:stCondLst>
+                              <p:cond delay="0"/>
+                            </p:stCondLst>
+                            <p:childTnLst>
+                              <p:par>
+                                <p:cTn id="38" presetID="1" presetClass="entr" presetSubtype="0" fill="hold" grpId="0" nodeType="clickEffect">
+                                  <p:stCondLst>
+                                    <p:cond delay="0"/>
+                                  </p:stCondLst>
+                                  <p:childTnLst>
+                                    <p:set>
+                                      <p:cBhvr>
+                                        <p:cTn id="39" dur="1" fill="hold">
+                                          <p:stCondLst>
+                                            <p:cond delay="0"/>
+                                          </p:stCondLst>
+                                        </p:cTn>
+                                        <p:tgtEl>
+                                          <p:spTgt spid="8"/>
+                                        </p:tgtEl>
+                                        <p:attrNameLst>
+                                          <p:attrName>style.visibility</p:attrName>
+                                        </p:attrNameLst>
+                                      </p:cBhvr>
+                                      <p:to>
+                                        <p:strVal val="visible"/>
+                                      </p:to>
+                                    </p:set>
+                                  </p:childTnLst>
+                                </p:cTn>
+                              </p:par>
+                            </p:childTnLst>
+                          </p:cTn>
+                        </p:par>
+                      </p:childTnLst>
+                    </p:cTn>
+                  </p:par>
+                  <p:par>
+                    <p:cTn id="40" fill="hold">
+                      <p:stCondLst>
+                        <p:cond delay="indefinite"/>
+                      </p:stCondLst>
+                      <p:childTnLst>
+                        <p:par>
+                          <p:cTn id="41" fill="hold">
+                            <p:stCondLst>
+                              <p:cond delay="0"/>
+                            </p:stCondLst>
+                            <p:childTnLst>
+                              <p:par>
+                                <p:cTn id="42" presetID="1" presetClass="entr" presetSubtype="0" fill="hold" grpId="0" nodeType="clickEffect">
+                                  <p:stCondLst>
+                                    <p:cond delay="0"/>
+                                  </p:stCondLst>
+                                  <p:childTnLst>
+                                    <p:set>
+                                      <p:cBhvr>
+                                        <p:cTn id="43" dur="1" fill="hold">
+                                          <p:stCondLst>
+                                            <p:cond delay="0"/>
+                                          </p:stCondLst>
+                                        </p:cTn>
+                                        <p:tgtEl>
+                                          <p:spTgt spid="9"/>
+                                        </p:tgtEl>
+                                        <p:attrNameLst>
+                                          <p:attrName>style.visibility</p:attrName>
+                                        </p:attrNameLst>
+                                      </p:cBhvr>
+                                      <p:to>
+                                        <p:strVal val="visible"/>
+                                      </p:to>
+                                    </p:set>
+                                  </p:childTnLst>
+                                </p:cTn>
+                              </p:par>
+                            </p:childTnLst>
+                          </p:cTn>
+                        </p:par>
+                      </p:childTnLst>
+                    </p:cTn>
+                  </p:par>
+                </p:childTnLst>
+              </p:cTn>
+              <p:prevCondLst>
+                <p:cond evt="onPrev" delay="0">
+                  <p:tgtEl>
+                    <p:sldTgt/>
+                  </p:tgtEl>
+                </p:cond>
+              </p:prevCondLst>
+              <p:nextCondLst>
+                <p:cond evt="onNext" delay="0">
+                  <p:tgtEl>
+                    <p:sldTgt/>
+                  </p:tgtEl>
+                </p:cond>
+              </p:nextCondLst>
+            </p:seq>
+          </p:childTnLst>
+        </p:cTn>
+      </p:par>
+    </p:tnLst>
+    <p:bldLst>
+      <p:bldP spid="4" grpId="0"/>
+      <p:bldP spid="7" grpId="0"/>
+      <p:bldP spid="8" grpId="0"/>
+      <p:bldP spid="9" grpId="0"/>
+    </p:bldLst>
+  </p:timing>
+</p:sld>
+</file>
+
+<file path=ppt/slides/slide5.xml><?xml version="1.0" encoding="utf-8"?>
 <p:sld xmlns:a="http://schemas.openxmlformats.org/drawingml/2006/main" xmlns:r="http://schemas.openxmlformats.org/officeDocument/2006/relationships" xmlns:p="http://schemas.openxmlformats.org/presentationml/2006/main">
   <p:cSld>
     <p:bg>
@@ -6341,18 +12575,6 @@
               <a:t>1 or 10: count -=1</a:t>
             </a:r>
           </a:p>
-          <a:p>
-            <a:r>
-              <a:rPr lang="en-US" dirty="0"/>
-              <a:t>The higher the count the greater the chance of a high card being dealt</a:t>
-            </a:r>
-          </a:p>
-          <a:p>
-            <a:r>
-              <a:rPr lang="en-US" dirty="0"/>
-              <a:t>The higher the count the more you bet</a:t>
-            </a:r>
-          </a:p>
         </p:txBody>
       </p:sp>
     </p:spTree>
@@ -6368,7 +12590,865 @@
 </p:sld>
 </file>
 
-<file path=ppt/slides/slide4.xml><?xml version="1.0" encoding="utf-8"?>
+<file path=ppt/slides/slide6.xml><?xml version="1.0" encoding="utf-8"?>
+<p:sld xmlns:a="http://schemas.openxmlformats.org/drawingml/2006/main" xmlns:r="http://schemas.openxmlformats.org/officeDocument/2006/relationships" xmlns:p="http://schemas.openxmlformats.org/presentationml/2006/main">
+  <p:cSld>
+    <p:spTree>
+      <p:nvGrpSpPr>
+        <p:cNvPr id="1" name=""/>
+        <p:cNvGrpSpPr/>
+        <p:nvPr/>
+      </p:nvGrpSpPr>
+      <p:grpSpPr>
+        <a:xfrm>
+          <a:off x="0" y="0"/>
+          <a:ext cx="0" cy="0"/>
+          <a:chOff x="0" y="0"/>
+          <a:chExt cx="0" cy="0"/>
+        </a:xfrm>
+      </p:grpSpPr>
+      <p:pic>
+        <p:nvPicPr>
+          <p:cNvPr id="2" name="Picture 2" descr="Seven of hearts meaning in cartomancy – Latin.cards">
+            <a:extLst>
+              <a:ext uri="{FF2B5EF4-FFF2-40B4-BE49-F238E27FC236}">
+                <a16:creationId xmlns:a16="http://schemas.microsoft.com/office/drawing/2014/main" id="{602C7757-8C35-4748-85F0-872F00564FF2}"/>
+              </a:ext>
+            </a:extLst>
+          </p:cNvPr>
+          <p:cNvPicPr>
+            <a:picLocks noChangeAspect="1" noChangeArrowheads="1"/>
+          </p:cNvPicPr>
+          <p:nvPr/>
+        </p:nvPicPr>
+        <p:blipFill>
+          <a:blip r:embed="rId2">
+            <a:extLst>
+              <a:ext uri="{28A0092B-C50C-407E-A947-70E740481C1C}">
+                <a14:useLocalDpi xmlns:a14="http://schemas.microsoft.com/office/drawing/2010/main" val="0"/>
+              </a:ext>
+            </a:extLst>
+          </a:blip>
+          <a:srcRect/>
+          <a:stretch>
+            <a:fillRect/>
+          </a:stretch>
+        </p:blipFill>
+        <p:spPr bwMode="auto">
+          <a:xfrm>
+            <a:off x="1176886" y="3786505"/>
+            <a:ext cx="1651692" cy="2400300"/>
+          </a:xfrm>
+          <a:prstGeom prst="rect">
+            <a:avLst/>
+          </a:prstGeom>
+          <a:noFill/>
+          <a:extLst>
+            <a:ext uri="{909E8E84-426E-40DD-AFC4-6F175D3DCCD1}">
+              <a14:hiddenFill xmlns:a14="http://schemas.microsoft.com/office/drawing/2010/main">
+                <a:solidFill>
+                  <a:srgbClr val="FFFFFF"/>
+                </a:solidFill>
+              </a14:hiddenFill>
+            </a:ext>
+          </a:extLst>
+        </p:spPr>
+      </p:pic>
+      <p:pic>
+        <p:nvPicPr>
+          <p:cNvPr id="3" name="Picture 4">
+            <a:extLst>
+              <a:ext uri="{FF2B5EF4-FFF2-40B4-BE49-F238E27FC236}">
+                <a16:creationId xmlns:a16="http://schemas.microsoft.com/office/drawing/2014/main" id="{012677F9-9DD4-40DF-83F4-DDA65DC25815}"/>
+              </a:ext>
+            </a:extLst>
+          </p:cNvPr>
+          <p:cNvPicPr>
+            <a:picLocks noChangeAspect="1" noChangeArrowheads="1"/>
+          </p:cNvPicPr>
+          <p:nvPr/>
+        </p:nvPicPr>
+        <p:blipFill>
+          <a:blip r:embed="rId3">
+            <a:extLst>
+              <a:ext uri="{28A0092B-C50C-407E-A947-70E740481C1C}">
+                <a14:useLocalDpi xmlns:a14="http://schemas.microsoft.com/office/drawing/2010/main" val="0"/>
+              </a:ext>
+            </a:extLst>
+          </a:blip>
+          <a:srcRect/>
+          <a:stretch>
+            <a:fillRect/>
+          </a:stretch>
+        </p:blipFill>
+        <p:spPr bwMode="auto">
+          <a:xfrm>
+            <a:off x="4521200" y="3844806"/>
+            <a:ext cx="1574800" cy="2283698"/>
+          </a:xfrm>
+          <a:prstGeom prst="rect">
+            <a:avLst/>
+          </a:prstGeom>
+          <a:noFill/>
+          <a:extLst>
+            <a:ext uri="{909E8E84-426E-40DD-AFC4-6F175D3DCCD1}">
+              <a14:hiddenFill xmlns:a14="http://schemas.microsoft.com/office/drawing/2010/main">
+                <a:solidFill>
+                  <a:srgbClr val="FFFFFF"/>
+                </a:solidFill>
+              </a14:hiddenFill>
+            </a:ext>
+          </a:extLst>
+        </p:spPr>
+      </p:pic>
+      <p:pic>
+        <p:nvPicPr>
+          <p:cNvPr id="4" name="Picture 6" descr="Playing Card Back - Red Art Print by slothuus | Society6">
+            <a:extLst>
+              <a:ext uri="{FF2B5EF4-FFF2-40B4-BE49-F238E27FC236}">
+                <a16:creationId xmlns:a16="http://schemas.microsoft.com/office/drawing/2014/main" id="{7717B493-821B-499E-AD64-2B4B1A120041}"/>
+              </a:ext>
+            </a:extLst>
+          </p:cNvPr>
+          <p:cNvPicPr>
+            <a:picLocks noChangeAspect="1" noChangeArrowheads="1"/>
+          </p:cNvPicPr>
+          <p:nvPr/>
+        </p:nvPicPr>
+        <p:blipFill>
+          <a:blip r:embed="rId4">
+            <a:extLst>
+              <a:ext uri="{28A0092B-C50C-407E-A947-70E740481C1C}">
+                <a14:useLocalDpi xmlns:a14="http://schemas.microsoft.com/office/drawing/2010/main" val="0"/>
+              </a:ext>
+            </a:extLst>
+          </a:blip>
+          <a:srcRect/>
+          <a:stretch>
+            <a:fillRect/>
+          </a:stretch>
+        </p:blipFill>
+        <p:spPr bwMode="auto">
+          <a:xfrm>
+            <a:off x="2453640" y="325120"/>
+            <a:ext cx="2651760" cy="2651760"/>
+          </a:xfrm>
+          <a:prstGeom prst="rect">
+            <a:avLst/>
+          </a:prstGeom>
+          <a:noFill/>
+          <a:extLst>
+            <a:ext uri="{909E8E84-426E-40DD-AFC4-6F175D3DCCD1}">
+              <a14:hiddenFill xmlns:a14="http://schemas.microsoft.com/office/drawing/2010/main">
+                <a:solidFill>
+                  <a:srgbClr val="FFFFFF"/>
+                </a:solidFill>
+              </a14:hiddenFill>
+            </a:ext>
+          </a:extLst>
+        </p:spPr>
+      </p:pic>
+      <p:pic>
+        <p:nvPicPr>
+          <p:cNvPr id="4098" name="Picture 2">
+            <a:extLst>
+              <a:ext uri="{FF2B5EF4-FFF2-40B4-BE49-F238E27FC236}">
+                <a16:creationId xmlns:a16="http://schemas.microsoft.com/office/drawing/2014/main" id="{20031F5D-C634-4F93-8E47-2C0A1816E301}"/>
+              </a:ext>
+            </a:extLst>
+          </p:cNvPr>
+          <p:cNvPicPr>
+            <a:picLocks noChangeAspect="1" noChangeArrowheads="1"/>
+          </p:cNvPicPr>
+          <p:nvPr/>
+        </p:nvPicPr>
+        <p:blipFill>
+          <a:blip r:embed="rId5">
+            <a:extLst>
+              <a:ext uri="{28A0092B-C50C-407E-A947-70E740481C1C}">
+                <a14:useLocalDpi xmlns:a14="http://schemas.microsoft.com/office/drawing/2010/main" val="0"/>
+              </a:ext>
+            </a:extLst>
+          </a:blip>
+          <a:srcRect/>
+          <a:stretch>
+            <a:fillRect/>
+          </a:stretch>
+        </p:blipFill>
+        <p:spPr bwMode="auto">
+          <a:xfrm>
+            <a:off x="6646863" y="357505"/>
+            <a:ext cx="1743075" cy="2619375"/>
+          </a:xfrm>
+          <a:prstGeom prst="rect">
+            <a:avLst/>
+          </a:prstGeom>
+          <a:noFill/>
+          <a:extLst>
+            <a:ext uri="{909E8E84-426E-40DD-AFC4-6F175D3DCCD1}">
+              <a14:hiddenFill xmlns:a14="http://schemas.microsoft.com/office/drawing/2010/main">
+                <a:solidFill>
+                  <a:srgbClr val="FFFFFF"/>
+                </a:solidFill>
+              </a14:hiddenFill>
+            </a:ext>
+          </a:extLst>
+        </p:spPr>
+      </p:pic>
+      <p:sp>
+        <p:nvSpPr>
+          <p:cNvPr id="5" name="TextBox 4">
+            <a:extLst>
+              <a:ext uri="{FF2B5EF4-FFF2-40B4-BE49-F238E27FC236}">
+                <a16:creationId xmlns:a16="http://schemas.microsoft.com/office/drawing/2014/main" id="{B9D71FE4-C2CF-4CA9-B7BF-D4E66AD04CD0}"/>
+              </a:ext>
+            </a:extLst>
+          </p:cNvPr>
+          <p:cNvSpPr txBox="1"/>
+          <p:nvPr/>
+        </p:nvSpPr>
+        <p:spPr>
+          <a:xfrm>
+            <a:off x="2936240" y="4368800"/>
+            <a:ext cx="1463040" cy="369332"/>
+          </a:xfrm>
+          <a:prstGeom prst="rect">
+            <a:avLst/>
+          </a:prstGeom>
+          <a:noFill/>
+        </p:spPr>
+        <p:txBody>
+          <a:bodyPr wrap="square" rtlCol="0">
+            <a:spAutoFit/>
+          </a:bodyPr>
+          <a:lstStyle/>
+          <a:p>
+            <a:r>
+              <a:rPr lang="en-US" dirty="0"/>
+              <a:t>Count = 0</a:t>
+            </a:r>
+          </a:p>
+        </p:txBody>
+      </p:sp>
+      <p:sp>
+        <p:nvSpPr>
+          <p:cNvPr id="8" name="TextBox 7">
+            <a:extLst>
+              <a:ext uri="{FF2B5EF4-FFF2-40B4-BE49-F238E27FC236}">
+                <a16:creationId xmlns:a16="http://schemas.microsoft.com/office/drawing/2014/main" id="{140273DB-7CFE-4E8E-B155-8A1DE929ADB6}"/>
+              </a:ext>
+            </a:extLst>
+          </p:cNvPr>
+          <p:cNvSpPr txBox="1"/>
+          <p:nvPr/>
+        </p:nvSpPr>
+        <p:spPr>
+          <a:xfrm>
+            <a:off x="6646863" y="4368800"/>
+            <a:ext cx="1463040" cy="369332"/>
+          </a:xfrm>
+          <a:prstGeom prst="rect">
+            <a:avLst/>
+          </a:prstGeom>
+          <a:noFill/>
+        </p:spPr>
+        <p:txBody>
+          <a:bodyPr wrap="square" rtlCol="0">
+            <a:spAutoFit/>
+          </a:bodyPr>
+          <a:lstStyle/>
+          <a:p>
+            <a:r>
+              <a:rPr lang="en-US" dirty="0"/>
+              <a:t>Count += 1</a:t>
+            </a:r>
+          </a:p>
+        </p:txBody>
+      </p:sp>
+      <p:sp>
+        <p:nvSpPr>
+          <p:cNvPr id="9" name="TextBox 8">
+            <a:extLst>
+              <a:ext uri="{FF2B5EF4-FFF2-40B4-BE49-F238E27FC236}">
+                <a16:creationId xmlns:a16="http://schemas.microsoft.com/office/drawing/2014/main" id="{0446AE6B-4F8A-47DE-B561-7158F89C5D76}"/>
+              </a:ext>
+            </a:extLst>
+          </p:cNvPr>
+          <p:cNvSpPr txBox="1"/>
+          <p:nvPr/>
+        </p:nvSpPr>
+        <p:spPr>
+          <a:xfrm>
+            <a:off x="8859520" y="1466334"/>
+            <a:ext cx="1463040" cy="369332"/>
+          </a:xfrm>
+          <a:prstGeom prst="rect">
+            <a:avLst/>
+          </a:prstGeom>
+          <a:noFill/>
+        </p:spPr>
+        <p:txBody>
+          <a:bodyPr wrap="square" rtlCol="0">
+            <a:spAutoFit/>
+          </a:bodyPr>
+          <a:lstStyle/>
+          <a:p>
+            <a:r>
+              <a:rPr lang="en-US" dirty="0"/>
+              <a:t>Count += 1</a:t>
+            </a:r>
+          </a:p>
+        </p:txBody>
+      </p:sp>
+      <p:sp>
+        <p:nvSpPr>
+          <p:cNvPr id="10" name="TextBox 9">
+            <a:extLst>
+              <a:ext uri="{FF2B5EF4-FFF2-40B4-BE49-F238E27FC236}">
+                <a16:creationId xmlns:a16="http://schemas.microsoft.com/office/drawing/2014/main" id="{EF708CE5-9845-4DC4-81EE-2D85CCA0744A}"/>
+              </a:ext>
+            </a:extLst>
+          </p:cNvPr>
+          <p:cNvSpPr txBox="1"/>
+          <p:nvPr/>
+        </p:nvSpPr>
+        <p:spPr>
+          <a:xfrm>
+            <a:off x="9552074" y="4184134"/>
+            <a:ext cx="1463040" cy="369332"/>
+          </a:xfrm>
+          <a:prstGeom prst="rect">
+            <a:avLst/>
+          </a:prstGeom>
+          <a:noFill/>
+        </p:spPr>
+        <p:txBody>
+          <a:bodyPr wrap="square" rtlCol="0">
+            <a:spAutoFit/>
+          </a:bodyPr>
+          <a:lstStyle/>
+          <a:p>
+            <a:r>
+              <a:rPr lang="en-US" dirty="0"/>
+              <a:t>Count = 2</a:t>
+            </a:r>
+          </a:p>
+        </p:txBody>
+      </p:sp>
+    </p:spTree>
+    <p:extLst>
+      <p:ext uri="{BB962C8B-B14F-4D97-AF65-F5344CB8AC3E}">
+        <p14:creationId xmlns:p14="http://schemas.microsoft.com/office/powerpoint/2010/main" val="1142088526"/>
+      </p:ext>
+    </p:extLst>
+  </p:cSld>
+  <p:clrMapOvr>
+    <a:masterClrMapping/>
+  </p:clrMapOvr>
+  <p:timing>
+    <p:tnLst>
+      <p:par>
+        <p:cTn id="1" dur="indefinite" restart="never" nodeType="tmRoot">
+          <p:childTnLst>
+            <p:seq concurrent="1" nextAc="seek">
+              <p:cTn id="2" dur="indefinite" nodeType="mainSeq">
+                <p:childTnLst>
+                  <p:par>
+                    <p:cTn id="3" fill="hold">
+                      <p:stCondLst>
+                        <p:cond delay="indefinite"/>
+                      </p:stCondLst>
+                      <p:childTnLst>
+                        <p:par>
+                          <p:cTn id="4" fill="hold">
+                            <p:stCondLst>
+                              <p:cond delay="0"/>
+                            </p:stCondLst>
+                            <p:childTnLst>
+                              <p:par>
+                                <p:cTn id="5" presetID="1" presetClass="entr" presetSubtype="0" fill="hold" nodeType="clickEffect">
+                                  <p:stCondLst>
+                                    <p:cond delay="0"/>
+                                  </p:stCondLst>
+                                  <p:childTnLst>
+                                    <p:set>
+                                      <p:cBhvr>
+                                        <p:cTn id="6" dur="1" fill="hold">
+                                          <p:stCondLst>
+                                            <p:cond delay="0"/>
+                                          </p:stCondLst>
+                                        </p:cTn>
+                                        <p:tgtEl>
+                                          <p:spTgt spid="2"/>
+                                        </p:tgtEl>
+                                        <p:attrNameLst>
+                                          <p:attrName>style.visibility</p:attrName>
+                                        </p:attrNameLst>
+                                      </p:cBhvr>
+                                      <p:to>
+                                        <p:strVal val="visible"/>
+                                      </p:to>
+                                    </p:set>
+                                  </p:childTnLst>
+                                </p:cTn>
+                              </p:par>
+                            </p:childTnLst>
+                          </p:cTn>
+                        </p:par>
+                      </p:childTnLst>
+                    </p:cTn>
+                  </p:par>
+                  <p:par>
+                    <p:cTn id="7" fill="hold">
+                      <p:stCondLst>
+                        <p:cond delay="indefinite"/>
+                      </p:stCondLst>
+                      <p:childTnLst>
+                        <p:par>
+                          <p:cTn id="8" fill="hold">
+                            <p:stCondLst>
+                              <p:cond delay="0"/>
+                            </p:stCondLst>
+                            <p:childTnLst>
+                              <p:par>
+                                <p:cTn id="9" presetID="1" presetClass="entr" presetSubtype="0" fill="hold" grpId="0" nodeType="clickEffect">
+                                  <p:stCondLst>
+                                    <p:cond delay="0"/>
+                                  </p:stCondLst>
+                                  <p:childTnLst>
+                                    <p:set>
+                                      <p:cBhvr>
+                                        <p:cTn id="10" dur="1" fill="hold">
+                                          <p:stCondLst>
+                                            <p:cond delay="0"/>
+                                          </p:stCondLst>
+                                        </p:cTn>
+                                        <p:tgtEl>
+                                          <p:spTgt spid="5"/>
+                                        </p:tgtEl>
+                                        <p:attrNameLst>
+                                          <p:attrName>style.visibility</p:attrName>
+                                        </p:attrNameLst>
+                                      </p:cBhvr>
+                                      <p:to>
+                                        <p:strVal val="visible"/>
+                                      </p:to>
+                                    </p:set>
+                                  </p:childTnLst>
+                                </p:cTn>
+                              </p:par>
+                            </p:childTnLst>
+                          </p:cTn>
+                        </p:par>
+                      </p:childTnLst>
+                    </p:cTn>
+                  </p:par>
+                  <p:par>
+                    <p:cTn id="11" fill="hold">
+                      <p:stCondLst>
+                        <p:cond delay="indefinite"/>
+                      </p:stCondLst>
+                      <p:childTnLst>
+                        <p:par>
+                          <p:cTn id="12" fill="hold">
+                            <p:stCondLst>
+                              <p:cond delay="0"/>
+                            </p:stCondLst>
+                            <p:childTnLst>
+                              <p:par>
+                                <p:cTn id="13" presetID="1" presetClass="entr" presetSubtype="0" fill="hold" nodeType="clickEffect">
+                                  <p:stCondLst>
+                                    <p:cond delay="0"/>
+                                  </p:stCondLst>
+                                  <p:childTnLst>
+                                    <p:set>
+                                      <p:cBhvr>
+                                        <p:cTn id="14" dur="1" fill="hold">
+                                          <p:stCondLst>
+                                            <p:cond delay="0"/>
+                                          </p:stCondLst>
+                                        </p:cTn>
+                                        <p:tgtEl>
+                                          <p:spTgt spid="3"/>
+                                        </p:tgtEl>
+                                        <p:attrNameLst>
+                                          <p:attrName>style.visibility</p:attrName>
+                                        </p:attrNameLst>
+                                      </p:cBhvr>
+                                      <p:to>
+                                        <p:strVal val="visible"/>
+                                      </p:to>
+                                    </p:set>
+                                  </p:childTnLst>
+                                </p:cTn>
+                              </p:par>
+                            </p:childTnLst>
+                          </p:cTn>
+                        </p:par>
+                      </p:childTnLst>
+                    </p:cTn>
+                  </p:par>
+                  <p:par>
+                    <p:cTn id="15" fill="hold">
+                      <p:stCondLst>
+                        <p:cond delay="indefinite"/>
+                      </p:stCondLst>
+                      <p:childTnLst>
+                        <p:par>
+                          <p:cTn id="16" fill="hold">
+                            <p:stCondLst>
+                              <p:cond delay="0"/>
+                            </p:stCondLst>
+                            <p:childTnLst>
+                              <p:par>
+                                <p:cTn id="17" presetID="1" presetClass="entr" presetSubtype="0" fill="hold" grpId="0" nodeType="clickEffect">
+                                  <p:stCondLst>
+                                    <p:cond delay="0"/>
+                                  </p:stCondLst>
+                                  <p:childTnLst>
+                                    <p:set>
+                                      <p:cBhvr>
+                                        <p:cTn id="18" dur="1" fill="hold">
+                                          <p:stCondLst>
+                                            <p:cond delay="0"/>
+                                          </p:stCondLst>
+                                        </p:cTn>
+                                        <p:tgtEl>
+                                          <p:spTgt spid="8"/>
+                                        </p:tgtEl>
+                                        <p:attrNameLst>
+                                          <p:attrName>style.visibility</p:attrName>
+                                        </p:attrNameLst>
+                                      </p:cBhvr>
+                                      <p:to>
+                                        <p:strVal val="visible"/>
+                                      </p:to>
+                                    </p:set>
+                                  </p:childTnLst>
+                                </p:cTn>
+                              </p:par>
+                            </p:childTnLst>
+                          </p:cTn>
+                        </p:par>
+                      </p:childTnLst>
+                    </p:cTn>
+                  </p:par>
+                  <p:par>
+                    <p:cTn id="19" fill="hold">
+                      <p:stCondLst>
+                        <p:cond delay="indefinite"/>
+                      </p:stCondLst>
+                      <p:childTnLst>
+                        <p:par>
+                          <p:cTn id="20" fill="hold">
+                            <p:stCondLst>
+                              <p:cond delay="0"/>
+                            </p:stCondLst>
+                            <p:childTnLst>
+                              <p:par>
+                                <p:cTn id="21" presetID="1" presetClass="entr" presetSubtype="0" fill="hold" nodeType="clickEffect">
+                                  <p:stCondLst>
+                                    <p:cond delay="0"/>
+                                  </p:stCondLst>
+                                  <p:childTnLst>
+                                    <p:set>
+                                      <p:cBhvr>
+                                        <p:cTn id="22" dur="1" fill="hold">
+                                          <p:stCondLst>
+                                            <p:cond delay="0"/>
+                                          </p:stCondLst>
+                                        </p:cTn>
+                                        <p:tgtEl>
+                                          <p:spTgt spid="4"/>
+                                        </p:tgtEl>
+                                        <p:attrNameLst>
+                                          <p:attrName>style.visibility</p:attrName>
+                                        </p:attrNameLst>
+                                      </p:cBhvr>
+                                      <p:to>
+                                        <p:strVal val="visible"/>
+                                      </p:to>
+                                    </p:set>
+                                  </p:childTnLst>
+                                </p:cTn>
+                              </p:par>
+                            </p:childTnLst>
+                          </p:cTn>
+                        </p:par>
+                      </p:childTnLst>
+                    </p:cTn>
+                  </p:par>
+                  <p:par>
+                    <p:cTn id="23" fill="hold">
+                      <p:stCondLst>
+                        <p:cond delay="indefinite"/>
+                      </p:stCondLst>
+                      <p:childTnLst>
+                        <p:par>
+                          <p:cTn id="24" fill="hold">
+                            <p:stCondLst>
+                              <p:cond delay="0"/>
+                            </p:stCondLst>
+                            <p:childTnLst>
+                              <p:par>
+                                <p:cTn id="25" presetID="1" presetClass="entr" presetSubtype="0" fill="hold" nodeType="clickEffect">
+                                  <p:stCondLst>
+                                    <p:cond delay="0"/>
+                                  </p:stCondLst>
+                                  <p:childTnLst>
+                                    <p:set>
+                                      <p:cBhvr>
+                                        <p:cTn id="26" dur="1" fill="hold">
+                                          <p:stCondLst>
+                                            <p:cond delay="0"/>
+                                          </p:stCondLst>
+                                        </p:cTn>
+                                        <p:tgtEl>
+                                          <p:spTgt spid="4098"/>
+                                        </p:tgtEl>
+                                        <p:attrNameLst>
+                                          <p:attrName>style.visibility</p:attrName>
+                                        </p:attrNameLst>
+                                      </p:cBhvr>
+                                      <p:to>
+                                        <p:strVal val="visible"/>
+                                      </p:to>
+                                    </p:set>
+                                  </p:childTnLst>
+                                </p:cTn>
+                              </p:par>
+                            </p:childTnLst>
+                          </p:cTn>
+                        </p:par>
+                      </p:childTnLst>
+                    </p:cTn>
+                  </p:par>
+                  <p:par>
+                    <p:cTn id="27" fill="hold">
+                      <p:stCondLst>
+                        <p:cond delay="indefinite"/>
+                      </p:stCondLst>
+                      <p:childTnLst>
+                        <p:par>
+                          <p:cTn id="28" fill="hold">
+                            <p:stCondLst>
+                              <p:cond delay="0"/>
+                            </p:stCondLst>
+                            <p:childTnLst>
+                              <p:par>
+                                <p:cTn id="29" presetID="1" presetClass="entr" presetSubtype="0" fill="hold" grpId="0" nodeType="clickEffect">
+                                  <p:stCondLst>
+                                    <p:cond delay="0"/>
+                                  </p:stCondLst>
+                                  <p:childTnLst>
+                                    <p:set>
+                                      <p:cBhvr>
+                                        <p:cTn id="30" dur="1" fill="hold">
+                                          <p:stCondLst>
+                                            <p:cond delay="0"/>
+                                          </p:stCondLst>
+                                        </p:cTn>
+                                        <p:tgtEl>
+                                          <p:spTgt spid="9"/>
+                                        </p:tgtEl>
+                                        <p:attrNameLst>
+                                          <p:attrName>style.visibility</p:attrName>
+                                        </p:attrNameLst>
+                                      </p:cBhvr>
+                                      <p:to>
+                                        <p:strVal val="visible"/>
+                                      </p:to>
+                                    </p:set>
+                                  </p:childTnLst>
+                                </p:cTn>
+                              </p:par>
+                            </p:childTnLst>
+                          </p:cTn>
+                        </p:par>
+                      </p:childTnLst>
+                    </p:cTn>
+                  </p:par>
+                  <p:par>
+                    <p:cTn id="31" fill="hold">
+                      <p:stCondLst>
+                        <p:cond delay="indefinite"/>
+                      </p:stCondLst>
+                      <p:childTnLst>
+                        <p:par>
+                          <p:cTn id="32" fill="hold">
+                            <p:stCondLst>
+                              <p:cond delay="0"/>
+                            </p:stCondLst>
+                            <p:childTnLst>
+                              <p:par>
+                                <p:cTn id="33" presetID="1" presetClass="entr" presetSubtype="0" fill="hold" grpId="0" nodeType="clickEffect">
+                                  <p:stCondLst>
+                                    <p:cond delay="0"/>
+                                  </p:stCondLst>
+                                  <p:childTnLst>
+                                    <p:set>
+                                      <p:cBhvr>
+                                        <p:cTn id="34" dur="1" fill="hold">
+                                          <p:stCondLst>
+                                            <p:cond delay="0"/>
+                                          </p:stCondLst>
+                                        </p:cTn>
+                                        <p:tgtEl>
+                                          <p:spTgt spid="10"/>
+                                        </p:tgtEl>
+                                        <p:attrNameLst>
+                                          <p:attrName>style.visibility</p:attrName>
+                                        </p:attrNameLst>
+                                      </p:cBhvr>
+                                      <p:to>
+                                        <p:strVal val="visible"/>
+                                      </p:to>
+                                    </p:set>
+                                  </p:childTnLst>
+                                </p:cTn>
+                              </p:par>
+                            </p:childTnLst>
+                          </p:cTn>
+                        </p:par>
+                      </p:childTnLst>
+                    </p:cTn>
+                  </p:par>
+                </p:childTnLst>
+              </p:cTn>
+              <p:prevCondLst>
+                <p:cond evt="onPrev" delay="0">
+                  <p:tgtEl>
+                    <p:sldTgt/>
+                  </p:tgtEl>
+                </p:cond>
+              </p:prevCondLst>
+              <p:nextCondLst>
+                <p:cond evt="onNext" delay="0">
+                  <p:tgtEl>
+                    <p:sldTgt/>
+                  </p:tgtEl>
+                </p:cond>
+              </p:nextCondLst>
+            </p:seq>
+          </p:childTnLst>
+        </p:cTn>
+      </p:par>
+    </p:tnLst>
+    <p:bldLst>
+      <p:bldP spid="5" grpId="0"/>
+      <p:bldP spid="8" grpId="0"/>
+      <p:bldP spid="9" grpId="0"/>
+      <p:bldP spid="10" grpId="0"/>
+    </p:bldLst>
+  </p:timing>
+</p:sld>
+</file>
+
+<file path=ppt/slides/slide7.xml><?xml version="1.0" encoding="utf-8"?>
+<p:sld xmlns:a="http://schemas.openxmlformats.org/drawingml/2006/main" xmlns:r="http://schemas.openxmlformats.org/officeDocument/2006/relationships" xmlns:p="http://schemas.openxmlformats.org/presentationml/2006/main">
+  <p:cSld>
+    <p:spTree>
+      <p:nvGrpSpPr>
+        <p:cNvPr id="1" name=""/>
+        <p:cNvGrpSpPr/>
+        <p:nvPr/>
+      </p:nvGrpSpPr>
+      <p:grpSpPr>
+        <a:xfrm>
+          <a:off x="0" y="0"/>
+          <a:ext cx="0" cy="0"/>
+          <a:chOff x="0" y="0"/>
+          <a:chExt cx="0" cy="0"/>
+        </a:xfrm>
+      </p:grpSpPr>
+      <p:sp>
+        <p:nvSpPr>
+          <p:cNvPr id="2" name="Title 1">
+            <a:extLst>
+              <a:ext uri="{FF2B5EF4-FFF2-40B4-BE49-F238E27FC236}">
+                <a16:creationId xmlns:a16="http://schemas.microsoft.com/office/drawing/2014/main" id="{08CC4B3C-A1A0-4096-BFEC-AB30B0109420}"/>
+              </a:ext>
+            </a:extLst>
+          </p:cNvPr>
+          <p:cNvSpPr>
+            <a:spLocks noGrp="1"/>
+          </p:cNvSpPr>
+          <p:nvPr>
+            <p:ph type="title"/>
+          </p:nvPr>
+        </p:nvSpPr>
+        <p:spPr/>
+        <p:txBody>
+          <a:bodyPr/>
+          <a:lstStyle/>
+          <a:p>
+            <a:r>
+              <a:rPr lang="en-US" dirty="0"/>
+              <a:t>Why is it important</a:t>
+            </a:r>
+          </a:p>
+        </p:txBody>
+      </p:sp>
+      <p:sp>
+        <p:nvSpPr>
+          <p:cNvPr id="3" name="Content Placeholder 2">
+            <a:extLst>
+              <a:ext uri="{FF2B5EF4-FFF2-40B4-BE49-F238E27FC236}">
+                <a16:creationId xmlns:a16="http://schemas.microsoft.com/office/drawing/2014/main" id="{96E26D69-4266-4CC8-B5BB-EC1375810E6D}"/>
+              </a:ext>
+            </a:extLst>
+          </p:cNvPr>
+          <p:cNvSpPr>
+            <a:spLocks noGrp="1"/>
+          </p:cNvSpPr>
+          <p:nvPr>
+            <p:ph idx="1"/>
+          </p:nvPr>
+        </p:nvSpPr>
+        <p:spPr/>
+        <p:txBody>
+          <a:bodyPr/>
+          <a:lstStyle/>
+          <a:p>
+            <a:r>
+              <a:rPr lang="en-US" dirty="0"/>
+              <a:t>The higher the count the more you bet</a:t>
+            </a:r>
+          </a:p>
+          <a:p>
+            <a:r>
+              <a:rPr lang="en-US" dirty="0"/>
+              <a:t>Higher count means more 10’s and 1’s</a:t>
+            </a:r>
+          </a:p>
+          <a:p>
+            <a:r>
+              <a:rPr lang="en-US" dirty="0"/>
+              <a:t>Better chance at a natural blackjack (1.5 * the payout) or high card total</a:t>
+            </a:r>
+          </a:p>
+          <a:p>
+            <a:r>
+              <a:rPr lang="en-US" dirty="0"/>
+              <a:t>Dealer has to hit 12-16 or stiff hands</a:t>
+            </a:r>
+          </a:p>
+        </p:txBody>
+      </p:sp>
+    </p:spTree>
+    <p:extLst>
+      <p:ext uri="{BB962C8B-B14F-4D97-AF65-F5344CB8AC3E}">
+        <p14:creationId xmlns:p14="http://schemas.microsoft.com/office/powerpoint/2010/main" val="1965827400"/>
+      </p:ext>
+    </p:extLst>
+  </p:cSld>
+  <p:clrMapOvr>
+    <a:masterClrMapping/>
+  </p:clrMapOvr>
+</p:sld>
+</file>
+
+<file path=ppt/slides/slide8.xml><?xml version="1.0" encoding="utf-8"?>
 <p:sld xmlns:a="http://schemas.openxmlformats.org/drawingml/2006/main" xmlns:r="http://schemas.openxmlformats.org/officeDocument/2006/relationships" xmlns:p="http://schemas.openxmlformats.org/presentationml/2006/main">
   <p:cSld>
     <p:bg>
@@ -6486,12 +13566,6 @@
             <a:r>
               <a:rPr lang="en-US" dirty="0"/>
               <a:t>Trying to maximize a reward</a:t>
-            </a:r>
-          </a:p>
-          <a:p>
-            <a:r>
-              <a:rPr lang="en-US" dirty="0"/>
-              <a:t>Reward set to 1.0</a:t>
             </a:r>
           </a:p>
           <a:p>
@@ -6551,7 +13625,7 @@
 </p:sld>
 </file>
 
-<file path=ppt/slides/slide5.xml><?xml version="1.0" encoding="utf-8"?>
+<file path=ppt/slides/slide9.xml><?xml version="1.0" encoding="utf-8"?>
 <p:sld xmlns:a="http://schemas.openxmlformats.org/drawingml/2006/main" xmlns:r="http://schemas.openxmlformats.org/officeDocument/2006/relationships" xmlns:p="http://schemas.openxmlformats.org/presentationml/2006/main">
   <p:cSld>
     <p:spTree>
@@ -6573,7 +13647,7 @@
           <p:cNvPr id="2" name="Title 1">
             <a:extLst>
               <a:ext uri="{FF2B5EF4-FFF2-40B4-BE49-F238E27FC236}">
-                <a16:creationId xmlns:a16="http://schemas.microsoft.com/office/drawing/2014/main" id="{2758F142-51BA-4736-A473-9DDEC9DA0FCF}"/>
+                <a16:creationId xmlns:a16="http://schemas.microsoft.com/office/drawing/2014/main" id="{0ED09AC5-E4F0-42CD-95F3-93FBF1B7A566}"/>
               </a:ext>
             </a:extLst>
           </p:cNvPr>
@@ -6590,98 +13664,255 @@
           <a:lstStyle/>
           <a:p>
             <a:r>
-              <a:rPr lang="en-US" dirty="0"/>
-              <a:t>Observation space</a:t>
-            </a:r>
-          </a:p>
-        </p:txBody>
-      </p:sp>
-      <p:sp>
-        <p:nvSpPr>
-          <p:cNvPr id="3" name="Content Placeholder 2">
+              <a:rPr lang="en-US" sz="3600" dirty="0"/>
+              <a:t>Observation Space – Regular notebook</a:t>
+            </a:r>
+          </a:p>
+        </p:txBody>
+      </p:sp>
+      <p:pic>
+        <p:nvPicPr>
+          <p:cNvPr id="4" name="Picture 2" descr="Seven of hearts meaning in cartomancy – Latin.cards">
             <a:extLst>
               <a:ext uri="{FF2B5EF4-FFF2-40B4-BE49-F238E27FC236}">
-                <a16:creationId xmlns:a16="http://schemas.microsoft.com/office/drawing/2014/main" id="{9E021957-B5F1-46AC-ACB9-351AAE2292D3}"/>
+                <a16:creationId xmlns:a16="http://schemas.microsoft.com/office/drawing/2014/main" id="{D212265A-896E-4806-8B82-A203E24F72FE}"/>
               </a:ext>
             </a:extLst>
           </p:cNvPr>
-          <p:cNvSpPr>
-            <a:spLocks noGrp="1"/>
-          </p:cNvSpPr>
-          <p:nvPr>
-            <p:ph idx="1"/>
-          </p:nvPr>
-        </p:nvSpPr>
-        <p:spPr/>
-        <p:txBody>
-          <a:bodyPr/>
+          <p:cNvPicPr>
+            <a:picLocks noChangeAspect="1" noChangeArrowheads="1"/>
+          </p:cNvPicPr>
+          <p:nvPr/>
+        </p:nvPicPr>
+        <p:blipFill>
+          <a:blip r:embed="rId2">
+            <a:extLst>
+              <a:ext uri="{28A0092B-C50C-407E-A947-70E740481C1C}">
+                <a14:useLocalDpi xmlns:a14="http://schemas.microsoft.com/office/drawing/2010/main" val="0"/>
+              </a:ext>
+            </a:extLst>
+          </a:blip>
+          <a:srcRect/>
+          <a:stretch>
+            <a:fillRect/>
+          </a:stretch>
+        </p:blipFill>
+        <p:spPr bwMode="auto">
+          <a:xfrm>
+            <a:off x="1148311" y="4185602"/>
+            <a:ext cx="1651692" cy="2400300"/>
+          </a:xfrm>
+          <a:prstGeom prst="rect">
+            <a:avLst/>
+          </a:prstGeom>
+          <a:noFill/>
+          <a:extLst>
+            <a:ext uri="{909E8E84-426E-40DD-AFC4-6F175D3DCCD1}">
+              <a14:hiddenFill xmlns:a14="http://schemas.microsoft.com/office/drawing/2010/main">
+                <a:solidFill>
+                  <a:srgbClr val="FFFFFF"/>
+                </a:solidFill>
+              </a14:hiddenFill>
+            </a:ext>
+          </a:extLst>
+        </p:spPr>
+      </p:pic>
+      <p:pic>
+        <p:nvPicPr>
+          <p:cNvPr id="5122" name="Picture 2" descr="Amazon.com: Ace of Diamonds - Poker Night Giant Cardboard Cutout ...">
+            <a:extLst>
+              <a:ext uri="{FF2B5EF4-FFF2-40B4-BE49-F238E27FC236}">
+                <a16:creationId xmlns:a16="http://schemas.microsoft.com/office/drawing/2014/main" id="{59AE9089-6479-42A6-A363-A57B3DF575A6}"/>
+              </a:ext>
+            </a:extLst>
+          </p:cNvPr>
+          <p:cNvPicPr>
+            <a:picLocks noChangeAspect="1" noChangeArrowheads="1"/>
+          </p:cNvPicPr>
+          <p:nvPr/>
+        </p:nvPicPr>
+        <p:blipFill>
+          <a:blip r:embed="rId3">
+            <a:extLst>
+              <a:ext uri="{28A0092B-C50C-407E-A947-70E740481C1C}">
+                <a14:useLocalDpi xmlns:a14="http://schemas.microsoft.com/office/drawing/2010/main" val="0"/>
+              </a:ext>
+            </a:extLst>
+          </a:blip>
+          <a:srcRect/>
+          <a:stretch>
+            <a:fillRect/>
+          </a:stretch>
+        </p:blipFill>
+        <p:spPr bwMode="auto">
+          <a:xfrm>
+            <a:off x="3440950" y="4261130"/>
+            <a:ext cx="1658695" cy="2272067"/>
+          </a:xfrm>
+          <a:prstGeom prst="rect">
+            <a:avLst/>
+          </a:prstGeom>
+          <a:noFill/>
+          <a:extLst>
+            <a:ext uri="{909E8E84-426E-40DD-AFC4-6F175D3DCCD1}">
+              <a14:hiddenFill xmlns:a14="http://schemas.microsoft.com/office/drawing/2010/main">
+                <a:solidFill>
+                  <a:srgbClr val="FFFFFF"/>
+                </a:solidFill>
+              </a14:hiddenFill>
+            </a:ext>
+          </a:extLst>
+        </p:spPr>
+      </p:pic>
+      <p:pic>
+        <p:nvPicPr>
+          <p:cNvPr id="6" name="Picture 6" descr="Playing Card Back - Red Art Print by slothuus | Society6">
+            <a:extLst>
+              <a:ext uri="{FF2B5EF4-FFF2-40B4-BE49-F238E27FC236}">
+                <a16:creationId xmlns:a16="http://schemas.microsoft.com/office/drawing/2014/main" id="{E059A0B6-DEB2-45DB-9837-EE5B4A4A7E69}"/>
+              </a:ext>
+            </a:extLst>
+          </p:cNvPr>
+          <p:cNvPicPr>
+            <a:picLocks noChangeAspect="1" noChangeArrowheads="1"/>
+          </p:cNvPicPr>
+          <p:nvPr/>
+        </p:nvPicPr>
+        <p:blipFill>
+          <a:blip r:embed="rId4">
+            <a:extLst>
+              <a:ext uri="{28A0092B-C50C-407E-A947-70E740481C1C}">
+                <a14:useLocalDpi xmlns:a14="http://schemas.microsoft.com/office/drawing/2010/main" val="0"/>
+              </a:ext>
+            </a:extLst>
+          </a:blip>
+          <a:srcRect/>
+          <a:stretch>
+            <a:fillRect/>
+          </a:stretch>
+        </p:blipFill>
+        <p:spPr bwMode="auto">
+          <a:xfrm>
+            <a:off x="2377440" y="1458395"/>
+            <a:ext cx="2432685" cy="2432685"/>
+          </a:xfrm>
+          <a:prstGeom prst="rect">
+            <a:avLst/>
+          </a:prstGeom>
+          <a:noFill/>
+          <a:extLst>
+            <a:ext uri="{909E8E84-426E-40DD-AFC4-6F175D3DCCD1}">
+              <a14:hiddenFill xmlns:a14="http://schemas.microsoft.com/office/drawing/2010/main">
+                <a:solidFill>
+                  <a:srgbClr val="FFFFFF"/>
+                </a:solidFill>
+              </a14:hiddenFill>
+            </a:ext>
+          </a:extLst>
+        </p:spPr>
+      </p:pic>
+      <p:pic>
+        <p:nvPicPr>
+          <p:cNvPr id="7" name="Picture 2">
+            <a:extLst>
+              <a:ext uri="{FF2B5EF4-FFF2-40B4-BE49-F238E27FC236}">
+                <a16:creationId xmlns:a16="http://schemas.microsoft.com/office/drawing/2014/main" id="{F61ECA6E-F149-446C-90DB-074E8DFD7E0C}"/>
+              </a:ext>
+            </a:extLst>
+          </p:cNvPr>
+          <p:cNvPicPr>
+            <a:picLocks noChangeAspect="1" noChangeArrowheads="1"/>
+          </p:cNvPicPr>
+          <p:nvPr/>
+        </p:nvPicPr>
+        <p:blipFill>
+          <a:blip r:embed="rId5">
+            <a:extLst>
+              <a:ext uri="{28A0092B-C50C-407E-A947-70E740481C1C}">
+                <a14:useLocalDpi xmlns:a14="http://schemas.microsoft.com/office/drawing/2010/main" val="0"/>
+              </a:ext>
+            </a:extLst>
+          </a:blip>
+          <a:srcRect/>
+          <a:stretch>
+            <a:fillRect/>
+          </a:stretch>
+        </p:blipFill>
+        <p:spPr bwMode="auto">
+          <a:xfrm>
+            <a:off x="5768366" y="1380527"/>
+            <a:ext cx="1670659" cy="2510553"/>
+          </a:xfrm>
+          <a:prstGeom prst="rect">
+            <a:avLst/>
+          </a:prstGeom>
+          <a:noFill/>
+          <a:extLst>
+            <a:ext uri="{909E8E84-426E-40DD-AFC4-6F175D3DCCD1}">
+              <a14:hiddenFill xmlns:a14="http://schemas.microsoft.com/office/drawing/2010/main">
+                <a:solidFill>
+                  <a:srgbClr val="FFFFFF"/>
+                </a:solidFill>
+              </a14:hiddenFill>
+            </a:ext>
+          </a:extLst>
+        </p:spPr>
+      </p:pic>
+      <p:sp>
+        <p:nvSpPr>
+          <p:cNvPr id="5" name="TextBox 4">
+            <a:extLst>
+              <a:ext uri="{FF2B5EF4-FFF2-40B4-BE49-F238E27FC236}">
+                <a16:creationId xmlns:a16="http://schemas.microsoft.com/office/drawing/2014/main" id="{2754DB1E-14A7-49BD-A56F-ADB7975A672E}"/>
+              </a:ext>
+            </a:extLst>
+          </p:cNvPr>
+          <p:cNvSpPr txBox="1"/>
+          <p:nvPr/>
+        </p:nvSpPr>
+        <p:spPr>
+          <a:xfrm>
+            <a:off x="8115300" y="2047875"/>
+            <a:ext cx="3286125" cy="923330"/>
+          </a:xfrm>
+          <a:prstGeom prst="rect">
+            <a:avLst/>
+          </a:prstGeom>
+          <a:noFill/>
+        </p:spPr>
+        <p:txBody>
+          <a:bodyPr wrap="square" rtlCol="0">
+            <a:spAutoFit/>
+          </a:bodyPr>
           <a:lstStyle/>
           <a:p>
+            <a:pPr marL="285750" indent="-285750">
+              <a:buFont typeface="Arial" panose="020B0604020202020204" pitchFamily="34" charset="0"/>
+              <a:buChar char="•"/>
+            </a:pPr>
             <a:r>
               <a:rPr lang="en-US" dirty="0"/>
-              <a:t>Regular notebook</a:t>
-            </a:r>
-          </a:p>
-          <a:p>
-            <a:pPr lvl="1"/>
+              <a:t>Usable Ace == True</a:t>
+            </a:r>
+          </a:p>
+          <a:p>
+            <a:pPr marL="285750" indent="-285750">
+              <a:buFont typeface="Arial" panose="020B0604020202020204" pitchFamily="34" charset="0"/>
+              <a:buChar char="•"/>
+            </a:pPr>
             <a:r>
               <a:rPr lang="en-US" dirty="0"/>
-              <a:t>Sum hand</a:t>
-            </a:r>
-          </a:p>
-          <a:p>
-            <a:pPr lvl="1"/>
+              <a:t>Sum or its hand == 18 or 8</a:t>
+            </a:r>
+          </a:p>
+          <a:p>
+            <a:pPr marL="285750" indent="-285750">
+              <a:buFont typeface="Arial" panose="020B0604020202020204" pitchFamily="34" charset="0"/>
+              <a:buChar char="•"/>
+            </a:pPr>
             <a:r>
               <a:rPr lang="en-US" dirty="0"/>
-              <a:t>Dealers face card</a:t>
-            </a:r>
-          </a:p>
-          <a:p>
-            <a:pPr lvl="1"/>
-            <a:r>
-              <a:rPr lang="en-US" dirty="0"/>
-              <a:t>Useable ace</a:t>
-            </a:r>
-          </a:p>
-          <a:p>
-            <a:r>
-              <a:rPr lang="en-US" dirty="0"/>
-              <a:t>Counting cards notebook</a:t>
-            </a:r>
-          </a:p>
-          <a:p>
-            <a:pPr lvl="1"/>
-            <a:r>
-              <a:rPr lang="en-US" dirty="0"/>
-              <a:t>Sum hand</a:t>
-            </a:r>
-          </a:p>
-          <a:p>
-            <a:pPr lvl="1"/>
-            <a:r>
-              <a:rPr lang="en-US" dirty="0"/>
-              <a:t>Dealers face card</a:t>
-            </a:r>
-          </a:p>
-          <a:p>
-            <a:pPr lvl="1"/>
-            <a:r>
-              <a:rPr lang="en-US" dirty="0"/>
-              <a:t>Useable ace</a:t>
-            </a:r>
-          </a:p>
-          <a:p>
-            <a:pPr lvl="1"/>
-            <a:r>
-              <a:rPr lang="en-US" dirty="0"/>
-              <a:t>The count</a:t>
-            </a:r>
-          </a:p>
-          <a:p>
-            <a:pPr lvl="1"/>
-            <a:r>
-              <a:rPr lang="en-US" dirty="0"/>
-              <a:t>Length of the deck</a:t>
+              <a:t>Dealers face card == 3</a:t>
             </a:r>
           </a:p>
         </p:txBody>
@@ -6689,656 +13920,178 @@
     </p:spTree>
     <p:extLst>
       <p:ext uri="{BB962C8B-B14F-4D97-AF65-F5344CB8AC3E}">
-        <p14:creationId xmlns:p14="http://schemas.microsoft.com/office/powerpoint/2010/main" val="2086616049"/>
+        <p14:creationId xmlns:p14="http://schemas.microsoft.com/office/powerpoint/2010/main" val="608890405"/>
       </p:ext>
     </p:extLst>
   </p:cSld>
   <p:clrMapOvr>
     <a:masterClrMapping/>
   </p:clrMapOvr>
-</p:sld>
-</file>
-
-<file path=ppt/slides/slide6.xml><?xml version="1.0" encoding="utf-8"?>
-<p:sld xmlns:a="http://schemas.openxmlformats.org/drawingml/2006/main" xmlns:r="http://schemas.openxmlformats.org/officeDocument/2006/relationships" xmlns:p="http://schemas.openxmlformats.org/presentationml/2006/main">
-  <p:cSld>
-    <p:spTree>
-      <p:nvGrpSpPr>
-        <p:cNvPr id="1" name=""/>
-        <p:cNvGrpSpPr/>
-        <p:nvPr/>
-      </p:nvGrpSpPr>
-      <p:grpSpPr>
-        <a:xfrm>
-          <a:off x="0" y="0"/>
-          <a:ext cx="0" cy="0"/>
-          <a:chOff x="0" y="0"/>
-          <a:chExt cx="0" cy="0"/>
-        </a:xfrm>
-      </p:grpSpPr>
-      <p:sp>
-        <p:nvSpPr>
-          <p:cNvPr id="2" name="Title 1">
-            <a:extLst>
-              <a:ext uri="{FF2B5EF4-FFF2-40B4-BE49-F238E27FC236}">
-                <a16:creationId xmlns:a16="http://schemas.microsoft.com/office/drawing/2014/main" id="{CAE0DCE8-9F2F-458D-BBCF-9183D6E15B38}"/>
-              </a:ext>
-            </a:extLst>
-          </p:cNvPr>
-          <p:cNvSpPr>
-            <a:spLocks noGrp="1"/>
-          </p:cNvSpPr>
-          <p:nvPr>
-            <p:ph type="title"/>
-          </p:nvPr>
-        </p:nvSpPr>
-        <p:spPr/>
-        <p:txBody>
-          <a:bodyPr/>
-          <a:lstStyle/>
-          <a:p>
-            <a:r>
-              <a:rPr lang="en-US" dirty="0"/>
-              <a:t>Limited deck</a:t>
-            </a:r>
-          </a:p>
-        </p:txBody>
-      </p:sp>
-      <p:sp>
-        <p:nvSpPr>
-          <p:cNvPr id="3" name="Content Placeholder 2">
-            <a:extLst>
-              <a:ext uri="{FF2B5EF4-FFF2-40B4-BE49-F238E27FC236}">
-                <a16:creationId xmlns:a16="http://schemas.microsoft.com/office/drawing/2014/main" id="{2EA53333-690D-4B6B-A332-4E28D933FED0}"/>
-              </a:ext>
-            </a:extLst>
-          </p:cNvPr>
-          <p:cNvSpPr>
-            <a:spLocks noGrp="1"/>
-          </p:cNvSpPr>
-          <p:nvPr>
-            <p:ph idx="1"/>
-          </p:nvPr>
-        </p:nvSpPr>
-        <p:spPr/>
-        <p:txBody>
-          <a:bodyPr/>
-          <a:lstStyle/>
-          <a:p>
-            <a:r>
-              <a:rPr lang="en-US" dirty="0"/>
-              <a:t>The count is updated as cards are dealt</a:t>
-            </a:r>
-          </a:p>
-          <a:p>
-            <a:r>
-              <a:rPr lang="en-US" dirty="0"/>
-              <a:t>If the deck is empty it is returned to a 52 card deck and the count is set back to 0</a:t>
-            </a:r>
-          </a:p>
-          <a:p>
-            <a:r>
-              <a:rPr lang="en-US" dirty="0"/>
-              <a:t>Target model update</a:t>
-            </a:r>
-          </a:p>
-        </p:txBody>
-      </p:sp>
-    </p:spTree>
-    <p:extLst>
-      <p:ext uri="{BB962C8B-B14F-4D97-AF65-F5344CB8AC3E}">
-        <p14:creationId xmlns:p14="http://schemas.microsoft.com/office/powerpoint/2010/main" val="3800082598"/>
-      </p:ext>
-    </p:extLst>
-  </p:cSld>
-  <p:clrMapOvr>
-    <a:masterClrMapping/>
-  </p:clrMapOvr>
-</p:sld>
-</file>
-
-<file path=ppt/slides/slide7.xml><?xml version="1.0" encoding="utf-8"?>
-<p:sld xmlns:a="http://schemas.openxmlformats.org/drawingml/2006/main" xmlns:r="http://schemas.openxmlformats.org/officeDocument/2006/relationships" xmlns:p="http://schemas.openxmlformats.org/presentationml/2006/main">
-  <p:cSld>
-    <p:bg>
-      <p:bgPr>
-        <a:blipFill rotWithShape="1">
-          <a:blip r:embed="rId2">
-            <a:duotone>
-              <a:schemeClr val="bg2">
-                <a:shade val="42000"/>
-                <a:hueMod val="42000"/>
-                <a:satMod val="124000"/>
-                <a:lumMod val="62000"/>
-              </a:schemeClr>
-              <a:schemeClr val="bg2">
-                <a:tint val="96000"/>
-                <a:satMod val="130000"/>
-              </a:schemeClr>
-            </a:duotone>
-          </a:blip>
-          <a:stretch/>
-        </a:blipFill>
-        <a:effectLst/>
-      </p:bgPr>
-    </p:bg>
-    <p:spTree>
-      <p:nvGrpSpPr>
-        <p:cNvPr id="1" name=""/>
-        <p:cNvGrpSpPr/>
-        <p:nvPr/>
-      </p:nvGrpSpPr>
-      <p:grpSpPr>
-        <a:xfrm>
-          <a:off x="0" y="0"/>
-          <a:ext cx="0" cy="0"/>
-          <a:chOff x="0" y="0"/>
-          <a:chExt cx="0" cy="0"/>
-        </a:xfrm>
-      </p:grpSpPr>
-      <p:sp>
-        <p:nvSpPr>
-          <p:cNvPr id="2" name="Title 1">
-            <a:extLst>
-              <a:ext uri="{FF2B5EF4-FFF2-40B4-BE49-F238E27FC236}">
-                <a16:creationId xmlns:a16="http://schemas.microsoft.com/office/drawing/2014/main" id="{CFF89B62-C40B-4299-88A0-7C33E516005F}"/>
-              </a:ext>
-            </a:extLst>
-          </p:cNvPr>
-          <p:cNvSpPr>
-            <a:spLocks noGrp="1"/>
-          </p:cNvSpPr>
-          <p:nvPr>
-            <p:ph type="title"/>
-          </p:nvPr>
-        </p:nvSpPr>
-        <p:spPr>
-          <a:xfrm>
-            <a:off x="646111" y="609601"/>
-            <a:ext cx="6246093" cy="1675975"/>
-          </a:xfrm>
-        </p:spPr>
-        <p:txBody>
-          <a:bodyPr>
-            <a:normAutofit/>
-          </a:bodyPr>
-          <a:lstStyle/>
-          <a:p>
-            <a:r>
-              <a:rPr lang="en-US" dirty="0"/>
-              <a:t>Results</a:t>
-            </a:r>
-          </a:p>
-        </p:txBody>
-      </p:sp>
-      <p:pic>
-        <p:nvPicPr>
-          <p:cNvPr id="4" name="Picture 3">
-            <a:extLst>
-              <a:ext uri="{FF2B5EF4-FFF2-40B4-BE49-F238E27FC236}">
-                <a16:creationId xmlns:a16="http://schemas.microsoft.com/office/drawing/2014/main" id="{BC00A7FC-0481-4057-B4B1-A06FDB34F0D2}"/>
-              </a:ext>
-            </a:extLst>
-          </p:cNvPr>
-          <p:cNvPicPr>
-            <a:picLocks noChangeAspect="1"/>
-          </p:cNvPicPr>
-          <p:nvPr/>
-        </p:nvPicPr>
-        <p:blipFill rotWithShape="1">
-          <a:blip r:embed="rId3"/>
-          <a:srcRect r="8044" b="-2"/>
-          <a:stretch/>
-        </p:blipFill>
-        <p:spPr>
-          <a:xfrm>
-            <a:off x="7554138" y="609137"/>
-            <a:ext cx="3990161" cy="2766290"/>
-          </a:xfrm>
-          <a:prstGeom prst="rect">
-            <a:avLst/>
-          </a:prstGeom>
-          <a:effectLst>
-            <a:outerShdw blurRad="50800" dist="38100" dir="5400000" algn="t" rotWithShape="0">
-              <a:prstClr val="black">
-                <a:alpha val="43000"/>
-              </a:prstClr>
-            </a:outerShdw>
-          </a:effectLst>
-        </p:spPr>
-      </p:pic>
-      <p:sp>
-        <p:nvSpPr>
-          <p:cNvPr id="10" name="Rectangle 9">
-            <a:extLst>
-              <a:ext uri="{FF2B5EF4-FFF2-40B4-BE49-F238E27FC236}">
-                <a16:creationId xmlns:a16="http://schemas.microsoft.com/office/drawing/2014/main" id="{100D082B-181C-4757-BCC0-CFA271637819}"/>
-              </a:ext>
-              <a:ext uri="{C183D7F6-B498-43B3-948B-1728B52AA6E4}">
-                <adec:decorative xmlns:adec="http://schemas.microsoft.com/office/drawing/2017/decorative" val="1"/>
-              </a:ext>
-            </a:extLst>
-          </p:cNvPr>
-          <p:cNvSpPr>
-            <a:spLocks noGrp="1" noRot="1" noChangeAspect="1" noMove="1" noResize="1" noEditPoints="1" noAdjustHandles="1" noChangeArrowheads="1" noChangeShapeType="1" noTextEdit="1"/>
-          </p:cNvSpPr>
-          <p:nvPr>
-            <p:extLst>
-              <p:ext uri="{386F3935-93C4-4BCD-93E2-E3B085C9AB24}">
-                <p16:designElem xmlns:p16="http://schemas.microsoft.com/office/powerpoint/2015/main" val="1"/>
-              </p:ext>
-            </p:extLst>
-          </p:nvPr>
-        </p:nvSpPr>
-        <p:spPr>
-          <a:xfrm>
-            <a:off x="10437812" y="0"/>
-            <a:ext cx="685800" cy="1143000"/>
-          </a:xfrm>
-          <a:prstGeom prst="rect">
-            <a:avLst/>
-          </a:prstGeom>
-          <a:solidFill>
-            <a:schemeClr val="accent1"/>
-          </a:solidFill>
-          <a:ln>
-            <a:noFill/>
-          </a:ln>
-        </p:spPr>
-        <p:style>
-          <a:lnRef idx="1">
-            <a:schemeClr val="accent1"/>
-          </a:lnRef>
-          <a:fillRef idx="3">
-            <a:schemeClr val="accent1"/>
-          </a:fillRef>
-          <a:effectRef idx="2">
-            <a:schemeClr val="accent1"/>
-          </a:effectRef>
-          <a:fontRef idx="minor">
-            <a:schemeClr val="lt1"/>
-          </a:fontRef>
-        </p:style>
-      </p:sp>
-      <p:sp>
-        <p:nvSpPr>
-          <p:cNvPr id="3" name="Content Placeholder 2">
-            <a:extLst>
-              <a:ext uri="{FF2B5EF4-FFF2-40B4-BE49-F238E27FC236}">
-                <a16:creationId xmlns:a16="http://schemas.microsoft.com/office/drawing/2014/main" id="{A8E74109-6D55-4C1C-98E2-71698872B11E}"/>
-              </a:ext>
-            </a:extLst>
-          </p:cNvPr>
-          <p:cNvSpPr>
-            <a:spLocks noGrp="1"/>
-          </p:cNvSpPr>
-          <p:nvPr>
-            <p:ph idx="1"/>
-          </p:nvPr>
-        </p:nvSpPr>
-        <p:spPr>
-          <a:xfrm>
-            <a:off x="642175" y="2484544"/>
-            <a:ext cx="6253484" cy="3763855"/>
-          </a:xfrm>
-        </p:spPr>
-        <p:txBody>
-          <a:bodyPr>
-            <a:normAutofit/>
-          </a:bodyPr>
-          <a:lstStyle/>
-          <a:p>
-            <a:r>
-              <a:rPr lang="en-US" dirty="0"/>
-              <a:t>If we treat the reward like betting a single dollar every game:</a:t>
-            </a:r>
-          </a:p>
-          <a:p>
-            <a:r>
-              <a:rPr lang="en-US" dirty="0"/>
-              <a:t>20,000 games</a:t>
-            </a:r>
-          </a:p>
-          <a:p>
-            <a:r>
-              <a:rPr lang="en-US" dirty="0" err="1"/>
-              <a:t>BlackJack</a:t>
-            </a:r>
-            <a:r>
-              <a:rPr lang="en-US" dirty="0"/>
-              <a:t>:</a:t>
-            </a:r>
-          </a:p>
-          <a:p>
-            <a:pPr lvl="1"/>
-            <a:r>
-              <a:rPr lang="en-US" dirty="0"/>
-              <a:t>-95</a:t>
-            </a:r>
-          </a:p>
-          <a:p>
-            <a:r>
-              <a:rPr lang="en-US" dirty="0"/>
-              <a:t>Regular:</a:t>
-            </a:r>
-          </a:p>
-          <a:p>
-            <a:pPr lvl="1"/>
-            <a:r>
-              <a:rPr lang="en-US" dirty="0"/>
-              <a:t>- 339</a:t>
-            </a:r>
-          </a:p>
-        </p:txBody>
-      </p:sp>
-      <p:pic>
-        <p:nvPicPr>
-          <p:cNvPr id="5" name="Picture 4">
-            <a:extLst>
-              <a:ext uri="{FF2B5EF4-FFF2-40B4-BE49-F238E27FC236}">
-                <a16:creationId xmlns:a16="http://schemas.microsoft.com/office/drawing/2014/main" id="{4DECD417-63EA-4D7E-AE2F-F4002F08C601}"/>
-              </a:ext>
-            </a:extLst>
-          </p:cNvPr>
-          <p:cNvPicPr>
-            <a:picLocks noChangeAspect="1"/>
-          </p:cNvPicPr>
-          <p:nvPr/>
-        </p:nvPicPr>
-        <p:blipFill rotWithShape="1">
-          <a:blip r:embed="rId4"/>
-          <a:srcRect r="2641" b="5"/>
-          <a:stretch/>
-        </p:blipFill>
-        <p:spPr>
-          <a:xfrm>
-            <a:off x="7554138" y="3482108"/>
-            <a:ext cx="3990161" cy="2766290"/>
-          </a:xfrm>
-          <a:prstGeom prst="rect">
-            <a:avLst/>
-          </a:prstGeom>
-          <a:effectLst>
-            <a:outerShdw blurRad="50800" dist="38100" dir="5400000" algn="t" rotWithShape="0">
-              <a:prstClr val="black">
-                <a:alpha val="43000"/>
-              </a:prstClr>
-            </a:outerShdw>
-          </a:effectLst>
-        </p:spPr>
-      </p:pic>
-    </p:spTree>
-    <p:extLst>
-      <p:ext uri="{BB962C8B-B14F-4D97-AF65-F5344CB8AC3E}">
-        <p14:creationId xmlns:p14="http://schemas.microsoft.com/office/powerpoint/2010/main" val="2949897048"/>
-      </p:ext>
-    </p:extLst>
-  </p:cSld>
-  <p:clrMapOvr>
-    <a:masterClrMapping/>
-  </p:clrMapOvr>
-</p:sld>
-</file>
-
-<file path=ppt/slides/slide8.xml><?xml version="1.0" encoding="utf-8"?>
-<p:sld xmlns:a="http://schemas.openxmlformats.org/drawingml/2006/main" xmlns:r="http://schemas.openxmlformats.org/officeDocument/2006/relationships" xmlns:p="http://schemas.openxmlformats.org/presentationml/2006/main">
-  <p:cSld>
-    <p:spTree>
-      <p:nvGrpSpPr>
-        <p:cNvPr id="1" name=""/>
-        <p:cNvGrpSpPr/>
-        <p:nvPr/>
-      </p:nvGrpSpPr>
-      <p:grpSpPr>
-        <a:xfrm>
-          <a:off x="0" y="0"/>
-          <a:ext cx="0" cy="0"/>
-          <a:chOff x="0" y="0"/>
-          <a:chExt cx="0" cy="0"/>
-        </a:xfrm>
-      </p:grpSpPr>
-      <p:sp>
-        <p:nvSpPr>
-          <p:cNvPr id="2" name="Title 1">
-            <a:extLst>
-              <a:ext uri="{FF2B5EF4-FFF2-40B4-BE49-F238E27FC236}">
-                <a16:creationId xmlns:a16="http://schemas.microsoft.com/office/drawing/2014/main" id="{84313259-83A0-498C-8C13-57C7AA0029EE}"/>
-              </a:ext>
-            </a:extLst>
-          </p:cNvPr>
-          <p:cNvSpPr>
-            <a:spLocks noGrp="1"/>
-          </p:cNvSpPr>
-          <p:nvPr>
-            <p:ph type="title"/>
-          </p:nvPr>
-        </p:nvSpPr>
-        <p:spPr/>
-        <p:txBody>
-          <a:bodyPr/>
-          <a:lstStyle/>
-          <a:p>
-            <a:r>
-              <a:rPr lang="en-US" dirty="0"/>
-              <a:t>Modern day game play</a:t>
-            </a:r>
-          </a:p>
-        </p:txBody>
-      </p:sp>
-      <p:sp>
-        <p:nvSpPr>
-          <p:cNvPr id="3" name="Content Placeholder 2">
-            <a:extLst>
-              <a:ext uri="{FF2B5EF4-FFF2-40B4-BE49-F238E27FC236}">
-                <a16:creationId xmlns:a16="http://schemas.microsoft.com/office/drawing/2014/main" id="{E02384E4-F4C2-4EC7-B7BF-BD51E9FE5369}"/>
-              </a:ext>
-            </a:extLst>
-          </p:cNvPr>
-          <p:cNvSpPr>
-            <a:spLocks noGrp="1"/>
-          </p:cNvSpPr>
-          <p:nvPr>
-            <p:ph idx="1"/>
-          </p:nvPr>
-        </p:nvSpPr>
-        <p:spPr/>
-        <p:txBody>
-          <a:bodyPr/>
-          <a:lstStyle/>
-          <a:p>
-            <a:r>
-              <a:rPr lang="en-US" dirty="0"/>
-              <a:t>Casinos play with multiple deck</a:t>
-            </a:r>
-          </a:p>
-          <a:p>
-            <a:r>
-              <a:rPr lang="en-US" dirty="0"/>
-              <a:t>Count can still be kept</a:t>
-            </a:r>
-          </a:p>
-          <a:p>
-            <a:r>
-              <a:rPr lang="en-US" dirty="0"/>
-              <a:t>Running count = true count / number of decks left</a:t>
-            </a:r>
-          </a:p>
-        </p:txBody>
-      </p:sp>
-    </p:spTree>
-    <p:extLst>
-      <p:ext uri="{BB962C8B-B14F-4D97-AF65-F5344CB8AC3E}">
-        <p14:creationId xmlns:p14="http://schemas.microsoft.com/office/powerpoint/2010/main" val="1335478864"/>
-      </p:ext>
-    </p:extLst>
-  </p:cSld>
-  <p:clrMapOvr>
-    <a:masterClrMapping/>
-  </p:clrMapOvr>
-</p:sld>
-</file>
-
-<file path=ppt/slides/slide9.xml><?xml version="1.0" encoding="utf-8"?>
-<p:sld xmlns:a="http://schemas.openxmlformats.org/drawingml/2006/main" xmlns:r="http://schemas.openxmlformats.org/officeDocument/2006/relationships" xmlns:p="http://schemas.openxmlformats.org/presentationml/2006/main">
-  <p:cSld>
-    <p:bg>
-      <p:bgPr>
-        <a:blipFill rotWithShape="1">
-          <a:blip r:embed="rId2">
-            <a:duotone>
-              <a:schemeClr val="bg2">
-                <a:shade val="42000"/>
-                <a:hueMod val="42000"/>
-                <a:satMod val="124000"/>
-                <a:lumMod val="62000"/>
-              </a:schemeClr>
-              <a:schemeClr val="bg2">
-                <a:tint val="96000"/>
-                <a:satMod val="130000"/>
-              </a:schemeClr>
-            </a:duotone>
-          </a:blip>
-          <a:stretch/>
-        </a:blipFill>
-        <a:effectLst/>
-      </p:bgPr>
-    </p:bg>
-    <p:spTree>
-      <p:nvGrpSpPr>
-        <p:cNvPr id="1" name=""/>
-        <p:cNvGrpSpPr/>
-        <p:nvPr/>
-      </p:nvGrpSpPr>
-      <p:grpSpPr>
-        <a:xfrm>
-          <a:off x="0" y="0"/>
-          <a:ext cx="0" cy="0"/>
-          <a:chOff x="0" y="0"/>
-          <a:chExt cx="0" cy="0"/>
-        </a:xfrm>
-      </p:grpSpPr>
-      <p:sp>
-        <p:nvSpPr>
-          <p:cNvPr id="2" name="Title 1">
-            <a:extLst>
-              <a:ext uri="{FF2B5EF4-FFF2-40B4-BE49-F238E27FC236}">
-                <a16:creationId xmlns:a16="http://schemas.microsoft.com/office/drawing/2014/main" id="{DEC971A3-B285-435D-B0B8-34C89ABFD9D5}"/>
-              </a:ext>
-            </a:extLst>
-          </p:cNvPr>
-          <p:cNvSpPr>
-            <a:spLocks noGrp="1"/>
-          </p:cNvSpPr>
-          <p:nvPr>
-            <p:ph type="title"/>
-          </p:nvPr>
-        </p:nvSpPr>
-        <p:spPr>
-          <a:xfrm>
-            <a:off x="648930" y="629266"/>
-            <a:ext cx="9252154" cy="1223983"/>
-          </a:xfrm>
-        </p:spPr>
-        <p:txBody>
-          <a:bodyPr>
-            <a:normAutofit/>
-          </a:bodyPr>
-          <a:lstStyle/>
-          <a:p>
-            <a:r>
-              <a:rPr lang="en-US" dirty="0"/>
-              <a:t>New model</a:t>
-            </a:r>
-          </a:p>
-        </p:txBody>
-      </p:sp>
-      <p:sp>
-        <p:nvSpPr>
-          <p:cNvPr id="3" name="Content Placeholder 2">
-            <a:extLst>
-              <a:ext uri="{FF2B5EF4-FFF2-40B4-BE49-F238E27FC236}">
-                <a16:creationId xmlns:a16="http://schemas.microsoft.com/office/drawing/2014/main" id="{A44812F4-9BEF-4141-BC11-91D3AD2C4011}"/>
-              </a:ext>
-            </a:extLst>
-          </p:cNvPr>
-          <p:cNvSpPr>
-            <a:spLocks noGrp="1"/>
-          </p:cNvSpPr>
-          <p:nvPr>
-            <p:ph idx="1"/>
-          </p:nvPr>
-        </p:nvSpPr>
-        <p:spPr>
-          <a:xfrm>
-            <a:off x="1103311" y="2052214"/>
-            <a:ext cx="4338409" cy="4196185"/>
-          </a:xfrm>
-        </p:spPr>
-        <p:txBody>
-          <a:bodyPr>
-            <a:normAutofit/>
-          </a:bodyPr>
-          <a:lstStyle/>
-          <a:p>
-            <a:r>
-              <a:rPr lang="en-US" dirty="0"/>
-              <a:t>6 decks</a:t>
-            </a:r>
-          </a:p>
-          <a:p>
-            <a:r>
-              <a:rPr lang="en-US" dirty="0"/>
-              <a:t>Running count</a:t>
-            </a:r>
-          </a:p>
-          <a:p>
-            <a:r>
-              <a:rPr lang="en-US" dirty="0"/>
-              <a:t>-836</a:t>
-            </a:r>
-          </a:p>
-        </p:txBody>
-      </p:sp>
-      <p:pic>
-        <p:nvPicPr>
-          <p:cNvPr id="6" name="Picture 5">
-            <a:extLst>
-              <a:ext uri="{FF2B5EF4-FFF2-40B4-BE49-F238E27FC236}">
-                <a16:creationId xmlns:a16="http://schemas.microsoft.com/office/drawing/2014/main" id="{A76FBA94-F55E-4118-8BEB-7BFE3A730549}"/>
-              </a:ext>
-            </a:extLst>
-          </p:cNvPr>
-          <p:cNvPicPr>
-            <a:picLocks noChangeAspect="1"/>
-          </p:cNvPicPr>
-          <p:nvPr/>
-        </p:nvPicPr>
-        <p:blipFill>
-          <a:blip r:embed="rId3"/>
-          <a:stretch>
-            <a:fillRect/>
-          </a:stretch>
-        </p:blipFill>
-        <p:spPr>
-          <a:xfrm>
-            <a:off x="5238409" y="1947227"/>
-            <a:ext cx="5772150" cy="3552825"/>
-          </a:xfrm>
-          <a:prstGeom prst="rect">
-            <a:avLst/>
-          </a:prstGeom>
-        </p:spPr>
-      </p:pic>
-    </p:spTree>
-    <p:extLst>
-      <p:ext uri="{BB962C8B-B14F-4D97-AF65-F5344CB8AC3E}">
-        <p14:creationId xmlns:p14="http://schemas.microsoft.com/office/powerpoint/2010/main" val="2133696504"/>
-      </p:ext>
-    </p:extLst>
-  </p:cSld>
-  <p:clrMapOvr>
-    <a:masterClrMapping/>
-  </p:clrMapOvr>
+  <p:timing>
+    <p:tnLst>
+      <p:par>
+        <p:cTn id="1" dur="indefinite" restart="never" nodeType="tmRoot">
+          <p:childTnLst>
+            <p:seq concurrent="1" nextAc="seek">
+              <p:cTn id="2" dur="indefinite" nodeType="mainSeq">
+                <p:childTnLst>
+                  <p:par>
+                    <p:cTn id="3" fill="hold">
+                      <p:stCondLst>
+                        <p:cond delay="indefinite"/>
+                      </p:stCondLst>
+                      <p:childTnLst>
+                        <p:par>
+                          <p:cTn id="4" fill="hold">
+                            <p:stCondLst>
+                              <p:cond delay="0"/>
+                            </p:stCondLst>
+                            <p:childTnLst>
+                              <p:par>
+                                <p:cTn id="5" presetID="1" presetClass="entr" presetSubtype="0" fill="hold" nodeType="clickEffect">
+                                  <p:stCondLst>
+                                    <p:cond delay="0"/>
+                                  </p:stCondLst>
+                                  <p:childTnLst>
+                                    <p:set>
+                                      <p:cBhvr>
+                                        <p:cTn id="6" dur="1" fill="hold">
+                                          <p:stCondLst>
+                                            <p:cond delay="0"/>
+                                          </p:stCondLst>
+                                        </p:cTn>
+                                        <p:tgtEl>
+                                          <p:spTgt spid="4"/>
+                                        </p:tgtEl>
+                                        <p:attrNameLst>
+                                          <p:attrName>style.visibility</p:attrName>
+                                        </p:attrNameLst>
+                                      </p:cBhvr>
+                                      <p:to>
+                                        <p:strVal val="visible"/>
+                                      </p:to>
+                                    </p:set>
+                                  </p:childTnLst>
+                                </p:cTn>
+                              </p:par>
+                            </p:childTnLst>
+                          </p:cTn>
+                        </p:par>
+                      </p:childTnLst>
+                    </p:cTn>
+                  </p:par>
+                  <p:par>
+                    <p:cTn id="7" fill="hold">
+                      <p:stCondLst>
+                        <p:cond delay="indefinite"/>
+                      </p:stCondLst>
+                      <p:childTnLst>
+                        <p:par>
+                          <p:cTn id="8" fill="hold">
+                            <p:stCondLst>
+                              <p:cond delay="0"/>
+                            </p:stCondLst>
+                            <p:childTnLst>
+                              <p:par>
+                                <p:cTn id="9" presetID="1" presetClass="entr" presetSubtype="0" fill="hold" nodeType="clickEffect">
+                                  <p:stCondLst>
+                                    <p:cond delay="0"/>
+                                  </p:stCondLst>
+                                  <p:childTnLst>
+                                    <p:set>
+                                      <p:cBhvr>
+                                        <p:cTn id="10" dur="1" fill="hold">
+                                          <p:stCondLst>
+                                            <p:cond delay="0"/>
+                                          </p:stCondLst>
+                                        </p:cTn>
+                                        <p:tgtEl>
+                                          <p:spTgt spid="6"/>
+                                        </p:tgtEl>
+                                        <p:attrNameLst>
+                                          <p:attrName>style.visibility</p:attrName>
+                                        </p:attrNameLst>
+                                      </p:cBhvr>
+                                      <p:to>
+                                        <p:strVal val="visible"/>
+                                      </p:to>
+                                    </p:set>
+                                  </p:childTnLst>
+                                </p:cTn>
+                              </p:par>
+                            </p:childTnLst>
+                          </p:cTn>
+                        </p:par>
+                      </p:childTnLst>
+                    </p:cTn>
+                  </p:par>
+                  <p:par>
+                    <p:cTn id="11" fill="hold">
+                      <p:stCondLst>
+                        <p:cond delay="indefinite"/>
+                      </p:stCondLst>
+                      <p:childTnLst>
+                        <p:par>
+                          <p:cTn id="12" fill="hold">
+                            <p:stCondLst>
+                              <p:cond delay="0"/>
+                            </p:stCondLst>
+                            <p:childTnLst>
+                              <p:par>
+                                <p:cTn id="13" presetID="1" presetClass="entr" presetSubtype="0" fill="hold" nodeType="clickEffect">
+                                  <p:stCondLst>
+                                    <p:cond delay="0"/>
+                                  </p:stCondLst>
+                                  <p:childTnLst>
+                                    <p:set>
+                                      <p:cBhvr>
+                                        <p:cTn id="14" dur="1" fill="hold">
+                                          <p:stCondLst>
+                                            <p:cond delay="0"/>
+                                          </p:stCondLst>
+                                        </p:cTn>
+                                        <p:tgtEl>
+                                          <p:spTgt spid="7"/>
+                                        </p:tgtEl>
+                                        <p:attrNameLst>
+                                          <p:attrName>style.visibility</p:attrName>
+                                        </p:attrNameLst>
+                                      </p:cBhvr>
+                                      <p:to>
+                                        <p:strVal val="visible"/>
+                                      </p:to>
+                                    </p:set>
+                                  </p:childTnLst>
+                                </p:cTn>
+                              </p:par>
+                            </p:childTnLst>
+                          </p:cTn>
+                        </p:par>
+                      </p:childTnLst>
+                    </p:cTn>
+                  </p:par>
+                </p:childTnLst>
+              </p:cTn>
+              <p:prevCondLst>
+                <p:cond evt="onPrev" delay="0">
+                  <p:tgtEl>
+                    <p:sldTgt/>
+                  </p:tgtEl>
+                </p:cond>
+              </p:prevCondLst>
+              <p:nextCondLst>
+                <p:cond evt="onNext" delay="0">
+                  <p:tgtEl>
+                    <p:sldTgt/>
+                  </p:tgtEl>
+                </p:cond>
+              </p:nextCondLst>
+            </p:seq>
+          </p:childTnLst>
+        </p:cTn>
+      </p:par>
+    </p:tnLst>
+  </p:timing>
 </p:sld>
 </file>
 
